--- a/powerpoints/sas-r.pptx
+++ b/powerpoints/sas-r.pptx
@@ -244,7 +244,7 @@
           <a:p>
             <a:fld id="{ECC89BB6-A31E-4472-9960-4A29D90DFAEA}" type="datetimeFigureOut">
               <a:rPr lang="en-IE" smtClean="0"/>
-              <a:t>08/09/2021</a:t>
+              <a:t>16/05/2022</a:t>
             </a:fld>
             <a:endParaRPr lang="en-IE"/>
           </a:p>
@@ -414,7 +414,7 @@
           <a:p>
             <a:fld id="{ECC89BB6-A31E-4472-9960-4A29D90DFAEA}" type="datetimeFigureOut">
               <a:rPr lang="en-IE" smtClean="0"/>
-              <a:t>08/09/2021</a:t>
+              <a:t>16/05/2022</a:t>
             </a:fld>
             <a:endParaRPr lang="en-IE"/>
           </a:p>
@@ -594,7 +594,7 @@
           <a:p>
             <a:fld id="{ECC89BB6-A31E-4472-9960-4A29D90DFAEA}" type="datetimeFigureOut">
               <a:rPr lang="en-IE" smtClean="0"/>
-              <a:t>08/09/2021</a:t>
+              <a:t>16/05/2022</a:t>
             </a:fld>
             <a:endParaRPr lang="en-IE"/>
           </a:p>
@@ -764,7 +764,7 @@
           <a:p>
             <a:fld id="{ECC89BB6-A31E-4472-9960-4A29D90DFAEA}" type="datetimeFigureOut">
               <a:rPr lang="en-IE" smtClean="0"/>
-              <a:t>08/09/2021</a:t>
+              <a:t>16/05/2022</a:t>
             </a:fld>
             <a:endParaRPr lang="en-IE"/>
           </a:p>
@@ -1008,7 +1008,7 @@
           <a:p>
             <a:fld id="{ECC89BB6-A31E-4472-9960-4A29D90DFAEA}" type="datetimeFigureOut">
               <a:rPr lang="en-IE" smtClean="0"/>
-              <a:t>08/09/2021</a:t>
+              <a:t>16/05/2022</a:t>
             </a:fld>
             <a:endParaRPr lang="en-IE"/>
           </a:p>
@@ -1240,7 +1240,7 @@
           <a:p>
             <a:fld id="{ECC89BB6-A31E-4472-9960-4A29D90DFAEA}" type="datetimeFigureOut">
               <a:rPr lang="en-IE" smtClean="0"/>
-              <a:t>08/09/2021</a:t>
+              <a:t>16/05/2022</a:t>
             </a:fld>
             <a:endParaRPr lang="en-IE"/>
           </a:p>
@@ -1607,7 +1607,7 @@
           <a:p>
             <a:fld id="{ECC89BB6-A31E-4472-9960-4A29D90DFAEA}" type="datetimeFigureOut">
               <a:rPr lang="en-IE" smtClean="0"/>
-              <a:t>08/09/2021</a:t>
+              <a:t>16/05/2022</a:t>
             </a:fld>
             <a:endParaRPr lang="en-IE"/>
           </a:p>
@@ -1725,7 +1725,7 @@
           <a:p>
             <a:fld id="{ECC89BB6-A31E-4472-9960-4A29D90DFAEA}" type="datetimeFigureOut">
               <a:rPr lang="en-IE" smtClean="0"/>
-              <a:t>08/09/2021</a:t>
+              <a:t>16/05/2022</a:t>
             </a:fld>
             <a:endParaRPr lang="en-IE"/>
           </a:p>
@@ -1820,7 +1820,7 @@
           <a:p>
             <a:fld id="{ECC89BB6-A31E-4472-9960-4A29D90DFAEA}" type="datetimeFigureOut">
               <a:rPr lang="en-IE" smtClean="0"/>
-              <a:t>08/09/2021</a:t>
+              <a:t>16/05/2022</a:t>
             </a:fld>
             <a:endParaRPr lang="en-IE"/>
           </a:p>
@@ -2097,7 +2097,7 @@
           <a:p>
             <a:fld id="{ECC89BB6-A31E-4472-9960-4A29D90DFAEA}" type="datetimeFigureOut">
               <a:rPr lang="en-IE" smtClean="0"/>
-              <a:t>08/09/2021</a:t>
+              <a:t>16/05/2022</a:t>
             </a:fld>
             <a:endParaRPr lang="en-IE"/>
           </a:p>
@@ -2354,7 +2354,7 @@
           <a:p>
             <a:fld id="{ECC89BB6-A31E-4472-9960-4A29D90DFAEA}" type="datetimeFigureOut">
               <a:rPr lang="en-IE" smtClean="0"/>
-              <a:t>08/09/2021</a:t>
+              <a:t>16/05/2022</a:t>
             </a:fld>
             <a:endParaRPr lang="en-IE"/>
           </a:p>
@@ -2567,7 +2567,7 @@
           <a:p>
             <a:fld id="{ECC89BB6-A31E-4472-9960-4A29D90DFAEA}" type="datetimeFigureOut">
               <a:rPr lang="en-IE" smtClean="0"/>
-              <a:t>08/09/2021</a:t>
+              <a:t>16/05/2022</a:t>
             </a:fld>
             <a:endParaRPr lang="en-IE"/>
           </a:p>
@@ -3295,7 +3295,7 @@
           <p:nvPr>
             <p:extLst>
               <p:ext uri="{D42A27DB-BD31-4B8C-83A1-F6EECF244321}">
-                <p14:modId xmlns:p14="http://schemas.microsoft.com/office/powerpoint/2010/main" val="2457580670"/>
+                <p14:modId xmlns:p14="http://schemas.microsoft.com/office/powerpoint/2010/main" val="1352751600"/>
               </p:ext>
             </p:extLst>
           </p:nvPr>
@@ -3311,17 +3311,17 @@
                 <a:tableStyleId>{5940675A-B579-460E-94D1-54222C63F5DA}</a:tableStyleId>
               </a:tblPr>
               <a:tblGrid>
-                <a:gridCol w="2037155">
+                <a:gridCol w="1888198">
                   <a:extLst>
                     <a:ext uri="{9D8B030D-6E8A-4147-A177-3AD203B41FA5}">
                       <a16:colId xmlns:a16="http://schemas.microsoft.com/office/drawing/2014/main" val="834047869"/>
                     </a:ext>
                   </a:extLst>
                 </a:gridCol>
-                <a:gridCol w="210446">
+                <a:gridCol w="359403">
                   <a:extLst>
                     <a:ext uri="{9D8B030D-6E8A-4147-A177-3AD203B41FA5}">
-                      <a16:colId xmlns:a16="http://schemas.microsoft.com/office/drawing/2014/main" val="1954111313"/>
+                      <a16:colId xmlns:a16="http://schemas.microsoft.com/office/drawing/2014/main" val="134343299"/>
                     </a:ext>
                   </a:extLst>
                 </a:gridCol>
@@ -3386,16 +3386,10 @@
                     <a:bodyPr/>
                     <a:lstStyle/>
                     <a:p>
-                      <a:endParaRPr lang="en-IE" sz="1300" b="0" dirty="0">
-                        <a:solidFill>
-                          <a:schemeClr val="accent4"/>
-                        </a:solidFill>
-                        <a:latin typeface="Segoe UI" panose="020B0502040204020203" pitchFamily="34" charset="0"/>
-                        <a:cs typeface="Segoe UI" panose="020B0502040204020203" pitchFamily="34" charset="0"/>
-                      </a:endParaRPr>
+                      <a:endParaRPr lang="en-IE"/>
                     </a:p>
                   </a:txBody>
-                  <a:tcPr marL="0" marR="0" marT="18000" marB="18000"/>
+                  <a:tcPr/>
                 </a:tc>
                 <a:tc hMerge="1">
                   <a:txBody>
@@ -3411,7 +3405,11 @@
                       </a:endParaRPr>
                     </a:p>
                   </a:txBody>
-                  <a:tcPr marL="0" marR="0" marT="18000" marB="18000"/>
+                  <a:tcPr marL="0" marR="0" marT="18000" marB="18000">
+                    <a:lnL w="12700" cmpd="sng">
+                      <a:noFill/>
+                    </a:lnL>
+                  </a:tcPr>
                 </a:tc>
                 <a:tc>
                   <a:txBody>
@@ -3514,16 +3512,10 @@
                     <a:bodyPr/>
                     <a:lstStyle/>
                     <a:p>
-                      <a:endParaRPr lang="en-IE" sz="700" b="0" dirty="0">
-                        <a:solidFill>
-                          <a:schemeClr val="accent4"/>
-                        </a:solidFill>
-                        <a:latin typeface="Segoe UI" panose="020B0502040204020203" pitchFamily="34" charset="0"/>
-                        <a:cs typeface="Segoe UI" panose="020B0502040204020203" pitchFamily="34" charset="0"/>
-                      </a:endParaRPr>
+                      <a:endParaRPr lang="en-IE"/>
                     </a:p>
                   </a:txBody>
-                  <a:tcPr marL="0" marR="0" marT="18000" marB="18000"/>
+                  <a:tcPr/>
                 </a:tc>
                 <a:tc hMerge="1">
                   <a:txBody>
@@ -3533,7 +3525,11 @@
                       <a:endParaRPr lang="en-IE"/>
                     </a:p>
                   </a:txBody>
-                  <a:tcPr/>
+                  <a:tcPr>
+                    <a:lnL w="12700" cmpd="sng">
+                      <a:noFill/>
+                    </a:lnL>
+                  </a:tcPr>
                 </a:tc>
                 <a:tc hMerge="1">
                   <a:txBody>
@@ -3617,111 +3613,10 @@
                     <a:bodyPr/>
                     <a:lstStyle/>
                     <a:p>
-                      <a:r>
-                        <a:rPr lang="en-IE" sz="750" b="0" dirty="0" err="1">
-                          <a:solidFill>
-                            <a:schemeClr val="accent4"/>
-                          </a:solidFill>
-                          <a:latin typeface="Segoe UI" panose="020B0502040204020203" pitchFamily="34" charset="0"/>
-                          <a:cs typeface="Segoe UI" panose="020B0502040204020203" pitchFamily="34" charset="0"/>
-                        </a:rPr>
-                        <a:t>i</a:t>
-                      </a:r>
-                      <a:r>
-                        <a:rPr lang="en-IE" sz="750" b="1" dirty="0" err="1">
-                          <a:solidFill>
-                            <a:schemeClr val="accent4"/>
-                          </a:solidFill>
-                          <a:latin typeface="Segoe UI" panose="020B0502040204020203" pitchFamily="34" charset="0"/>
-                          <a:cs typeface="Segoe UI" panose="020B0502040204020203" pitchFamily="34" charset="0"/>
-                        </a:rPr>
-                        <a:t>nstall.packages</a:t>
-                      </a:r>
-                      <a:r>
-                        <a:rPr lang="en-IE" sz="750" b="1" dirty="0">
-                          <a:solidFill>
-                            <a:schemeClr val="accent4"/>
-                          </a:solidFill>
-                          <a:latin typeface="Segoe UI" panose="020B0502040204020203" pitchFamily="34" charset="0"/>
-                          <a:cs typeface="Segoe UI" panose="020B0502040204020203" pitchFamily="34" charset="0"/>
-                        </a:rPr>
-                        <a:t>(</a:t>
-                      </a:r>
-                      <a:r>
-                        <a:rPr lang="en-US" sz="750" b="1" dirty="0">
-                          <a:solidFill>
-                            <a:schemeClr val="accent1"/>
-                          </a:solidFill>
-                          <a:latin typeface="Segoe UI" panose="020B0502040204020203" pitchFamily="34" charset="0"/>
-                          <a:cs typeface="Segoe UI" panose="020B0502040204020203" pitchFamily="34" charset="0"/>
-                        </a:rPr>
-                        <a:t>"</a:t>
-                      </a:r>
-                      <a:r>
-                        <a:rPr lang="en-IE" sz="750" b="0" dirty="0" err="1">
-                          <a:solidFill>
-                            <a:schemeClr val="accent4"/>
-                          </a:solidFill>
-                          <a:latin typeface="Segoe UI" panose="020B0502040204020203" pitchFamily="34" charset="0"/>
-                          <a:cs typeface="Segoe UI" panose="020B0502040204020203" pitchFamily="34" charset="0"/>
-                        </a:rPr>
-                        <a:t>tidyverse</a:t>
-                      </a:r>
-                      <a:r>
-                        <a:rPr lang="en-US" sz="750" b="1" dirty="0">
-                          <a:solidFill>
-                            <a:schemeClr val="accent1"/>
-                          </a:solidFill>
-                          <a:latin typeface="Segoe UI" panose="020B0502040204020203" pitchFamily="34" charset="0"/>
-                          <a:cs typeface="Segoe UI" panose="020B0502040204020203" pitchFamily="34" charset="0"/>
-                        </a:rPr>
-                        <a:t>"</a:t>
-                      </a:r>
-                      <a:r>
-                        <a:rPr lang="en-IE" sz="750" b="1" dirty="0">
-                          <a:solidFill>
-                            <a:schemeClr val="accent4"/>
-                          </a:solidFill>
-                          <a:latin typeface="Segoe UI" panose="020B0502040204020203" pitchFamily="34" charset="0"/>
-                          <a:cs typeface="Segoe UI" panose="020B0502040204020203" pitchFamily="34" charset="0"/>
-                        </a:rPr>
-                        <a:t>)</a:t>
-                      </a:r>
-                    </a:p>
-                    <a:p>
-                      <a:r>
-                        <a:rPr lang="en-IE" sz="750" b="1" dirty="0">
-                          <a:solidFill>
-                            <a:schemeClr val="accent4"/>
-                          </a:solidFill>
-                          <a:latin typeface="Segoe UI" panose="020B0502040204020203" pitchFamily="34" charset="0"/>
-                          <a:cs typeface="Segoe UI" panose="020B0502040204020203" pitchFamily="34" charset="0"/>
-                        </a:rPr>
-                        <a:t>library(</a:t>
-                      </a:r>
-                      <a:r>
-                        <a:rPr lang="en-IE" sz="750" b="0" dirty="0" err="1">
-                          <a:solidFill>
-                            <a:schemeClr val="accent4"/>
-                          </a:solidFill>
-                          <a:latin typeface="Segoe UI" panose="020B0502040204020203" pitchFamily="34" charset="0"/>
-                          <a:cs typeface="Segoe UI" panose="020B0502040204020203" pitchFamily="34" charset="0"/>
-                        </a:rPr>
-                        <a:t>tidyverse</a:t>
-                      </a:r>
-                      <a:r>
-                        <a:rPr lang="en-IE" sz="750" b="1" dirty="0">
-                          <a:solidFill>
-                            <a:schemeClr val="accent4"/>
-                          </a:solidFill>
-                          <a:latin typeface="Segoe UI" panose="020B0502040204020203" pitchFamily="34" charset="0"/>
-                          <a:cs typeface="Segoe UI" panose="020B0502040204020203" pitchFamily="34" charset="0"/>
-                        </a:rPr>
-                        <a:t>)</a:t>
-                      </a:r>
+                      <a:endParaRPr lang="en-IE"/>
                     </a:p>
                   </a:txBody>
-                  <a:tcPr marL="0" marR="0" marT="14400" marB="14400"/>
+                  <a:tcPr/>
                 </a:tc>
                 <a:tc gridSpan="2">
                   <a:txBody>
@@ -3952,16 +3847,10 @@
                     <a:bodyPr/>
                     <a:lstStyle/>
                     <a:p>
-                      <a:endParaRPr lang="en-IE" sz="750" b="0" dirty="0">
-                        <a:solidFill>
-                          <a:schemeClr val="accent4"/>
-                        </a:solidFill>
-                        <a:latin typeface="Segoe UI" panose="020B0502040204020203" pitchFamily="34" charset="0"/>
-                        <a:cs typeface="Segoe UI" panose="020B0502040204020203" pitchFamily="34" charset="0"/>
-                      </a:endParaRPr>
+                      <a:endParaRPr lang="en-IE"/>
                     </a:p>
                   </a:txBody>
-                  <a:tcPr marL="0" marR="0" marT="14400" marB="14400"/>
+                  <a:tcPr/>
                 </a:tc>
                 <a:tc hMerge="1">
                   <a:txBody>
@@ -3971,7 +3860,14 @@
                       <a:endParaRPr lang="en-IE"/>
                     </a:p>
                   </a:txBody>
-                  <a:tcPr/>
+                  <a:tcPr>
+                    <a:lnL w="12700" cmpd="sng">
+                      <a:noFill/>
+                    </a:lnL>
+                    <a:lnT w="12700" cmpd="sng">
+                      <a:noFill/>
+                    </a:lnT>
+                  </a:tcPr>
                 </a:tc>
                 <a:tc hMerge="1">
                   <a:txBody>
@@ -4197,16 +4093,10 @@
                     <a:bodyPr/>
                     <a:lstStyle/>
                     <a:p>
-                      <a:endParaRPr lang="en-IE" sz="700" b="0" dirty="0">
-                        <a:solidFill>
-                          <a:schemeClr val="accent4"/>
-                        </a:solidFill>
-                        <a:latin typeface="Segoe UI" panose="020B0502040204020203" pitchFamily="34" charset="0"/>
-                        <a:cs typeface="Segoe UI" panose="020B0502040204020203" pitchFamily="34" charset="0"/>
-                      </a:endParaRPr>
+                      <a:endParaRPr lang="en-IE"/>
                     </a:p>
                   </a:txBody>
-                  <a:tcPr marL="0" marR="0" marT="14400" marB="14400"/>
+                  <a:tcPr/>
                 </a:tc>
                 <a:tc hMerge="1">
                   <a:txBody>
@@ -4216,7 +4106,11 @@
                       <a:endParaRPr lang="en-IE"/>
                     </a:p>
                   </a:txBody>
-                  <a:tcPr/>
+                  <a:tcPr>
+                    <a:lnL w="12700" cmpd="sng">
+                      <a:noFill/>
+                    </a:lnL>
+                  </a:tcPr>
                 </a:tc>
                 <a:tc hMerge="1">
                   <a:txBody>
@@ -4306,16 +4200,10 @@
                     <a:bodyPr/>
                     <a:lstStyle/>
                     <a:p>
-                      <a:endParaRPr lang="en-IE" sz="700" b="0" dirty="0">
-                        <a:solidFill>
-                          <a:schemeClr val="accent4"/>
-                        </a:solidFill>
-                        <a:latin typeface="Segoe UI" panose="020B0502040204020203" pitchFamily="34" charset="0"/>
-                        <a:cs typeface="Segoe UI" panose="020B0502040204020203" pitchFamily="34" charset="0"/>
-                      </a:endParaRPr>
+                      <a:endParaRPr lang="en-IE"/>
                     </a:p>
                   </a:txBody>
-                  <a:tcPr marL="0" marR="0" marT="14400" marB="14400"/>
+                  <a:tcPr/>
                 </a:tc>
                 <a:tc hMerge="1">
                   <a:txBody>
@@ -4325,7 +4213,11 @@
                       <a:endParaRPr lang="en-IE"/>
                     </a:p>
                   </a:txBody>
-                  <a:tcPr/>
+                  <a:tcPr>
+                    <a:lnL w="12700" cmpd="sng">
+                      <a:noFill/>
+                    </a:lnL>
+                  </a:tcPr>
                 </a:tc>
                 <a:tc hMerge="1">
                   <a:txBody>
@@ -4496,19 +4388,29 @@
                     <a:lstStyle/>
                     <a:p>
                       <a:r>
-                        <a:rPr lang="en-IE" sz="1000" b="0" dirty="0" err="1">
+                        <a:rPr lang="en-IE" sz="1000" b="0">
                           <a:solidFill>
                             <a:schemeClr val="accent2"/>
                           </a:solidFill>
                           <a:latin typeface="Segoe UI" panose="020B0502040204020203" pitchFamily="34" charset="0"/>
                           <a:cs typeface="Segoe UI" panose="020B0502040204020203" pitchFamily="34" charset="0"/>
                         </a:rPr>
-                        <a:t>new_data</a:t>
-                      </a:r>
-                      <a:r>
-                        <a:rPr lang="en-IE" sz="1000" b="0" dirty="0">
-                          <a:solidFill>
-                            <a:schemeClr val="accent2"/>
+                        <a:t>new_data </a:t>
+                      </a:r>
+                      <a:r>
+                        <a:rPr lang="en-IE" sz="1000" b="1">
+                          <a:solidFill>
+                            <a:schemeClr val="accent1"/>
+                          </a:solidFill>
+                          <a:latin typeface="Segoe UI" panose="020B0502040204020203" pitchFamily="34" charset="0"/>
+                          <a:cs typeface="Segoe UI" panose="020B0502040204020203" pitchFamily="34" charset="0"/>
+                        </a:rPr>
+                        <a:t>&lt;-</a:t>
+                      </a:r>
+                      <a:r>
+                        <a:rPr lang="en-IE" sz="1000" b="0">
+                          <a:solidFill>
+                            <a:schemeClr val="accent1"/>
                           </a:solidFill>
                           <a:latin typeface="Segoe UI" panose="020B0502040204020203" pitchFamily="34" charset="0"/>
                           <a:cs typeface="Segoe UI" panose="020B0502040204020203" pitchFamily="34" charset="0"/>
@@ -4516,27 +4418,7 @@
                         <a:t> </a:t>
                       </a:r>
                       <a:r>
-                        <a:rPr lang="en-IE" sz="1000" b="1" dirty="0">
-                          <a:solidFill>
-                            <a:schemeClr val="accent1"/>
-                          </a:solidFill>
-                          <a:latin typeface="Segoe UI" panose="020B0502040204020203" pitchFamily="34" charset="0"/>
-                          <a:cs typeface="Segoe UI" panose="020B0502040204020203" pitchFamily="34" charset="0"/>
-                        </a:rPr>
-                        <a:t>&lt;-</a:t>
-                      </a:r>
-                      <a:r>
-                        <a:rPr lang="en-IE" sz="1000" b="0" dirty="0">
-                          <a:solidFill>
-                            <a:schemeClr val="accent1"/>
-                          </a:solidFill>
-                          <a:latin typeface="Segoe UI" panose="020B0502040204020203" pitchFamily="34" charset="0"/>
-                          <a:cs typeface="Segoe UI" panose="020B0502040204020203" pitchFamily="34" charset="0"/>
-                        </a:rPr>
-                        <a:t> </a:t>
-                      </a:r>
-                      <a:r>
-                        <a:rPr lang="en-IE" sz="1000" b="0" dirty="0" err="1">
+                        <a:rPr lang="en-IE" sz="1000" b="0">
                           <a:solidFill>
                             <a:schemeClr val="accent2"/>
                           </a:solidFill>
@@ -4547,7 +4429,7 @@
                       </a:r>
                       <a:endParaRPr lang="en-IE" sz="1000" b="0" dirty="0">
                         <a:solidFill>
-                          <a:schemeClr val="accent2"/>
+                          <a:schemeClr val="accent4"/>
                         </a:solidFill>
                         <a:latin typeface="Segoe UI" panose="020B0502040204020203" pitchFamily="34" charset="0"/>
                         <a:cs typeface="Segoe UI" panose="020B0502040204020203" pitchFamily="34" charset="0"/>
@@ -4591,7 +4473,11 @@
                       <a:endParaRPr lang="en-IE"/>
                     </a:p>
                   </a:txBody>
-                  <a:tcPr/>
+                  <a:tcPr>
+                    <a:lnL w="12700" cmpd="sng">
+                      <a:noFill/>
+                    </a:lnL>
+                  </a:tcPr>
                 </a:tc>
                 <a:tc hMerge="1">
                   <a:txBody>
@@ -4835,44 +4721,14 @@
                         <a:defRPr/>
                       </a:pPr>
                       <a:r>
-                        <a:rPr lang="en-IE" sz="1000" b="0" dirty="0" err="1">
-                          <a:solidFill>
-                            <a:schemeClr val="accent4"/>
-                          </a:solidFill>
-                          <a:latin typeface="Segoe UI" panose="020B0502040204020203" pitchFamily="34" charset="0"/>
-                          <a:cs typeface="Segoe UI" panose="020B0502040204020203" pitchFamily="34" charset="0"/>
-                        </a:rPr>
-                        <a:t>new_data</a:t>
-                      </a:r>
-                      <a:r>
-                        <a:rPr lang="en-IE" sz="1000" b="0" dirty="0">
-                          <a:solidFill>
-                            <a:schemeClr val="accent4"/>
-                          </a:solidFill>
-                          <a:latin typeface="Segoe UI" panose="020B0502040204020203" pitchFamily="34" charset="0"/>
-                          <a:cs typeface="Segoe UI" panose="020B0502040204020203" pitchFamily="34" charset="0"/>
-                        </a:rPr>
-                        <a:t> &lt;- </a:t>
-                      </a:r>
-                      <a:r>
-                        <a:rPr lang="en-IE" sz="1000" b="0" dirty="0" err="1">
-                          <a:solidFill>
-                            <a:schemeClr val="accent4"/>
-                          </a:solidFill>
-                          <a:latin typeface="Segoe UI" panose="020B0502040204020203" pitchFamily="34" charset="0"/>
-                          <a:cs typeface="Segoe UI" panose="020B0502040204020203" pitchFamily="34" charset="0"/>
-                        </a:rPr>
-                        <a:t>old_data</a:t>
-                      </a:r>
-                      <a:r>
-                        <a:rPr lang="en-IE" sz="1000" b="0" dirty="0">
-                          <a:solidFill>
-                            <a:schemeClr val="accent4"/>
-                          </a:solidFill>
-                          <a:latin typeface="Segoe UI" panose="020B0502040204020203" pitchFamily="34" charset="0"/>
-                          <a:cs typeface="Segoe UI" panose="020B0502040204020203" pitchFamily="34" charset="0"/>
-                        </a:rPr>
-                        <a:t> %&gt;%</a:t>
+                        <a:rPr lang="en-IE" sz="1000" b="0">
+                          <a:solidFill>
+                            <a:schemeClr val="accent4"/>
+                          </a:solidFill>
+                          <a:latin typeface="Segoe UI" panose="020B0502040204020203" pitchFamily="34" charset="0"/>
+                          <a:cs typeface="Segoe UI" panose="020B0502040204020203" pitchFamily="34" charset="0"/>
+                        </a:rPr>
+                        <a:t>new_data &lt;- old_data %&gt;%</a:t>
                       </a:r>
                     </a:p>
                     <a:p>
@@ -4894,7 +4750,7 @@
                         <a:defRPr/>
                       </a:pPr>
                       <a:r>
-                        <a:rPr lang="en-IE" sz="1000" b="0" dirty="0">
+                        <a:rPr lang="en-IE" sz="1000" b="0">
                           <a:solidFill>
                             <a:schemeClr val="accent4"/>
                           </a:solidFill>
@@ -4904,7 +4760,7 @@
                         <a:t>  </a:t>
                       </a:r>
                       <a:r>
-                        <a:rPr lang="en-IE" sz="1000" b="1" dirty="0">
+                        <a:rPr lang="en-IE" sz="1000" b="1">
                           <a:solidFill>
                             <a:schemeClr val="accent1"/>
                           </a:solidFill>
@@ -4914,7 +4770,7 @@
                         <a:t>select(-</a:t>
                       </a:r>
                       <a:r>
-                        <a:rPr lang="en-IE" sz="1000" b="0" dirty="0" err="1">
+                        <a:rPr lang="en-IE" sz="1000" b="0">
                           <a:solidFill>
                             <a:schemeClr val="accent2"/>
                           </a:solidFill>
@@ -4924,7 +4780,7 @@
                         <a:t>job_title</a:t>
                       </a:r>
                       <a:r>
-                        <a:rPr lang="en-IE" sz="1000" b="1" dirty="0">
+                        <a:rPr lang="en-IE" sz="1000" b="1">
                           <a:solidFill>
                             <a:schemeClr val="accent1"/>
                           </a:solidFill>
@@ -4934,7 +4790,7 @@
                         <a:t>)</a:t>
                       </a:r>
                       <a:r>
-                        <a:rPr lang="en-IE" sz="1000" b="0" dirty="0">
+                        <a:rPr lang="en-IE" sz="1000" b="0">
                           <a:solidFill>
                             <a:schemeClr val="accent4"/>
                           </a:solidFill>
@@ -4963,7 +4819,7 @@
                         <a:defRPr/>
                       </a:pPr>
                       <a:r>
-                        <a:rPr lang="en-IE" sz="1000" b="0" dirty="0">
+                        <a:rPr lang="en-IE" sz="1000" b="0">
                           <a:solidFill>
                             <a:schemeClr val="accent4"/>
                           </a:solidFill>
@@ -4973,7 +4829,7 @@
                         <a:t>  </a:t>
                       </a:r>
                       <a:r>
-                        <a:rPr lang="en-IE" sz="1000" b="1" dirty="0">
+                        <a:rPr lang="en-IE" sz="1000" b="1">
                           <a:solidFill>
                             <a:schemeClr val="accent1"/>
                           </a:solidFill>
@@ -4983,7 +4839,7 @@
                         <a:t>select(</a:t>
                       </a:r>
                       <a:r>
-                        <a:rPr lang="en-IE" sz="1000" b="0" dirty="0">
+                        <a:rPr lang="en-IE" sz="1000" b="0">
                           <a:solidFill>
                             <a:schemeClr val="accent2"/>
                           </a:solidFill>
@@ -4993,7 +4849,7 @@
                         <a:t>id</a:t>
                       </a:r>
                       <a:r>
-                        <a:rPr lang="en-IE" sz="1000" b="1" dirty="0">
+                        <a:rPr lang="en-IE" sz="1000" b="1">
                           <a:solidFill>
                             <a:schemeClr val="accent1"/>
                           </a:solidFill>
@@ -5002,6 +4858,13 @@
                         </a:rPr>
                         <a:t>)</a:t>
                       </a:r>
+                      <a:endParaRPr lang="en-IE" sz="1000" b="0" dirty="0">
+                        <a:solidFill>
+                          <a:schemeClr val="accent4"/>
+                        </a:solidFill>
+                        <a:latin typeface="Segoe UI" panose="020B0502040204020203" pitchFamily="34" charset="0"/>
+                        <a:cs typeface="Segoe UI" panose="020B0502040204020203" pitchFamily="34" charset="0"/>
+                      </a:endParaRPr>
                     </a:p>
                   </a:txBody>
                   <a:tcPr marL="0" marR="0" marT="82800" marB="82800">
@@ -5047,7 +4910,11 @@
                       <a:endParaRPr lang="en-IE"/>
                     </a:p>
                   </a:txBody>
-                  <a:tcPr/>
+                  <a:tcPr>
+                    <a:lnL w="12700" cmpd="sng">
+                      <a:noFill/>
+                    </a:lnL>
+                  </a:tcPr>
                 </a:tc>
                 <a:tc hMerge="1">
                   <a:txBody>
@@ -5271,49 +5138,19 @@
                         <a:defRPr/>
                       </a:pPr>
                       <a:r>
-                        <a:rPr lang="en-IE" sz="1000" b="0" dirty="0" err="1">
-                          <a:solidFill>
-                            <a:schemeClr val="accent4"/>
-                          </a:solidFill>
-                          <a:latin typeface="Segoe UI" panose="020B0502040204020203" pitchFamily="34" charset="0"/>
-                          <a:cs typeface="Segoe UI" panose="020B0502040204020203" pitchFamily="34" charset="0"/>
-                        </a:rPr>
-                        <a:t>new_data</a:t>
-                      </a:r>
-                      <a:r>
-                        <a:rPr lang="en-IE" sz="1000" b="0" dirty="0">
-                          <a:solidFill>
-                            <a:schemeClr val="accent4"/>
-                          </a:solidFill>
-                          <a:latin typeface="Segoe UI" panose="020B0502040204020203" pitchFamily="34" charset="0"/>
-                          <a:cs typeface="Segoe UI" panose="020B0502040204020203" pitchFamily="34" charset="0"/>
-                        </a:rPr>
-                        <a:t> &lt;- </a:t>
-                      </a:r>
-                      <a:r>
-                        <a:rPr lang="en-IE" sz="1000" b="0" dirty="0" err="1">
-                          <a:solidFill>
-                            <a:schemeClr val="accent4"/>
-                          </a:solidFill>
-                          <a:latin typeface="Segoe UI" panose="020B0502040204020203" pitchFamily="34" charset="0"/>
-                          <a:cs typeface="Segoe UI" panose="020B0502040204020203" pitchFamily="34" charset="0"/>
-                        </a:rPr>
-                        <a:t>old_data</a:t>
-                      </a:r>
-                      <a:r>
-                        <a:rPr lang="en-IE" sz="1000" b="0" dirty="0">
-                          <a:solidFill>
-                            <a:schemeClr val="accent4"/>
-                          </a:solidFill>
-                          <a:latin typeface="Segoe UI" panose="020B0502040204020203" pitchFamily="34" charset="0"/>
-                          <a:cs typeface="Segoe UI" panose="020B0502040204020203" pitchFamily="34" charset="0"/>
-                        </a:rPr>
-                        <a:t> %&gt;%</a:t>
-                      </a:r>
-                    </a:p>
-                    <a:p>
-                      <a:r>
-                        <a:rPr lang="en-IE" sz="1000" b="0" dirty="0">
+                        <a:rPr lang="en-IE" sz="1000" b="0">
+                          <a:solidFill>
+                            <a:schemeClr val="accent4"/>
+                          </a:solidFill>
+                          <a:latin typeface="Segoe UI" panose="020B0502040204020203" pitchFamily="34" charset="0"/>
+                          <a:cs typeface="Segoe UI" panose="020B0502040204020203" pitchFamily="34" charset="0"/>
+                        </a:rPr>
+                        <a:t>new_data &lt;- old_data %&gt;%</a:t>
+                      </a:r>
+                    </a:p>
+                    <a:p>
+                      <a:r>
+                        <a:rPr lang="en-IE" sz="1000" b="0">
                           <a:solidFill>
                             <a:schemeClr val="accent4"/>
                           </a:solidFill>
@@ -5323,37 +5160,17 @@
                         <a:t>  select( </a:t>
                       </a:r>
                       <a:r>
-                        <a:rPr lang="en-IE" sz="1000" b="1" dirty="0">
-                          <a:solidFill>
-                            <a:schemeClr val="accent1"/>
-                          </a:solidFill>
-                          <a:latin typeface="Segoe UI" panose="020B0502040204020203" pitchFamily="34" charset="0"/>
-                          <a:cs typeface="Segoe UI" panose="020B0502040204020203" pitchFamily="34" charset="0"/>
-                        </a:rPr>
-                        <a:t>-</a:t>
-                      </a:r>
-                      <a:r>
-                        <a:rPr lang="en-IE" sz="1000" b="1" dirty="0" err="1">
-                          <a:solidFill>
-                            <a:schemeClr val="accent1"/>
-                          </a:solidFill>
-                          <a:latin typeface="Segoe UI" panose="020B0502040204020203" pitchFamily="34" charset="0"/>
-                          <a:cs typeface="Segoe UI" panose="020B0502040204020203" pitchFamily="34" charset="0"/>
-                        </a:rPr>
-                        <a:t>starts_with</a:t>
-                      </a:r>
-                      <a:r>
-                        <a:rPr lang="en-IE" sz="1000" b="1" dirty="0">
-                          <a:solidFill>
-                            <a:schemeClr val="accent1"/>
-                          </a:solidFill>
-                          <a:latin typeface="Segoe UI" panose="020B0502040204020203" pitchFamily="34" charset="0"/>
-                          <a:cs typeface="Segoe UI" panose="020B0502040204020203" pitchFamily="34" charset="0"/>
-                        </a:rPr>
-                        <a:t>(</a:t>
-                      </a:r>
-                      <a:r>
-                        <a:rPr lang="en-US" sz="1000" b="1" dirty="0">
+                        <a:rPr lang="en-IE" sz="1000" b="1">
+                          <a:solidFill>
+                            <a:schemeClr val="accent1"/>
+                          </a:solidFill>
+                          <a:latin typeface="Segoe UI" panose="020B0502040204020203" pitchFamily="34" charset="0"/>
+                          <a:cs typeface="Segoe UI" panose="020B0502040204020203" pitchFamily="34" charset="0"/>
+                        </a:rPr>
+                        <a:t>-starts_with(</a:t>
+                      </a:r>
+                      <a:r>
+                        <a:rPr lang="en-US" sz="1000" b="1">
                           <a:solidFill>
                             <a:schemeClr val="accent1"/>
                           </a:solidFill>
@@ -5363,7 +5180,7 @@
                         <a:t>"</a:t>
                       </a:r>
                       <a:r>
-                        <a:rPr lang="en-IE" sz="1000" b="0" dirty="0">
+                        <a:rPr lang="en-IE" sz="1000" b="0">
                           <a:solidFill>
                             <a:schemeClr val="accent1"/>
                           </a:solidFill>
@@ -5373,7 +5190,7 @@
                         <a:t>temp</a:t>
                       </a:r>
                       <a:r>
-                        <a:rPr lang="en-US" sz="1000" b="1" dirty="0">
+                        <a:rPr lang="en-US" sz="1000" b="1">
                           <a:solidFill>
                             <a:schemeClr val="accent1"/>
                           </a:solidFill>
@@ -5383,7 +5200,7 @@
                         <a:t>"</a:t>
                       </a:r>
                       <a:r>
-                        <a:rPr lang="en-IE" sz="1000" b="1" dirty="0">
+                        <a:rPr lang="en-IE" sz="1000" b="1">
                           <a:solidFill>
                             <a:schemeClr val="accent1"/>
                           </a:solidFill>
@@ -5392,6 +5209,13 @@
                         </a:rPr>
                         <a:t>)</a:t>
                       </a:r>
+                      <a:endParaRPr lang="en-IE" sz="1000" b="0" dirty="0">
+                        <a:solidFill>
+                          <a:schemeClr val="accent4"/>
+                        </a:solidFill>
+                        <a:latin typeface="Segoe UI" panose="020B0502040204020203" pitchFamily="34" charset="0"/>
+                        <a:cs typeface="Segoe UI" panose="020B0502040204020203" pitchFamily="34" charset="0"/>
+                      </a:endParaRPr>
                     </a:p>
                   </a:txBody>
                   <a:tcPr marL="0" marR="0" marT="82800" marB="82800">
@@ -5437,7 +5261,11 @@
                       <a:endParaRPr lang="en-IE"/>
                     </a:p>
                   </a:txBody>
-                  <a:tcPr/>
+                  <a:tcPr>
+                    <a:lnL w="12700" cmpd="sng">
+                      <a:noFill/>
+                    </a:lnL>
+                  </a:tcPr>
                 </a:tc>
                 <a:tc hMerge="1">
                   <a:txBody>
@@ -5687,49 +5515,19 @@
                         <a:defRPr/>
                       </a:pPr>
                       <a:r>
-                        <a:rPr lang="en-IE" sz="1000" b="0" dirty="0" err="1">
-                          <a:solidFill>
-                            <a:schemeClr val="accent4"/>
-                          </a:solidFill>
-                          <a:latin typeface="Segoe UI" panose="020B0502040204020203" pitchFamily="34" charset="0"/>
-                          <a:cs typeface="Segoe UI" panose="020B0502040204020203" pitchFamily="34" charset="0"/>
-                        </a:rPr>
-                        <a:t>new_data</a:t>
-                      </a:r>
-                      <a:r>
-                        <a:rPr lang="en-IE" sz="1000" b="0" dirty="0">
-                          <a:solidFill>
-                            <a:schemeClr val="accent4"/>
-                          </a:solidFill>
-                          <a:latin typeface="Segoe UI" panose="020B0502040204020203" pitchFamily="34" charset="0"/>
-                          <a:cs typeface="Segoe UI" panose="020B0502040204020203" pitchFamily="34" charset="0"/>
-                        </a:rPr>
-                        <a:t> &lt;- </a:t>
-                      </a:r>
-                      <a:r>
-                        <a:rPr lang="en-IE" sz="1000" b="0" dirty="0" err="1">
-                          <a:solidFill>
-                            <a:schemeClr val="accent4"/>
-                          </a:solidFill>
-                          <a:latin typeface="Segoe UI" panose="020B0502040204020203" pitchFamily="34" charset="0"/>
-                          <a:cs typeface="Segoe UI" panose="020B0502040204020203" pitchFamily="34" charset="0"/>
-                        </a:rPr>
-                        <a:t>old_data</a:t>
-                      </a:r>
-                      <a:r>
-                        <a:rPr lang="en-IE" sz="1000" b="0" dirty="0">
-                          <a:solidFill>
-                            <a:schemeClr val="accent4"/>
-                          </a:solidFill>
-                          <a:latin typeface="Segoe UI" panose="020B0502040204020203" pitchFamily="34" charset="0"/>
-                          <a:cs typeface="Segoe UI" panose="020B0502040204020203" pitchFamily="34" charset="0"/>
-                        </a:rPr>
-                        <a:t> %&gt;%</a:t>
-                      </a:r>
-                    </a:p>
-                    <a:p>
-                      <a:r>
-                        <a:rPr lang="en-IE" sz="1000" b="0" dirty="0">
+                        <a:rPr lang="en-IE" sz="1000" b="0">
+                          <a:solidFill>
+                            <a:schemeClr val="accent4"/>
+                          </a:solidFill>
+                          <a:latin typeface="Segoe UI" panose="020B0502040204020203" pitchFamily="34" charset="0"/>
+                          <a:cs typeface="Segoe UI" panose="020B0502040204020203" pitchFamily="34" charset="0"/>
+                        </a:rPr>
+                        <a:t>new_data &lt;- old_data %&gt;%</a:t>
+                      </a:r>
+                    </a:p>
+                    <a:p>
+                      <a:r>
+                        <a:rPr lang="en-IE" sz="1000" b="0">
                           <a:solidFill>
                             <a:schemeClr val="accent4"/>
                           </a:solidFill>
@@ -5739,7 +5537,7 @@
                         <a:t>  </a:t>
                       </a:r>
                       <a:r>
-                        <a:rPr lang="en-IE" sz="1000" b="1" dirty="0">
+                        <a:rPr lang="en-IE" sz="1000" b="1">
                           <a:solidFill>
                             <a:schemeClr val="accent1"/>
                           </a:solidFill>
@@ -5749,57 +5547,47 @@
                         <a:t>rename(</a:t>
                       </a:r>
                       <a:r>
-                        <a:rPr lang="en-IE" sz="1000" b="0" dirty="0" err="1">
+                        <a:rPr lang="en-IE" sz="1000" b="0">
                           <a:solidFill>
                             <a:schemeClr val="accent2"/>
                           </a:solidFill>
                           <a:latin typeface="Segoe UI" panose="020B0502040204020203" pitchFamily="34" charset="0"/>
                           <a:cs typeface="Segoe UI" panose="020B0502040204020203" pitchFamily="34" charset="0"/>
                         </a:rPr>
-                        <a:t>new_name</a:t>
-                      </a:r>
-                      <a:r>
-                        <a:rPr lang="en-IE" sz="1000" b="0" dirty="0">
+                        <a:t>new_name </a:t>
+                      </a:r>
+                      <a:r>
+                        <a:rPr lang="en-IE" sz="1000" b="1">
+                          <a:solidFill>
+                            <a:schemeClr val="accent1"/>
+                          </a:solidFill>
+                          <a:latin typeface="Segoe UI" panose="020B0502040204020203" pitchFamily="34" charset="0"/>
+                          <a:cs typeface="Segoe UI" panose="020B0502040204020203" pitchFamily="34" charset="0"/>
+                        </a:rPr>
+                        <a:t>=</a:t>
+                      </a:r>
+                      <a:r>
+                        <a:rPr lang="en-IE" sz="1000" b="1">
+                          <a:solidFill>
+                            <a:schemeClr val="accent4"/>
+                          </a:solidFill>
+                          <a:latin typeface="Segoe UI" panose="020B0502040204020203" pitchFamily="34" charset="0"/>
+                          <a:cs typeface="Segoe UI" panose="020B0502040204020203" pitchFamily="34" charset="0"/>
+                        </a:rPr>
+                        <a:t> </a:t>
+                      </a:r>
+                      <a:r>
+                        <a:rPr lang="en-IE" sz="1000" b="0">
                           <a:solidFill>
                             <a:schemeClr val="accent2"/>
                           </a:solidFill>
                           <a:latin typeface="Segoe UI" panose="020B0502040204020203" pitchFamily="34" charset="0"/>
                           <a:cs typeface="Segoe UI" panose="020B0502040204020203" pitchFamily="34" charset="0"/>
                         </a:rPr>
-                        <a:t> </a:t>
-                      </a:r>
-                      <a:r>
-                        <a:rPr lang="en-IE" sz="1000" b="1" dirty="0">
-                          <a:solidFill>
-                            <a:schemeClr val="accent1"/>
-                          </a:solidFill>
-                          <a:latin typeface="Segoe UI" panose="020B0502040204020203" pitchFamily="34" charset="0"/>
-                          <a:cs typeface="Segoe UI" panose="020B0502040204020203" pitchFamily="34" charset="0"/>
-                        </a:rPr>
-                        <a:t>=</a:t>
-                      </a:r>
-                      <a:r>
-                        <a:rPr lang="en-IE" sz="1000" b="1" dirty="0">
-                          <a:solidFill>
-                            <a:schemeClr val="accent4"/>
-                          </a:solidFill>
-                          <a:latin typeface="Segoe UI" panose="020B0502040204020203" pitchFamily="34" charset="0"/>
-                          <a:cs typeface="Segoe UI" panose="020B0502040204020203" pitchFamily="34" charset="0"/>
-                        </a:rPr>
-                        <a:t> </a:t>
-                      </a:r>
-                      <a:r>
-                        <a:rPr lang="en-IE" sz="1000" b="0" dirty="0" err="1">
-                          <a:solidFill>
-                            <a:schemeClr val="accent2"/>
-                          </a:solidFill>
-                          <a:latin typeface="Segoe UI" panose="020B0502040204020203" pitchFamily="34" charset="0"/>
-                          <a:cs typeface="Segoe UI" panose="020B0502040204020203" pitchFamily="34" charset="0"/>
-                        </a:rPr>
                         <a:t>old_name</a:t>
                       </a:r>
                       <a:r>
-                        <a:rPr lang="en-IE" sz="1000" b="1" dirty="0">
+                        <a:rPr lang="en-IE" sz="1000" b="1">
                           <a:solidFill>
                             <a:schemeClr val="accent1"/>
                           </a:solidFill>
@@ -5808,11 +5596,9 @@
                         </a:rPr>
                         <a:t>)</a:t>
                       </a:r>
-                    </a:p>
-                    <a:p>
-                      <a:endParaRPr lang="en-IE" sz="1000" b="0" dirty="0">
+                      <a:endParaRPr lang="en-IE" sz="1000" b="1" dirty="0">
                         <a:solidFill>
-                          <a:schemeClr val="accent4"/>
+                          <a:schemeClr val="accent1"/>
                         </a:solidFill>
                         <a:latin typeface="Segoe UI" panose="020B0502040204020203" pitchFamily="34" charset="0"/>
                         <a:cs typeface="Segoe UI" panose="020B0502040204020203" pitchFamily="34" charset="0"/>
@@ -5862,7 +5648,11 @@
                       <a:endParaRPr lang="en-IE"/>
                     </a:p>
                   </a:txBody>
-                  <a:tcPr/>
+                  <a:tcPr>
+                    <a:lnL w="12700" cmpd="sng">
+                      <a:noFill/>
+                    </a:lnL>
+                  </a:tcPr>
                 </a:tc>
                 <a:tc hMerge="1">
                   <a:txBody>
@@ -5946,43 +5736,10 @@
                     <a:bodyPr/>
                     <a:lstStyle/>
                     <a:p>
-                      <a:endParaRPr lang="en-IE" sz="1000" b="0" dirty="0">
-                        <a:solidFill>
-                          <a:schemeClr val="accent4"/>
-                        </a:solidFill>
-                        <a:latin typeface="Segoe UI" panose="020B0502040204020203" pitchFamily="34" charset="0"/>
-                        <a:cs typeface="Segoe UI" panose="020B0502040204020203" pitchFamily="34" charset="0"/>
-                      </a:endParaRPr>
+                      <a:endParaRPr lang="en-IE"/>
                     </a:p>
                   </a:txBody>
-                  <a:tcPr marL="0" marR="0" marT="76154" marB="50769">
-                    <a:lnL w="12700" cmpd="sng">
-                      <a:noFill/>
-                    </a:lnL>
-                    <a:lnR w="12700" cmpd="sng">
-                      <a:noFill/>
-                    </a:lnR>
-                    <a:lnT w="12700" cap="flat" cmpd="sng" algn="ctr">
-                      <a:solidFill>
-                        <a:schemeClr val="accent3"/>
-                      </a:solidFill>
-                      <a:prstDash val="solid"/>
-                      <a:round/>
-                      <a:headEnd type="none" w="med" len="med"/>
-                      <a:tailEnd type="none" w="med" len="med"/>
-                    </a:lnT>
-                    <a:lnB w="12700" cmpd="sng">
-                      <a:noFill/>
-                    </a:lnB>
-                    <a:lnTlToBr w="12700" cmpd="sng">
-                      <a:noFill/>
-                      <a:prstDash val="solid"/>
-                    </a:lnTlToBr>
-                    <a:lnBlToTr w="12700" cmpd="sng">
-                      <a:noFill/>
-                      <a:prstDash val="solid"/>
-                    </a:lnBlToTr>
-                  </a:tcPr>
+                  <a:tcPr/>
                 </a:tc>
                 <a:tc hMerge="1">
                   <a:txBody>
@@ -5992,7 +5749,11 @@
                       <a:endParaRPr lang="en-IE"/>
                     </a:p>
                   </a:txBody>
-                  <a:tcPr/>
+                  <a:tcPr>
+                    <a:lnL w="12700" cmpd="sng">
+                      <a:noFill/>
+                    </a:lnL>
+                  </a:tcPr>
                 </a:tc>
                 <a:tc hMerge="1">
                   <a:txBody>
@@ -6256,7 +6017,7 @@
                         <a:defRPr/>
                       </a:pPr>
                       <a:r>
-                        <a:rPr lang="en-IE" sz="1000" b="0" dirty="0" err="1">
+                        <a:rPr lang="en-IE" sz="1000" b="0">
                           <a:solidFill>
                             <a:schemeClr val="accent4"/>
                           </a:solidFill>
@@ -6266,7 +6027,7 @@
                         <a:t>new</a:t>
                       </a:r>
                       <a:r>
-                        <a:rPr lang="en-IE" sz="1000" b="1" dirty="0" err="1">
+                        <a:rPr lang="en-IE" sz="1000" b="1">
                           <a:solidFill>
                             <a:schemeClr val="accent4"/>
                           </a:solidFill>
@@ -6276,49 +6037,19 @@
                         <a:t>_</a:t>
                       </a:r>
                       <a:r>
-                        <a:rPr lang="en-IE" sz="1000" b="0" dirty="0" err="1">
-                          <a:solidFill>
-                            <a:schemeClr val="accent4"/>
-                          </a:solidFill>
-                          <a:latin typeface="Segoe UI" panose="020B0502040204020203" pitchFamily="34" charset="0"/>
-                          <a:cs typeface="Segoe UI" panose="020B0502040204020203" pitchFamily="34" charset="0"/>
-                        </a:rPr>
-                        <a:t>data</a:t>
-                      </a:r>
-                      <a:r>
-                        <a:rPr lang="en-IE" sz="1000" b="0" dirty="0">
-                          <a:solidFill>
-                            <a:schemeClr val="accent4"/>
-                          </a:solidFill>
-                          <a:latin typeface="Segoe UI" panose="020B0502040204020203" pitchFamily="34" charset="0"/>
-                          <a:cs typeface="Segoe UI" panose="020B0502040204020203" pitchFamily="34" charset="0"/>
-                        </a:rPr>
-                        <a:t> &lt;- </a:t>
-                      </a:r>
-                      <a:r>
-                        <a:rPr lang="en-IE" sz="1000" b="0" dirty="0" err="1">
-                          <a:solidFill>
-                            <a:schemeClr val="accent4"/>
-                          </a:solidFill>
-                          <a:latin typeface="Segoe UI" panose="020B0502040204020203" pitchFamily="34" charset="0"/>
-                          <a:cs typeface="Segoe UI" panose="020B0502040204020203" pitchFamily="34" charset="0"/>
-                        </a:rPr>
-                        <a:t>old_data</a:t>
-                      </a:r>
-                      <a:r>
-                        <a:rPr lang="en-IE" sz="1000" b="0" dirty="0">
-                          <a:solidFill>
-                            <a:schemeClr val="accent4"/>
-                          </a:solidFill>
-                          <a:latin typeface="Segoe UI" panose="020B0502040204020203" pitchFamily="34" charset="0"/>
-                          <a:cs typeface="Segoe UI" panose="020B0502040204020203" pitchFamily="34" charset="0"/>
-                        </a:rPr>
-                        <a:t> %&gt;%</a:t>
-                      </a:r>
-                    </a:p>
-                    <a:p>
-                      <a:r>
-                        <a:rPr lang="en-IE" sz="1000" b="0" dirty="0">
+                        <a:rPr lang="en-IE" sz="1000" b="0">
+                          <a:solidFill>
+                            <a:schemeClr val="accent4"/>
+                          </a:solidFill>
+                          <a:latin typeface="Segoe UI" panose="020B0502040204020203" pitchFamily="34" charset="0"/>
+                          <a:cs typeface="Segoe UI" panose="020B0502040204020203" pitchFamily="34" charset="0"/>
+                        </a:rPr>
+                        <a:t>data &lt;- old_data %&gt;%</a:t>
+                      </a:r>
+                    </a:p>
+                    <a:p>
+                      <a:r>
+                        <a:rPr lang="en-IE" sz="1000" b="0">
                           <a:solidFill>
                             <a:schemeClr val="accent4"/>
                           </a:solidFill>
@@ -6328,7 +6059,7 @@
                         <a:t>  </a:t>
                       </a:r>
                       <a:r>
-                        <a:rPr lang="en-IE" sz="1000" b="1" dirty="0">
+                        <a:rPr lang="en-IE" sz="1000" b="1">
                           <a:solidFill>
                             <a:schemeClr val="accent1"/>
                           </a:solidFill>
@@ -6338,7 +6069,7 @@
                         <a:t>filter(</a:t>
                       </a:r>
                       <a:r>
-                        <a:rPr lang="en-IE" sz="1000" b="0" dirty="0">
+                        <a:rPr lang="en-IE" sz="1000" b="0">
                           <a:solidFill>
                             <a:schemeClr val="accent2"/>
                           </a:solidFill>
@@ -6348,7 +6079,7 @@
                         <a:t>Sex</a:t>
                       </a:r>
                       <a:r>
-                        <a:rPr lang="en-IE" sz="1000" b="1" dirty="0">
+                        <a:rPr lang="en-IE" sz="1000" b="1">
                           <a:solidFill>
                             <a:schemeClr val="accent4"/>
                           </a:solidFill>
@@ -6358,7 +6089,7 @@
                         <a:t> </a:t>
                       </a:r>
                       <a:r>
-                        <a:rPr lang="en-IE" sz="1000" b="1" dirty="0">
+                        <a:rPr lang="en-IE" sz="1000" b="1">
                           <a:solidFill>
                             <a:schemeClr val="accent1"/>
                           </a:solidFill>
@@ -6368,7 +6099,7 @@
                         <a:t>== </a:t>
                       </a:r>
                       <a:r>
-                        <a:rPr lang="en-US" sz="1000" b="1" dirty="0">
+                        <a:rPr lang="en-US" sz="1000" b="1">
                           <a:solidFill>
                             <a:schemeClr val="accent1"/>
                           </a:solidFill>
@@ -6378,7 +6109,7 @@
                         <a:t>"</a:t>
                       </a:r>
                       <a:r>
-                        <a:rPr lang="en-IE" sz="1000" b="0" dirty="0">
+                        <a:rPr lang="en-IE" sz="1000" b="0">
                           <a:solidFill>
                             <a:schemeClr val="accent1"/>
                           </a:solidFill>
@@ -6388,7 +6119,7 @@
                         <a:t>M</a:t>
                       </a:r>
                       <a:r>
-                        <a:rPr lang="en-US" sz="1000" b="1" dirty="0">
+                        <a:rPr lang="en-US" sz="1000" b="1">
                           <a:solidFill>
                             <a:schemeClr val="accent1"/>
                           </a:solidFill>
@@ -6398,7 +6129,7 @@
                         <a:t>"</a:t>
                       </a:r>
                       <a:r>
-                        <a:rPr lang="en-IE" sz="1000" b="1" dirty="0">
+                        <a:rPr lang="en-IE" sz="1000" b="1">
                           <a:solidFill>
                             <a:schemeClr val="accent1"/>
                           </a:solidFill>
@@ -6407,11 +6138,9 @@
                         </a:rPr>
                         <a:t>)</a:t>
                       </a:r>
-                    </a:p>
-                    <a:p>
-                      <a:endParaRPr lang="en-IE" sz="1000" b="0" dirty="0">
+                      <a:endParaRPr lang="en-IE" sz="1000" b="1" dirty="0">
                         <a:solidFill>
-                          <a:schemeClr val="accent4"/>
+                          <a:schemeClr val="accent1"/>
                         </a:solidFill>
                         <a:latin typeface="Segoe UI" panose="020B0502040204020203" pitchFamily="34" charset="0"/>
                         <a:cs typeface="Segoe UI" panose="020B0502040204020203" pitchFamily="34" charset="0"/>
@@ -6455,7 +6184,11 @@
                       <a:endParaRPr lang="en-IE"/>
                     </a:p>
                   </a:txBody>
-                  <a:tcPr/>
+                  <a:tcPr>
+                    <a:lnL w="12700" cmpd="sng">
+                      <a:noFill/>
+                    </a:lnL>
+                  </a:tcPr>
                 </a:tc>
                 <a:tc hMerge="1">
                   <a:txBody>
@@ -6755,49 +6488,19 @@
                         <a:defRPr/>
                       </a:pPr>
                       <a:r>
-                        <a:rPr lang="en-IE" sz="1000" b="0" dirty="0" err="1">
-                          <a:solidFill>
-                            <a:schemeClr val="accent4"/>
-                          </a:solidFill>
-                          <a:latin typeface="Segoe UI" panose="020B0502040204020203" pitchFamily="34" charset="0"/>
-                          <a:cs typeface="Segoe UI" panose="020B0502040204020203" pitchFamily="34" charset="0"/>
-                        </a:rPr>
-                        <a:t>new_data</a:t>
-                      </a:r>
-                      <a:r>
-                        <a:rPr lang="en-IE" sz="1000" b="0" dirty="0">
-                          <a:solidFill>
-                            <a:schemeClr val="accent4"/>
-                          </a:solidFill>
-                          <a:latin typeface="Segoe UI" panose="020B0502040204020203" pitchFamily="34" charset="0"/>
-                          <a:cs typeface="Segoe UI" panose="020B0502040204020203" pitchFamily="34" charset="0"/>
-                        </a:rPr>
-                        <a:t> &lt;- </a:t>
-                      </a:r>
-                      <a:r>
-                        <a:rPr lang="en-IE" sz="1000" b="0" dirty="0" err="1">
-                          <a:solidFill>
-                            <a:schemeClr val="accent4"/>
-                          </a:solidFill>
-                          <a:latin typeface="Segoe UI" panose="020B0502040204020203" pitchFamily="34" charset="0"/>
-                          <a:cs typeface="Segoe UI" panose="020B0502040204020203" pitchFamily="34" charset="0"/>
-                        </a:rPr>
-                        <a:t>old_data</a:t>
-                      </a:r>
-                      <a:r>
-                        <a:rPr lang="en-IE" sz="1000" b="0" dirty="0">
-                          <a:solidFill>
-                            <a:schemeClr val="accent4"/>
-                          </a:solidFill>
-                          <a:latin typeface="Segoe UI" panose="020B0502040204020203" pitchFamily="34" charset="0"/>
-                          <a:cs typeface="Segoe UI" panose="020B0502040204020203" pitchFamily="34" charset="0"/>
-                        </a:rPr>
-                        <a:t> %&gt;%</a:t>
-                      </a:r>
-                    </a:p>
-                    <a:p>
-                      <a:r>
-                        <a:rPr lang="en-IE" sz="1000" b="0" dirty="0">
+                        <a:rPr lang="en-IE" sz="1000" b="0">
+                          <a:solidFill>
+                            <a:schemeClr val="accent4"/>
+                          </a:solidFill>
+                          <a:latin typeface="Segoe UI" panose="020B0502040204020203" pitchFamily="34" charset="0"/>
+                          <a:cs typeface="Segoe UI" panose="020B0502040204020203" pitchFamily="34" charset="0"/>
+                        </a:rPr>
+                        <a:t>new_data &lt;- old_data %&gt;%</a:t>
+                      </a:r>
+                    </a:p>
+                    <a:p>
+                      <a:r>
+                        <a:rPr lang="en-IE" sz="1000" b="0">
                           <a:solidFill>
                             <a:schemeClr val="accent4"/>
                           </a:solidFill>
@@ -6807,7 +6510,7 @@
                         <a:t>  </a:t>
                       </a:r>
                       <a:r>
-                        <a:rPr lang="en-IE" sz="1000" b="1" dirty="0">
+                        <a:rPr lang="en-IE" sz="1000" b="1">
                           <a:solidFill>
                             <a:schemeClr val="accent1"/>
                           </a:solidFill>
@@ -6817,7 +6520,7 @@
                         <a:t>filter(</a:t>
                       </a:r>
                       <a:r>
-                        <a:rPr lang="en-IE" sz="1000" b="0" dirty="0">
+                        <a:rPr lang="en-IE" sz="1000" b="0">
                           <a:solidFill>
                             <a:schemeClr val="accent2"/>
                           </a:solidFill>
@@ -6827,7 +6530,7 @@
                         <a:t>year</a:t>
                       </a:r>
                       <a:r>
-                        <a:rPr lang="en-IE" sz="1000" b="0" dirty="0">
+                        <a:rPr lang="en-IE" sz="1000" b="0">
                           <a:solidFill>
                             <a:schemeClr val="accent4"/>
                           </a:solidFill>
@@ -6837,7 +6540,7 @@
                         <a:t> </a:t>
                       </a:r>
                       <a:r>
-                        <a:rPr lang="en-IE" sz="1000" b="1" dirty="0">
+                        <a:rPr lang="en-IE" sz="1000" b="1">
                           <a:solidFill>
                             <a:schemeClr val="accent1"/>
                           </a:solidFill>
@@ -6847,7 +6550,7 @@
                         <a:t>%in% c(</a:t>
                       </a:r>
                       <a:r>
-                        <a:rPr lang="en-IE" sz="1000" b="0" dirty="0">
+                        <a:rPr lang="en-IE" sz="1000" b="0">
                           <a:solidFill>
                             <a:schemeClr val="accent1"/>
                           </a:solidFill>
@@ -6857,7 +6560,7 @@
                         <a:t>2010</a:t>
                       </a:r>
                       <a:r>
-                        <a:rPr lang="en-IE" sz="1000" b="1" dirty="0">
+                        <a:rPr lang="en-IE" sz="1000" b="1">
                           <a:solidFill>
                             <a:schemeClr val="accent1"/>
                           </a:solidFill>
@@ -6867,7 +6570,7 @@
                         <a:t>,</a:t>
                       </a:r>
                       <a:r>
-                        <a:rPr lang="en-IE" sz="1000" b="0" dirty="0">
+                        <a:rPr lang="en-IE" sz="1000" b="0">
                           <a:solidFill>
                             <a:schemeClr val="accent1"/>
                           </a:solidFill>
@@ -6877,7 +6580,7 @@
                         <a:t>2011</a:t>
                       </a:r>
                       <a:r>
-                        <a:rPr lang="en-IE" sz="1000" b="1" dirty="0">
+                        <a:rPr lang="en-IE" sz="1000" b="1">
                           <a:solidFill>
                             <a:schemeClr val="accent1"/>
                           </a:solidFill>
@@ -6887,7 +6590,7 @@
                         <a:t>,</a:t>
                       </a:r>
                       <a:r>
-                        <a:rPr lang="en-IE" sz="1000" b="0" dirty="0">
+                        <a:rPr lang="en-IE" sz="1000" b="0">
                           <a:solidFill>
                             <a:schemeClr val="accent1"/>
                           </a:solidFill>
@@ -6897,7 +6600,7 @@
                         <a:t>2012</a:t>
                       </a:r>
                       <a:r>
-                        <a:rPr lang="en-IE" sz="1000" b="1" dirty="0">
+                        <a:rPr lang="en-IE" sz="1000" b="1">
                           <a:solidFill>
                             <a:schemeClr val="accent1"/>
                           </a:solidFill>
@@ -6906,11 +6609,9 @@
                         </a:rPr>
                         <a:t>))</a:t>
                       </a:r>
-                    </a:p>
-                    <a:p>
-                      <a:endParaRPr lang="en-IE" sz="1000" b="0" dirty="0">
+                      <a:endParaRPr lang="en-IE" sz="1000" b="1" dirty="0">
                         <a:solidFill>
-                          <a:schemeClr val="accent4"/>
+                          <a:schemeClr val="accent1"/>
                         </a:solidFill>
                         <a:latin typeface="Segoe UI" panose="020B0502040204020203" pitchFamily="34" charset="0"/>
                         <a:cs typeface="Segoe UI" panose="020B0502040204020203" pitchFamily="34" charset="0"/>
@@ -6960,7 +6661,11 @@
                       <a:endParaRPr lang="en-IE"/>
                     </a:p>
                   </a:txBody>
-                  <a:tcPr/>
+                  <a:tcPr>
+                    <a:lnL w="12700" cmpd="sng">
+                      <a:noFill/>
+                    </a:lnL>
+                  </a:tcPr>
                 </a:tc>
                 <a:tc hMerge="1">
                   <a:txBody>
@@ -7242,37 +6947,79 @@
                         <a:defRPr/>
                       </a:pPr>
                       <a:r>
-                        <a:rPr lang="en-IE" sz="1000" b="0" dirty="0" err="1">
-                          <a:solidFill>
-                            <a:schemeClr val="accent4"/>
-                          </a:solidFill>
-                          <a:latin typeface="Segoe UI" panose="020B0502040204020203" pitchFamily="34" charset="0"/>
-                          <a:cs typeface="Segoe UI" panose="020B0502040204020203" pitchFamily="34" charset="0"/>
-                        </a:rPr>
-                        <a:t>new_data</a:t>
-                      </a:r>
-                      <a:r>
-                        <a:rPr lang="en-IE" sz="1000" b="0" dirty="0">
-                          <a:solidFill>
-                            <a:schemeClr val="accent4"/>
-                          </a:solidFill>
-                          <a:latin typeface="Segoe UI" panose="020B0502040204020203" pitchFamily="34" charset="0"/>
-                          <a:cs typeface="Segoe UI" panose="020B0502040204020203" pitchFamily="34" charset="0"/>
-                        </a:rPr>
-                        <a:t> &lt;- </a:t>
-                      </a:r>
-                      <a:r>
-                        <a:rPr lang="en-IE" sz="1000" b="0" dirty="0" err="1">
-                          <a:solidFill>
-                            <a:schemeClr val="accent4"/>
-                          </a:solidFill>
-                          <a:latin typeface="Segoe UI" panose="020B0502040204020203" pitchFamily="34" charset="0"/>
-                          <a:cs typeface="Segoe UI" panose="020B0502040204020203" pitchFamily="34" charset="0"/>
-                        </a:rPr>
-                        <a:t>old_data</a:t>
-                      </a:r>
-                      <a:r>
-                        <a:rPr lang="en-IE" sz="1000" b="0" dirty="0">
+                        <a:rPr lang="en-IE" sz="1000" b="0">
+                          <a:solidFill>
+                            <a:schemeClr val="accent4"/>
+                          </a:solidFill>
+                          <a:latin typeface="Segoe UI" panose="020B0502040204020203" pitchFamily="34" charset="0"/>
+                          <a:cs typeface="Segoe UI" panose="020B0502040204020203" pitchFamily="34" charset="0"/>
+                        </a:rPr>
+                        <a:t>new_data &lt;- old_data %&gt;%</a:t>
+                      </a:r>
+                    </a:p>
+                    <a:p>
+                      <a:r>
+                        <a:rPr lang="en-IE" sz="1000" b="0">
+                          <a:solidFill>
+                            <a:schemeClr val="accent4"/>
+                          </a:solidFill>
+                          <a:latin typeface="Segoe UI" panose="020B0502040204020203" pitchFamily="34" charset="0"/>
+                          <a:cs typeface="Segoe UI" panose="020B0502040204020203" pitchFamily="34" charset="0"/>
+                        </a:rPr>
+                        <a:t>  </a:t>
+                      </a:r>
+                      <a:r>
+                        <a:rPr lang="en-IE" sz="1000" b="1">
+                          <a:solidFill>
+                            <a:schemeClr val="accent1"/>
+                          </a:solidFill>
+                          <a:latin typeface="Segoe UI" panose="020B0502040204020203" pitchFamily="34" charset="0"/>
+                          <a:cs typeface="Segoe UI" panose="020B0502040204020203" pitchFamily="34" charset="0"/>
+                        </a:rPr>
+                        <a:t>group_by(</a:t>
+                      </a:r>
+                      <a:r>
+                        <a:rPr lang="en-IE" sz="1000" b="0">
+                          <a:solidFill>
+                            <a:schemeClr val="accent1"/>
+                          </a:solidFill>
+                          <a:latin typeface="Segoe UI" panose="020B0502040204020203" pitchFamily="34" charset="0"/>
+                          <a:cs typeface="Segoe UI" panose="020B0502040204020203" pitchFamily="34" charset="0"/>
+                        </a:rPr>
+                        <a:t> </a:t>
+                      </a:r>
+                      <a:r>
+                        <a:rPr lang="en-IE" sz="1000" b="0">
+                          <a:solidFill>
+                            <a:schemeClr val="accent2"/>
+                          </a:solidFill>
+                          <a:latin typeface="Segoe UI" panose="020B0502040204020203" pitchFamily="34" charset="0"/>
+                          <a:cs typeface="Segoe UI" panose="020B0502040204020203" pitchFamily="34" charset="0"/>
+                        </a:rPr>
+                        <a:t>id</a:t>
+                      </a:r>
+                      <a:r>
+                        <a:rPr lang="en-IE" sz="1000" b="0">
+                          <a:solidFill>
+                            <a:schemeClr val="accent4"/>
+                          </a:solidFill>
+                          <a:latin typeface="Segoe UI" panose="020B0502040204020203" pitchFamily="34" charset="0"/>
+                          <a:cs typeface="Segoe UI" panose="020B0502040204020203" pitchFamily="34" charset="0"/>
+                        </a:rPr>
+                        <a:t> </a:t>
+                      </a:r>
+                      <a:r>
+                        <a:rPr lang="en-IE" sz="1000" b="1">
+                          <a:solidFill>
+                            <a:schemeClr val="accent1"/>
+                          </a:solidFill>
+                          <a:latin typeface="Segoe UI" panose="020B0502040204020203" pitchFamily="34" charset="0"/>
+                          <a:cs typeface="Segoe UI" panose="020B0502040204020203" pitchFamily="34" charset="0"/>
+                        </a:rPr>
+                        <a:t>)</a:t>
+                      </a:r>
+                      <a:r>
+                        <a:rPr lang="en-IE" sz="1000" b="0">
                           <a:solidFill>
                             <a:schemeClr val="accent4"/>
                           </a:solidFill>
@@ -7284,7 +7031,7 @@
                     </a:p>
                     <a:p>
                       <a:r>
-                        <a:rPr lang="en-IE" sz="1000" b="0" dirty="0">
+                        <a:rPr lang="en-IE" sz="1000" b="0">
                           <a:solidFill>
                             <a:schemeClr val="accent4"/>
                           </a:solidFill>
@@ -7294,89 +7041,7 @@
                         <a:t>  </a:t>
                       </a:r>
                       <a:r>
-                        <a:rPr lang="en-IE" sz="1000" b="1" dirty="0" err="1">
-                          <a:solidFill>
-                            <a:schemeClr val="accent1"/>
-                          </a:solidFill>
-                          <a:latin typeface="Segoe UI" panose="020B0502040204020203" pitchFamily="34" charset="0"/>
-                          <a:cs typeface="Segoe UI" panose="020B0502040204020203" pitchFamily="34" charset="0"/>
-                        </a:rPr>
-                        <a:t>group_by</a:t>
-                      </a:r>
-                      <a:r>
-                        <a:rPr lang="en-IE" sz="1000" b="1" dirty="0">
-                          <a:solidFill>
-                            <a:schemeClr val="accent1"/>
-                          </a:solidFill>
-                          <a:latin typeface="Segoe UI" panose="020B0502040204020203" pitchFamily="34" charset="0"/>
-                          <a:cs typeface="Segoe UI" panose="020B0502040204020203" pitchFamily="34" charset="0"/>
-                        </a:rPr>
-                        <a:t>(</a:t>
-                      </a:r>
-                      <a:r>
-                        <a:rPr lang="en-IE" sz="1000" b="0" dirty="0">
-                          <a:solidFill>
-                            <a:schemeClr val="accent1"/>
-                          </a:solidFill>
-                          <a:latin typeface="Segoe UI" panose="020B0502040204020203" pitchFamily="34" charset="0"/>
-                          <a:cs typeface="Segoe UI" panose="020B0502040204020203" pitchFamily="34" charset="0"/>
-                        </a:rPr>
-                        <a:t> </a:t>
-                      </a:r>
-                      <a:r>
-                        <a:rPr lang="en-IE" sz="1000" b="0" dirty="0">
-                          <a:solidFill>
-                            <a:schemeClr val="accent2"/>
-                          </a:solidFill>
-                          <a:latin typeface="Segoe UI" panose="020B0502040204020203" pitchFamily="34" charset="0"/>
-                          <a:cs typeface="Segoe UI" panose="020B0502040204020203" pitchFamily="34" charset="0"/>
-                        </a:rPr>
-                        <a:t>id</a:t>
-                      </a:r>
-                      <a:r>
-                        <a:rPr lang="en-IE" sz="1000" b="0" dirty="0">
-                          <a:solidFill>
-                            <a:schemeClr val="accent4"/>
-                          </a:solidFill>
-                          <a:latin typeface="Segoe UI" panose="020B0502040204020203" pitchFamily="34" charset="0"/>
-                          <a:cs typeface="Segoe UI" panose="020B0502040204020203" pitchFamily="34" charset="0"/>
-                        </a:rPr>
-                        <a:t> </a:t>
-                      </a:r>
-                      <a:r>
-                        <a:rPr lang="en-IE" sz="1000" b="1" dirty="0">
-                          <a:solidFill>
-                            <a:schemeClr val="accent1"/>
-                          </a:solidFill>
-                          <a:latin typeface="Segoe UI" panose="020B0502040204020203" pitchFamily="34" charset="0"/>
-                          <a:cs typeface="Segoe UI" panose="020B0502040204020203" pitchFamily="34" charset="0"/>
-                        </a:rPr>
-                        <a:t>)</a:t>
-                      </a:r>
-                      <a:r>
-                        <a:rPr lang="en-IE" sz="1000" b="0" dirty="0">
-                          <a:solidFill>
-                            <a:schemeClr val="accent4"/>
-                          </a:solidFill>
-                          <a:latin typeface="Segoe UI" panose="020B0502040204020203" pitchFamily="34" charset="0"/>
-                          <a:cs typeface="Segoe UI" panose="020B0502040204020203" pitchFamily="34" charset="0"/>
-                        </a:rPr>
-                        <a:t> %&gt;%</a:t>
-                      </a:r>
-                    </a:p>
-                    <a:p>
-                      <a:r>
-                        <a:rPr lang="en-IE" sz="1000" b="0" dirty="0">
-                          <a:solidFill>
-                            <a:schemeClr val="accent4"/>
-                          </a:solidFill>
-                          <a:latin typeface="Segoe UI" panose="020B0502040204020203" pitchFamily="34" charset="0"/>
-                          <a:cs typeface="Segoe UI" panose="020B0502040204020203" pitchFamily="34" charset="0"/>
-                        </a:rPr>
-                        <a:t>  </a:t>
-                      </a:r>
-                      <a:r>
-                        <a:rPr lang="en-IE" sz="1000" b="1" dirty="0">
+                        <a:rPr lang="en-IE" sz="1000" b="1">
                           <a:solidFill>
                             <a:schemeClr val="accent1"/>
                           </a:solidFill>
@@ -7385,11 +7050,9 @@
                         </a:rPr>
                         <a:t>slice(1)</a:t>
                       </a:r>
-                    </a:p>
-                    <a:p>
-                      <a:endParaRPr lang="en-IE" sz="1000" b="0" dirty="0">
+                      <a:endParaRPr lang="en-IE" sz="1000" b="1" dirty="0">
                         <a:solidFill>
-                          <a:schemeClr val="accent4"/>
+                          <a:schemeClr val="accent1"/>
                         </a:solidFill>
                         <a:latin typeface="Segoe UI" panose="020B0502040204020203" pitchFamily="34" charset="0"/>
                         <a:cs typeface="Segoe UI" panose="020B0502040204020203" pitchFamily="34" charset="0"/>
@@ -7439,7 +7102,11 @@
                       <a:endParaRPr lang="en-IE"/>
                     </a:p>
                   </a:txBody>
-                  <a:tcPr/>
+                  <a:tcPr>
+                    <a:lnL w="12700" cmpd="sng">
+                      <a:noFill/>
+                    </a:lnL>
+                  </a:tcPr>
                 </a:tc>
                 <a:tc hMerge="1">
                   <a:txBody>
@@ -7683,49 +7350,19 @@
                         <a:defRPr/>
                       </a:pPr>
                       <a:r>
-                        <a:rPr lang="en-IE" sz="1000" b="0" dirty="0" err="1">
-                          <a:solidFill>
-                            <a:schemeClr val="accent4"/>
-                          </a:solidFill>
-                          <a:latin typeface="Segoe UI" panose="020B0502040204020203" pitchFamily="34" charset="0"/>
-                          <a:cs typeface="Segoe UI" panose="020B0502040204020203" pitchFamily="34" charset="0"/>
-                        </a:rPr>
-                        <a:t>new_data</a:t>
-                      </a:r>
-                      <a:r>
-                        <a:rPr lang="en-IE" sz="1000" b="0" dirty="0">
-                          <a:solidFill>
-                            <a:schemeClr val="accent4"/>
-                          </a:solidFill>
-                          <a:latin typeface="Segoe UI" panose="020B0502040204020203" pitchFamily="34" charset="0"/>
-                          <a:cs typeface="Segoe UI" panose="020B0502040204020203" pitchFamily="34" charset="0"/>
-                        </a:rPr>
-                        <a:t> &lt;- </a:t>
-                      </a:r>
-                      <a:r>
-                        <a:rPr lang="en-IE" sz="1000" b="0" dirty="0" err="1">
-                          <a:solidFill>
-                            <a:schemeClr val="accent4"/>
-                          </a:solidFill>
-                          <a:latin typeface="Segoe UI" panose="020B0502040204020203" pitchFamily="34" charset="0"/>
-                          <a:cs typeface="Segoe UI" panose="020B0502040204020203" pitchFamily="34" charset="0"/>
-                        </a:rPr>
-                        <a:t>old_data</a:t>
-                      </a:r>
-                      <a:r>
-                        <a:rPr lang="en-IE" sz="1000" b="0" dirty="0">
-                          <a:solidFill>
-                            <a:schemeClr val="accent4"/>
-                          </a:solidFill>
-                          <a:latin typeface="Segoe UI" panose="020B0502040204020203" pitchFamily="34" charset="0"/>
-                          <a:cs typeface="Segoe UI" panose="020B0502040204020203" pitchFamily="34" charset="0"/>
-                        </a:rPr>
-                        <a:t> %&gt;%</a:t>
-                      </a:r>
-                    </a:p>
-                    <a:p>
-                      <a:r>
-                        <a:rPr lang="en-IE" sz="1000" b="0" dirty="0">
+                        <a:rPr lang="en-IE" sz="1000" b="0">
+                          <a:solidFill>
+                            <a:schemeClr val="accent4"/>
+                          </a:solidFill>
+                          <a:latin typeface="Segoe UI" panose="020B0502040204020203" pitchFamily="34" charset="0"/>
+                          <a:cs typeface="Segoe UI" panose="020B0502040204020203" pitchFamily="34" charset="0"/>
+                        </a:rPr>
+                        <a:t>new_data &lt;- old_data %&gt;%</a:t>
+                      </a:r>
+                    </a:p>
+                    <a:p>
+                      <a:r>
+                        <a:rPr lang="en-IE" sz="1000" b="0">
                           <a:solidFill>
                             <a:schemeClr val="accent4"/>
                           </a:solidFill>
@@ -7735,7 +7372,7 @@
                         <a:t>  filter(</a:t>
                       </a:r>
                       <a:r>
-                        <a:rPr lang="en-IE" sz="1000" b="0" dirty="0">
+                        <a:rPr lang="en-IE" sz="1000" b="0">
                           <a:solidFill>
                             <a:schemeClr val="accent2"/>
                           </a:solidFill>
@@ -7745,7 +7382,7 @@
                         <a:t>dob</a:t>
                       </a:r>
                       <a:r>
-                        <a:rPr lang="en-IE" sz="1000" b="0" dirty="0">
+                        <a:rPr lang="en-IE" sz="1000" b="0">
                           <a:solidFill>
                             <a:schemeClr val="accent4"/>
                           </a:solidFill>
@@ -7755,37 +7392,17 @@
                         <a:t> </a:t>
                       </a:r>
                       <a:r>
-                        <a:rPr lang="en-IE" sz="1000" b="1" dirty="0">
-                          <a:solidFill>
-                            <a:schemeClr val="accent1"/>
-                          </a:solidFill>
-                          <a:latin typeface="Segoe UI" panose="020B0502040204020203" pitchFamily="34" charset="0"/>
-                          <a:cs typeface="Segoe UI" panose="020B0502040204020203" pitchFamily="34" charset="0"/>
-                        </a:rPr>
-                        <a:t>&gt; </a:t>
-                      </a:r>
-                      <a:r>
-                        <a:rPr lang="en-IE" sz="1000" b="1" dirty="0" err="1">
-                          <a:solidFill>
-                            <a:schemeClr val="accent1"/>
-                          </a:solidFill>
-                          <a:latin typeface="Segoe UI" panose="020B0502040204020203" pitchFamily="34" charset="0"/>
-                          <a:cs typeface="Segoe UI" panose="020B0502040204020203" pitchFamily="34" charset="0"/>
-                        </a:rPr>
-                        <a:t>as.Date</a:t>
-                      </a:r>
-                      <a:r>
-                        <a:rPr lang="en-IE" sz="1000" b="1" dirty="0">
-                          <a:solidFill>
-                            <a:schemeClr val="accent1"/>
-                          </a:solidFill>
-                          <a:latin typeface="Segoe UI" panose="020B0502040204020203" pitchFamily="34" charset="0"/>
-                          <a:cs typeface="Segoe UI" panose="020B0502040204020203" pitchFamily="34" charset="0"/>
-                        </a:rPr>
-                        <a:t>(</a:t>
-                      </a:r>
-                      <a:r>
-                        <a:rPr lang="en-US" sz="1000" b="1" dirty="0">
+                        <a:rPr lang="en-IE" sz="1000" b="1">
+                          <a:solidFill>
+                            <a:schemeClr val="accent1"/>
+                          </a:solidFill>
+                          <a:latin typeface="Segoe UI" panose="020B0502040204020203" pitchFamily="34" charset="0"/>
+                          <a:cs typeface="Segoe UI" panose="020B0502040204020203" pitchFamily="34" charset="0"/>
+                        </a:rPr>
+                        <a:t>&gt; as.Date(</a:t>
+                      </a:r>
+                      <a:r>
+                        <a:rPr lang="en-US" sz="1000" b="1">
                           <a:solidFill>
                             <a:schemeClr val="accent1"/>
                           </a:solidFill>
@@ -7795,7 +7412,7 @@
                         <a:t>"</a:t>
                       </a:r>
                       <a:r>
-                        <a:rPr lang="en-US" sz="1000" b="0" dirty="0">
+                        <a:rPr lang="en-US" sz="1000" b="0">
                           <a:solidFill>
                             <a:schemeClr val="accent1"/>
                           </a:solidFill>
@@ -7805,7 +7422,7 @@
                         <a:t>1990-04-25</a:t>
                       </a:r>
                       <a:r>
-                        <a:rPr lang="en-US" sz="1000" b="1" dirty="0">
+                        <a:rPr lang="en-US" sz="1000" b="1">
                           <a:solidFill>
                             <a:schemeClr val="accent1"/>
                           </a:solidFill>
@@ -7815,7 +7432,7 @@
                         <a:t>"</a:t>
                       </a:r>
                       <a:r>
-                        <a:rPr lang="en-IE" sz="1000" b="1" dirty="0">
+                        <a:rPr lang="en-IE" sz="1000" b="1">
                           <a:solidFill>
                             <a:schemeClr val="accent1"/>
                           </a:solidFill>
@@ -7825,7 +7442,7 @@
                         <a:t>)</a:t>
                       </a:r>
                       <a:r>
-                        <a:rPr lang="en-IE" sz="1000" b="0" dirty="0">
+                        <a:rPr lang="en-IE" sz="1000" b="0">
                           <a:solidFill>
                             <a:schemeClr val="accent4"/>
                           </a:solidFill>
@@ -7834,8 +7451,6 @@
                         </a:rPr>
                         <a:t>)</a:t>
                       </a:r>
-                    </a:p>
-                    <a:p>
                       <a:endParaRPr lang="en-IE" sz="1000" b="0" dirty="0">
                         <a:solidFill>
                           <a:schemeClr val="accent4"/>
@@ -7882,7 +7497,11 @@
                       <a:endParaRPr lang="en-IE"/>
                     </a:p>
                   </a:txBody>
-                  <a:tcPr/>
+                  <a:tcPr>
+                    <a:lnL w="12700" cmpd="sng">
+                      <a:noFill/>
+                    </a:lnL>
+                  </a:tcPr>
                 </a:tc>
                 <a:tc hMerge="1">
                   <a:txBody>
@@ -15017,7 +14636,7 @@
                   <a:schemeClr val="accent4"/>
                 </a:solidFill>
               </a:rPr>
-              <a:t> Brendan O’Dowd • brendanjodowd@gmail.com • Updated 2021-09</a:t>
+              <a:t> Brendan O’Dowd • brendanjodowd@gmail.com • Updated 2022-05</a:t>
             </a:r>
             <a:endParaRPr lang="en-IE" sz="1128" dirty="0">
               <a:solidFill>
@@ -19640,14 +19259,14 @@
           <p:nvPr>
             <p:extLst>
               <p:ext uri="{D42A27DB-BD31-4B8C-83A1-F6EECF244321}">
-                <p14:modId xmlns:p14="http://schemas.microsoft.com/office/powerpoint/2010/main" val="806424455"/>
+                <p14:modId xmlns:p14="http://schemas.microsoft.com/office/powerpoint/2010/main" val="3393591362"/>
               </p:ext>
             </p:extLst>
           </p:nvPr>
         </p:nvGraphicFramePr>
         <p:xfrm>
           <a:off x="6458621" y="586949"/>
-          <a:ext cx="6960498" cy="9083022"/>
+          <a:ext cx="6960498" cy="9630931"/>
         </p:xfrm>
         <a:graphic>
           <a:graphicData uri="http://schemas.openxmlformats.org/drawingml/2006/table">
@@ -19671,7 +19290,7 @@
                   </a:extLst>
                 </a:gridCol>
               </a:tblGrid>
-              <a:tr h="359446">
+              <a:tr h="474012">
                 <a:tc gridSpan="2">
                   <a:txBody>
                     <a:bodyPr/>
@@ -19744,7 +19363,7 @@
                   </a:ext>
                 </a:extLst>
               </a:tr>
-              <a:tr h="728708">
+              <a:tr h="773457">
                 <a:tc>
                   <a:txBody>
                     <a:bodyPr/>
@@ -20205,7 +19824,7 @@
                   </a:ext>
                 </a:extLst>
               </a:tr>
-              <a:tr h="728708">
+              <a:tr h="773457">
                 <a:tc>
                   <a:txBody>
                     <a:bodyPr/>
@@ -20669,7 +20288,7 @@
                   </a:ext>
                 </a:extLst>
               </a:tr>
-              <a:tr h="728708">
+              <a:tr h="773457">
                 <a:tc>
                   <a:txBody>
                     <a:bodyPr/>
@@ -21221,7 +20840,7 @@
                   </a:ext>
                 </a:extLst>
               </a:tr>
-              <a:tr h="728708">
+              <a:tr h="773457">
                 <a:tc>
                   <a:txBody>
                     <a:bodyPr/>
@@ -21800,7 +21419,7 @@
                   </a:ext>
                 </a:extLst>
               </a:tr>
-              <a:tr h="728708">
+              <a:tr h="773457">
                 <a:tc>
                   <a:txBody>
                     <a:bodyPr/>
@@ -22409,7 +22028,7 @@
                   </a:ext>
                 </a:extLst>
               </a:tr>
-              <a:tr h="728708">
+              <a:tr h="773457">
                 <a:tc>
                   <a:txBody>
                     <a:bodyPr/>
@@ -22861,7 +22480,7 @@
                   </a:ext>
                 </a:extLst>
               </a:tr>
-              <a:tr h="728708">
+              <a:tr h="773457">
                 <a:tc>
                   <a:txBody>
                     <a:bodyPr/>
@@ -23380,7 +22999,7 @@
                   </a:ext>
                 </a:extLst>
               </a:tr>
-              <a:tr h="410215">
+              <a:tr h="474012">
                 <a:tc>
                   <a:txBody>
                     <a:bodyPr/>
@@ -23514,7 +23133,7 @@
                   </a:ext>
                 </a:extLst>
               </a:tr>
-              <a:tr h="529354">
+              <a:tr h="458371">
                 <a:tc>
                   <a:txBody>
                     <a:bodyPr/>
@@ -23564,7 +23183,7 @@
                       </a:r>
                     </a:p>
                   </a:txBody>
-                  <a:tcPr marL="0" marR="0" marT="86308" marB="142154">
+                  <a:tcPr marL="0" marR="0" marT="86308" marB="0">
                     <a:lnL w="9525" cap="flat" cmpd="sng" algn="ctr">
                       <a:noFill/>
                       <a:prstDash val="solid"/>
@@ -23718,7 +23337,7 @@
                       </a:r>
                     </a:p>
                   </a:txBody>
-                  <a:tcPr marL="0" marR="0" marT="76154" marB="50769">
+                  <a:tcPr marL="0" marR="0" marT="76154" marB="0">
                     <a:lnL w="9525" cap="flat" cmpd="sng" algn="ctr">
                       <a:noFill/>
                       <a:prstDash val="solid"/>
@@ -23765,7 +23384,7 @@
                   </a:ext>
                 </a:extLst>
               </a:tr>
-              <a:tr h="728708">
+              <a:tr h="773457">
                 <a:tc>
                   <a:txBody>
                     <a:bodyPr/>
@@ -24022,7 +23641,7 @@
                           <a:latin typeface="Segoe UI" panose="020B0502040204020203" pitchFamily="34" charset="0"/>
                           <a:cs typeface="Segoe UI" panose="020B0502040204020203" pitchFamily="34" charset="0"/>
                         </a:rPr>
-                        <a:t>save(</a:t>
+                        <a:t>saveRDS(</a:t>
                       </a:r>
                       <a:r>
                         <a:rPr lang="en-IE" sz="1000" b="0" err="1">
@@ -24102,7 +23721,17 @@
                           <a:latin typeface="Segoe UI" panose="020B0502040204020203" pitchFamily="34" charset="0"/>
                           <a:cs typeface="Segoe UI" panose="020B0502040204020203" pitchFamily="34" charset="0"/>
                         </a:rPr>
-                        <a:t>.rda</a:t>
+                        <a:t>.</a:t>
+                      </a:r>
+                      <a:r>
+                        <a:rPr lang="en-IE" sz="1000" b="0">
+                          <a:solidFill>
+                            <a:schemeClr val="accent1"/>
+                          </a:solidFill>
+                          <a:latin typeface="Segoe UI" panose="020B0502040204020203" pitchFamily="34" charset="0"/>
+                          <a:cs typeface="Segoe UI" panose="020B0502040204020203" pitchFamily="34" charset="0"/>
+                        </a:rPr>
+                        <a:t>rds</a:t>
                       </a:r>
                       <a:r>
                         <a:rPr lang="en-US" sz="1000" b="1">
@@ -24266,7 +23895,7 @@
                           <a:latin typeface="Segoe UI" panose="020B0502040204020203" pitchFamily="34" charset="0"/>
                           <a:cs typeface="Segoe UI" panose="020B0502040204020203" pitchFamily="34" charset="0"/>
                         </a:rPr>
-                        <a:t>save( </a:t>
+                        <a:t>saveRDS( </a:t>
                       </a:r>
                       <a:r>
                         <a:rPr lang="en-IE" sz="1000" b="0" i="0" err="1">
@@ -24326,7 +23955,17 @@
                           <a:latin typeface="Segoe UI" panose="020B0502040204020203" pitchFamily="34" charset="0"/>
                           <a:cs typeface="Segoe UI" panose="020B0502040204020203" pitchFamily="34" charset="0"/>
                         </a:rPr>
-                        <a:t>.rda</a:t>
+                        <a:t>.</a:t>
+                      </a:r>
+                      <a:r>
+                        <a:rPr lang="en-IE" sz="1000" b="0" i="0">
+                          <a:solidFill>
+                            <a:schemeClr val="accent1"/>
+                          </a:solidFill>
+                          <a:latin typeface="Segoe UI" panose="020B0502040204020203" pitchFamily="34" charset="0"/>
+                          <a:cs typeface="Segoe UI" panose="020B0502040204020203" pitchFamily="34" charset="0"/>
+                        </a:rPr>
+                        <a:t>rds</a:t>
                       </a:r>
                       <a:r>
                         <a:rPr lang="en-US" sz="1000" b="1">
@@ -24406,7 +24045,7 @@
                   </a:ext>
                 </a:extLst>
               </a:tr>
-              <a:tr h="728708">
+              <a:tr h="773457">
                 <a:tc>
                   <a:txBody>
                     <a:bodyPr/>
@@ -24659,6 +24298,43 @@
                     <a:lstStyle/>
                     <a:p>
                       <a:r>
+                        <a:rPr lang="en-IE" sz="1000" b="0">
+                          <a:solidFill>
+                            <a:schemeClr val="accent2"/>
+                          </a:solidFill>
+                          <a:latin typeface="Segoe UI" panose="020B0502040204020203" pitchFamily="34" charset="0"/>
+                          <a:cs typeface="Segoe UI" panose="020B0502040204020203" pitchFamily="34" charset="0"/>
+                        </a:rPr>
+                        <a:t>data_in_use </a:t>
+                      </a:r>
+                      <a:r>
+                        <a:rPr kumimoji="0" lang="en-IE" sz="1000" b="1" i="0" u="none" strike="noStrike" kern="1200" cap="none" spc="0" normalizeH="0" baseline="0" noProof="0">
+                          <a:ln>
+                            <a:noFill/>
+                          </a:ln>
+                          <a:solidFill>
+                            <a:srgbClr val="5B6670"/>
+                          </a:solidFill>
+                          <a:effectLst/>
+                          <a:uLnTx/>
+                          <a:uFillTx/>
+                          <a:latin typeface="Segoe UI" panose="020B0502040204020203" pitchFamily="34" charset="0"/>
+                          <a:ea typeface="+mn-ea"/>
+                          <a:cs typeface="Segoe UI" panose="020B0502040204020203" pitchFamily="34" charset="0"/>
+                        </a:rPr>
+                        <a:t>&lt;-</a:t>
+                      </a:r>
+                      <a:r>
+                        <a:rPr lang="en-IE" sz="1000" b="0">
+                          <a:solidFill>
+                            <a:schemeClr val="accent2"/>
+                          </a:solidFill>
+                          <a:latin typeface="Segoe UI" panose="020B0502040204020203" pitchFamily="34" charset="0"/>
+                          <a:cs typeface="Segoe UI" panose="020B0502040204020203" pitchFamily="34" charset="0"/>
+                        </a:rPr>
+                        <a:t> </a:t>
+                      </a:r>
+                      <a:r>
                         <a:rPr lang="en-IE" sz="1000" b="1">
                           <a:solidFill>
                             <a:schemeClr val="accent1"/>
@@ -24666,7 +24342,7 @@
                           <a:latin typeface="Segoe UI" panose="020B0502040204020203" pitchFamily="34" charset="0"/>
                           <a:cs typeface="Segoe UI" panose="020B0502040204020203" pitchFamily="34" charset="0"/>
                         </a:rPr>
-                        <a:t>load(</a:t>
+                        <a:t>readRDS(</a:t>
                       </a:r>
                       <a:r>
                         <a:rPr lang="en-US" sz="1000" b="1">
@@ -24716,7 +24392,17 @@
                           <a:latin typeface="Segoe UI" panose="020B0502040204020203" pitchFamily="34" charset="0"/>
                           <a:cs typeface="Segoe UI" panose="020B0502040204020203" pitchFamily="34" charset="0"/>
                         </a:rPr>
-                        <a:t>.rda</a:t>
+                        <a:t>.</a:t>
+                      </a:r>
+                      <a:r>
+                        <a:rPr lang="en-IE" sz="1000" b="0">
+                          <a:solidFill>
+                            <a:schemeClr val="accent1"/>
+                          </a:solidFill>
+                          <a:latin typeface="Segoe UI" panose="020B0502040204020203" pitchFamily="34" charset="0"/>
+                          <a:cs typeface="Segoe UI" panose="020B0502040204020203" pitchFamily="34" charset="0"/>
+                        </a:rPr>
+                        <a:t>rds</a:t>
                       </a:r>
                       <a:r>
                         <a:rPr lang="en-US" sz="1000" b="1">
@@ -24815,6 +24501,53 @@
                     </a:p>
                     <a:p>
                       <a:r>
+                        <a:rPr lang="en-IE" sz="1000" b="0">
+                          <a:solidFill>
+                            <a:schemeClr val="accent2"/>
+                          </a:solidFill>
+                          <a:latin typeface="Segoe UI" panose="020B0502040204020203" pitchFamily="34" charset="0"/>
+                          <a:cs typeface="Segoe UI" panose="020B0502040204020203" pitchFamily="34" charset="0"/>
+                        </a:rPr>
+                        <a:t>data_in_use </a:t>
+                      </a:r>
+                      <a:r>
+                        <a:rPr kumimoji="0" lang="en-IE" sz="1000" b="1" i="0" u="none" strike="noStrike" kern="1200" cap="none" spc="0" normalizeH="0" baseline="0" noProof="0">
+                          <a:ln>
+                            <a:noFill/>
+                          </a:ln>
+                          <a:solidFill>
+                            <a:srgbClr val="5B6670"/>
+                          </a:solidFill>
+                          <a:effectLst/>
+                          <a:uLnTx/>
+                          <a:uFillTx/>
+                          <a:latin typeface="Segoe UI" panose="020B0502040204020203" pitchFamily="34" charset="0"/>
+                          <a:ea typeface="+mn-ea"/>
+                          <a:cs typeface="Segoe UI" panose="020B0502040204020203" pitchFamily="34" charset="0"/>
+                        </a:rPr>
+                        <a:t>&lt;-</a:t>
+                      </a:r>
+                      <a:r>
+                        <a:rPr lang="en-IE" sz="1000" b="0">
+                          <a:solidFill>
+                            <a:schemeClr val="accent2"/>
+                          </a:solidFill>
+                          <a:latin typeface="Segoe UI" panose="020B0502040204020203" pitchFamily="34" charset="0"/>
+                          <a:cs typeface="Segoe UI" panose="020B0502040204020203" pitchFamily="34" charset="0"/>
+                        </a:rPr>
+                        <a:t> </a:t>
+                      </a:r>
+                      <a:r>
+                        <a:rPr lang="en-IE" sz="1000" b="1">
+                          <a:solidFill>
+                            <a:schemeClr val="accent1"/>
+                          </a:solidFill>
+                          <a:latin typeface="Segoe UI" panose="020B0502040204020203" pitchFamily="34" charset="0"/>
+                          <a:cs typeface="Segoe UI" panose="020B0502040204020203" pitchFamily="34" charset="0"/>
+                        </a:rPr>
+                        <a:t>readRDS</a:t>
+                      </a:r>
+                      <a:r>
                         <a:rPr lang="en-IE" sz="1000" b="1" i="0">
                           <a:solidFill>
                             <a:schemeClr val="accent1"/>
@@ -24822,7 +24555,7 @@
                           <a:latin typeface="Segoe UI" panose="020B0502040204020203" pitchFamily="34" charset="0"/>
                           <a:cs typeface="Segoe UI" panose="020B0502040204020203" pitchFamily="34" charset="0"/>
                         </a:rPr>
-                        <a:t>load(</a:t>
+                        <a:t>(</a:t>
                       </a:r>
                       <a:r>
                         <a:rPr lang="en-US" sz="1000" b="1">
@@ -24852,7 +24585,17 @@
                           <a:latin typeface="Segoe UI" panose="020B0502040204020203" pitchFamily="34" charset="0"/>
                           <a:cs typeface="Segoe UI" panose="020B0502040204020203" pitchFamily="34" charset="0"/>
                         </a:rPr>
-                        <a:t>.rda</a:t>
+                        <a:t>.</a:t>
+                      </a:r>
+                      <a:r>
+                        <a:rPr lang="en-IE" sz="1000" b="0" i="0">
+                          <a:solidFill>
+                            <a:schemeClr val="accent1"/>
+                          </a:solidFill>
+                          <a:latin typeface="Segoe UI" panose="020B0502040204020203" pitchFamily="34" charset="0"/>
+                          <a:cs typeface="Segoe UI" panose="020B0502040204020203" pitchFamily="34" charset="0"/>
+                        </a:rPr>
+                        <a:t>rds</a:t>
                       </a:r>
                       <a:r>
                         <a:rPr lang="en-US" sz="1000" b="1">
@@ -24925,7 +24668,7 @@
                   </a:ext>
                 </a:extLst>
               </a:tr>
-              <a:tr h="578262">
+              <a:tr h="621400">
                 <a:tc>
                   <a:txBody>
                     <a:bodyPr/>
@@ -24939,17 +24682,7 @@
                           <a:latin typeface="Segoe UI" panose="020B0502040204020203" pitchFamily="34" charset="0"/>
                           <a:cs typeface="Segoe UI" panose="020B0502040204020203" pitchFamily="34" charset="0"/>
                         </a:rPr>
-                        <a:t>proc import datafile = </a:t>
-                      </a:r>
-                      <a:r>
-                        <a:rPr lang="en-US" sz="1000" b="1">
-                          <a:solidFill>
-                            <a:schemeClr val="accent1"/>
-                          </a:solidFill>
-                          <a:latin typeface="Segoe UI" panose="020B0502040204020203" pitchFamily="34" charset="0"/>
-                          <a:cs typeface="Segoe UI" panose="020B0502040204020203" pitchFamily="34" charset="0"/>
-                        </a:rPr>
-                        <a:t>"</a:t>
+                        <a:t>proc export data = </a:t>
                       </a:r>
                       <a:r>
                         <a:rPr lang="en-IE" sz="1000" b="0">
@@ -24959,17 +24692,7 @@
                           <a:latin typeface="Segoe UI" panose="020B0502040204020203" pitchFamily="34" charset="0"/>
                           <a:cs typeface="Segoe UI" panose="020B0502040204020203" pitchFamily="34" charset="0"/>
                         </a:rPr>
-                        <a:t>my_file.csv</a:t>
-                      </a:r>
-                      <a:r>
-                        <a:rPr lang="en-US" sz="1000" b="1">
-                          <a:solidFill>
-                            <a:schemeClr val="accent1"/>
-                          </a:solidFill>
-                          <a:latin typeface="Segoe UI" panose="020B0502040204020203" pitchFamily="34" charset="0"/>
-                          <a:cs typeface="Segoe UI" panose="020B0502040204020203" pitchFamily="34" charset="0"/>
-                        </a:rPr>
-                        <a:t>"</a:t>
+                        <a:t>my_data</a:t>
                       </a:r>
                       <a:endParaRPr lang="en-IE" sz="1000" b="1">
                         <a:solidFill>
@@ -24988,17 +24711,37 @@
                           <a:latin typeface="Segoe UI" panose="020B0502040204020203" pitchFamily="34" charset="0"/>
                           <a:cs typeface="Segoe UI" panose="020B0502040204020203" pitchFamily="34" charset="0"/>
                         </a:rPr>
-                        <a:t>  out = </a:t>
-                      </a:r>
-                      <a:r>
-                        <a:rPr lang="en-IE" sz="1000" b="0" err="1">
+                        <a:t>  outfile = </a:t>
+                      </a:r>
+                      <a:r>
+                        <a:rPr lang="en-US" sz="1000" b="1">
+                          <a:solidFill>
+                            <a:schemeClr val="accent1"/>
+                          </a:solidFill>
+                          <a:latin typeface="Segoe UI" panose="020B0502040204020203" pitchFamily="34" charset="0"/>
+                          <a:cs typeface="Segoe UI" panose="020B0502040204020203" pitchFamily="34" charset="0"/>
+                        </a:rPr>
+                        <a:t>"</a:t>
+                      </a:r>
+                      <a:r>
+                        <a:rPr lang="en-IE" sz="1000" b="0">
                           <a:solidFill>
                             <a:schemeClr val="accent2"/>
                           </a:solidFill>
                           <a:latin typeface="Segoe UI" panose="020B0502040204020203" pitchFamily="34" charset="0"/>
                           <a:cs typeface="Segoe UI" panose="020B0502040204020203" pitchFamily="34" charset="0"/>
                         </a:rPr>
-                        <a:t>my_data</a:t>
+                        <a:t>my_file.csv</a:t>
+                      </a:r>
+                      <a:r>
+                        <a:rPr lang="en-US" sz="1000" b="1">
+                          <a:solidFill>
+                            <a:schemeClr val="accent1"/>
+                          </a:solidFill>
+                          <a:latin typeface="Segoe UI" panose="020B0502040204020203" pitchFamily="34" charset="0"/>
+                          <a:cs typeface="Segoe UI" panose="020B0502040204020203" pitchFamily="34" charset="0"/>
+                        </a:rPr>
+                        <a:t>"</a:t>
                       </a:r>
                       <a:r>
                         <a:rPr lang="en-IE" sz="1000" b="0">
@@ -25011,16 +24754,6 @@
                         <a:t> </a:t>
                       </a:r>
                       <a:r>
-                        <a:rPr lang="en-IE" sz="1000" b="1" err="1">
-                          <a:solidFill>
-                            <a:schemeClr val="accent1"/>
-                          </a:solidFill>
-                          <a:latin typeface="Segoe UI" panose="020B0502040204020203" pitchFamily="34" charset="0"/>
-                          <a:cs typeface="Segoe UI" panose="020B0502040204020203" pitchFamily="34" charset="0"/>
-                        </a:rPr>
-                        <a:t>dbms</a:t>
-                      </a:r>
-                      <a:r>
                         <a:rPr lang="en-IE" sz="1000" b="1">
                           <a:solidFill>
                             <a:schemeClr val="accent1"/>
@@ -25028,7 +24761,7 @@
                           <a:latin typeface="Segoe UI" panose="020B0502040204020203" pitchFamily="34" charset="0"/>
                           <a:cs typeface="Segoe UI" panose="020B0502040204020203" pitchFamily="34" charset="0"/>
                         </a:rPr>
-                        <a:t> = csv;</a:t>
+                        <a:t>dbms = csv replace;</a:t>
                       </a:r>
                     </a:p>
                     <a:p>
@@ -25069,7 +24802,9 @@
                       <a:tailEnd type="none" w="med" len="med"/>
                     </a:lnT>
                     <a:lnB w="9525" cap="flat" cmpd="sng" algn="ctr">
-                      <a:noFill/>
+                      <a:solidFill>
+                        <a:schemeClr val="accent5"/>
+                      </a:solidFill>
                       <a:prstDash val="solid"/>
                       <a:round/>
                       <a:headEnd type="none" w="med" len="med"/>
@@ -25090,25 +24825,42 @@
                     <a:bodyPr/>
                     <a:lstStyle/>
                     <a:p>
-                      <a:r>
-                        <a:rPr lang="en-IE" sz="1000" b="0" err="1">
+                      <a:pPr marL="0" marR="0" lvl="0" indent="0" algn="l" defTabSz="1397020" rtl="0" eaLnBrk="1" fontAlgn="auto" latinLnBrk="0" hangingPunct="1">
+                        <a:lnSpc>
+                          <a:spcPct val="100000"/>
+                        </a:lnSpc>
+                        <a:spcBef>
+                          <a:spcPts val="0"/>
+                        </a:spcBef>
+                        <a:spcAft>
+                          <a:spcPts val="0"/>
+                        </a:spcAft>
+                        <a:buClrTx/>
+                        <a:buSzTx/>
+                        <a:buFontTx/>
+                        <a:buNone/>
+                        <a:tabLst/>
+                        <a:defRPr/>
+                      </a:pPr>
+                      <a:r>
+                        <a:rPr lang="en-IE" sz="1000" b="1">
+                          <a:solidFill>
+                            <a:schemeClr val="accent1"/>
+                          </a:solidFill>
+                          <a:latin typeface="Segoe UI" panose="020B0502040204020203" pitchFamily="34" charset="0"/>
+                          <a:cs typeface="Segoe UI" panose="020B0502040204020203" pitchFamily="34" charset="0"/>
+                        </a:rPr>
+                        <a:t>write_csv(</a:t>
+                      </a:r>
+                      <a:r>
+                        <a:rPr lang="en-IE" sz="1000" b="0">
                           <a:solidFill>
                             <a:schemeClr val="accent2"/>
                           </a:solidFill>
                           <a:latin typeface="Segoe UI" panose="020B0502040204020203" pitchFamily="34" charset="0"/>
                           <a:cs typeface="Segoe UI" panose="020B0502040204020203" pitchFamily="34" charset="0"/>
                         </a:rPr>
-                        <a:t>my_data</a:t>
-                      </a:r>
-                      <a:r>
-                        <a:rPr lang="en-IE" sz="1000" b="0">
-                          <a:solidFill>
-                            <a:schemeClr val="accent2"/>
-                          </a:solidFill>
-                          <a:latin typeface="Segoe UI" panose="020B0502040204020203" pitchFamily="34" charset="0"/>
-                          <a:cs typeface="Segoe UI" panose="020B0502040204020203" pitchFamily="34" charset="0"/>
-                        </a:rPr>
-                        <a:t> </a:t>
+                        <a:t>my_data </a:t>
                       </a:r>
                       <a:r>
                         <a:rPr lang="en-IE" sz="1000" b="1">
@@ -25118,27 +24870,7 @@
                           <a:latin typeface="Segoe UI" panose="020B0502040204020203" pitchFamily="34" charset="0"/>
                           <a:cs typeface="Segoe UI" panose="020B0502040204020203" pitchFamily="34" charset="0"/>
                         </a:rPr>
-                        <a:t>&lt;- </a:t>
-                      </a:r>
-                      <a:r>
-                        <a:rPr lang="en-IE" sz="1000" b="1" err="1">
-                          <a:solidFill>
-                            <a:schemeClr val="accent1"/>
-                          </a:solidFill>
-                          <a:latin typeface="Segoe UI" panose="020B0502040204020203" pitchFamily="34" charset="0"/>
-                          <a:cs typeface="Segoe UI" panose="020B0502040204020203" pitchFamily="34" charset="0"/>
-                        </a:rPr>
-                        <a:t>read_csv</a:t>
-                      </a:r>
-                      <a:r>
-                        <a:rPr lang="en-IE" sz="1000" b="1">
-                          <a:solidFill>
-                            <a:schemeClr val="accent1"/>
-                          </a:solidFill>
-                          <a:latin typeface="Segoe UI" panose="020B0502040204020203" pitchFamily="34" charset="0"/>
-                          <a:cs typeface="Segoe UI" panose="020B0502040204020203" pitchFamily="34" charset="0"/>
-                        </a:rPr>
-                        <a:t>(</a:t>
+                        <a:t>, </a:t>
                       </a:r>
                       <a:r>
                         <a:rPr lang="en-US" sz="1000" b="1">
@@ -25207,7 +24939,9 @@
                       <a:tailEnd type="none" w="med" len="med"/>
                     </a:lnT>
                     <a:lnB w="9525" cap="flat" cmpd="sng" algn="ctr">
-                      <a:noFill/>
+                      <a:solidFill>
+                        <a:schemeClr val="accent5"/>
+                      </a:solidFill>
                       <a:prstDash val="solid"/>
                       <a:round/>
                       <a:headEnd type="none" w="med" len="med"/>
@@ -25226,6 +24960,314 @@
                 <a:extLst>
                   <a:ext uri="{0D108BD9-81ED-4DB2-BD59-A6C34878D82A}">
                     <a16:rowId xmlns:a16="http://schemas.microsoft.com/office/drawing/2014/main" val="2725060868"/>
+                  </a:ext>
+                </a:extLst>
+              </a:tr>
+              <a:tr h="621400">
+                <a:tc>
+                  <a:txBody>
+                    <a:bodyPr/>
+                    <a:lstStyle/>
+                    <a:p>
+                      <a:r>
+                        <a:rPr lang="en-IE" sz="1000" b="1">
+                          <a:solidFill>
+                            <a:schemeClr val="accent1"/>
+                          </a:solidFill>
+                          <a:latin typeface="Segoe UI" panose="020B0502040204020203" pitchFamily="34" charset="0"/>
+                          <a:cs typeface="Segoe UI" panose="020B0502040204020203" pitchFamily="34" charset="0"/>
+                        </a:rPr>
+                        <a:t>proc import datafile = </a:t>
+                      </a:r>
+                      <a:r>
+                        <a:rPr lang="en-US" sz="1000" b="1">
+                          <a:solidFill>
+                            <a:schemeClr val="accent1"/>
+                          </a:solidFill>
+                          <a:latin typeface="Segoe UI" panose="020B0502040204020203" pitchFamily="34" charset="0"/>
+                          <a:cs typeface="Segoe UI" panose="020B0502040204020203" pitchFamily="34" charset="0"/>
+                        </a:rPr>
+                        <a:t>"</a:t>
+                      </a:r>
+                      <a:r>
+                        <a:rPr lang="en-IE" sz="1000" b="0">
+                          <a:solidFill>
+                            <a:schemeClr val="accent2"/>
+                          </a:solidFill>
+                          <a:latin typeface="Segoe UI" panose="020B0502040204020203" pitchFamily="34" charset="0"/>
+                          <a:cs typeface="Segoe UI" panose="020B0502040204020203" pitchFamily="34" charset="0"/>
+                        </a:rPr>
+                        <a:t>my_file.csv</a:t>
+                      </a:r>
+                      <a:r>
+                        <a:rPr lang="en-US" sz="1000" b="1">
+                          <a:solidFill>
+                            <a:schemeClr val="accent1"/>
+                          </a:solidFill>
+                          <a:latin typeface="Segoe UI" panose="020B0502040204020203" pitchFamily="34" charset="0"/>
+                          <a:cs typeface="Segoe UI" panose="020B0502040204020203" pitchFamily="34" charset="0"/>
+                        </a:rPr>
+                        <a:t>"</a:t>
+                      </a:r>
+                      <a:endParaRPr lang="en-IE" sz="1000" b="1">
+                        <a:solidFill>
+                          <a:schemeClr val="accent1"/>
+                        </a:solidFill>
+                        <a:latin typeface="Segoe UI" panose="020B0502040204020203" pitchFamily="34" charset="0"/>
+                        <a:cs typeface="Segoe UI" panose="020B0502040204020203" pitchFamily="34" charset="0"/>
+                      </a:endParaRPr>
+                    </a:p>
+                    <a:p>
+                      <a:r>
+                        <a:rPr lang="en-IE" sz="1000" b="1">
+                          <a:solidFill>
+                            <a:schemeClr val="accent1"/>
+                          </a:solidFill>
+                          <a:latin typeface="Segoe UI" panose="020B0502040204020203" pitchFamily="34" charset="0"/>
+                          <a:cs typeface="Segoe UI" panose="020B0502040204020203" pitchFamily="34" charset="0"/>
+                        </a:rPr>
+                        <a:t>  out = </a:t>
+                      </a:r>
+                      <a:r>
+                        <a:rPr lang="en-IE" sz="1000" b="0" err="1">
+                          <a:solidFill>
+                            <a:schemeClr val="accent2"/>
+                          </a:solidFill>
+                          <a:latin typeface="Segoe UI" panose="020B0502040204020203" pitchFamily="34" charset="0"/>
+                          <a:cs typeface="Segoe UI" panose="020B0502040204020203" pitchFamily="34" charset="0"/>
+                        </a:rPr>
+                        <a:t>my_data</a:t>
+                      </a:r>
+                      <a:r>
+                        <a:rPr lang="en-IE" sz="1000" b="0">
+                          <a:solidFill>
+                            <a:schemeClr val="accent2"/>
+                          </a:solidFill>
+                          <a:latin typeface="Segoe UI" panose="020B0502040204020203" pitchFamily="34" charset="0"/>
+                          <a:cs typeface="Segoe UI" panose="020B0502040204020203" pitchFamily="34" charset="0"/>
+                        </a:rPr>
+                        <a:t> </a:t>
+                      </a:r>
+                      <a:r>
+                        <a:rPr lang="en-IE" sz="1000" b="1" err="1">
+                          <a:solidFill>
+                            <a:schemeClr val="accent1"/>
+                          </a:solidFill>
+                          <a:latin typeface="Segoe UI" panose="020B0502040204020203" pitchFamily="34" charset="0"/>
+                          <a:cs typeface="Segoe UI" panose="020B0502040204020203" pitchFamily="34" charset="0"/>
+                        </a:rPr>
+                        <a:t>dbms</a:t>
+                      </a:r>
+                      <a:r>
+                        <a:rPr lang="en-IE" sz="1000" b="1">
+                          <a:solidFill>
+                            <a:schemeClr val="accent1"/>
+                          </a:solidFill>
+                          <a:latin typeface="Segoe UI" panose="020B0502040204020203" pitchFamily="34" charset="0"/>
+                          <a:cs typeface="Segoe UI" panose="020B0502040204020203" pitchFamily="34" charset="0"/>
+                        </a:rPr>
+                        <a:t> = csv;</a:t>
+                      </a:r>
+                    </a:p>
+                    <a:p>
+                      <a:r>
+                        <a:rPr lang="en-IE" sz="1000" b="1">
+                          <a:solidFill>
+                            <a:schemeClr val="accent1"/>
+                          </a:solidFill>
+                          <a:latin typeface="Segoe UI" panose="020B0502040204020203" pitchFamily="34" charset="0"/>
+                          <a:cs typeface="Segoe UI" panose="020B0502040204020203" pitchFamily="34" charset="0"/>
+                        </a:rPr>
+                        <a:t>run;</a:t>
+                      </a:r>
+                    </a:p>
+                  </a:txBody>
+                  <a:tcPr marL="0" marR="0" marT="82800" marB="82800">
+                    <a:lnL w="9525" cap="flat" cmpd="sng" algn="ctr">
+                      <a:noFill/>
+                      <a:prstDash val="solid"/>
+                      <a:round/>
+                      <a:headEnd type="none" w="med" len="med"/>
+                      <a:tailEnd type="none" w="med" len="med"/>
+                    </a:lnL>
+                    <a:lnR w="9525" cap="flat" cmpd="sng" algn="ctr">
+                      <a:noFill/>
+                      <a:prstDash val="solid"/>
+                      <a:round/>
+                      <a:headEnd type="none" w="med" len="med"/>
+                      <a:tailEnd type="none" w="med" len="med"/>
+                    </a:lnR>
+                    <a:lnT w="9525" cap="flat" cmpd="sng" algn="ctr">
+                      <a:solidFill>
+                        <a:schemeClr val="accent5"/>
+                      </a:solidFill>
+                      <a:prstDash val="solid"/>
+                      <a:round/>
+                      <a:headEnd type="none" w="med" len="med"/>
+                      <a:tailEnd type="none" w="med" len="med"/>
+                    </a:lnT>
+                    <a:lnB w="9525" cap="flat" cmpd="sng" algn="ctr">
+                      <a:solidFill>
+                        <a:schemeClr val="accent5"/>
+                      </a:solidFill>
+                      <a:prstDash val="solid"/>
+                      <a:round/>
+                      <a:headEnd type="none" w="med" len="med"/>
+                      <a:tailEnd type="none" w="med" len="med"/>
+                    </a:lnB>
+                    <a:lnTlToBr w="12700" cmpd="sng">
+                      <a:noFill/>
+                      <a:prstDash val="solid"/>
+                    </a:lnTlToBr>
+                    <a:lnBlToTr w="12700" cmpd="sng">
+                      <a:noFill/>
+                      <a:prstDash val="solid"/>
+                    </a:lnBlToTr>
+                  </a:tcPr>
+                </a:tc>
+                <a:tc>
+                  <a:txBody>
+                    <a:bodyPr/>
+                    <a:lstStyle/>
+                    <a:p>
+                      <a:r>
+                        <a:rPr lang="en-IE" sz="1000" b="0" err="1">
+                          <a:solidFill>
+                            <a:schemeClr val="accent2"/>
+                          </a:solidFill>
+                          <a:latin typeface="Segoe UI" panose="020B0502040204020203" pitchFamily="34" charset="0"/>
+                          <a:cs typeface="Segoe UI" panose="020B0502040204020203" pitchFamily="34" charset="0"/>
+                        </a:rPr>
+                        <a:t>my_data</a:t>
+                      </a:r>
+                      <a:r>
+                        <a:rPr lang="en-IE" sz="1000" b="0">
+                          <a:solidFill>
+                            <a:schemeClr val="accent2"/>
+                          </a:solidFill>
+                          <a:latin typeface="Segoe UI" panose="020B0502040204020203" pitchFamily="34" charset="0"/>
+                          <a:cs typeface="Segoe UI" panose="020B0502040204020203" pitchFamily="34" charset="0"/>
+                        </a:rPr>
+                        <a:t> </a:t>
+                      </a:r>
+                      <a:r>
+                        <a:rPr lang="en-IE" sz="1000" b="1">
+                          <a:solidFill>
+                            <a:schemeClr val="accent1"/>
+                          </a:solidFill>
+                          <a:latin typeface="Segoe UI" panose="020B0502040204020203" pitchFamily="34" charset="0"/>
+                          <a:cs typeface="Segoe UI" panose="020B0502040204020203" pitchFamily="34" charset="0"/>
+                        </a:rPr>
+                        <a:t>&lt;- </a:t>
+                      </a:r>
+                      <a:r>
+                        <a:rPr lang="en-IE" sz="1000" b="1" err="1">
+                          <a:solidFill>
+                            <a:schemeClr val="accent1"/>
+                          </a:solidFill>
+                          <a:latin typeface="Segoe UI" panose="020B0502040204020203" pitchFamily="34" charset="0"/>
+                          <a:cs typeface="Segoe UI" panose="020B0502040204020203" pitchFamily="34" charset="0"/>
+                        </a:rPr>
+                        <a:t>read_csv</a:t>
+                      </a:r>
+                      <a:r>
+                        <a:rPr lang="en-IE" sz="1000" b="1">
+                          <a:solidFill>
+                            <a:schemeClr val="accent1"/>
+                          </a:solidFill>
+                          <a:latin typeface="Segoe UI" panose="020B0502040204020203" pitchFamily="34" charset="0"/>
+                          <a:cs typeface="Segoe UI" panose="020B0502040204020203" pitchFamily="34" charset="0"/>
+                        </a:rPr>
+                        <a:t>(</a:t>
+                      </a:r>
+                      <a:r>
+                        <a:rPr lang="en-US" sz="1000" b="1">
+                          <a:solidFill>
+                            <a:schemeClr val="accent1"/>
+                          </a:solidFill>
+                          <a:latin typeface="Segoe UI" panose="020B0502040204020203" pitchFamily="34" charset="0"/>
+                          <a:cs typeface="Segoe UI" panose="020B0502040204020203" pitchFamily="34" charset="0"/>
+                        </a:rPr>
+                        <a:t>"</a:t>
+                      </a:r>
+                      <a:r>
+                        <a:rPr lang="en-IE" sz="1000" b="0">
+                          <a:solidFill>
+                            <a:schemeClr val="accent2"/>
+                          </a:solidFill>
+                          <a:latin typeface="Segoe UI" panose="020B0502040204020203" pitchFamily="34" charset="0"/>
+                          <a:cs typeface="Segoe UI" panose="020B0502040204020203" pitchFamily="34" charset="0"/>
+                        </a:rPr>
+                        <a:t>my_file.csv</a:t>
+                      </a:r>
+                      <a:r>
+                        <a:rPr lang="en-US" sz="1000" b="1">
+                          <a:solidFill>
+                            <a:schemeClr val="accent1"/>
+                          </a:solidFill>
+                          <a:latin typeface="Segoe UI" panose="020B0502040204020203" pitchFamily="34" charset="0"/>
+                          <a:cs typeface="Segoe UI" panose="020B0502040204020203" pitchFamily="34" charset="0"/>
+                        </a:rPr>
+                        <a:t>"</a:t>
+                      </a:r>
+                      <a:r>
+                        <a:rPr lang="en-IE" sz="1000" b="1">
+                          <a:solidFill>
+                            <a:schemeClr val="accent1"/>
+                          </a:solidFill>
+                          <a:latin typeface="Segoe UI" panose="020B0502040204020203" pitchFamily="34" charset="0"/>
+                          <a:cs typeface="Segoe UI" panose="020B0502040204020203" pitchFamily="34" charset="0"/>
+                        </a:rPr>
+                        <a:t>)</a:t>
+                      </a:r>
+                    </a:p>
+                  </a:txBody>
+                  <a:tcPr marL="0" marR="0" marT="82800" marB="82800">
+                    <a:lnL w="9525" cap="flat" cmpd="sng" algn="ctr">
+                      <a:noFill/>
+                      <a:prstDash val="solid"/>
+                      <a:round/>
+                      <a:headEnd type="none" w="med" len="med"/>
+                      <a:tailEnd type="none" w="med" len="med"/>
+                    </a:lnL>
+                    <a:lnR w="9525" cap="flat" cmpd="sng" algn="ctr">
+                      <a:noFill/>
+                      <a:prstDash val="solid"/>
+                      <a:round/>
+                      <a:headEnd type="none" w="med" len="med"/>
+                      <a:tailEnd type="none" w="med" len="med"/>
+                    </a:lnR>
+                    <a:lnT w="9525" cap="flat" cmpd="sng" algn="ctr">
+                      <a:solidFill>
+                        <a:schemeClr val="accent5"/>
+                      </a:solidFill>
+                      <a:prstDash val="solid"/>
+                      <a:round/>
+                      <a:headEnd type="none" w="med" len="med"/>
+                      <a:tailEnd type="none" w="med" len="med"/>
+                    </a:lnT>
+                    <a:lnB w="9525" cap="flat" cmpd="sng" algn="ctr">
+                      <a:solidFill>
+                        <a:schemeClr val="accent5"/>
+                      </a:solidFill>
+                      <a:prstDash val="solid"/>
+                      <a:round/>
+                      <a:headEnd type="none" w="med" len="med"/>
+                      <a:tailEnd type="none" w="med" len="med"/>
+                    </a:lnB>
+                    <a:lnTlToBr w="12700" cmpd="sng">
+                      <a:noFill/>
+                      <a:prstDash val="solid"/>
+                    </a:lnTlToBr>
+                    <a:lnBlToTr w="12700" cmpd="sng">
+                      <a:noFill/>
+                      <a:prstDash val="solid"/>
+                    </a:lnBlToTr>
+                  </a:tcPr>
+                </a:tc>
+                <a:extLst>
+                  <a:ext uri="{0D108BD9-81ED-4DB2-BD59-A6C34878D82A}">
+                    <a16:rowId xmlns:a16="http://schemas.microsoft.com/office/drawing/2014/main" val="1277310338"/>
                   </a:ext>
                 </a:extLst>
               </a:tr>
@@ -25955,102 +25997,6 @@
       </p:sp>
       <p:sp>
         <p:nvSpPr>
-          <p:cNvPr id="18" name="TextBox 17">
-            <a:extLst>
-              <a:ext uri="{FF2B5EF4-FFF2-40B4-BE49-F238E27FC236}">
-                <a16:creationId xmlns:a16="http://schemas.microsoft.com/office/drawing/2014/main" id="{2FB6736C-73AC-48E7-A6D7-E2E0576C12EF}"/>
-              </a:ext>
-            </a:extLst>
-          </p:cNvPr>
-          <p:cNvSpPr txBox="1"/>
-          <p:nvPr/>
-        </p:nvSpPr>
-        <p:spPr>
-          <a:xfrm>
-            <a:off x="10808839" y="8737794"/>
-            <a:ext cx="2610279" cy="303801"/>
-          </a:xfrm>
-          <a:prstGeom prst="rect">
-            <a:avLst/>
-          </a:prstGeom>
-          <a:noFill/>
-        </p:spPr>
-        <p:txBody>
-          <a:bodyPr wrap="square" lIns="0" tIns="0" rIns="0" bIns="0" rtlCol="0">
-            <a:spAutoFit/>
-          </a:bodyPr>
-          <a:lstStyle/>
-          <a:p>
-            <a:pPr algn="r"/>
-            <a:r>
-              <a:rPr lang="en-IE" sz="987">
-                <a:solidFill>
-                  <a:schemeClr val="accent4"/>
-                </a:solidFill>
-              </a:rPr>
-              <a:t>save( ) </a:t>
-            </a:r>
-            <a:r>
-              <a:rPr lang="en-IE" sz="987" i="1">
-                <a:solidFill>
-                  <a:schemeClr val="accent4"/>
-                </a:solidFill>
-              </a:rPr>
-              <a:t>can store multiple data frames in a</a:t>
-            </a:r>
-          </a:p>
-          <a:p>
-            <a:pPr algn="r"/>
-            <a:r>
-              <a:rPr lang="en-IE" sz="987" i="1">
-                <a:solidFill>
-                  <a:schemeClr val="accent4"/>
-                </a:solidFill>
-              </a:rPr>
-              <a:t>single .</a:t>
-            </a:r>
-            <a:r>
-              <a:rPr lang="en-IE" sz="987" i="1" err="1">
-                <a:solidFill>
-                  <a:schemeClr val="accent4"/>
-                </a:solidFill>
-              </a:rPr>
-              <a:t>rda</a:t>
-            </a:r>
-            <a:r>
-              <a:rPr lang="en-IE" sz="987" i="1">
-                <a:solidFill>
-                  <a:schemeClr val="accent4"/>
-                </a:solidFill>
-              </a:rPr>
-              <a:t> file, </a:t>
-            </a:r>
-            <a:r>
-              <a:rPr lang="en-IE" sz="987">
-                <a:solidFill>
-                  <a:schemeClr val="accent4"/>
-                </a:solidFill>
-              </a:rPr>
-              <a:t>load( ) </a:t>
-            </a:r>
-            <a:r>
-              <a:rPr lang="en-IE" sz="987" i="1">
-                <a:solidFill>
-                  <a:schemeClr val="accent4"/>
-                </a:solidFill>
-              </a:rPr>
-              <a:t>will restore all of these</a:t>
-            </a:r>
-            <a:endParaRPr lang="en-IE" sz="987">
-              <a:solidFill>
-                <a:schemeClr val="accent4"/>
-              </a:solidFill>
-            </a:endParaRPr>
-          </a:p>
-        </p:txBody>
-      </p:sp>
-      <p:sp>
-        <p:nvSpPr>
           <p:cNvPr id="19" name="TextBox 18">
             <a:extLst>
               <a:ext uri="{FF2B5EF4-FFF2-40B4-BE49-F238E27FC236}">
@@ -26063,7 +26009,7 @@
         </p:nvSpPr>
         <p:spPr>
           <a:xfrm>
-            <a:off x="10808840" y="9533310"/>
+            <a:off x="10807463" y="10082892"/>
             <a:ext cx="2610279" cy="151901"/>
           </a:xfrm>
           <a:prstGeom prst="rect">
@@ -26258,7 +26204,7 @@
                   <a:schemeClr val="accent4"/>
                 </a:solidFill>
               </a:rPr>
-              <a:t> Brendan O’Dowd • brendanjodowd@gmail.com • Updated 2021-09</a:t>
+              <a:t> Brendan O’Dowd • brendanjodowd@gmail.com • Updated 2022-05</a:t>
             </a:r>
             <a:endParaRPr lang="en-IE" sz="1128" dirty="0">
               <a:solidFill>

--- a/powerpoints/sas-r.pptx
+++ b/powerpoints/sas-r.pptx
@@ -244,7 +244,7 @@
           <a:p>
             <a:fld id="{ECC89BB6-A31E-4472-9960-4A29D90DFAEA}" type="datetimeFigureOut">
               <a:rPr lang="en-IE" smtClean="0"/>
-              <a:t>16/05/2022</a:t>
+              <a:t>17/05/2022</a:t>
             </a:fld>
             <a:endParaRPr lang="en-IE"/>
           </a:p>
@@ -414,7 +414,7 @@
           <a:p>
             <a:fld id="{ECC89BB6-A31E-4472-9960-4A29D90DFAEA}" type="datetimeFigureOut">
               <a:rPr lang="en-IE" smtClean="0"/>
-              <a:t>16/05/2022</a:t>
+              <a:t>17/05/2022</a:t>
             </a:fld>
             <a:endParaRPr lang="en-IE"/>
           </a:p>
@@ -594,7 +594,7 @@
           <a:p>
             <a:fld id="{ECC89BB6-A31E-4472-9960-4A29D90DFAEA}" type="datetimeFigureOut">
               <a:rPr lang="en-IE" smtClean="0"/>
-              <a:t>16/05/2022</a:t>
+              <a:t>17/05/2022</a:t>
             </a:fld>
             <a:endParaRPr lang="en-IE"/>
           </a:p>
@@ -764,7 +764,7 @@
           <a:p>
             <a:fld id="{ECC89BB6-A31E-4472-9960-4A29D90DFAEA}" type="datetimeFigureOut">
               <a:rPr lang="en-IE" smtClean="0"/>
-              <a:t>16/05/2022</a:t>
+              <a:t>17/05/2022</a:t>
             </a:fld>
             <a:endParaRPr lang="en-IE"/>
           </a:p>
@@ -1008,7 +1008,7 @@
           <a:p>
             <a:fld id="{ECC89BB6-A31E-4472-9960-4A29D90DFAEA}" type="datetimeFigureOut">
               <a:rPr lang="en-IE" smtClean="0"/>
-              <a:t>16/05/2022</a:t>
+              <a:t>17/05/2022</a:t>
             </a:fld>
             <a:endParaRPr lang="en-IE"/>
           </a:p>
@@ -1240,7 +1240,7 @@
           <a:p>
             <a:fld id="{ECC89BB6-A31E-4472-9960-4A29D90DFAEA}" type="datetimeFigureOut">
               <a:rPr lang="en-IE" smtClean="0"/>
-              <a:t>16/05/2022</a:t>
+              <a:t>17/05/2022</a:t>
             </a:fld>
             <a:endParaRPr lang="en-IE"/>
           </a:p>
@@ -1607,7 +1607,7 @@
           <a:p>
             <a:fld id="{ECC89BB6-A31E-4472-9960-4A29D90DFAEA}" type="datetimeFigureOut">
               <a:rPr lang="en-IE" smtClean="0"/>
-              <a:t>16/05/2022</a:t>
+              <a:t>17/05/2022</a:t>
             </a:fld>
             <a:endParaRPr lang="en-IE"/>
           </a:p>
@@ -1725,7 +1725,7 @@
           <a:p>
             <a:fld id="{ECC89BB6-A31E-4472-9960-4A29D90DFAEA}" type="datetimeFigureOut">
               <a:rPr lang="en-IE" smtClean="0"/>
-              <a:t>16/05/2022</a:t>
+              <a:t>17/05/2022</a:t>
             </a:fld>
             <a:endParaRPr lang="en-IE"/>
           </a:p>
@@ -1820,7 +1820,7 @@
           <a:p>
             <a:fld id="{ECC89BB6-A31E-4472-9960-4A29D90DFAEA}" type="datetimeFigureOut">
               <a:rPr lang="en-IE" smtClean="0"/>
-              <a:t>16/05/2022</a:t>
+              <a:t>17/05/2022</a:t>
             </a:fld>
             <a:endParaRPr lang="en-IE"/>
           </a:p>
@@ -2097,7 +2097,7 @@
           <a:p>
             <a:fld id="{ECC89BB6-A31E-4472-9960-4A29D90DFAEA}" type="datetimeFigureOut">
               <a:rPr lang="en-IE" smtClean="0"/>
-              <a:t>16/05/2022</a:t>
+              <a:t>17/05/2022</a:t>
             </a:fld>
             <a:endParaRPr lang="en-IE"/>
           </a:p>
@@ -2354,7 +2354,7 @@
           <a:p>
             <a:fld id="{ECC89BB6-A31E-4472-9960-4A29D90DFAEA}" type="datetimeFigureOut">
               <a:rPr lang="en-IE" smtClean="0"/>
-              <a:t>16/05/2022</a:t>
+              <a:t>17/05/2022</a:t>
             </a:fld>
             <a:endParaRPr lang="en-IE"/>
           </a:p>
@@ -2567,7 +2567,7 @@
           <a:p>
             <a:fld id="{ECC89BB6-A31E-4472-9960-4A29D90DFAEA}" type="datetimeFigureOut">
               <a:rPr lang="en-IE" smtClean="0"/>
-              <a:t>16/05/2022</a:t>
+              <a:t>17/05/2022</a:t>
             </a:fld>
             <a:endParaRPr lang="en-IE"/>
           </a:p>
@@ -2972,6 +2972,58 @@
           <a:chExt cx="0" cy="0"/>
         </a:xfrm>
       </p:grpSpPr>
+      <p:sp>
+        <p:nvSpPr>
+          <p:cNvPr id="2" name="Rectangle 1">
+            <a:extLst>
+              <a:ext uri="{FF2B5EF4-FFF2-40B4-BE49-F238E27FC236}">
+                <a16:creationId xmlns:a16="http://schemas.microsoft.com/office/drawing/2014/main" id="{2DFCE4E6-4615-48CA-9518-E1D85AA30B9F}"/>
+              </a:ext>
+            </a:extLst>
+          </p:cNvPr>
+          <p:cNvSpPr/>
+          <p:nvPr/>
+        </p:nvSpPr>
+        <p:spPr>
+          <a:xfrm>
+            <a:off x="0" y="0"/>
+            <a:ext cx="13970000" cy="10795000"/>
+          </a:xfrm>
+          <a:prstGeom prst="rect">
+            <a:avLst/>
+          </a:prstGeom>
+          <a:solidFill>
+            <a:schemeClr val="bg1"/>
+          </a:solidFill>
+          <a:ln>
+            <a:noFill/>
+          </a:ln>
+        </p:spPr>
+        <p:style>
+          <a:lnRef idx="2">
+            <a:schemeClr val="accent1">
+              <a:shade val="50000"/>
+            </a:schemeClr>
+          </a:lnRef>
+          <a:fillRef idx="1">
+            <a:schemeClr val="accent1"/>
+          </a:fillRef>
+          <a:effectRef idx="0">
+            <a:schemeClr val="accent1"/>
+          </a:effectRef>
+          <a:fontRef idx="minor">
+            <a:schemeClr val="lt1"/>
+          </a:fontRef>
+        </p:style>
+        <p:txBody>
+          <a:bodyPr rtlCol="0" anchor="ctr"/>
+          <a:lstStyle/>
+          <a:p>
+            <a:pPr algn="ctr"/>
+            <a:endParaRPr lang="en-IE"/>
+          </a:p>
+        </p:txBody>
+      </p:sp>
       <p:pic>
         <p:nvPicPr>
           <p:cNvPr id="4" name="Graphic 3">
@@ -3295,7 +3347,7 @@
           <p:nvPr>
             <p:extLst>
               <p:ext uri="{D42A27DB-BD31-4B8C-83A1-F6EECF244321}">
-                <p14:modId xmlns:p14="http://schemas.microsoft.com/office/powerpoint/2010/main" val="1352751600"/>
+                <p14:modId xmlns:p14="http://schemas.microsoft.com/office/powerpoint/2010/main" val="3659452728"/>
               </p:ext>
             </p:extLst>
           </p:nvPr>
@@ -7538,7 +7590,7 @@
           <p:nvPr>
             <p:extLst>
               <p:ext uri="{D42A27DB-BD31-4B8C-83A1-F6EECF244321}">
-                <p14:modId xmlns:p14="http://schemas.microsoft.com/office/powerpoint/2010/main" val="2386931197"/>
+                <p14:modId xmlns:p14="http://schemas.microsoft.com/office/powerpoint/2010/main" val="3063978396"/>
               </p:ext>
             </p:extLst>
           </p:nvPr>
@@ -12588,7 +12640,7 @@
           <p:nvPr>
             <p:extLst>
               <p:ext uri="{D42A27DB-BD31-4B8C-83A1-F6EECF244321}">
-                <p14:modId xmlns:p14="http://schemas.microsoft.com/office/powerpoint/2010/main" val="769324603"/>
+                <p14:modId xmlns:p14="http://schemas.microsoft.com/office/powerpoint/2010/main" val="1850171065"/>
               </p:ext>
             </p:extLst>
           </p:nvPr>
@@ -19259,7 +19311,7 @@
           <p:nvPr>
             <p:extLst>
               <p:ext uri="{D42A27DB-BD31-4B8C-83A1-F6EECF244321}">
-                <p14:modId xmlns:p14="http://schemas.microsoft.com/office/powerpoint/2010/main" val="3393591362"/>
+                <p14:modId xmlns:p14="http://schemas.microsoft.com/office/powerpoint/2010/main" val="650584371"/>
               </p:ext>
             </p:extLst>
           </p:nvPr>
@@ -24803,7 +24855,10 @@
                     </a:lnT>
                     <a:lnB w="9525" cap="flat" cmpd="sng" algn="ctr">
                       <a:solidFill>
-                        <a:schemeClr val="accent5"/>
+                        <a:schemeClr val="accent4">
+                          <a:lumMod val="40000"/>
+                          <a:lumOff val="60000"/>
+                        </a:schemeClr>
                       </a:solidFill>
                       <a:prstDash val="solid"/>
                       <a:round/>
@@ -24940,7 +24995,10 @@
                     </a:lnT>
                     <a:lnB w="9525" cap="flat" cmpd="sng" algn="ctr">
                       <a:solidFill>
-                        <a:schemeClr val="accent5"/>
+                        <a:schemeClr val="accent4">
+                          <a:lumMod val="40000"/>
+                          <a:lumOff val="60000"/>
+                        </a:schemeClr>
                       </a:solidFill>
                       <a:prstDash val="solid"/>
                       <a:round/>
@@ -25099,7 +25157,10 @@
                     </a:lnR>
                     <a:lnT w="9525" cap="flat" cmpd="sng" algn="ctr">
                       <a:solidFill>
-                        <a:schemeClr val="accent5"/>
+                        <a:schemeClr val="accent4">
+                          <a:lumMod val="40000"/>
+                          <a:lumOff val="60000"/>
+                        </a:schemeClr>
                       </a:solidFill>
                       <a:prstDash val="solid"/>
                       <a:round/>
@@ -25107,9 +25168,7 @@
                       <a:tailEnd type="none" w="med" len="med"/>
                     </a:lnT>
                     <a:lnB w="9525" cap="flat" cmpd="sng" algn="ctr">
-                      <a:solidFill>
-                        <a:schemeClr val="accent5"/>
-                      </a:solidFill>
+                      <a:noFill/>
                       <a:prstDash val="solid"/>
                       <a:round/>
                       <a:headEnd type="none" w="med" len="med"/>
@@ -25239,7 +25298,10 @@
                     </a:lnR>
                     <a:lnT w="9525" cap="flat" cmpd="sng" algn="ctr">
                       <a:solidFill>
-                        <a:schemeClr val="accent5"/>
+                        <a:schemeClr val="accent4">
+                          <a:lumMod val="40000"/>
+                          <a:lumOff val="60000"/>
+                        </a:schemeClr>
                       </a:solidFill>
                       <a:prstDash val="solid"/>
                       <a:round/>
@@ -25247,9 +25309,7 @@
                       <a:tailEnd type="none" w="med" len="med"/>
                     </a:lnT>
                     <a:lnB w="9525" cap="flat" cmpd="sng" algn="ctr">
-                      <a:solidFill>
-                        <a:schemeClr val="accent5"/>
-                      </a:solidFill>
+                      <a:noFill/>
                       <a:prstDash val="solid"/>
                       <a:round/>
                       <a:headEnd type="none" w="med" len="med"/>
@@ -25417,23 +25477,7 @@
                   <a:schemeClr val="accent4"/>
                 </a:solidFill>
               </a:rPr>
-              <a:t> </a:t>
-            </a:r>
-            <a:r>
-              <a:rPr lang="en-IE" sz="987" err="1">
-                <a:solidFill>
-                  <a:schemeClr val="accent4"/>
-                </a:solidFill>
-              </a:rPr>
-              <a:t>slice.max</a:t>
-            </a:r>
-            <a:r>
-              <a:rPr lang="en-IE" sz="987">
-                <a:solidFill>
-                  <a:schemeClr val="accent4"/>
-                </a:solidFill>
-              </a:rPr>
-              <a:t>( income )</a:t>
+              <a:t> slice_max( income )</a:t>
             </a:r>
           </a:p>
           <a:p>

--- a/powerpoints/sas-r.pptx
+++ b/powerpoints/sas-r.pptx
@@ -244,7 +244,7 @@
           <a:p>
             <a:fld id="{ECC89BB6-A31E-4472-9960-4A29D90DFAEA}" type="datetimeFigureOut">
               <a:rPr lang="en-IE" smtClean="0"/>
-              <a:t>17/05/2022</a:t>
+              <a:t>11/10/2022</a:t>
             </a:fld>
             <a:endParaRPr lang="en-IE"/>
           </a:p>
@@ -414,7 +414,7 @@
           <a:p>
             <a:fld id="{ECC89BB6-A31E-4472-9960-4A29D90DFAEA}" type="datetimeFigureOut">
               <a:rPr lang="en-IE" smtClean="0"/>
-              <a:t>17/05/2022</a:t>
+              <a:t>11/10/2022</a:t>
             </a:fld>
             <a:endParaRPr lang="en-IE"/>
           </a:p>
@@ -594,7 +594,7 @@
           <a:p>
             <a:fld id="{ECC89BB6-A31E-4472-9960-4A29D90DFAEA}" type="datetimeFigureOut">
               <a:rPr lang="en-IE" smtClean="0"/>
-              <a:t>17/05/2022</a:t>
+              <a:t>11/10/2022</a:t>
             </a:fld>
             <a:endParaRPr lang="en-IE"/>
           </a:p>
@@ -764,7 +764,7 @@
           <a:p>
             <a:fld id="{ECC89BB6-A31E-4472-9960-4A29D90DFAEA}" type="datetimeFigureOut">
               <a:rPr lang="en-IE" smtClean="0"/>
-              <a:t>17/05/2022</a:t>
+              <a:t>11/10/2022</a:t>
             </a:fld>
             <a:endParaRPr lang="en-IE"/>
           </a:p>
@@ -1008,7 +1008,7 @@
           <a:p>
             <a:fld id="{ECC89BB6-A31E-4472-9960-4A29D90DFAEA}" type="datetimeFigureOut">
               <a:rPr lang="en-IE" smtClean="0"/>
-              <a:t>17/05/2022</a:t>
+              <a:t>11/10/2022</a:t>
             </a:fld>
             <a:endParaRPr lang="en-IE"/>
           </a:p>
@@ -1240,7 +1240,7 @@
           <a:p>
             <a:fld id="{ECC89BB6-A31E-4472-9960-4A29D90DFAEA}" type="datetimeFigureOut">
               <a:rPr lang="en-IE" smtClean="0"/>
-              <a:t>17/05/2022</a:t>
+              <a:t>11/10/2022</a:t>
             </a:fld>
             <a:endParaRPr lang="en-IE"/>
           </a:p>
@@ -1607,7 +1607,7 @@
           <a:p>
             <a:fld id="{ECC89BB6-A31E-4472-9960-4A29D90DFAEA}" type="datetimeFigureOut">
               <a:rPr lang="en-IE" smtClean="0"/>
-              <a:t>17/05/2022</a:t>
+              <a:t>11/10/2022</a:t>
             </a:fld>
             <a:endParaRPr lang="en-IE"/>
           </a:p>
@@ -1725,7 +1725,7 @@
           <a:p>
             <a:fld id="{ECC89BB6-A31E-4472-9960-4A29D90DFAEA}" type="datetimeFigureOut">
               <a:rPr lang="en-IE" smtClean="0"/>
-              <a:t>17/05/2022</a:t>
+              <a:t>11/10/2022</a:t>
             </a:fld>
             <a:endParaRPr lang="en-IE"/>
           </a:p>
@@ -1820,7 +1820,7 @@
           <a:p>
             <a:fld id="{ECC89BB6-A31E-4472-9960-4A29D90DFAEA}" type="datetimeFigureOut">
               <a:rPr lang="en-IE" smtClean="0"/>
-              <a:t>17/05/2022</a:t>
+              <a:t>11/10/2022</a:t>
             </a:fld>
             <a:endParaRPr lang="en-IE"/>
           </a:p>
@@ -2097,7 +2097,7 @@
           <a:p>
             <a:fld id="{ECC89BB6-A31E-4472-9960-4A29D90DFAEA}" type="datetimeFigureOut">
               <a:rPr lang="en-IE" smtClean="0"/>
-              <a:t>17/05/2022</a:t>
+              <a:t>11/10/2022</a:t>
             </a:fld>
             <a:endParaRPr lang="en-IE"/>
           </a:p>
@@ -2354,7 +2354,7 @@
           <a:p>
             <a:fld id="{ECC89BB6-A31E-4472-9960-4A29D90DFAEA}" type="datetimeFigureOut">
               <a:rPr lang="en-IE" smtClean="0"/>
-              <a:t>17/05/2022</a:t>
+              <a:t>11/10/2022</a:t>
             </a:fld>
             <a:endParaRPr lang="en-IE"/>
           </a:p>
@@ -2567,7 +2567,7 @@
           <a:p>
             <a:fld id="{ECC89BB6-A31E-4472-9960-4A29D90DFAEA}" type="datetimeFigureOut">
               <a:rPr lang="en-IE" smtClean="0"/>
-              <a:t>17/05/2022</a:t>
+              <a:t>11/10/2022</a:t>
             </a:fld>
             <a:endParaRPr lang="en-IE"/>
           </a:p>
@@ -14674,7 +14674,7 @@
           <a:p>
             <a:pPr algn="r"/>
             <a:r>
-              <a:rPr lang="en-IE" sz="1128">
+              <a:rPr lang="en-IE" sz="1128" dirty="0">
                 <a:solidFill>
                   <a:schemeClr val="accent4"/>
                 </a:solidFill>
@@ -14683,18 +14683,13 @@
               <a:t>CC BY SA</a:t>
             </a:r>
             <a:r>
-              <a:rPr lang="en-IE" sz="1128">
+              <a:rPr lang="en-IE" sz="1128" dirty="0">
                 <a:solidFill>
                   <a:schemeClr val="accent4"/>
                 </a:solidFill>
               </a:rPr>
-              <a:t> Brendan O’Dowd • brendanjodowd@gmail.com • Updated 2022-05</a:t>
+              <a:t> Brendan O’Dowd • brendanjodowd@gmail.com • Updated 2022-10</a:t>
             </a:r>
-            <a:endParaRPr lang="en-IE" sz="1128" dirty="0">
-              <a:solidFill>
-                <a:schemeClr val="accent4"/>
-              </a:solidFill>
-            </a:endParaRPr>
           </a:p>
         </p:txBody>
       </p:sp>
@@ -14728,6 +14723,58 @@
           <a:chExt cx="0" cy="0"/>
         </a:xfrm>
       </p:grpSpPr>
+      <p:sp>
+        <p:nvSpPr>
+          <p:cNvPr id="2" name="Rectangle 1">
+            <a:extLst>
+              <a:ext uri="{FF2B5EF4-FFF2-40B4-BE49-F238E27FC236}">
+                <a16:creationId xmlns:a16="http://schemas.microsoft.com/office/drawing/2014/main" id="{525A5071-2A05-2A07-2BA6-7A3EBE33446C}"/>
+              </a:ext>
+            </a:extLst>
+          </p:cNvPr>
+          <p:cNvSpPr/>
+          <p:nvPr/>
+        </p:nvSpPr>
+        <p:spPr>
+          <a:xfrm>
+            <a:off x="0" y="0"/>
+            <a:ext cx="13970000" cy="10795000"/>
+          </a:xfrm>
+          <a:prstGeom prst="rect">
+            <a:avLst/>
+          </a:prstGeom>
+          <a:solidFill>
+            <a:schemeClr val="bg1"/>
+          </a:solidFill>
+          <a:ln>
+            <a:noFill/>
+          </a:ln>
+        </p:spPr>
+        <p:style>
+          <a:lnRef idx="2">
+            <a:schemeClr val="accent1">
+              <a:shade val="50000"/>
+            </a:schemeClr>
+          </a:lnRef>
+          <a:fillRef idx="1">
+            <a:schemeClr val="accent1"/>
+          </a:fillRef>
+          <a:effectRef idx="0">
+            <a:schemeClr val="accent1"/>
+          </a:effectRef>
+          <a:fontRef idx="minor">
+            <a:schemeClr val="lt1"/>
+          </a:fontRef>
+        </p:style>
+        <p:txBody>
+          <a:bodyPr rtlCol="0" anchor="ctr"/>
+          <a:lstStyle/>
+          <a:p>
+            <a:pPr algn="ctr"/>
+            <a:endParaRPr lang="en-IE"/>
+          </a:p>
+        </p:txBody>
+      </p:sp>
       <p:cxnSp>
         <p:nvCxnSpPr>
           <p:cNvPr id="4" name="Straight Connector 3">
@@ -19311,7 +19358,7 @@
           <p:nvPr>
             <p:extLst>
               <p:ext uri="{D42A27DB-BD31-4B8C-83A1-F6EECF244321}">
-                <p14:modId xmlns:p14="http://schemas.microsoft.com/office/powerpoint/2010/main" val="650584371"/>
+                <p14:modId xmlns:p14="http://schemas.microsoft.com/office/powerpoint/2010/main" val="4236710952"/>
               </p:ext>
             </p:extLst>
           </p:nvPr>
@@ -22809,7 +22856,7 @@
                         <a:defRPr/>
                       </a:pPr>
                       <a:r>
-                        <a:rPr lang="en-IE" sz="1000" b="0" err="1">
+                        <a:rPr lang="en-IE" sz="1000" b="0" dirty="0" err="1">
                           <a:solidFill>
                             <a:schemeClr val="accent4"/>
                           </a:solidFill>
@@ -22819,7 +22866,7 @@
                         <a:t>new_data</a:t>
                       </a:r>
                       <a:r>
-                        <a:rPr lang="en-IE" sz="1000" b="0">
+                        <a:rPr lang="en-IE" sz="1000" b="0" dirty="0">
                           <a:solidFill>
                             <a:schemeClr val="accent4"/>
                           </a:solidFill>
@@ -22829,7 +22876,7 @@
                         <a:t> </a:t>
                       </a:r>
                       <a:r>
-                        <a:rPr lang="en-IE" sz="1000" b="1">
+                        <a:rPr lang="en-IE" sz="1000" b="1" dirty="0">
                           <a:solidFill>
                             <a:schemeClr val="accent4"/>
                           </a:solidFill>
@@ -22839,7 +22886,7 @@
                         <a:t>&lt;-</a:t>
                       </a:r>
                       <a:r>
-                        <a:rPr lang="en-IE" sz="1000" b="0">
+                        <a:rPr lang="en-IE" sz="1000" b="0" dirty="0">
                           <a:solidFill>
                             <a:schemeClr val="accent4"/>
                           </a:solidFill>
@@ -22849,7 +22896,7 @@
                         <a:t> </a:t>
                       </a:r>
                       <a:r>
-                        <a:rPr lang="en-IE" sz="1000" b="0" err="1">
+                        <a:rPr lang="en-IE" sz="1000" b="0" dirty="0" err="1">
                           <a:solidFill>
                             <a:schemeClr val="accent4"/>
                           </a:solidFill>
@@ -22859,7 +22906,7 @@
                         <a:t>old_data</a:t>
                       </a:r>
                       <a:r>
-                        <a:rPr lang="en-IE" sz="1000" b="0">
+                        <a:rPr lang="en-IE" sz="1000" b="0" dirty="0">
                           <a:solidFill>
                             <a:schemeClr val="accent4"/>
                           </a:solidFill>
@@ -22871,7 +22918,7 @@
                     </a:p>
                     <a:p>
                       <a:r>
-                        <a:rPr lang="en-IE" sz="1000" b="0">
+                        <a:rPr lang="en-IE" sz="1000" b="0" dirty="0">
                           <a:solidFill>
                             <a:schemeClr val="accent4"/>
                           </a:solidFill>
@@ -22881,7 +22928,7 @@
                         <a:t>  mutate( </a:t>
                       </a:r>
                       <a:r>
-                        <a:rPr lang="en-IE" sz="1000" b="0" err="1">
+                        <a:rPr lang="en-IE" sz="1000" b="0" dirty="0" err="1">
                           <a:solidFill>
                             <a:schemeClr val="accent2"/>
                           </a:solidFill>
@@ -22891,7 +22938,7 @@
                         <a:t>house_number</a:t>
                       </a:r>
                       <a:r>
-                        <a:rPr lang="en-IE" sz="1000" b="0">
+                        <a:rPr lang="en-IE" sz="1000" b="0" dirty="0">
                           <a:solidFill>
                             <a:schemeClr val="accent2"/>
                           </a:solidFill>
@@ -22901,7 +22948,7 @@
                         <a:t> </a:t>
                       </a:r>
                       <a:r>
-                        <a:rPr lang="en-IE" sz="1000" b="1">
+                        <a:rPr lang="en-IE" sz="1000" b="1" dirty="0">
                           <a:solidFill>
                             <a:schemeClr val="accent1"/>
                           </a:solidFill>
@@ -22911,7 +22958,7 @@
                         <a:t>= </a:t>
                       </a:r>
                       <a:r>
-                        <a:rPr lang="en-IE" sz="1000" b="1" err="1">
+                        <a:rPr lang="en-IE" sz="1000" b="1" dirty="0" err="1">
                           <a:solidFill>
                             <a:schemeClr val="accent1"/>
                           </a:solidFill>
@@ -22921,7 +22968,7 @@
                         <a:t>str_extract</a:t>
                       </a:r>
                       <a:r>
-                        <a:rPr lang="en-IE" sz="1000" b="1">
+                        <a:rPr lang="en-IE" sz="1000" b="1" dirty="0">
                           <a:solidFill>
                             <a:schemeClr val="accent1"/>
                           </a:solidFill>
@@ -22931,7 +22978,7 @@
                         <a:t>( </a:t>
                       </a:r>
                       <a:r>
-                        <a:rPr lang="en-IE" sz="1000" b="0">
+                        <a:rPr lang="en-IE" sz="1000" b="0" dirty="0">
                           <a:solidFill>
                             <a:schemeClr val="accent2"/>
                           </a:solidFill>
@@ -22941,7 +22988,7 @@
                         <a:t>address</a:t>
                       </a:r>
                       <a:r>
-                        <a:rPr lang="en-IE" sz="1000" b="1">
+                        <a:rPr lang="en-IE" sz="1000" b="1" dirty="0">
                           <a:solidFill>
                             <a:schemeClr val="accent1"/>
                           </a:solidFill>
@@ -22951,7 +22998,7 @@
                         <a:t> , </a:t>
                       </a:r>
                       <a:r>
-                        <a:rPr lang="en-US" sz="1000" b="1">
+                        <a:rPr lang="en-US" sz="1000" b="1" dirty="0">
                           <a:solidFill>
                             <a:schemeClr val="accent1"/>
                           </a:solidFill>
@@ -22961,17 +23008,17 @@
                         <a:t>"</a:t>
                       </a:r>
                       <a:r>
-                        <a:rPr lang="en-IE" sz="1000" b="0">
-                          <a:solidFill>
-                            <a:schemeClr val="accent1"/>
-                          </a:solidFill>
-                          <a:latin typeface="Segoe UI" panose="020B0502040204020203" pitchFamily="34" charset="0"/>
-                          <a:cs typeface="Segoe UI" panose="020B0502040204020203" pitchFamily="34" charset="0"/>
-                        </a:rPr>
-                        <a:t>\\d*</a:t>
-                      </a:r>
-                      <a:r>
-                        <a:rPr lang="en-US" sz="1000" b="1">
+                        <a:rPr lang="en-IE" sz="1000" b="0" dirty="0">
+                          <a:solidFill>
+                            <a:schemeClr val="accent1"/>
+                          </a:solidFill>
+                          <a:latin typeface="Segoe UI" panose="020B0502040204020203" pitchFamily="34" charset="0"/>
+                          <a:cs typeface="Segoe UI" panose="020B0502040204020203" pitchFamily="34" charset="0"/>
+                        </a:rPr>
+                        <a:t>\\d+</a:t>
+                      </a:r>
+                      <a:r>
+                        <a:rPr lang="en-US" sz="1000" b="1" dirty="0">
                           <a:solidFill>
                             <a:schemeClr val="accent1"/>
                           </a:solidFill>
@@ -22981,7 +23028,7 @@
                         <a:t>"</a:t>
                       </a:r>
                       <a:r>
-                        <a:rPr lang="en-IE" sz="1000" b="1">
+                        <a:rPr lang="en-IE" sz="1000" b="1" dirty="0">
                           <a:solidFill>
                             <a:schemeClr val="accent1"/>
                           </a:solidFill>
@@ -22991,7 +23038,7 @@
                         <a:t> )</a:t>
                       </a:r>
                       <a:r>
-                        <a:rPr lang="en-IE" sz="1000" b="0">
+                        <a:rPr lang="en-IE" sz="1000" b="0" dirty="0">
                           <a:solidFill>
                             <a:schemeClr val="accent4"/>
                           </a:solidFill>
@@ -25190,7 +25237,7 @@
                     <a:lstStyle/>
                     <a:p>
                       <a:r>
-                        <a:rPr lang="en-IE" sz="1000" b="0" err="1">
+                        <a:rPr lang="en-IE" sz="1000" b="0" dirty="0" err="1">
                           <a:solidFill>
                             <a:schemeClr val="accent2"/>
                           </a:solidFill>
@@ -25200,7 +25247,7 @@
                         <a:t>my_data</a:t>
                       </a:r>
                       <a:r>
-                        <a:rPr lang="en-IE" sz="1000" b="0">
+                        <a:rPr lang="en-IE" sz="1000" b="0" dirty="0">
                           <a:solidFill>
                             <a:schemeClr val="accent2"/>
                           </a:solidFill>
@@ -25210,7 +25257,7 @@
                         <a:t> </a:t>
                       </a:r>
                       <a:r>
-                        <a:rPr lang="en-IE" sz="1000" b="1">
+                        <a:rPr lang="en-IE" sz="1000" b="1" dirty="0">
                           <a:solidFill>
                             <a:schemeClr val="accent1"/>
                           </a:solidFill>
@@ -25220,7 +25267,7 @@
                         <a:t>&lt;- </a:t>
                       </a:r>
                       <a:r>
-                        <a:rPr lang="en-IE" sz="1000" b="1" err="1">
+                        <a:rPr lang="en-IE" sz="1000" b="1" dirty="0" err="1">
                           <a:solidFill>
                             <a:schemeClr val="accent1"/>
                           </a:solidFill>
@@ -25230,7 +25277,7 @@
                         <a:t>read_csv</a:t>
                       </a:r>
                       <a:r>
-                        <a:rPr lang="en-IE" sz="1000" b="1">
+                        <a:rPr lang="en-IE" sz="1000" b="1" dirty="0">
                           <a:solidFill>
                             <a:schemeClr val="accent1"/>
                           </a:solidFill>
@@ -25240,7 +25287,7 @@
                         <a:t>(</a:t>
                       </a:r>
                       <a:r>
-                        <a:rPr lang="en-US" sz="1000" b="1">
+                        <a:rPr lang="en-US" sz="1000" b="1" dirty="0">
                           <a:solidFill>
                             <a:schemeClr val="accent1"/>
                           </a:solidFill>
@@ -25250,7 +25297,7 @@
                         <a:t>"</a:t>
                       </a:r>
                       <a:r>
-                        <a:rPr lang="en-IE" sz="1000" b="0">
+                        <a:rPr lang="en-IE" sz="1000" b="0" dirty="0">
                           <a:solidFill>
                             <a:schemeClr val="accent2"/>
                           </a:solidFill>
@@ -25260,7 +25307,7 @@
                         <a:t>my_file.csv</a:t>
                       </a:r>
                       <a:r>
-                        <a:rPr lang="en-US" sz="1000" b="1">
+                        <a:rPr lang="en-US" sz="1000" b="1" dirty="0">
                           <a:solidFill>
                             <a:schemeClr val="accent1"/>
                           </a:solidFill>
@@ -25270,7 +25317,7 @@
                         <a:t>"</a:t>
                       </a:r>
                       <a:r>
-                        <a:rPr lang="en-IE" sz="1000" b="1">
+                        <a:rPr lang="en-IE" sz="1000" b="1" dirty="0">
                           <a:solidFill>
                             <a:schemeClr val="accent1"/>
                           </a:solidFill>
@@ -26234,7 +26281,7 @@
           <a:p>
             <a:pPr algn="r"/>
             <a:r>
-              <a:rPr lang="en-IE" sz="1128">
+              <a:rPr lang="en-IE" sz="1128" dirty="0">
                 <a:solidFill>
                   <a:schemeClr val="accent4"/>
                 </a:solidFill>
@@ -26243,18 +26290,13 @@
               <a:t>CC BY SA</a:t>
             </a:r>
             <a:r>
-              <a:rPr lang="en-IE" sz="1128">
+              <a:rPr lang="en-IE" sz="1128" dirty="0">
                 <a:solidFill>
                   <a:schemeClr val="accent4"/>
                 </a:solidFill>
               </a:rPr>
-              <a:t> Brendan O’Dowd • brendanjodowd@gmail.com • Updated 2022-05</a:t>
+              <a:t> Brendan O’Dowd • brendanjodowd@gmail.com • Updated 2022-10</a:t>
             </a:r>
-            <a:endParaRPr lang="en-IE" sz="1128" dirty="0">
-              <a:solidFill>
-                <a:schemeClr val="accent4"/>
-              </a:solidFill>
-            </a:endParaRPr>
           </a:p>
         </p:txBody>
       </p:sp>

--- a/powerpoints/sas-r.pptx
+++ b/powerpoints/sas-r.pptx
@@ -244,7 +244,7 @@
           <a:p>
             <a:fld id="{ECC89BB6-A31E-4472-9960-4A29D90DFAEA}" type="datetimeFigureOut">
               <a:rPr lang="en-IE" smtClean="0"/>
-              <a:t>11/10/2022</a:t>
+              <a:t>12/10/2022</a:t>
             </a:fld>
             <a:endParaRPr lang="en-IE"/>
           </a:p>
@@ -414,7 +414,7 @@
           <a:p>
             <a:fld id="{ECC89BB6-A31E-4472-9960-4A29D90DFAEA}" type="datetimeFigureOut">
               <a:rPr lang="en-IE" smtClean="0"/>
-              <a:t>11/10/2022</a:t>
+              <a:t>12/10/2022</a:t>
             </a:fld>
             <a:endParaRPr lang="en-IE"/>
           </a:p>
@@ -594,7 +594,7 @@
           <a:p>
             <a:fld id="{ECC89BB6-A31E-4472-9960-4A29D90DFAEA}" type="datetimeFigureOut">
               <a:rPr lang="en-IE" smtClean="0"/>
-              <a:t>11/10/2022</a:t>
+              <a:t>12/10/2022</a:t>
             </a:fld>
             <a:endParaRPr lang="en-IE"/>
           </a:p>
@@ -764,7 +764,7 @@
           <a:p>
             <a:fld id="{ECC89BB6-A31E-4472-9960-4A29D90DFAEA}" type="datetimeFigureOut">
               <a:rPr lang="en-IE" smtClean="0"/>
-              <a:t>11/10/2022</a:t>
+              <a:t>12/10/2022</a:t>
             </a:fld>
             <a:endParaRPr lang="en-IE"/>
           </a:p>
@@ -1008,7 +1008,7 @@
           <a:p>
             <a:fld id="{ECC89BB6-A31E-4472-9960-4A29D90DFAEA}" type="datetimeFigureOut">
               <a:rPr lang="en-IE" smtClean="0"/>
-              <a:t>11/10/2022</a:t>
+              <a:t>12/10/2022</a:t>
             </a:fld>
             <a:endParaRPr lang="en-IE"/>
           </a:p>
@@ -1240,7 +1240,7 @@
           <a:p>
             <a:fld id="{ECC89BB6-A31E-4472-9960-4A29D90DFAEA}" type="datetimeFigureOut">
               <a:rPr lang="en-IE" smtClean="0"/>
-              <a:t>11/10/2022</a:t>
+              <a:t>12/10/2022</a:t>
             </a:fld>
             <a:endParaRPr lang="en-IE"/>
           </a:p>
@@ -1607,7 +1607,7 @@
           <a:p>
             <a:fld id="{ECC89BB6-A31E-4472-9960-4A29D90DFAEA}" type="datetimeFigureOut">
               <a:rPr lang="en-IE" smtClean="0"/>
-              <a:t>11/10/2022</a:t>
+              <a:t>12/10/2022</a:t>
             </a:fld>
             <a:endParaRPr lang="en-IE"/>
           </a:p>
@@ -1725,7 +1725,7 @@
           <a:p>
             <a:fld id="{ECC89BB6-A31E-4472-9960-4A29D90DFAEA}" type="datetimeFigureOut">
               <a:rPr lang="en-IE" smtClean="0"/>
-              <a:t>11/10/2022</a:t>
+              <a:t>12/10/2022</a:t>
             </a:fld>
             <a:endParaRPr lang="en-IE"/>
           </a:p>
@@ -1820,7 +1820,7 @@
           <a:p>
             <a:fld id="{ECC89BB6-A31E-4472-9960-4A29D90DFAEA}" type="datetimeFigureOut">
               <a:rPr lang="en-IE" smtClean="0"/>
-              <a:t>11/10/2022</a:t>
+              <a:t>12/10/2022</a:t>
             </a:fld>
             <a:endParaRPr lang="en-IE"/>
           </a:p>
@@ -2097,7 +2097,7 @@
           <a:p>
             <a:fld id="{ECC89BB6-A31E-4472-9960-4A29D90DFAEA}" type="datetimeFigureOut">
               <a:rPr lang="en-IE" smtClean="0"/>
-              <a:t>11/10/2022</a:t>
+              <a:t>12/10/2022</a:t>
             </a:fld>
             <a:endParaRPr lang="en-IE"/>
           </a:p>
@@ -2354,7 +2354,7 @@
           <a:p>
             <a:fld id="{ECC89BB6-A31E-4472-9960-4A29D90DFAEA}" type="datetimeFigureOut">
               <a:rPr lang="en-IE" smtClean="0"/>
-              <a:t>11/10/2022</a:t>
+              <a:t>12/10/2022</a:t>
             </a:fld>
             <a:endParaRPr lang="en-IE"/>
           </a:p>
@@ -2567,7 +2567,7 @@
           <a:p>
             <a:fld id="{ECC89BB6-A31E-4472-9960-4A29D90DFAEA}" type="datetimeFigureOut">
               <a:rPr lang="en-IE" smtClean="0"/>
-              <a:t>11/10/2022</a:t>
+              <a:t>12/10/2022</a:t>
             </a:fld>
             <a:endParaRPr lang="en-IE"/>
           </a:p>
@@ -3347,7 +3347,7 @@
           <p:nvPr>
             <p:extLst>
               <p:ext uri="{D42A27DB-BD31-4B8C-83A1-F6EECF244321}">
-                <p14:modId xmlns:p14="http://schemas.microsoft.com/office/powerpoint/2010/main" val="3659452728"/>
+                <p14:modId xmlns:p14="http://schemas.microsoft.com/office/powerpoint/2010/main" val="2068444398"/>
               </p:ext>
             </p:extLst>
           </p:nvPr>
@@ -5190,19 +5190,49 @@
                         <a:defRPr/>
                       </a:pPr>
                       <a:r>
-                        <a:rPr lang="en-IE" sz="1000" b="0">
-                          <a:solidFill>
-                            <a:schemeClr val="accent4"/>
-                          </a:solidFill>
-                          <a:latin typeface="Segoe UI" panose="020B0502040204020203" pitchFamily="34" charset="0"/>
-                          <a:cs typeface="Segoe UI" panose="020B0502040204020203" pitchFamily="34" charset="0"/>
-                        </a:rPr>
-                        <a:t>new_data &lt;- old_data %&gt;%</a:t>
-                      </a:r>
-                    </a:p>
-                    <a:p>
-                      <a:r>
-                        <a:rPr lang="en-IE" sz="1000" b="0">
+                        <a:rPr lang="en-IE" sz="1000" b="0" dirty="0" err="1">
+                          <a:solidFill>
+                            <a:schemeClr val="accent4"/>
+                          </a:solidFill>
+                          <a:latin typeface="Segoe UI" panose="020B0502040204020203" pitchFamily="34" charset="0"/>
+                          <a:cs typeface="Segoe UI" panose="020B0502040204020203" pitchFamily="34" charset="0"/>
+                        </a:rPr>
+                        <a:t>new_data</a:t>
+                      </a:r>
+                      <a:r>
+                        <a:rPr lang="en-IE" sz="1000" b="0" dirty="0">
+                          <a:solidFill>
+                            <a:schemeClr val="accent4"/>
+                          </a:solidFill>
+                          <a:latin typeface="Segoe UI" panose="020B0502040204020203" pitchFamily="34" charset="0"/>
+                          <a:cs typeface="Segoe UI" panose="020B0502040204020203" pitchFamily="34" charset="0"/>
+                        </a:rPr>
+                        <a:t> &lt;- </a:t>
+                      </a:r>
+                      <a:r>
+                        <a:rPr lang="en-IE" sz="1000" b="0" dirty="0" err="1">
+                          <a:solidFill>
+                            <a:schemeClr val="accent4"/>
+                          </a:solidFill>
+                          <a:latin typeface="Segoe UI" panose="020B0502040204020203" pitchFamily="34" charset="0"/>
+                          <a:cs typeface="Segoe UI" panose="020B0502040204020203" pitchFamily="34" charset="0"/>
+                        </a:rPr>
+                        <a:t>old_data</a:t>
+                      </a:r>
+                      <a:r>
+                        <a:rPr lang="en-IE" sz="1000" b="0" dirty="0">
+                          <a:solidFill>
+                            <a:schemeClr val="accent4"/>
+                          </a:solidFill>
+                          <a:latin typeface="Segoe UI" panose="020B0502040204020203" pitchFamily="34" charset="0"/>
+                          <a:cs typeface="Segoe UI" panose="020B0502040204020203" pitchFamily="34" charset="0"/>
+                        </a:rPr>
+                        <a:t> %&gt;%</a:t>
+                      </a:r>
+                    </a:p>
+                    <a:p>
+                      <a:r>
+                        <a:rPr lang="en-IE" sz="1000" b="0" dirty="0">
                           <a:solidFill>
                             <a:schemeClr val="accent4"/>
                           </a:solidFill>
@@ -5212,17 +5242,37 @@
                         <a:t>  select( </a:t>
                       </a:r>
                       <a:r>
-                        <a:rPr lang="en-IE" sz="1000" b="1">
-                          <a:solidFill>
-                            <a:schemeClr val="accent1"/>
-                          </a:solidFill>
-                          <a:latin typeface="Segoe UI" panose="020B0502040204020203" pitchFamily="34" charset="0"/>
-                          <a:cs typeface="Segoe UI" panose="020B0502040204020203" pitchFamily="34" charset="0"/>
-                        </a:rPr>
-                        <a:t>-starts_with(</a:t>
-                      </a:r>
-                      <a:r>
-                        <a:rPr lang="en-US" sz="1000" b="1">
+                        <a:rPr lang="en-IE" sz="1000" b="1" dirty="0">
+                          <a:solidFill>
+                            <a:schemeClr val="accent1"/>
+                          </a:solidFill>
+                          <a:latin typeface="Segoe UI" panose="020B0502040204020203" pitchFamily="34" charset="0"/>
+                          <a:cs typeface="Segoe UI" panose="020B0502040204020203" pitchFamily="34" charset="0"/>
+                        </a:rPr>
+                        <a:t>-</a:t>
+                      </a:r>
+                      <a:r>
+                        <a:rPr lang="en-IE" sz="1000" b="1" dirty="0" err="1">
+                          <a:solidFill>
+                            <a:schemeClr val="accent1"/>
+                          </a:solidFill>
+                          <a:latin typeface="Segoe UI" panose="020B0502040204020203" pitchFamily="34" charset="0"/>
+                          <a:cs typeface="Segoe UI" panose="020B0502040204020203" pitchFamily="34" charset="0"/>
+                        </a:rPr>
+                        <a:t>starts_with</a:t>
+                      </a:r>
+                      <a:r>
+                        <a:rPr lang="en-IE" sz="1000" b="1" dirty="0">
+                          <a:solidFill>
+                            <a:schemeClr val="accent1"/>
+                          </a:solidFill>
+                          <a:latin typeface="Segoe UI" panose="020B0502040204020203" pitchFamily="34" charset="0"/>
+                          <a:cs typeface="Segoe UI" panose="020B0502040204020203" pitchFamily="34" charset="0"/>
+                        </a:rPr>
+                        <a:t>(</a:t>
+                      </a:r>
+                      <a:r>
+                        <a:rPr lang="en-US" sz="1000" b="1" dirty="0">
                           <a:solidFill>
                             <a:schemeClr val="accent1"/>
                           </a:solidFill>
@@ -5232,7 +5282,7 @@
                         <a:t>"</a:t>
                       </a:r>
                       <a:r>
-                        <a:rPr lang="en-IE" sz="1000" b="0">
+                        <a:rPr lang="en-IE" sz="1000" b="0" dirty="0">
                           <a:solidFill>
                             <a:schemeClr val="accent1"/>
                           </a:solidFill>
@@ -5242,7 +5292,7 @@
                         <a:t>temp</a:t>
                       </a:r>
                       <a:r>
-                        <a:rPr lang="en-US" sz="1000" b="1">
+                        <a:rPr lang="en-US" sz="1000" b="1" dirty="0">
                           <a:solidFill>
                             <a:schemeClr val="accent1"/>
                           </a:solidFill>
@@ -5252,7 +5302,7 @@
                         <a:t>"</a:t>
                       </a:r>
                       <a:r>
-                        <a:rPr lang="en-IE" sz="1000" b="1">
+                        <a:rPr lang="en-IE" sz="1000" b="1" dirty="0">
                           <a:solidFill>
                             <a:schemeClr val="accent1"/>
                           </a:solidFill>
@@ -7402,19 +7452,49 @@
                         <a:defRPr/>
                       </a:pPr>
                       <a:r>
-                        <a:rPr lang="en-IE" sz="1000" b="0">
-                          <a:solidFill>
-                            <a:schemeClr val="accent4"/>
-                          </a:solidFill>
-                          <a:latin typeface="Segoe UI" panose="020B0502040204020203" pitchFamily="34" charset="0"/>
-                          <a:cs typeface="Segoe UI" panose="020B0502040204020203" pitchFamily="34" charset="0"/>
-                        </a:rPr>
-                        <a:t>new_data &lt;- old_data %&gt;%</a:t>
-                      </a:r>
-                    </a:p>
-                    <a:p>
-                      <a:r>
-                        <a:rPr lang="en-IE" sz="1000" b="0">
+                        <a:rPr lang="en-IE" sz="1000" b="0" dirty="0" err="1">
+                          <a:solidFill>
+                            <a:schemeClr val="accent4"/>
+                          </a:solidFill>
+                          <a:latin typeface="Segoe UI" panose="020B0502040204020203" pitchFamily="34" charset="0"/>
+                          <a:cs typeface="Segoe UI" panose="020B0502040204020203" pitchFamily="34" charset="0"/>
+                        </a:rPr>
+                        <a:t>new_data</a:t>
+                      </a:r>
+                      <a:r>
+                        <a:rPr lang="en-IE" sz="1000" b="0" dirty="0">
+                          <a:solidFill>
+                            <a:schemeClr val="accent4"/>
+                          </a:solidFill>
+                          <a:latin typeface="Segoe UI" panose="020B0502040204020203" pitchFamily="34" charset="0"/>
+                          <a:cs typeface="Segoe UI" panose="020B0502040204020203" pitchFamily="34" charset="0"/>
+                        </a:rPr>
+                        <a:t> &lt;- </a:t>
+                      </a:r>
+                      <a:r>
+                        <a:rPr lang="en-IE" sz="1000" b="0" dirty="0" err="1">
+                          <a:solidFill>
+                            <a:schemeClr val="accent4"/>
+                          </a:solidFill>
+                          <a:latin typeface="Segoe UI" panose="020B0502040204020203" pitchFamily="34" charset="0"/>
+                          <a:cs typeface="Segoe UI" panose="020B0502040204020203" pitchFamily="34" charset="0"/>
+                        </a:rPr>
+                        <a:t>old_data</a:t>
+                      </a:r>
+                      <a:r>
+                        <a:rPr lang="en-IE" sz="1000" b="0" dirty="0">
+                          <a:solidFill>
+                            <a:schemeClr val="accent4"/>
+                          </a:solidFill>
+                          <a:latin typeface="Segoe UI" panose="020B0502040204020203" pitchFamily="34" charset="0"/>
+                          <a:cs typeface="Segoe UI" panose="020B0502040204020203" pitchFamily="34" charset="0"/>
+                        </a:rPr>
+                        <a:t> %&gt;%</a:t>
+                      </a:r>
+                    </a:p>
+                    <a:p>
+                      <a:r>
+                        <a:rPr lang="en-IE" sz="1000" b="0" dirty="0">
                           <a:solidFill>
                             <a:schemeClr val="accent4"/>
                           </a:solidFill>
@@ -7424,7 +7504,7 @@
                         <a:t>  filter(</a:t>
                       </a:r>
                       <a:r>
-                        <a:rPr lang="en-IE" sz="1000" b="0">
+                        <a:rPr lang="en-IE" sz="1000" b="0" dirty="0">
                           <a:solidFill>
                             <a:schemeClr val="accent2"/>
                           </a:solidFill>
@@ -7434,7 +7514,7 @@
                         <a:t>dob</a:t>
                       </a:r>
                       <a:r>
-                        <a:rPr lang="en-IE" sz="1000" b="0">
+                        <a:rPr lang="en-IE" sz="1000" b="0" dirty="0">
                           <a:solidFill>
                             <a:schemeClr val="accent4"/>
                           </a:solidFill>
@@ -7444,17 +7524,37 @@
                         <a:t> </a:t>
                       </a:r>
                       <a:r>
-                        <a:rPr lang="en-IE" sz="1000" b="1">
-                          <a:solidFill>
-                            <a:schemeClr val="accent1"/>
-                          </a:solidFill>
-                          <a:latin typeface="Segoe UI" panose="020B0502040204020203" pitchFamily="34" charset="0"/>
-                          <a:cs typeface="Segoe UI" panose="020B0502040204020203" pitchFamily="34" charset="0"/>
-                        </a:rPr>
-                        <a:t>&gt; as.Date(</a:t>
-                      </a:r>
-                      <a:r>
-                        <a:rPr lang="en-US" sz="1000" b="1">
+                        <a:rPr lang="en-IE" sz="1000" b="1" dirty="0">
+                          <a:solidFill>
+                            <a:schemeClr val="accent1"/>
+                          </a:solidFill>
+                          <a:latin typeface="Segoe UI" panose="020B0502040204020203" pitchFamily="34" charset="0"/>
+                          <a:cs typeface="Segoe UI" panose="020B0502040204020203" pitchFamily="34" charset="0"/>
+                        </a:rPr>
+                        <a:t>&gt; </a:t>
+                      </a:r>
+                      <a:r>
+                        <a:rPr lang="en-IE" sz="1000" b="1" dirty="0" err="1">
+                          <a:solidFill>
+                            <a:schemeClr val="accent1"/>
+                          </a:solidFill>
+                          <a:latin typeface="Segoe UI" panose="020B0502040204020203" pitchFamily="34" charset="0"/>
+                          <a:cs typeface="Segoe UI" panose="020B0502040204020203" pitchFamily="34" charset="0"/>
+                        </a:rPr>
+                        <a:t>as.Date</a:t>
+                      </a:r>
+                      <a:r>
+                        <a:rPr lang="en-IE" sz="1000" b="1" dirty="0">
+                          <a:solidFill>
+                            <a:schemeClr val="accent1"/>
+                          </a:solidFill>
+                          <a:latin typeface="Segoe UI" panose="020B0502040204020203" pitchFamily="34" charset="0"/>
+                          <a:cs typeface="Segoe UI" panose="020B0502040204020203" pitchFamily="34" charset="0"/>
+                        </a:rPr>
+                        <a:t>(</a:t>
+                      </a:r>
+                      <a:r>
+                        <a:rPr lang="en-US" sz="1000" b="1" dirty="0">
                           <a:solidFill>
                             <a:schemeClr val="accent1"/>
                           </a:solidFill>
@@ -7464,7 +7564,7 @@
                         <a:t>"</a:t>
                       </a:r>
                       <a:r>
-                        <a:rPr lang="en-US" sz="1000" b="0">
+                        <a:rPr lang="en-US" sz="1000" b="0" dirty="0">
                           <a:solidFill>
                             <a:schemeClr val="accent1"/>
                           </a:solidFill>
@@ -7474,7 +7574,7 @@
                         <a:t>1990-04-25</a:t>
                       </a:r>
                       <a:r>
-                        <a:rPr lang="en-US" sz="1000" b="1">
+                        <a:rPr lang="en-US" sz="1000" b="1" dirty="0">
                           <a:solidFill>
                             <a:schemeClr val="accent1"/>
                           </a:solidFill>
@@ -7484,7 +7584,7 @@
                         <a:t>"</a:t>
                       </a:r>
                       <a:r>
-                        <a:rPr lang="en-IE" sz="1000" b="1">
+                        <a:rPr lang="en-IE" sz="1000" b="1" dirty="0">
                           <a:solidFill>
                             <a:schemeClr val="accent1"/>
                           </a:solidFill>
@@ -7494,7 +7594,7 @@
                         <a:t>)</a:t>
                       </a:r>
                       <a:r>
-                        <a:rPr lang="en-IE" sz="1000" b="0">
+                        <a:rPr lang="en-IE" sz="1000" b="0" dirty="0">
                           <a:solidFill>
                             <a:schemeClr val="accent4"/>
                           </a:solidFill>
@@ -7503,13 +7603,6 @@
                         </a:rPr>
                         <a:t>)</a:t>
                       </a:r>
-                      <a:endParaRPr lang="en-IE" sz="1000" b="0" dirty="0">
-                        <a:solidFill>
-                          <a:schemeClr val="accent4"/>
-                        </a:solidFill>
-                        <a:latin typeface="Segoe UI" panose="020B0502040204020203" pitchFamily="34" charset="0"/>
-                        <a:cs typeface="Segoe UI" panose="020B0502040204020203" pitchFamily="34" charset="0"/>
-                      </a:endParaRPr>
                     </a:p>
                   </a:txBody>
                   <a:tcPr marL="0" marR="0" marT="82800" marB="82800">
@@ -7590,7 +7683,7 @@
           <p:nvPr>
             <p:extLst>
               <p:ext uri="{D42A27DB-BD31-4B8C-83A1-F6EECF244321}">
-                <p14:modId xmlns:p14="http://schemas.microsoft.com/office/powerpoint/2010/main" val="3063978396"/>
+                <p14:modId xmlns:p14="http://schemas.microsoft.com/office/powerpoint/2010/main" val="88723411"/>
               </p:ext>
             </p:extLst>
           </p:nvPr>
@@ -8364,19 +8457,49 @@
                     <a:lstStyle/>
                     <a:p>
                       <a:r>
-                        <a:rPr lang="en-IE" sz="1000" b="0">
-                          <a:solidFill>
-                            <a:schemeClr val="accent4"/>
-                          </a:solidFill>
-                          <a:latin typeface="Segoe UI" panose="020B0502040204020203" pitchFamily="34" charset="0"/>
-                          <a:cs typeface="Segoe UI" panose="020B0502040204020203" pitchFamily="34" charset="0"/>
-                        </a:rPr>
-                        <a:t>new_data &lt;- old_data %&gt;%</a:t>
-                      </a:r>
-                    </a:p>
-                    <a:p>
-                      <a:r>
-                        <a:rPr lang="en-IE" sz="1000" b="0">
+                        <a:rPr lang="en-IE" sz="1000" b="0" dirty="0" err="1">
+                          <a:solidFill>
+                            <a:schemeClr val="accent4"/>
+                          </a:solidFill>
+                          <a:latin typeface="Segoe UI" panose="020B0502040204020203" pitchFamily="34" charset="0"/>
+                          <a:cs typeface="Segoe UI" panose="020B0502040204020203" pitchFamily="34" charset="0"/>
+                        </a:rPr>
+                        <a:t>new_data</a:t>
+                      </a:r>
+                      <a:r>
+                        <a:rPr lang="en-IE" sz="1000" b="0" dirty="0">
+                          <a:solidFill>
+                            <a:schemeClr val="accent4"/>
+                          </a:solidFill>
+                          <a:latin typeface="Segoe UI" panose="020B0502040204020203" pitchFamily="34" charset="0"/>
+                          <a:cs typeface="Segoe UI" panose="020B0502040204020203" pitchFamily="34" charset="0"/>
+                        </a:rPr>
+                        <a:t> &lt;- </a:t>
+                      </a:r>
+                      <a:r>
+                        <a:rPr lang="en-IE" sz="1000" b="0" dirty="0" err="1">
+                          <a:solidFill>
+                            <a:schemeClr val="accent4"/>
+                          </a:solidFill>
+                          <a:latin typeface="Segoe UI" panose="020B0502040204020203" pitchFamily="34" charset="0"/>
+                          <a:cs typeface="Segoe UI" panose="020B0502040204020203" pitchFamily="34" charset="0"/>
+                        </a:rPr>
+                        <a:t>old_data</a:t>
+                      </a:r>
+                      <a:r>
+                        <a:rPr lang="en-IE" sz="1000" b="0" dirty="0">
+                          <a:solidFill>
+                            <a:schemeClr val="accent4"/>
+                          </a:solidFill>
+                          <a:latin typeface="Segoe UI" panose="020B0502040204020203" pitchFamily="34" charset="0"/>
+                          <a:cs typeface="Segoe UI" panose="020B0502040204020203" pitchFamily="34" charset="0"/>
+                        </a:rPr>
+                        <a:t> %&gt;%</a:t>
+                      </a:r>
+                    </a:p>
+                    <a:p>
+                      <a:r>
+                        <a:rPr lang="en-IE" sz="1000" b="0" dirty="0">
                           <a:solidFill>
                             <a:schemeClr val="accent4"/>
                           </a:solidFill>
@@ -8386,7 +8509,7 @@
                         <a:t>  </a:t>
                       </a:r>
                       <a:r>
-                        <a:rPr lang="en-IE" sz="1000" b="1">
+                        <a:rPr lang="en-IE" sz="1000" b="1" dirty="0">
                           <a:solidFill>
                             <a:schemeClr val="accent1"/>
                           </a:solidFill>
@@ -8396,37 +8519,67 @@
                         <a:t>mutate(</a:t>
                       </a:r>
                       <a:r>
-                        <a:rPr lang="en-IE" sz="1000" b="0">
+                        <a:rPr lang="en-IE" sz="1000" b="0" dirty="0" err="1">
                           <a:solidFill>
                             <a:schemeClr val="accent2"/>
                           </a:solidFill>
                           <a:latin typeface="Segoe UI" panose="020B0502040204020203" pitchFamily="34" charset="0"/>
                           <a:cs typeface="Segoe UI" panose="020B0502040204020203" pitchFamily="34" charset="0"/>
                         </a:rPr>
-                        <a:t>full_time </a:t>
-                      </a:r>
-                      <a:r>
-                        <a:rPr lang="en-IE" sz="1000" b="1">
-                          <a:solidFill>
-                            <a:schemeClr val="accent1"/>
-                          </a:solidFill>
-                          <a:latin typeface="Segoe UI" panose="020B0502040204020203" pitchFamily="34" charset="0"/>
-                          <a:cs typeface="Segoe UI" panose="020B0502040204020203" pitchFamily="34" charset="0"/>
-                        </a:rPr>
-                        <a:t>= if_else(</a:t>
-                      </a:r>
-                      <a:r>
-                        <a:rPr lang="en-IE" sz="1000" b="0">
+                        <a:t>full_time</a:t>
+                      </a:r>
+                      <a:r>
+                        <a:rPr lang="en-IE" sz="1000" b="0" dirty="0">
                           <a:solidFill>
                             <a:schemeClr val="accent2"/>
                           </a:solidFill>
                           <a:latin typeface="Segoe UI" panose="020B0502040204020203" pitchFamily="34" charset="0"/>
                           <a:cs typeface="Segoe UI" panose="020B0502040204020203" pitchFamily="34" charset="0"/>
                         </a:rPr>
+                        <a:t> </a:t>
+                      </a:r>
+                      <a:r>
+                        <a:rPr lang="en-IE" sz="1000" b="1" dirty="0">
+                          <a:solidFill>
+                            <a:schemeClr val="accent1"/>
+                          </a:solidFill>
+                          <a:latin typeface="Segoe UI" panose="020B0502040204020203" pitchFamily="34" charset="0"/>
+                          <a:cs typeface="Segoe UI" panose="020B0502040204020203" pitchFamily="34" charset="0"/>
+                        </a:rPr>
+                        <a:t>= </a:t>
+                      </a:r>
+                      <a:r>
+                        <a:rPr lang="en-IE" sz="1000" b="1" dirty="0" err="1">
+                          <a:solidFill>
+                            <a:schemeClr val="accent1"/>
+                          </a:solidFill>
+                          <a:latin typeface="Segoe UI" panose="020B0502040204020203" pitchFamily="34" charset="0"/>
+                          <a:cs typeface="Segoe UI" panose="020B0502040204020203" pitchFamily="34" charset="0"/>
+                        </a:rPr>
+                        <a:t>if_else</a:t>
+                      </a:r>
+                      <a:r>
+                        <a:rPr lang="en-IE" sz="1000" b="1" dirty="0">
+                          <a:solidFill>
+                            <a:schemeClr val="accent1"/>
+                          </a:solidFill>
+                          <a:latin typeface="Segoe UI" panose="020B0502040204020203" pitchFamily="34" charset="0"/>
+                          <a:cs typeface="Segoe UI" panose="020B0502040204020203" pitchFamily="34" charset="0"/>
+                        </a:rPr>
+                        <a:t>(</a:t>
+                      </a:r>
+                      <a:r>
+                        <a:rPr lang="en-IE" sz="1000" b="0" dirty="0">
+                          <a:solidFill>
+                            <a:schemeClr val="accent2"/>
+                          </a:solidFill>
+                          <a:latin typeface="Segoe UI" panose="020B0502040204020203" pitchFamily="34" charset="0"/>
+                          <a:cs typeface="Segoe UI" panose="020B0502040204020203" pitchFamily="34" charset="0"/>
+                        </a:rPr>
                         <a:t>hours</a:t>
                       </a:r>
                       <a:r>
-                        <a:rPr lang="en-IE" sz="1000" b="1">
+                        <a:rPr lang="en-IE" sz="1000" b="1" dirty="0">
                           <a:solidFill>
                             <a:schemeClr val="accent1"/>
                           </a:solidFill>
@@ -8436,7 +8589,7 @@
                         <a:t> &gt; </a:t>
                       </a:r>
                       <a:r>
-                        <a:rPr lang="en-IE" sz="1000" b="0">
+                        <a:rPr lang="en-IE" sz="1000" b="0" dirty="0">
                           <a:solidFill>
                             <a:schemeClr val="accent1"/>
                           </a:solidFill>
@@ -8446,7 +8599,7 @@
                         <a:t>30</a:t>
                       </a:r>
                       <a:r>
-                        <a:rPr lang="en-IE" sz="1000" b="1">
+                        <a:rPr lang="en-IE" sz="1000" b="1" dirty="0">
                           <a:solidFill>
                             <a:schemeClr val="accent1"/>
                           </a:solidFill>
@@ -8456,7 +8609,7 @@
                         <a:t> , </a:t>
                       </a:r>
                       <a:r>
-                        <a:rPr lang="en-US" sz="1000" b="1">
+                        <a:rPr lang="en-US" sz="1000" b="1" dirty="0">
                           <a:solidFill>
                             <a:schemeClr val="accent1"/>
                           </a:solidFill>
@@ -8466,7 +8619,7 @@
                         <a:t>"</a:t>
                       </a:r>
                       <a:r>
-                        <a:rPr lang="en-IE" sz="1000" b="0">
+                        <a:rPr lang="en-IE" sz="1000" b="0" dirty="0">
                           <a:solidFill>
                             <a:schemeClr val="accent1"/>
                           </a:solidFill>
@@ -8476,7 +8629,7 @@
                         <a:t>Y</a:t>
                       </a:r>
                       <a:r>
-                        <a:rPr lang="en-US" sz="1000" b="1">
+                        <a:rPr lang="en-US" sz="1000" b="1" dirty="0">
                           <a:solidFill>
                             <a:schemeClr val="accent1"/>
                           </a:solidFill>
@@ -8486,7 +8639,7 @@
                         <a:t>" , "</a:t>
                       </a:r>
                       <a:r>
-                        <a:rPr lang="en-US" sz="1000" b="0">
+                        <a:rPr lang="en-US" sz="1000" b="0" dirty="0">
                           <a:solidFill>
                             <a:schemeClr val="accent1"/>
                           </a:solidFill>
@@ -8496,7 +8649,7 @@
                         <a:t>N</a:t>
                       </a:r>
                       <a:r>
-                        <a:rPr lang="en-US" sz="1000" b="1">
+                        <a:rPr lang="en-US" sz="1000" b="1" dirty="0">
                           <a:solidFill>
                             <a:schemeClr val="accent1"/>
                           </a:solidFill>
@@ -8506,7 +8659,7 @@
                         <a:t>"</a:t>
                       </a:r>
                       <a:r>
-                        <a:rPr lang="en-IE" sz="1000" b="1">
+                        <a:rPr lang="en-IE" sz="1000" b="1" dirty="0">
                           <a:solidFill>
                             <a:schemeClr val="accent1"/>
                           </a:solidFill>
@@ -12640,7 +12793,7 @@
           <p:nvPr>
             <p:extLst>
               <p:ext uri="{D42A27DB-BD31-4B8C-83A1-F6EECF244321}">
-                <p14:modId xmlns:p14="http://schemas.microsoft.com/office/powerpoint/2010/main" val="1850171065"/>
+                <p14:modId xmlns:p14="http://schemas.microsoft.com/office/powerpoint/2010/main" val="2007192086"/>
               </p:ext>
             </p:extLst>
           </p:nvPr>
@@ -14861,7 +15014,7 @@
                     <a:lstStyle/>
                     <a:p>
                       <a:r>
-                        <a:rPr lang="en-IE" sz="1700" b="0">
+                        <a:rPr lang="en-IE" sz="1700" b="0" dirty="0">
                           <a:solidFill>
                             <a:schemeClr val="accent4"/>
                           </a:solidFill>
@@ -14924,7 +15077,7 @@
                     <a:lstStyle/>
                     <a:p>
                       <a:r>
-                        <a:rPr lang="en-IE" sz="1000" b="1">
+                        <a:rPr lang="en-IE" sz="1000" b="1" dirty="0">
                           <a:solidFill>
                             <a:schemeClr val="accent1"/>
                           </a:solidFill>
@@ -14934,19 +15087,59 @@
                         <a:t>proc sort </a:t>
                       </a:r>
                       <a:r>
-                        <a:rPr lang="en-IE" sz="1000" b="0">
-                          <a:solidFill>
-                            <a:schemeClr val="accent4"/>
-                          </a:solidFill>
-                          <a:latin typeface="Segoe UI" panose="020B0502040204020203" pitchFamily="34" charset="0"/>
-                          <a:cs typeface="Segoe UI" panose="020B0502040204020203" pitchFamily="34" charset="0"/>
-                        </a:rPr>
-                        <a:t>data=old_data out=new_data;</a:t>
-                      </a:r>
-                    </a:p>
-                    <a:p>
-                      <a:r>
-                        <a:rPr lang="en-IE" sz="1000" b="0">
+                        <a:rPr lang="en-IE" sz="1000" b="0" dirty="0">
+                          <a:solidFill>
+                            <a:schemeClr val="accent4"/>
+                          </a:solidFill>
+                          <a:latin typeface="Segoe UI" panose="020B0502040204020203" pitchFamily="34" charset="0"/>
+                          <a:cs typeface="Segoe UI" panose="020B0502040204020203" pitchFamily="34" charset="0"/>
+                        </a:rPr>
+                        <a:t>data=</a:t>
+                      </a:r>
+                      <a:r>
+                        <a:rPr lang="en-IE" sz="1000" b="0" dirty="0" err="1">
+                          <a:solidFill>
+                            <a:schemeClr val="accent4"/>
+                          </a:solidFill>
+                          <a:latin typeface="Segoe UI" panose="020B0502040204020203" pitchFamily="34" charset="0"/>
+                          <a:cs typeface="Segoe UI" panose="020B0502040204020203" pitchFamily="34" charset="0"/>
+                        </a:rPr>
+                        <a:t>old_data</a:t>
+                      </a:r>
+                      <a:r>
+                        <a:rPr lang="en-IE" sz="1000" b="0" dirty="0">
+                          <a:solidFill>
+                            <a:schemeClr val="accent4"/>
+                          </a:solidFill>
+                          <a:latin typeface="Segoe UI" panose="020B0502040204020203" pitchFamily="34" charset="0"/>
+                          <a:cs typeface="Segoe UI" panose="020B0502040204020203" pitchFamily="34" charset="0"/>
+                        </a:rPr>
+                        <a:t> out=</a:t>
+                      </a:r>
+                      <a:r>
+                        <a:rPr lang="en-IE" sz="1000" b="0" dirty="0" err="1">
+                          <a:solidFill>
+                            <a:schemeClr val="accent4"/>
+                          </a:solidFill>
+                          <a:latin typeface="Segoe UI" panose="020B0502040204020203" pitchFamily="34" charset="0"/>
+                          <a:cs typeface="Segoe UI" panose="020B0502040204020203" pitchFamily="34" charset="0"/>
+                        </a:rPr>
+                        <a:t>new_data</a:t>
+                      </a:r>
+                      <a:r>
+                        <a:rPr lang="en-IE" sz="1000" b="0" dirty="0">
+                          <a:solidFill>
+                            <a:schemeClr val="accent4"/>
+                          </a:solidFill>
+                          <a:latin typeface="Segoe UI" panose="020B0502040204020203" pitchFamily="34" charset="0"/>
+                          <a:cs typeface="Segoe UI" panose="020B0502040204020203" pitchFamily="34" charset="0"/>
+                        </a:rPr>
+                        <a:t>;</a:t>
+                      </a:r>
+                    </a:p>
+                    <a:p>
+                      <a:r>
+                        <a:rPr lang="en-IE" sz="1000" b="0" dirty="0">
                           <a:solidFill>
                             <a:schemeClr val="accent4"/>
                           </a:solidFill>
@@ -14956,7 +15149,7 @@
                         <a:t>  </a:t>
                       </a:r>
                       <a:r>
-                        <a:rPr lang="en-IE" sz="1000" b="1">
+                        <a:rPr lang="en-IE" sz="1000" b="1" dirty="0">
                           <a:solidFill>
                             <a:schemeClr val="accent1"/>
                           </a:solidFill>
@@ -14966,7 +15159,7 @@
                         <a:t>by</a:t>
                       </a:r>
                       <a:r>
-                        <a:rPr lang="en-IE" sz="1000" b="0">
+                        <a:rPr lang="en-IE" sz="1000" b="0" dirty="0">
                           <a:solidFill>
                             <a:schemeClr val="accent4"/>
                           </a:solidFill>
@@ -14976,7 +15169,7 @@
                         <a:t> </a:t>
                       </a:r>
                       <a:r>
-                        <a:rPr lang="en-IE" sz="1000" b="0">
+                        <a:rPr lang="en-IE" sz="1000" b="0" dirty="0">
                           <a:solidFill>
                             <a:schemeClr val="accent2"/>
                           </a:solidFill>
@@ -14986,7 +15179,7 @@
                         <a:t>id</a:t>
                       </a:r>
                       <a:r>
-                        <a:rPr lang="en-IE" sz="1000" b="0">
+                        <a:rPr lang="en-IE" sz="1000" b="0" dirty="0">
                           <a:solidFill>
                             <a:schemeClr val="accent4"/>
                           </a:solidFill>
@@ -14996,7 +15189,7 @@
                         <a:t> </a:t>
                       </a:r>
                       <a:r>
-                        <a:rPr lang="en-IE" sz="1000" b="1">
+                        <a:rPr lang="en-IE" sz="1000" b="1" dirty="0">
                           <a:solidFill>
                             <a:schemeClr val="accent1"/>
                           </a:solidFill>
@@ -15006,7 +15199,7 @@
                         <a:t>descending</a:t>
                       </a:r>
                       <a:r>
-                        <a:rPr lang="en-IE" sz="1000" b="0">
+                        <a:rPr lang="en-IE" sz="1000" b="0" dirty="0">
                           <a:solidFill>
                             <a:schemeClr val="accent4"/>
                           </a:solidFill>
@@ -15016,7 +15209,7 @@
                         <a:t> </a:t>
                       </a:r>
                       <a:r>
-                        <a:rPr lang="en-IE" sz="1000" b="0">
+                        <a:rPr lang="en-IE" sz="1000" b="0" dirty="0">
                           <a:solidFill>
                             <a:schemeClr val="accent2"/>
                           </a:solidFill>
@@ -15026,7 +15219,7 @@
                         <a:t>income</a:t>
                       </a:r>
                       <a:r>
-                        <a:rPr lang="en-IE" sz="1000" b="0">
+                        <a:rPr lang="en-IE" sz="1000" b="0" dirty="0">
                           <a:solidFill>
                             <a:schemeClr val="accent4"/>
                           </a:solidFill>
@@ -15036,7 +15229,7 @@
                         <a:t> </a:t>
                       </a:r>
                       <a:r>
-                        <a:rPr lang="en-IE" sz="1000" b="1">
+                        <a:rPr lang="en-IE" sz="1000" b="1" dirty="0">
                           <a:solidFill>
                             <a:schemeClr val="accent4"/>
                           </a:solidFill>
@@ -15048,7 +15241,7 @@
                     </a:p>
                     <a:p>
                       <a:r>
-                        <a:rPr lang="en-IE" sz="1000" b="0">
+                        <a:rPr lang="en-IE" sz="1000" b="0" dirty="0">
                           <a:solidFill>
                             <a:schemeClr val="accent4"/>
                           </a:solidFill>
@@ -15094,17 +15287,27 @@
                     <a:lstStyle/>
                     <a:p>
                       <a:r>
-                        <a:rPr lang="en-IE" sz="1000" b="0">
-                          <a:solidFill>
-                            <a:schemeClr val="accent4"/>
-                          </a:solidFill>
-                          <a:latin typeface="Segoe UI" panose="020B0502040204020203" pitchFamily="34" charset="0"/>
-                          <a:cs typeface="Segoe UI" panose="020B0502040204020203" pitchFamily="34" charset="0"/>
-                        </a:rPr>
-                        <a:t>new_data </a:t>
-                      </a:r>
-                      <a:r>
-                        <a:rPr lang="en-IE" sz="1000" b="1">
+                        <a:rPr lang="en-IE" sz="1000" b="0" dirty="0" err="1">
+                          <a:solidFill>
+                            <a:schemeClr val="accent4"/>
+                          </a:solidFill>
+                          <a:latin typeface="Segoe UI" panose="020B0502040204020203" pitchFamily="34" charset="0"/>
+                          <a:cs typeface="Segoe UI" panose="020B0502040204020203" pitchFamily="34" charset="0"/>
+                        </a:rPr>
+                        <a:t>new_data</a:t>
+                      </a:r>
+                      <a:r>
+                        <a:rPr lang="en-IE" sz="1000" b="0" dirty="0">
+                          <a:solidFill>
+                            <a:schemeClr val="accent4"/>
+                          </a:solidFill>
+                          <a:latin typeface="Segoe UI" panose="020B0502040204020203" pitchFamily="34" charset="0"/>
+                          <a:cs typeface="Segoe UI" panose="020B0502040204020203" pitchFamily="34" charset="0"/>
+                        </a:rPr>
+                        <a:t> </a:t>
+                      </a:r>
+                      <a:r>
+                        <a:rPr lang="en-IE" sz="1000" b="1" dirty="0">
                           <a:solidFill>
                             <a:schemeClr val="accent4"/>
                           </a:solidFill>
@@ -15114,19 +15317,39 @@
                         <a:t>&lt;-</a:t>
                       </a:r>
                       <a:r>
-                        <a:rPr lang="en-IE" sz="1000" b="0">
-                          <a:solidFill>
-                            <a:schemeClr val="accent4"/>
-                          </a:solidFill>
-                          <a:latin typeface="Segoe UI" panose="020B0502040204020203" pitchFamily="34" charset="0"/>
-                          <a:cs typeface="Segoe UI" panose="020B0502040204020203" pitchFamily="34" charset="0"/>
-                        </a:rPr>
-                        <a:t> old_data %&gt;%</a:t>
-                      </a:r>
-                    </a:p>
-                    <a:p>
-                      <a:r>
-                        <a:rPr lang="en-IE" sz="1000" b="0">
+                        <a:rPr lang="en-IE" sz="1000" b="0" dirty="0">
+                          <a:solidFill>
+                            <a:schemeClr val="accent4"/>
+                          </a:solidFill>
+                          <a:latin typeface="Segoe UI" panose="020B0502040204020203" pitchFamily="34" charset="0"/>
+                          <a:cs typeface="Segoe UI" panose="020B0502040204020203" pitchFamily="34" charset="0"/>
+                        </a:rPr>
+                        <a:t> </a:t>
+                      </a:r>
+                      <a:r>
+                        <a:rPr lang="en-IE" sz="1000" b="0" dirty="0" err="1">
+                          <a:solidFill>
+                            <a:schemeClr val="accent4"/>
+                          </a:solidFill>
+                          <a:latin typeface="Segoe UI" panose="020B0502040204020203" pitchFamily="34" charset="0"/>
+                          <a:cs typeface="Segoe UI" panose="020B0502040204020203" pitchFamily="34" charset="0"/>
+                        </a:rPr>
+                        <a:t>old_data</a:t>
+                      </a:r>
+                      <a:r>
+                        <a:rPr lang="en-IE" sz="1000" b="0" dirty="0">
+                          <a:solidFill>
+                            <a:schemeClr val="accent4"/>
+                          </a:solidFill>
+                          <a:latin typeface="Segoe UI" panose="020B0502040204020203" pitchFamily="34" charset="0"/>
+                          <a:cs typeface="Segoe UI" panose="020B0502040204020203" pitchFamily="34" charset="0"/>
+                        </a:rPr>
+                        <a:t> %&gt;%</a:t>
+                      </a:r>
+                    </a:p>
+                    <a:p>
+                      <a:r>
+                        <a:rPr lang="en-IE" sz="1000" b="0" dirty="0">
                           <a:solidFill>
                             <a:schemeClr val="accent4"/>
                           </a:solidFill>
@@ -15136,7 +15359,7 @@
                         <a:t>  </a:t>
                       </a:r>
                       <a:r>
-                        <a:rPr lang="en-IE" sz="1000" b="1">
+                        <a:rPr lang="en-IE" sz="1000" b="1" dirty="0">
                           <a:solidFill>
                             <a:schemeClr val="accent1"/>
                           </a:solidFill>
@@ -15146,7 +15369,7 @@
                         <a:t>arrange( </a:t>
                       </a:r>
                       <a:r>
-                        <a:rPr lang="en-IE" sz="1000" b="0">
+                        <a:rPr lang="en-IE" sz="1000" b="0" dirty="0">
                           <a:solidFill>
                             <a:schemeClr val="accent2"/>
                           </a:solidFill>
@@ -15156,7 +15379,7 @@
                         <a:t>id</a:t>
                       </a:r>
                       <a:r>
-                        <a:rPr lang="en-IE" sz="1000" b="0">
+                        <a:rPr lang="en-IE" sz="1000" b="0" dirty="0">
                           <a:solidFill>
                             <a:schemeClr val="accent4"/>
                           </a:solidFill>
@@ -15166,7 +15389,7 @@
                         <a:t> </a:t>
                       </a:r>
                       <a:r>
-                        <a:rPr lang="en-IE" sz="1000" b="1">
+                        <a:rPr lang="en-IE" sz="1000" b="1" dirty="0">
                           <a:solidFill>
                             <a:schemeClr val="accent1"/>
                           </a:solidFill>
@@ -15176,7 +15399,7 @@
                         <a:t>,</a:t>
                       </a:r>
                       <a:r>
-                        <a:rPr lang="en-IE" sz="1000" b="0">
+                        <a:rPr lang="en-IE" sz="1000" b="0" dirty="0">
                           <a:solidFill>
                             <a:schemeClr val="accent4"/>
                           </a:solidFill>
@@ -15186,7 +15409,7 @@
                         <a:t> </a:t>
                       </a:r>
                       <a:r>
-                        <a:rPr lang="en-IE" sz="1000" b="1" err="1">
+                        <a:rPr lang="en-IE" sz="1000" b="1" dirty="0" err="1">
                           <a:solidFill>
                             <a:schemeClr val="accent1"/>
                           </a:solidFill>
@@ -15196,7 +15419,7 @@
                         <a:t>desc</a:t>
                       </a:r>
                       <a:r>
-                        <a:rPr lang="en-IE" sz="1000" b="1">
+                        <a:rPr lang="en-IE" sz="1000" b="1" dirty="0">
                           <a:solidFill>
                             <a:schemeClr val="accent1"/>
                           </a:solidFill>
@@ -15206,7 +15429,7 @@
                         <a:t>( </a:t>
                       </a:r>
                       <a:r>
-                        <a:rPr lang="en-IE" sz="1000" b="0">
+                        <a:rPr lang="en-IE" sz="1000" b="0" dirty="0">
                           <a:solidFill>
                             <a:schemeClr val="accent2"/>
                           </a:solidFill>
@@ -15216,7 +15439,7 @@
                         <a:t>income</a:t>
                       </a:r>
                       <a:r>
-                        <a:rPr lang="en-IE" sz="1000" b="0">
+                        <a:rPr lang="en-IE" sz="1000" b="0" dirty="0">
                           <a:solidFill>
                             <a:schemeClr val="accent4"/>
                           </a:solidFill>
@@ -15226,7 +15449,7 @@
                         <a:t> </a:t>
                       </a:r>
                       <a:r>
-                        <a:rPr lang="en-IE" sz="1000" b="1">
+                        <a:rPr lang="en-IE" sz="1000" b="1" dirty="0">
                           <a:solidFill>
                             <a:schemeClr val="accent1"/>
                           </a:solidFill>
@@ -15279,7 +15502,7 @@
                     <a:lstStyle/>
                     <a:p>
                       <a:r>
-                        <a:rPr lang="en-IE" sz="1000" b="0">
+                        <a:rPr lang="en-IE" sz="1000" b="0" dirty="0">
                           <a:solidFill>
                             <a:schemeClr val="accent4"/>
                           </a:solidFill>
@@ -15289,7 +15512,7 @@
                         <a:t>proc sort data=</a:t>
                       </a:r>
                       <a:r>
-                        <a:rPr lang="en-IE" sz="1000" b="0" err="1">
+                        <a:rPr lang="en-IE" sz="1000" b="0" dirty="0" err="1">
                           <a:solidFill>
                             <a:schemeClr val="accent4"/>
                           </a:solidFill>
@@ -15299,7 +15522,7 @@
                         <a:t>old_data</a:t>
                       </a:r>
                       <a:r>
-                        <a:rPr lang="en-IE" sz="1000" b="0">
+                        <a:rPr lang="en-IE" sz="1000" b="0" dirty="0">
                           <a:solidFill>
                             <a:schemeClr val="accent4"/>
                           </a:solidFill>
@@ -15309,7 +15532,7 @@
                         <a:t> </a:t>
                       </a:r>
                       <a:r>
-                        <a:rPr lang="en-IE" sz="1000" b="1" err="1">
+                        <a:rPr lang="en-IE" sz="1000" b="1" dirty="0" err="1">
                           <a:solidFill>
                             <a:schemeClr val="accent1"/>
                           </a:solidFill>
@@ -15319,7 +15542,7 @@
                         <a:t>nodup</a:t>
                       </a:r>
                       <a:r>
-                        <a:rPr lang="en-IE" sz="1000" b="0">
+                        <a:rPr lang="en-IE" sz="1000" b="0" dirty="0">
                           <a:solidFill>
                             <a:schemeClr val="accent4"/>
                           </a:solidFill>
@@ -15331,7 +15554,7 @@
                     </a:p>
                     <a:p>
                       <a:r>
-                        <a:rPr lang="en-IE" sz="1000" b="0">
+                        <a:rPr lang="en-IE" sz="1000" b="0" dirty="0">
                           <a:solidFill>
                             <a:schemeClr val="accent4"/>
                           </a:solidFill>
@@ -15341,7 +15564,7 @@
                         <a:t>  by </a:t>
                       </a:r>
                       <a:r>
-                        <a:rPr lang="en-IE" sz="1000" b="0">
+                        <a:rPr lang="en-IE" sz="1000" b="0" dirty="0">
                           <a:solidFill>
                             <a:schemeClr val="accent2"/>
                           </a:solidFill>
@@ -15351,7 +15574,7 @@
                         <a:t>id </a:t>
                       </a:r>
                       <a:r>
-                        <a:rPr lang="en-IE" sz="1000" b="0" err="1">
+                        <a:rPr lang="en-IE" sz="1000" b="0" dirty="0" err="1">
                           <a:solidFill>
                             <a:schemeClr val="accent2"/>
                           </a:solidFill>
@@ -15361,7 +15584,7 @@
                         <a:t>job_type</a:t>
                       </a:r>
                       <a:r>
-                        <a:rPr lang="en-IE" sz="1000" b="0">
+                        <a:rPr lang="en-IE" sz="1000" b="0" dirty="0">
                           <a:solidFill>
                             <a:schemeClr val="accent4"/>
                           </a:solidFill>
@@ -15373,7 +15596,7 @@
                     </a:p>
                     <a:p>
                       <a:r>
-                        <a:rPr lang="en-IE" sz="1000" b="0">
+                        <a:rPr lang="en-IE" sz="1000" b="0" dirty="0">
                           <a:solidFill>
                             <a:schemeClr val="accent4"/>
                           </a:solidFill>
@@ -15425,7 +15648,7 @@
                     <a:lstStyle/>
                     <a:p>
                       <a:r>
-                        <a:rPr lang="en-IE" sz="1000" b="0" err="1">
+                        <a:rPr lang="en-IE" sz="1000" b="0" dirty="0" err="1">
                           <a:solidFill>
                             <a:schemeClr val="accent4"/>
                           </a:solidFill>
@@ -15435,7 +15658,7 @@
                         <a:t>old_data</a:t>
                       </a:r>
                       <a:r>
-                        <a:rPr lang="en-IE" sz="1000" b="0">
+                        <a:rPr lang="en-IE" sz="1000" b="0" dirty="0">
                           <a:solidFill>
                             <a:schemeClr val="accent4"/>
                           </a:solidFill>
@@ -15445,7 +15668,7 @@
                         <a:t> </a:t>
                       </a:r>
                       <a:r>
-                        <a:rPr lang="en-IE" sz="1000" b="1">
+                        <a:rPr lang="en-IE" sz="1000" b="1" dirty="0">
                           <a:solidFill>
                             <a:schemeClr val="accent4"/>
                           </a:solidFill>
@@ -15455,7 +15678,7 @@
                         <a:t>&lt;-</a:t>
                       </a:r>
                       <a:r>
-                        <a:rPr lang="en-IE" sz="1000" b="0">
+                        <a:rPr lang="en-IE" sz="1000" b="0" dirty="0">
                           <a:solidFill>
                             <a:schemeClr val="accent4"/>
                           </a:solidFill>
@@ -15465,7 +15688,7 @@
                         <a:t> </a:t>
                       </a:r>
                       <a:r>
-                        <a:rPr lang="en-IE" sz="1000" b="0" err="1">
+                        <a:rPr lang="en-IE" sz="1000" b="0" dirty="0" err="1">
                           <a:solidFill>
                             <a:schemeClr val="accent4"/>
                           </a:solidFill>
@@ -15475,7 +15698,7 @@
                         <a:t>old_data</a:t>
                       </a:r>
                       <a:r>
-                        <a:rPr lang="en-IE" sz="1000" b="0">
+                        <a:rPr lang="en-IE" sz="1000" b="0" dirty="0">
                           <a:solidFill>
                             <a:schemeClr val="accent4"/>
                           </a:solidFill>
@@ -15487,7 +15710,7 @@
                     </a:p>
                     <a:p>
                       <a:r>
-                        <a:rPr lang="en-IE" sz="1000" b="0">
+                        <a:rPr lang="en-IE" sz="1000" b="0" dirty="0">
                           <a:solidFill>
                             <a:schemeClr val="accent4"/>
                           </a:solidFill>
@@ -15497,7 +15720,7 @@
                         <a:t>  arrange( </a:t>
                       </a:r>
                       <a:r>
-                        <a:rPr lang="en-IE" sz="1000" b="0">
+                        <a:rPr lang="en-IE" sz="1000" b="0" dirty="0">
                           <a:solidFill>
                             <a:schemeClr val="accent2"/>
                           </a:solidFill>
@@ -15507,7 +15730,7 @@
                         <a:t>id</a:t>
                       </a:r>
                       <a:r>
-                        <a:rPr lang="en-IE" sz="1000" b="0">
+                        <a:rPr lang="en-IE" sz="1000" b="0" dirty="0">
                           <a:solidFill>
                             <a:schemeClr val="accent4"/>
                           </a:solidFill>
@@ -15517,7 +15740,7 @@
                         <a:t> , </a:t>
                       </a:r>
                       <a:r>
-                        <a:rPr lang="en-IE" sz="1000" b="0" err="1">
+                        <a:rPr lang="en-IE" sz="1000" b="0" dirty="0" err="1">
                           <a:solidFill>
                             <a:schemeClr val="accent2"/>
                           </a:solidFill>
@@ -15527,7 +15750,7 @@
                         <a:t>job_type</a:t>
                       </a:r>
                       <a:r>
-                        <a:rPr lang="en-IE" sz="1000" b="0">
+                        <a:rPr lang="en-IE" sz="1000" b="0" dirty="0">
                           <a:solidFill>
                             <a:schemeClr val="accent4"/>
                           </a:solidFill>
@@ -15539,7 +15762,7 @@
                     </a:p>
                     <a:p>
                       <a:r>
-                        <a:rPr lang="en-IE" sz="1000" b="0">
+                        <a:rPr lang="en-IE" sz="1000" b="0" dirty="0">
                           <a:solidFill>
                             <a:schemeClr val="accent4"/>
                           </a:solidFill>
@@ -15549,7 +15772,7 @@
                         <a:t>  </a:t>
                       </a:r>
                       <a:r>
-                        <a:rPr lang="en-IE" sz="1000" b="1">
+                        <a:rPr lang="en-IE" sz="1000" b="1" dirty="0">
                           <a:solidFill>
                             <a:schemeClr val="accent1"/>
                           </a:solidFill>
@@ -15560,7 +15783,7 @@
                       </a:r>
                     </a:p>
                     <a:p>
-                      <a:endParaRPr lang="en-IE" sz="1000" b="0">
+                      <a:endParaRPr lang="en-IE" sz="1000" b="0" dirty="0">
                         <a:solidFill>
                           <a:schemeClr val="accent4"/>
                         </a:solidFill>
@@ -15617,7 +15840,7 @@
                     <a:lstStyle/>
                     <a:p>
                       <a:r>
-                        <a:rPr lang="en-IE" sz="1000" b="0">
+                        <a:rPr lang="en-IE" sz="1000" b="0" dirty="0">
                           <a:solidFill>
                             <a:schemeClr val="accent4"/>
                           </a:solidFill>
@@ -15627,7 +15850,7 @@
                         <a:t>proc sort data=</a:t>
                       </a:r>
                       <a:r>
-                        <a:rPr lang="en-IE" sz="1000" b="0" err="1">
+                        <a:rPr lang="en-IE" sz="1000" b="0" dirty="0" err="1">
                           <a:solidFill>
                             <a:schemeClr val="accent4"/>
                           </a:solidFill>
@@ -15637,7 +15860,7 @@
                         <a:t>old_data</a:t>
                       </a:r>
                       <a:r>
-                        <a:rPr lang="en-IE" sz="1000" b="0">
+                        <a:rPr lang="en-IE" sz="1000" b="0" dirty="0">
                           <a:solidFill>
                             <a:schemeClr val="accent4"/>
                           </a:solidFill>
@@ -15647,7 +15870,7 @@
                         <a:t> </a:t>
                       </a:r>
                       <a:r>
-                        <a:rPr lang="en-IE" sz="1000" b="1" err="1">
+                        <a:rPr lang="en-IE" sz="1000" b="1" dirty="0" err="1">
                           <a:solidFill>
                             <a:schemeClr val="accent1"/>
                           </a:solidFill>
@@ -15657,7 +15880,7 @@
                         <a:t>nodupkey</a:t>
                       </a:r>
                       <a:r>
-                        <a:rPr lang="en-IE" sz="1000" b="0">
+                        <a:rPr lang="en-IE" sz="1000" b="0" dirty="0">
                           <a:solidFill>
                             <a:schemeClr val="accent4"/>
                           </a:solidFill>
@@ -15669,7 +15892,7 @@
                     </a:p>
                     <a:p>
                       <a:r>
-                        <a:rPr lang="en-IE" sz="1000" b="0">
+                        <a:rPr lang="en-IE" sz="1000" b="0" dirty="0">
                           <a:solidFill>
                             <a:schemeClr val="accent4"/>
                           </a:solidFill>
@@ -15679,7 +15902,7 @@
                         <a:t>  by </a:t>
                       </a:r>
                       <a:r>
-                        <a:rPr lang="en-IE" sz="1000" b="0">
+                        <a:rPr lang="en-IE" sz="1000" b="0" dirty="0">
                           <a:solidFill>
                             <a:schemeClr val="accent2"/>
                           </a:solidFill>
@@ -15689,7 +15912,7 @@
                         <a:t>id</a:t>
                       </a:r>
                       <a:r>
-                        <a:rPr lang="en-IE" sz="1000" b="0">
+                        <a:rPr lang="en-IE" sz="1000" b="0" dirty="0">
                           <a:solidFill>
                             <a:schemeClr val="accent4"/>
                           </a:solidFill>
@@ -15701,7 +15924,7 @@
                     </a:p>
                     <a:p>
                       <a:r>
-                        <a:rPr lang="en-IE" sz="1000" b="0">
+                        <a:rPr lang="en-IE" sz="1000" b="0" dirty="0">
                           <a:solidFill>
                             <a:schemeClr val="accent4"/>
                           </a:solidFill>
@@ -15770,7 +15993,7 @@
                         <a:defRPr/>
                       </a:pPr>
                       <a:r>
-                        <a:rPr lang="en-IE" sz="1000" b="0" err="1">
+                        <a:rPr lang="en-IE" sz="1000" b="0" dirty="0" err="1">
                           <a:solidFill>
                             <a:schemeClr val="accent4"/>
                           </a:solidFill>
@@ -15780,7 +16003,7 @@
                         <a:t>old_data</a:t>
                       </a:r>
                       <a:r>
-                        <a:rPr lang="en-IE" sz="1000" b="0">
+                        <a:rPr lang="en-IE" sz="1000" b="0" dirty="0">
                           <a:solidFill>
                             <a:schemeClr val="accent4"/>
                           </a:solidFill>
@@ -15790,7 +16013,7 @@
                         <a:t> &lt;- </a:t>
                       </a:r>
                       <a:r>
-                        <a:rPr lang="en-IE" sz="1000" b="0" err="1">
+                        <a:rPr lang="en-IE" sz="1000" b="0" dirty="0" err="1">
                           <a:solidFill>
                             <a:schemeClr val="accent4"/>
                           </a:solidFill>
@@ -15800,7 +16023,7 @@
                         <a:t>old_data</a:t>
                       </a:r>
                       <a:r>
-                        <a:rPr lang="en-IE" sz="1000" b="0">
+                        <a:rPr lang="en-IE" sz="1000" b="0" dirty="0">
                           <a:solidFill>
                             <a:schemeClr val="accent4"/>
                           </a:solidFill>
@@ -15829,7 +16052,7 @@
                         <a:defRPr/>
                       </a:pPr>
                       <a:r>
-                        <a:rPr lang="en-IE" sz="1000" b="0">
+                        <a:rPr lang="en-IE" sz="1000" b="0" dirty="0">
                           <a:solidFill>
                             <a:schemeClr val="accent4"/>
                           </a:solidFill>
@@ -15839,7 +16062,7 @@
                         <a:t>  arrange( </a:t>
                       </a:r>
                       <a:r>
-                        <a:rPr lang="en-IE" sz="1000" b="0">
+                        <a:rPr lang="en-IE" sz="1000" b="0" dirty="0">
                           <a:solidFill>
                             <a:schemeClr val="accent2"/>
                           </a:solidFill>
@@ -15849,7 +16072,7 @@
                         <a:t>id</a:t>
                       </a:r>
                       <a:r>
-                        <a:rPr lang="en-IE" sz="1000" b="0">
+                        <a:rPr lang="en-IE" sz="1000" b="0" dirty="0">
                           <a:solidFill>
                             <a:schemeClr val="accent4"/>
                           </a:solidFill>
@@ -15878,7 +16101,7 @@
                         <a:defRPr/>
                       </a:pPr>
                       <a:r>
-                        <a:rPr lang="en-IE" sz="1000" b="0">
+                        <a:rPr lang="en-IE" sz="1000" b="0" dirty="0">
                           <a:solidFill>
                             <a:schemeClr val="accent4"/>
                           </a:solidFill>
@@ -15888,7 +16111,7 @@
                         <a:t>  </a:t>
                       </a:r>
                       <a:r>
-                        <a:rPr lang="en-IE" sz="1000" b="1" err="1">
+                        <a:rPr lang="en-IE" sz="1000" b="1" dirty="0" err="1">
                           <a:solidFill>
                             <a:schemeClr val="accent1"/>
                           </a:solidFill>
@@ -15898,7 +16121,7 @@
                         <a:t>group_by</a:t>
                       </a:r>
                       <a:r>
-                        <a:rPr lang="en-IE" sz="1000" b="1">
+                        <a:rPr lang="en-IE" sz="1000" b="1" dirty="0">
                           <a:solidFill>
                             <a:schemeClr val="accent1"/>
                           </a:solidFill>
@@ -15908,7 +16131,7 @@
                         <a:t>( </a:t>
                       </a:r>
                       <a:r>
-                        <a:rPr lang="en-IE" sz="1000" b="0">
+                        <a:rPr lang="en-IE" sz="1000" b="0" dirty="0">
                           <a:solidFill>
                             <a:schemeClr val="accent2"/>
                           </a:solidFill>
@@ -15918,7 +16141,7 @@
                         <a:t>id</a:t>
                       </a:r>
                       <a:r>
-                        <a:rPr lang="en-IE" sz="1000" b="1">
+                        <a:rPr lang="en-IE" sz="1000" b="1" dirty="0">
                           <a:solidFill>
                             <a:schemeClr val="accent1"/>
                           </a:solidFill>
@@ -15928,7 +16151,7 @@
                         <a:t> )</a:t>
                       </a:r>
                       <a:r>
-                        <a:rPr lang="en-IE" sz="1000" b="0">
+                        <a:rPr lang="en-IE" sz="1000" b="0" dirty="0">
                           <a:solidFill>
                             <a:schemeClr val="accent4"/>
                           </a:solidFill>
@@ -15957,7 +16180,7 @@
                         <a:defRPr/>
                       </a:pPr>
                       <a:r>
-                        <a:rPr lang="en-IE" sz="1000" b="0">
+                        <a:rPr lang="en-IE" sz="1000" b="0" dirty="0">
                           <a:solidFill>
                             <a:schemeClr val="accent4"/>
                           </a:solidFill>
@@ -15967,7 +16190,7 @@
                         <a:t>  </a:t>
                       </a:r>
                       <a:r>
-                        <a:rPr lang="en-IE" sz="1000" b="1">
+                        <a:rPr lang="en-IE" sz="1000" b="1" dirty="0">
                           <a:solidFill>
                             <a:schemeClr val="accent1"/>
                           </a:solidFill>
@@ -16439,7 +16662,7 @@
                     <a:lstStyle/>
                     <a:p>
                       <a:r>
-                        <a:rPr lang="en-IE" sz="1000" b="0">
+                        <a:rPr lang="en-IE" sz="1000" b="0" dirty="0">
                           <a:solidFill>
                             <a:schemeClr val="accent4"/>
                           </a:solidFill>
@@ -16449,7 +16672,7 @@
                         <a:t>data </a:t>
                       </a:r>
                       <a:r>
-                        <a:rPr lang="en-IE" sz="1000" b="0" err="1">
+                        <a:rPr lang="en-IE" sz="1000" b="0" dirty="0" err="1">
                           <a:solidFill>
                             <a:schemeClr val="accent4"/>
                           </a:solidFill>
@@ -16459,7 +16682,7 @@
                         <a:t>new_data</a:t>
                       </a:r>
                       <a:r>
-                        <a:rPr lang="en-IE" sz="1000" b="0">
+                        <a:rPr lang="en-IE" sz="1000" b="0" dirty="0">
                           <a:solidFill>
                             <a:schemeClr val="accent4"/>
                           </a:solidFill>
@@ -16471,7 +16694,7 @@
                     </a:p>
                     <a:p>
                       <a:r>
-                        <a:rPr lang="en-IE" sz="1000" b="0">
+                        <a:rPr lang="en-IE" sz="1000" b="0" dirty="0">
                           <a:solidFill>
                             <a:schemeClr val="accent4"/>
                           </a:solidFill>
@@ -16481,7 +16704,7 @@
                         <a:t>  set </a:t>
                       </a:r>
                       <a:r>
-                        <a:rPr lang="en-IE" sz="1000" b="0" err="1">
+                        <a:rPr lang="en-IE" sz="1000" b="0" dirty="0" err="1">
                           <a:solidFill>
                             <a:schemeClr val="accent4"/>
                           </a:solidFill>
@@ -16491,7 +16714,7 @@
                         <a:t>old_data</a:t>
                       </a:r>
                       <a:r>
-                        <a:rPr lang="en-IE" sz="1000" b="0">
+                        <a:rPr lang="en-IE" sz="1000" b="0" dirty="0">
                           <a:solidFill>
                             <a:schemeClr val="accent4"/>
                           </a:solidFill>
@@ -16503,7 +16726,7 @@
                     </a:p>
                     <a:p>
                       <a:r>
-                        <a:rPr lang="en-IE" sz="1000" b="0">
+                        <a:rPr lang="en-IE" sz="1000" b="0" dirty="0">
                           <a:solidFill>
                             <a:schemeClr val="accent4"/>
                           </a:solidFill>
@@ -16513,7 +16736,7 @@
                         <a:t>  </a:t>
                       </a:r>
                       <a:r>
-                        <a:rPr lang="en-IE" sz="1000" b="0" err="1">
+                        <a:rPr lang="en-IE" sz="1000" b="0" dirty="0" err="1">
                           <a:solidFill>
                             <a:schemeClr val="accent2"/>
                           </a:solidFill>
@@ -16523,7 +16746,7 @@
                         <a:t>prev_id</a:t>
                       </a:r>
                       <a:r>
-                        <a:rPr lang="en-IE" sz="1000" b="1">
+                        <a:rPr lang="en-IE" sz="1000" b="1" dirty="0">
                           <a:solidFill>
                             <a:schemeClr val="accent1"/>
                           </a:solidFill>
@@ -16533,7 +16756,7 @@
                         <a:t>= lag( </a:t>
                       </a:r>
                       <a:r>
-                        <a:rPr lang="en-IE" sz="1000" b="0">
+                        <a:rPr lang="en-IE" sz="1000" b="0" dirty="0">
                           <a:solidFill>
                             <a:schemeClr val="accent2"/>
                           </a:solidFill>
@@ -16543,7 +16766,7 @@
                         <a:t>id</a:t>
                       </a:r>
                       <a:r>
-                        <a:rPr lang="en-IE" sz="1000" b="0">
+                        <a:rPr lang="en-IE" sz="1000" b="0" dirty="0">
                           <a:solidFill>
                             <a:schemeClr val="accent4"/>
                           </a:solidFill>
@@ -16553,7 +16776,7 @@
                         <a:t> </a:t>
                       </a:r>
                       <a:r>
-                        <a:rPr lang="en-IE" sz="1000" b="1">
+                        <a:rPr lang="en-IE" sz="1000" b="1" dirty="0">
                           <a:solidFill>
                             <a:schemeClr val="accent1"/>
                           </a:solidFill>
@@ -16565,7 +16788,7 @@
                     </a:p>
                     <a:p>
                       <a:r>
-                        <a:rPr lang="en-IE" sz="1000" b="0">
+                        <a:rPr lang="en-IE" sz="1000" b="0" dirty="0">
                           <a:solidFill>
                             <a:schemeClr val="accent4"/>
                           </a:solidFill>
@@ -16617,7 +16840,7 @@
                     <a:lstStyle/>
                     <a:p>
                       <a:r>
-                        <a:rPr lang="en-IE" sz="1000" b="0" err="1">
+                        <a:rPr lang="en-IE" sz="1000" b="0" dirty="0" err="1">
                           <a:solidFill>
                             <a:schemeClr val="accent4"/>
                           </a:solidFill>
@@ -16627,7 +16850,7 @@
                         <a:t>new_data</a:t>
                       </a:r>
                       <a:r>
-                        <a:rPr lang="en-IE" sz="1000" b="0">
+                        <a:rPr lang="en-IE" sz="1000" b="0" dirty="0">
                           <a:solidFill>
                             <a:schemeClr val="accent4"/>
                           </a:solidFill>
@@ -16637,7 +16860,7 @@
                         <a:t> &lt;- </a:t>
                       </a:r>
                       <a:r>
-                        <a:rPr lang="en-IE" sz="1000" b="0" err="1">
+                        <a:rPr lang="en-IE" sz="1000" b="0" dirty="0" err="1">
                           <a:solidFill>
                             <a:schemeClr val="accent4"/>
                           </a:solidFill>
@@ -16647,7 +16870,7 @@
                         <a:t>old_data</a:t>
                       </a:r>
                       <a:r>
-                        <a:rPr lang="en-IE" sz="1000" b="0">
+                        <a:rPr lang="en-IE" sz="1000" b="0" dirty="0">
                           <a:solidFill>
                             <a:schemeClr val="accent4"/>
                           </a:solidFill>
@@ -16659,7 +16882,7 @@
                     </a:p>
                     <a:p>
                       <a:r>
-                        <a:rPr lang="en-IE" sz="1000" b="0">
+                        <a:rPr lang="en-IE" sz="1000" b="0" dirty="0">
                           <a:solidFill>
                             <a:schemeClr val="accent4"/>
                           </a:solidFill>
@@ -16669,7 +16892,7 @@
                         <a:t>  </a:t>
                       </a:r>
                       <a:r>
-                        <a:rPr lang="en-IE" sz="1000" b="1">
+                        <a:rPr lang="en-IE" sz="1000" b="1" dirty="0">
                           <a:solidFill>
                             <a:schemeClr val="accent1"/>
                           </a:solidFill>
@@ -16679,7 +16902,7 @@
                         <a:t>mutate( </a:t>
                       </a:r>
                       <a:r>
-                        <a:rPr lang="en-IE" sz="1000" b="0" err="1">
+                        <a:rPr lang="en-IE" sz="1000" b="0" dirty="0" err="1">
                           <a:solidFill>
                             <a:schemeClr val="accent2"/>
                           </a:solidFill>
@@ -16689,7 +16912,7 @@
                         <a:t>prev_id</a:t>
                       </a:r>
                       <a:r>
-                        <a:rPr lang="en-IE" sz="1000" b="0">
+                        <a:rPr lang="en-IE" sz="1000" b="0" dirty="0">
                           <a:solidFill>
                             <a:schemeClr val="accent2"/>
                           </a:solidFill>
@@ -16699,7 +16922,7 @@
                         <a:t> </a:t>
                       </a:r>
                       <a:r>
-                        <a:rPr lang="en-IE" sz="1000" b="1">
+                        <a:rPr lang="en-IE" sz="1000" b="1" dirty="0">
                           <a:solidFill>
                             <a:schemeClr val="accent1"/>
                           </a:solidFill>
@@ -16709,7 +16932,7 @@
                         <a:t>= lag( </a:t>
                       </a:r>
                       <a:r>
-                        <a:rPr lang="en-IE" sz="1000" b="0">
+                        <a:rPr lang="en-IE" sz="1000" b="0" dirty="0">
                           <a:solidFill>
                             <a:schemeClr val="accent2"/>
                           </a:solidFill>
@@ -16719,7 +16942,7 @@
                         <a:t>id</a:t>
                       </a:r>
                       <a:r>
-                        <a:rPr lang="en-IE" sz="1000" b="1">
+                        <a:rPr lang="en-IE" sz="1000" b="1" dirty="0">
                           <a:solidFill>
                             <a:schemeClr val="accent1"/>
                           </a:solidFill>
@@ -17279,7 +17502,7 @@
                     <a:lstStyle/>
                     <a:p>
                       <a:r>
-                        <a:rPr kumimoji="0" lang="en-IE" sz="1700" b="0" i="0" u="none" strike="noStrike" kern="1200" cap="none" spc="0" normalizeH="0" baseline="0" noProof="0">
+                        <a:rPr kumimoji="0" lang="en-IE" sz="1700" b="0" i="0" u="none" strike="noStrike" kern="1200" cap="none" spc="0" normalizeH="0" baseline="0" noProof="0" dirty="0">
                           <a:ln>
                             <a:noFill/>
                           </a:ln>
@@ -17295,7 +17518,7 @@
                         </a:rPr>
                         <a:t>Converting and Rounding</a:t>
                       </a:r>
-                      <a:endParaRPr lang="en-IE" sz="1000" b="0">
+                      <a:endParaRPr lang="en-IE" sz="1000" b="0" dirty="0">
                         <a:solidFill>
                           <a:schemeClr val="accent4"/>
                         </a:solidFill>
@@ -17389,7 +17612,7 @@
                     <a:lstStyle/>
                     <a:p>
                       <a:r>
-                        <a:rPr lang="en-IE" sz="1000" b="0">
+                        <a:rPr lang="en-IE" sz="1000" b="0" dirty="0">
                           <a:solidFill>
                             <a:schemeClr val="accent4"/>
                           </a:solidFill>
@@ -17399,7 +17622,7 @@
                         <a:t>data </a:t>
                       </a:r>
                       <a:r>
-                        <a:rPr lang="en-IE" sz="1000" b="0" err="1">
+                        <a:rPr lang="en-IE" sz="1000" b="0" dirty="0" err="1">
                           <a:solidFill>
                             <a:schemeClr val="accent4"/>
                           </a:solidFill>
@@ -17409,7 +17632,7 @@
                         <a:t>new_data</a:t>
                       </a:r>
                       <a:r>
-                        <a:rPr lang="en-IE" sz="1000" b="0">
+                        <a:rPr lang="en-IE" sz="1000" b="0" dirty="0">
                           <a:solidFill>
                             <a:schemeClr val="accent4"/>
                           </a:solidFill>
@@ -17421,7 +17644,7 @@
                     </a:p>
                     <a:p>
                       <a:r>
-                        <a:rPr lang="en-IE" sz="1000" b="0">
+                        <a:rPr lang="en-IE" sz="1000" b="0" dirty="0">
                           <a:solidFill>
                             <a:schemeClr val="accent4"/>
                           </a:solidFill>
@@ -17431,7 +17654,7 @@
                         <a:t>  set </a:t>
                       </a:r>
                       <a:r>
-                        <a:rPr lang="en-IE" sz="1000" b="0" err="1">
+                        <a:rPr lang="en-IE" sz="1000" b="0" dirty="0" err="1">
                           <a:solidFill>
                             <a:schemeClr val="accent4"/>
                           </a:solidFill>
@@ -17441,7 +17664,7 @@
                         <a:t>old_data</a:t>
                       </a:r>
                       <a:r>
-                        <a:rPr lang="en-IE" sz="1000" b="0">
+                        <a:rPr lang="en-IE" sz="1000" b="0" dirty="0">
                           <a:solidFill>
                             <a:schemeClr val="accent4"/>
                           </a:solidFill>
@@ -17453,7 +17676,7 @@
                     </a:p>
                     <a:p>
                       <a:r>
-                        <a:rPr lang="en-IE" sz="1000" b="0">
+                        <a:rPr lang="en-IE" sz="1000" b="0" dirty="0">
                           <a:solidFill>
                             <a:schemeClr val="accent4"/>
                           </a:solidFill>
@@ -17463,7 +17686,7 @@
                         <a:t>  </a:t>
                       </a:r>
                       <a:r>
-                        <a:rPr lang="en-IE" sz="1000" b="0" err="1">
+                        <a:rPr lang="en-IE" sz="1000" b="0" dirty="0" err="1">
                           <a:solidFill>
                             <a:schemeClr val="accent2"/>
                           </a:solidFill>
@@ -17473,7 +17696,7 @@
                         <a:t>num_var</a:t>
                       </a:r>
                       <a:r>
-                        <a:rPr lang="en-IE" sz="1000" b="0">
+                        <a:rPr lang="en-IE" sz="1000" b="0" dirty="0">
                           <a:solidFill>
                             <a:schemeClr val="accent2"/>
                           </a:solidFill>
@@ -17483,7 +17706,7 @@
                         <a:t> </a:t>
                       </a:r>
                       <a:r>
-                        <a:rPr lang="en-IE" sz="1000" b="1">
+                        <a:rPr lang="en-IE" sz="1000" b="1" dirty="0">
                           <a:solidFill>
                             <a:schemeClr val="accent1"/>
                           </a:solidFill>
@@ -17493,7 +17716,7 @@
                         <a:t>= input(</a:t>
                       </a:r>
                       <a:r>
-                        <a:rPr lang="en-US" sz="1000" b="1">
+                        <a:rPr lang="en-US" sz="1000" b="1" dirty="0">
                           <a:solidFill>
                             <a:schemeClr val="accent1"/>
                           </a:solidFill>
@@ -17503,7 +17726,7 @@
                         <a:t>"</a:t>
                       </a:r>
                       <a:r>
-                        <a:rPr lang="en-IE" sz="1000" b="0">
+                        <a:rPr lang="en-IE" sz="1000" b="0" dirty="0">
                           <a:solidFill>
                             <a:schemeClr val="accent1"/>
                           </a:solidFill>
@@ -17513,7 +17736,7 @@
                         <a:t>5</a:t>
                       </a:r>
                       <a:r>
-                        <a:rPr lang="en-US" sz="1000" b="1">
+                        <a:rPr lang="en-US" sz="1000" b="1" dirty="0">
                           <a:solidFill>
                             <a:schemeClr val="accent1"/>
                           </a:solidFill>
@@ -17523,7 +17746,7 @@
                         <a:t>"</a:t>
                       </a:r>
                       <a:r>
-                        <a:rPr lang="en-IE" sz="1000" b="1">
+                        <a:rPr lang="en-IE" sz="1000" b="1" dirty="0">
                           <a:solidFill>
                             <a:schemeClr val="accent1"/>
                           </a:solidFill>
@@ -17533,7 +17756,7 @@
                         <a:t> , </a:t>
                       </a:r>
                       <a:r>
-                        <a:rPr lang="en-IE" sz="1000" b="0">
+                        <a:rPr lang="en-IE" sz="1000" b="0" dirty="0">
                           <a:solidFill>
                             <a:schemeClr val="accent1"/>
                           </a:solidFill>
@@ -17543,7 +17766,7 @@
                         <a:t>8.</a:t>
                       </a:r>
                       <a:r>
-                        <a:rPr lang="en-IE" sz="1000" b="1">
+                        <a:rPr lang="en-IE" sz="1000" b="1" dirty="0">
                           <a:solidFill>
                             <a:schemeClr val="accent1"/>
                           </a:solidFill>
@@ -17555,7 +17778,7 @@
                     </a:p>
                     <a:p>
                       <a:r>
-                        <a:rPr lang="en-IE" sz="1000" b="0">
+                        <a:rPr lang="en-IE" sz="1000" b="0" dirty="0">
                           <a:solidFill>
                             <a:schemeClr val="accent4"/>
                           </a:solidFill>
@@ -17565,7 +17788,7 @@
                         <a:t>  </a:t>
                       </a:r>
                       <a:r>
-                        <a:rPr lang="en-IE" sz="1000" b="0" err="1">
+                        <a:rPr lang="en-IE" sz="1000" b="0" dirty="0" err="1">
                           <a:solidFill>
                             <a:schemeClr val="accent2"/>
                           </a:solidFill>
@@ -17575,7 +17798,7 @@
                         <a:t>text_var</a:t>
                       </a:r>
                       <a:r>
-                        <a:rPr lang="en-IE" sz="1000" b="0">
+                        <a:rPr lang="en-IE" sz="1000" b="0" dirty="0">
                           <a:solidFill>
                             <a:schemeClr val="accent2"/>
                           </a:solidFill>
@@ -17585,7 +17808,7 @@
                         <a:t> </a:t>
                       </a:r>
                       <a:r>
-                        <a:rPr lang="en-IE" sz="1000" b="1">
+                        <a:rPr lang="en-IE" sz="1000" b="1" dirty="0">
                           <a:solidFill>
                             <a:schemeClr val="accent1"/>
                           </a:solidFill>
@@ -17595,7 +17818,7 @@
                         <a:t>= put( </a:t>
                       </a:r>
                       <a:r>
-                        <a:rPr lang="en-IE" sz="1000" b="0">
+                        <a:rPr lang="en-IE" sz="1000" b="0" dirty="0">
                           <a:solidFill>
                             <a:schemeClr val="accent1"/>
                           </a:solidFill>
@@ -17605,7 +17828,7 @@
                         <a:t>5</a:t>
                       </a:r>
                       <a:r>
-                        <a:rPr lang="en-IE" sz="1000" b="1">
+                        <a:rPr lang="en-IE" sz="1000" b="1" dirty="0">
                           <a:solidFill>
                             <a:schemeClr val="accent1"/>
                           </a:solidFill>
@@ -17615,7 +17838,7 @@
                         <a:t> , </a:t>
                       </a:r>
                       <a:r>
-                        <a:rPr lang="en-IE" sz="1000" b="0">
+                        <a:rPr lang="en-IE" sz="1000" b="0" dirty="0">
                           <a:solidFill>
                             <a:schemeClr val="accent1"/>
                           </a:solidFill>
@@ -17625,7 +17848,7 @@
                         <a:t>8.</a:t>
                       </a:r>
                       <a:r>
-                        <a:rPr lang="en-IE" sz="1000" b="1">
+                        <a:rPr lang="en-IE" sz="1000" b="1" dirty="0">
                           <a:solidFill>
                             <a:schemeClr val="accent1"/>
                           </a:solidFill>
@@ -17637,7 +17860,7 @@
                     </a:p>
                     <a:p>
                       <a:r>
-                        <a:rPr lang="en-IE" sz="1000" b="0">
+                        <a:rPr lang="en-IE" sz="1000" b="0" dirty="0">
                           <a:solidFill>
                             <a:schemeClr val="accent4"/>
                           </a:solidFill>
@@ -17700,7 +17923,7 @@
                         <a:defRPr/>
                       </a:pPr>
                       <a:r>
-                        <a:rPr lang="en-IE" sz="1000" b="0" err="1">
+                        <a:rPr lang="en-IE" sz="1000" b="0" dirty="0" err="1">
                           <a:solidFill>
                             <a:schemeClr val="accent4"/>
                           </a:solidFill>
@@ -17710,7 +17933,7 @@
                         <a:t>new_data</a:t>
                       </a:r>
                       <a:r>
-                        <a:rPr lang="en-IE" sz="1000" b="0">
+                        <a:rPr lang="en-IE" sz="1000" b="0" dirty="0">
                           <a:solidFill>
                             <a:schemeClr val="accent4"/>
                           </a:solidFill>
@@ -17720,7 +17943,7 @@
                         <a:t> </a:t>
                       </a:r>
                       <a:r>
-                        <a:rPr lang="en-IE" sz="1000" b="1">
+                        <a:rPr lang="en-IE" sz="1000" b="1" dirty="0">
                           <a:solidFill>
                             <a:schemeClr val="accent4"/>
                           </a:solidFill>
@@ -17730,7 +17953,7 @@
                         <a:t>&lt;-</a:t>
                       </a:r>
                       <a:r>
-                        <a:rPr lang="en-IE" sz="1000" b="0">
+                        <a:rPr lang="en-IE" sz="1000" b="0" dirty="0">
                           <a:solidFill>
                             <a:schemeClr val="accent4"/>
                           </a:solidFill>
@@ -17740,7 +17963,7 @@
                         <a:t> </a:t>
                       </a:r>
                       <a:r>
-                        <a:rPr lang="en-IE" sz="1000" b="0" err="1">
+                        <a:rPr lang="en-IE" sz="1000" b="0" dirty="0" err="1">
                           <a:solidFill>
                             <a:schemeClr val="accent4"/>
                           </a:solidFill>
@@ -17750,7 +17973,7 @@
                         <a:t>old_data</a:t>
                       </a:r>
                       <a:r>
-                        <a:rPr lang="en-IE" sz="1000" b="0">
+                        <a:rPr lang="en-IE" sz="1000" b="0" dirty="0">
                           <a:solidFill>
                             <a:schemeClr val="accent4"/>
                           </a:solidFill>
@@ -17762,7 +17985,7 @@
                     </a:p>
                     <a:p>
                       <a:r>
-                        <a:rPr lang="en-IE" sz="1000" b="0">
+                        <a:rPr lang="en-IE" sz="1000" b="0" dirty="0">
                           <a:solidFill>
                             <a:schemeClr val="accent4"/>
                           </a:solidFill>
@@ -17772,7 +17995,7 @@
                         <a:t>  </a:t>
                       </a:r>
                       <a:r>
-                        <a:rPr lang="en-IE" sz="1000" b="1">
+                        <a:rPr lang="en-IE" sz="1000" b="1" dirty="0">
                           <a:solidFill>
                             <a:schemeClr val="accent1"/>
                           </a:solidFill>
@@ -17782,7 +18005,7 @@
                         <a:t>mutate(</a:t>
                       </a:r>
                       <a:r>
-                        <a:rPr lang="en-IE" sz="1000" b="0" err="1">
+                        <a:rPr lang="en-IE" sz="1000" b="0" dirty="0" err="1">
                           <a:solidFill>
                             <a:schemeClr val="accent2"/>
                           </a:solidFill>
@@ -17792,7 +18015,7 @@
                         <a:t>num_var</a:t>
                       </a:r>
                       <a:r>
-                        <a:rPr lang="en-IE" sz="1000" b="0">
+                        <a:rPr lang="en-IE" sz="1000" b="0" dirty="0">
                           <a:solidFill>
                             <a:schemeClr val="accent2"/>
                           </a:solidFill>
@@ -17802,7 +18025,7 @@
                         <a:t> </a:t>
                       </a:r>
                       <a:r>
-                        <a:rPr lang="en-IE" sz="1000" b="1">
+                        <a:rPr lang="en-IE" sz="1000" b="1" dirty="0">
                           <a:solidFill>
                             <a:schemeClr val="accent1"/>
                           </a:solidFill>
@@ -17812,7 +18035,7 @@
                         <a:t>= </a:t>
                       </a:r>
                       <a:r>
-                        <a:rPr lang="en-IE" sz="1000" b="1" err="1">
+                        <a:rPr lang="en-IE" sz="1000" b="1" dirty="0" err="1">
                           <a:solidFill>
                             <a:schemeClr val="accent1"/>
                           </a:solidFill>
@@ -17822,7 +18045,7 @@
                         <a:t>as.numeric</a:t>
                       </a:r>
                       <a:r>
-                        <a:rPr lang="en-IE" sz="1000" b="1">
+                        <a:rPr lang="en-IE" sz="1000" b="1" dirty="0">
                           <a:solidFill>
                             <a:schemeClr val="accent1"/>
                           </a:solidFill>
@@ -17832,7 +18055,7 @@
                         <a:t>(</a:t>
                       </a:r>
                       <a:r>
-                        <a:rPr lang="en-US" sz="1000" b="1">
+                        <a:rPr lang="en-US" sz="1000" b="1" dirty="0">
                           <a:solidFill>
                             <a:schemeClr val="accent1"/>
                           </a:solidFill>
@@ -17842,7 +18065,7 @@
                         <a:t>"</a:t>
                       </a:r>
                       <a:r>
-                        <a:rPr lang="en-IE" sz="1000" b="0">
+                        <a:rPr lang="en-IE" sz="1000" b="0" dirty="0">
                           <a:solidFill>
                             <a:schemeClr val="accent1"/>
                           </a:solidFill>
@@ -17852,7 +18075,7 @@
                         <a:t>5</a:t>
                       </a:r>
                       <a:r>
-                        <a:rPr lang="en-US" sz="1000" b="1">
+                        <a:rPr lang="en-US" sz="1000" b="1" dirty="0">
                           <a:solidFill>
                             <a:schemeClr val="accent1"/>
                           </a:solidFill>
@@ -17862,7 +18085,7 @@
                         <a:t>"</a:t>
                       </a:r>
                       <a:r>
-                        <a:rPr lang="en-IE" sz="1000" b="1">
+                        <a:rPr lang="en-IE" sz="1000" b="1" dirty="0">
                           <a:solidFill>
                             <a:schemeClr val="accent1"/>
                           </a:solidFill>
@@ -17872,7 +18095,7 @@
                         <a:t> )) </a:t>
                       </a:r>
                       <a:r>
-                        <a:rPr lang="en-IE" sz="1000" b="0">
+                        <a:rPr lang="en-IE" sz="1000" b="0" dirty="0">
                           <a:solidFill>
                             <a:schemeClr val="accent4"/>
                           </a:solidFill>
@@ -17884,7 +18107,7 @@
                     </a:p>
                     <a:p>
                       <a:r>
-                        <a:rPr lang="en-IE" sz="1000" b="0">
+                        <a:rPr lang="en-IE" sz="1000" b="0" dirty="0">
                           <a:solidFill>
                             <a:schemeClr val="accent4"/>
                           </a:solidFill>
@@ -17894,7 +18117,7 @@
                         <a:t>  </a:t>
                       </a:r>
                       <a:r>
-                        <a:rPr lang="en-IE" sz="1000" b="1">
+                        <a:rPr lang="en-IE" sz="1000" b="1" dirty="0">
                           <a:solidFill>
                             <a:schemeClr val="accent1"/>
                           </a:solidFill>
@@ -17904,7 +18127,7 @@
                         <a:t>mutate(</a:t>
                       </a:r>
                       <a:r>
-                        <a:rPr lang="en-IE" sz="1000" b="0" err="1">
+                        <a:rPr lang="en-IE" sz="1000" b="0" dirty="0" err="1">
                           <a:solidFill>
                             <a:schemeClr val="accent2"/>
                           </a:solidFill>
@@ -17914,7 +18137,7 @@
                         <a:t>text_var</a:t>
                       </a:r>
                       <a:r>
-                        <a:rPr lang="en-IE" sz="1000" b="0">
+                        <a:rPr lang="en-IE" sz="1000" b="0" dirty="0">
                           <a:solidFill>
                             <a:schemeClr val="accent2"/>
                           </a:solidFill>
@@ -17924,7 +18147,7 @@
                         <a:t> </a:t>
                       </a:r>
                       <a:r>
-                        <a:rPr lang="en-IE" sz="1000" b="1">
+                        <a:rPr lang="en-IE" sz="1000" b="1" dirty="0">
                           <a:solidFill>
                             <a:schemeClr val="accent1"/>
                           </a:solidFill>
@@ -17934,7 +18157,7 @@
                         <a:t>= </a:t>
                       </a:r>
                       <a:r>
-                        <a:rPr lang="en-IE" sz="1000" b="1" err="1">
+                        <a:rPr lang="en-IE" sz="1000" b="1" dirty="0" err="1">
                           <a:solidFill>
                             <a:schemeClr val="accent1"/>
                           </a:solidFill>
@@ -17944,7 +18167,7 @@
                         <a:t>as.character</a:t>
                       </a:r>
                       <a:r>
-                        <a:rPr lang="en-IE" sz="1000" b="1">
+                        <a:rPr lang="en-IE" sz="1000" b="1" dirty="0">
                           <a:solidFill>
                             <a:schemeClr val="accent1"/>
                           </a:solidFill>
@@ -17954,7 +18177,7 @@
                         <a:t>( </a:t>
                       </a:r>
                       <a:r>
-                        <a:rPr lang="en-IE" sz="1000" b="0">
+                        <a:rPr lang="en-IE" sz="1000" b="0" dirty="0">
                           <a:solidFill>
                             <a:schemeClr val="accent1"/>
                           </a:solidFill>
@@ -17964,7 +18187,7 @@
                         <a:t>5</a:t>
                       </a:r>
                       <a:r>
-                        <a:rPr lang="en-IE" sz="1000" b="1">
+                        <a:rPr lang="en-IE" sz="1000" b="1" dirty="0">
                           <a:solidFill>
                             <a:schemeClr val="accent1"/>
                           </a:solidFill>
@@ -18017,7 +18240,7 @@
                     <a:lstStyle/>
                     <a:p>
                       <a:r>
-                        <a:rPr lang="en-IE" sz="1000" b="0">
+                        <a:rPr lang="en-IE" sz="1000" b="0" dirty="0">
                           <a:solidFill>
                             <a:schemeClr val="accent4"/>
                           </a:solidFill>
@@ -18027,7 +18250,7 @@
                         <a:t>data </a:t>
                       </a:r>
                       <a:r>
-                        <a:rPr lang="en-IE" sz="1000" b="0" err="1">
+                        <a:rPr lang="en-IE" sz="1000" b="0" dirty="0" err="1">
                           <a:solidFill>
                             <a:schemeClr val="accent4"/>
                           </a:solidFill>
@@ -18037,7 +18260,7 @@
                         <a:t>new_data</a:t>
                       </a:r>
                       <a:r>
-                        <a:rPr lang="en-IE" sz="1000" b="0">
+                        <a:rPr lang="en-IE" sz="1000" b="0" dirty="0">
                           <a:solidFill>
                             <a:schemeClr val="accent4"/>
                           </a:solidFill>
@@ -18049,7 +18272,7 @@
                     </a:p>
                     <a:p>
                       <a:r>
-                        <a:rPr lang="en-IE" sz="1000" b="0">
+                        <a:rPr lang="en-IE" sz="1000" b="0" dirty="0">
                           <a:solidFill>
                             <a:schemeClr val="accent4"/>
                           </a:solidFill>
@@ -18059,7 +18282,7 @@
                         <a:t>  set </a:t>
                       </a:r>
                       <a:r>
-                        <a:rPr lang="en-IE" sz="1000" b="0" err="1">
+                        <a:rPr lang="en-IE" sz="1000" b="0" dirty="0" err="1">
                           <a:solidFill>
                             <a:schemeClr val="accent4"/>
                           </a:solidFill>
@@ -18069,7 +18292,7 @@
                         <a:t>old_data</a:t>
                       </a:r>
                       <a:r>
-                        <a:rPr lang="en-IE" sz="1000" b="0">
+                        <a:rPr lang="en-IE" sz="1000" b="0" dirty="0">
                           <a:solidFill>
                             <a:schemeClr val="accent4"/>
                           </a:solidFill>
@@ -18081,7 +18304,7 @@
                     </a:p>
                     <a:p>
                       <a:r>
-                        <a:rPr lang="en-IE" sz="1000" b="0">
+                        <a:rPr lang="en-IE" sz="1000" b="0" dirty="0">
                           <a:solidFill>
                             <a:schemeClr val="accent4"/>
                           </a:solidFill>
@@ -18091,7 +18314,7 @@
                         <a:t>  </a:t>
                       </a:r>
                       <a:r>
-                        <a:rPr lang="en-IE" sz="1000" b="0">
+                        <a:rPr lang="en-IE" sz="1000" b="0" dirty="0">
                           <a:solidFill>
                             <a:schemeClr val="accent2"/>
                           </a:solidFill>
@@ -18101,7 +18324,7 @@
                         <a:t>nearest_5</a:t>
                       </a:r>
                       <a:r>
-                        <a:rPr lang="en-IE" sz="1000" b="0">
+                        <a:rPr lang="en-IE" sz="1000" b="0" dirty="0">
                           <a:solidFill>
                             <a:schemeClr val="accent4"/>
                           </a:solidFill>
@@ -18111,7 +18334,7 @@
                         <a:t> </a:t>
                       </a:r>
                       <a:r>
-                        <a:rPr lang="en-IE" sz="1000" b="1">
+                        <a:rPr lang="en-IE" sz="1000" b="1" dirty="0">
                           <a:solidFill>
                             <a:schemeClr val="accent1"/>
                           </a:solidFill>
@@ -18121,7 +18344,7 @@
                         <a:t>= round( </a:t>
                       </a:r>
                       <a:r>
-                        <a:rPr lang="en-IE" sz="1000" b="0">
+                        <a:rPr lang="en-IE" sz="1000" b="0" dirty="0">
                           <a:solidFill>
                             <a:schemeClr val="accent2"/>
                           </a:solidFill>
@@ -18131,7 +18354,7 @@
                         <a:t>x</a:t>
                       </a:r>
                       <a:r>
-                        <a:rPr lang="en-IE" sz="1000" b="1">
+                        <a:rPr lang="en-IE" sz="1000" b="1" dirty="0">
                           <a:solidFill>
                             <a:schemeClr val="accent1"/>
                           </a:solidFill>
@@ -18141,7 +18364,7 @@
                         <a:t> , </a:t>
                       </a:r>
                       <a:r>
-                        <a:rPr lang="en-IE" sz="1000" b="0">
+                        <a:rPr lang="en-IE" sz="1000" b="0" dirty="0">
                           <a:solidFill>
                             <a:schemeClr val="accent1"/>
                           </a:solidFill>
@@ -18151,7 +18374,7 @@
                         <a:t>5</a:t>
                       </a:r>
                       <a:r>
-                        <a:rPr lang="en-IE" sz="1000" b="1">
+                        <a:rPr lang="en-IE" sz="1000" b="1" dirty="0">
                           <a:solidFill>
                             <a:schemeClr val="accent1"/>
                           </a:solidFill>
@@ -18163,7 +18386,7 @@
                     </a:p>
                     <a:p>
                       <a:r>
-                        <a:rPr lang="en-IE" sz="1000" b="0">
+                        <a:rPr lang="en-IE" sz="1000" b="0" dirty="0">
                           <a:solidFill>
                             <a:schemeClr val="accent4"/>
                           </a:solidFill>
@@ -18173,7 +18396,7 @@
                         <a:t>  </a:t>
                       </a:r>
                       <a:r>
-                        <a:rPr lang="en-IE" sz="1000" b="0" err="1">
+                        <a:rPr lang="en-IE" sz="1000" b="0" dirty="0" err="1">
                           <a:solidFill>
                             <a:schemeClr val="accent2"/>
                           </a:solidFill>
@@ -18183,7 +18406,7 @@
                         <a:t>two_decimals</a:t>
                       </a:r>
                       <a:r>
-                        <a:rPr lang="en-IE" sz="1000" b="0">
+                        <a:rPr lang="en-IE" sz="1000" b="0" dirty="0">
                           <a:solidFill>
                             <a:schemeClr val="accent2"/>
                           </a:solidFill>
@@ -18193,7 +18416,7 @@
                         <a:t> </a:t>
                       </a:r>
                       <a:r>
-                        <a:rPr lang="en-IE" sz="1000" b="1">
+                        <a:rPr lang="en-IE" sz="1000" b="1" dirty="0">
                           <a:solidFill>
                             <a:schemeClr val="accent1"/>
                           </a:solidFill>
@@ -18203,7 +18426,7 @@
                         <a:t>= round( </a:t>
                       </a:r>
                       <a:r>
-                        <a:rPr lang="en-IE" sz="1000" b="0">
+                        <a:rPr lang="en-IE" sz="1000" b="0" dirty="0">
                           <a:solidFill>
                             <a:schemeClr val="accent2"/>
                           </a:solidFill>
@@ -18213,7 +18436,7 @@
                         <a:t>x</a:t>
                       </a:r>
                       <a:r>
-                        <a:rPr lang="en-IE" sz="1000" b="1">
+                        <a:rPr lang="en-IE" sz="1000" b="1" dirty="0">
                           <a:solidFill>
                             <a:schemeClr val="accent1"/>
                           </a:solidFill>
@@ -18223,7 +18446,7 @@
                         <a:t> , </a:t>
                       </a:r>
                       <a:r>
-                        <a:rPr lang="en-IE" sz="1000" b="0">
+                        <a:rPr lang="en-IE" sz="1000" b="0" dirty="0">
                           <a:solidFill>
                             <a:schemeClr val="accent1"/>
                           </a:solidFill>
@@ -18233,7 +18456,7 @@
                         <a:t>0.01</a:t>
                       </a:r>
                       <a:r>
-                        <a:rPr lang="en-IE" sz="1000" b="1">
+                        <a:rPr lang="en-IE" sz="1000" b="1" dirty="0">
                           <a:solidFill>
                             <a:schemeClr val="accent1"/>
                           </a:solidFill>
@@ -18245,7 +18468,7 @@
                     </a:p>
                     <a:p>
                       <a:r>
-                        <a:rPr lang="en-IE" sz="1000" b="0">
+                        <a:rPr lang="en-IE" sz="1000" b="0" dirty="0">
                           <a:solidFill>
                             <a:schemeClr val="accent4"/>
                           </a:solidFill>
@@ -18314,7 +18537,7 @@
                         <a:defRPr/>
                       </a:pPr>
                       <a:r>
-                        <a:rPr lang="en-IE" sz="1000" b="0" err="1">
+                        <a:rPr lang="en-IE" sz="1000" b="0" dirty="0" err="1">
                           <a:solidFill>
                             <a:schemeClr val="accent4"/>
                           </a:solidFill>
@@ -18324,7 +18547,7 @@
                         <a:t>new_data</a:t>
                       </a:r>
                       <a:r>
-                        <a:rPr lang="en-IE" sz="1000" b="0">
+                        <a:rPr lang="en-IE" sz="1000" b="0" dirty="0">
                           <a:solidFill>
                             <a:schemeClr val="accent4"/>
                           </a:solidFill>
@@ -18334,7 +18557,7 @@
                         <a:t> </a:t>
                       </a:r>
                       <a:r>
-                        <a:rPr lang="en-IE" sz="1000" b="1">
+                        <a:rPr lang="en-IE" sz="1000" b="1" dirty="0">
                           <a:solidFill>
                             <a:schemeClr val="accent4"/>
                           </a:solidFill>
@@ -18344,7 +18567,7 @@
                         <a:t>&lt;-</a:t>
                       </a:r>
                       <a:r>
-                        <a:rPr lang="en-IE" sz="1000" b="0">
+                        <a:rPr lang="en-IE" sz="1000" b="0" dirty="0">
                           <a:solidFill>
                             <a:schemeClr val="accent4"/>
                           </a:solidFill>
@@ -18354,7 +18577,7 @@
                         <a:t> </a:t>
                       </a:r>
                       <a:r>
-                        <a:rPr lang="en-IE" sz="1000" b="0" err="1">
+                        <a:rPr lang="en-IE" sz="1000" b="0" dirty="0" err="1">
                           <a:solidFill>
                             <a:schemeClr val="accent4"/>
                           </a:solidFill>
@@ -18364,7 +18587,7 @@
                         <a:t>old_data</a:t>
                       </a:r>
                       <a:r>
-                        <a:rPr lang="en-IE" sz="1000" b="0">
+                        <a:rPr lang="en-IE" sz="1000" b="0" dirty="0">
                           <a:solidFill>
                             <a:schemeClr val="accent4"/>
                           </a:solidFill>
@@ -18376,7 +18599,7 @@
                     </a:p>
                     <a:p>
                       <a:r>
-                        <a:rPr lang="en-IE" sz="1000" b="0">
+                        <a:rPr lang="en-IE" sz="1000" b="0" dirty="0">
                           <a:solidFill>
                             <a:schemeClr val="accent4"/>
                           </a:solidFill>
@@ -18386,7 +18609,7 @@
                         <a:t>  </a:t>
                       </a:r>
                       <a:r>
-                        <a:rPr lang="en-IE" sz="1000" b="1">
+                        <a:rPr lang="en-IE" sz="1000" b="1" dirty="0">
                           <a:solidFill>
                             <a:schemeClr val="accent1"/>
                           </a:solidFill>
@@ -18396,7 +18619,7 @@
                         <a:t>mutate(</a:t>
                       </a:r>
                       <a:r>
-                        <a:rPr lang="en-IE" sz="1000" b="0">
+                        <a:rPr lang="en-IE" sz="1000" b="0" dirty="0">
                           <a:solidFill>
                             <a:schemeClr val="accent2"/>
                           </a:solidFill>
@@ -18406,7 +18629,7 @@
                         <a:t>nearest_5</a:t>
                       </a:r>
                       <a:r>
-                        <a:rPr lang="en-IE" sz="1000" b="1">
+                        <a:rPr lang="en-IE" sz="1000" b="1" dirty="0">
                           <a:solidFill>
                             <a:schemeClr val="accent1"/>
                           </a:solidFill>
@@ -18416,7 +18639,7 @@
                         <a:t> = round(</a:t>
                       </a:r>
                       <a:r>
-                        <a:rPr lang="en-IE" sz="1000" b="0">
+                        <a:rPr lang="en-IE" sz="1000" b="0" dirty="0">
                           <a:solidFill>
                             <a:schemeClr val="accent2"/>
                           </a:solidFill>
@@ -18426,7 +18649,7 @@
                         <a:t>x</a:t>
                       </a:r>
                       <a:r>
-                        <a:rPr lang="en-IE" sz="1000" b="1">
+                        <a:rPr lang="en-IE" sz="1000" b="1" dirty="0">
                           <a:solidFill>
                             <a:schemeClr val="accent1"/>
                           </a:solidFill>
@@ -18436,7 +18659,7 @@
                         <a:t>/</a:t>
                       </a:r>
                       <a:r>
-                        <a:rPr lang="en-IE" sz="1000" b="0">
+                        <a:rPr lang="en-IE" sz="1000" b="0" dirty="0">
                           <a:solidFill>
                             <a:schemeClr val="accent1"/>
                           </a:solidFill>
@@ -18446,7 +18669,7 @@
                         <a:t>5</a:t>
                       </a:r>
                       <a:r>
-                        <a:rPr lang="en-IE" sz="1000" b="1">
+                        <a:rPr lang="en-IE" sz="1000" b="1" dirty="0">
                           <a:solidFill>
                             <a:schemeClr val="accent1"/>
                           </a:solidFill>
@@ -18456,7 +18679,7 @@
                         <a:t>)*</a:t>
                       </a:r>
                       <a:r>
-                        <a:rPr lang="en-IE" sz="1000" b="0">
+                        <a:rPr lang="en-IE" sz="1000" b="0" dirty="0">
                           <a:solidFill>
                             <a:schemeClr val="accent1"/>
                           </a:solidFill>
@@ -18466,7 +18689,7 @@
                         <a:t>5</a:t>
                       </a:r>
                       <a:r>
-                        <a:rPr lang="en-IE" sz="1000" b="1">
+                        <a:rPr lang="en-IE" sz="1000" b="1" dirty="0">
                           <a:solidFill>
                             <a:schemeClr val="accent1"/>
                           </a:solidFill>
@@ -18476,7 +18699,7 @@
                         <a:t>) </a:t>
                       </a:r>
                       <a:r>
-                        <a:rPr lang="en-IE" sz="1000" b="0">
+                        <a:rPr lang="en-IE" sz="1000" b="0" dirty="0">
                           <a:solidFill>
                             <a:schemeClr val="accent4"/>
                           </a:solidFill>
@@ -18488,7 +18711,7 @@
                     </a:p>
                     <a:p>
                       <a:r>
-                        <a:rPr lang="en-IE" sz="1000" b="0">
+                        <a:rPr lang="en-IE" sz="1000" b="0" dirty="0">
                           <a:solidFill>
                             <a:schemeClr val="accent4"/>
                           </a:solidFill>
@@ -18498,7 +18721,7 @@
                         <a:t>  </a:t>
                       </a:r>
                       <a:r>
-                        <a:rPr lang="en-IE" sz="1000" b="1">
+                        <a:rPr lang="en-IE" sz="1000" b="1" dirty="0">
                           <a:solidFill>
                             <a:schemeClr val="accent1"/>
                           </a:solidFill>
@@ -18508,7 +18731,7 @@
                         <a:t>mutate(</a:t>
                       </a:r>
                       <a:r>
-                        <a:rPr lang="en-IE" sz="1000" b="0" err="1">
+                        <a:rPr lang="en-IE" sz="1000" b="0" dirty="0" err="1">
                           <a:solidFill>
                             <a:schemeClr val="accent2"/>
                           </a:solidFill>
@@ -18518,7 +18741,7 @@
                         <a:t>two_decimals</a:t>
                       </a:r>
                       <a:r>
-                        <a:rPr lang="en-IE" sz="1000" b="0">
+                        <a:rPr lang="en-IE" sz="1000" b="0" dirty="0">
                           <a:solidFill>
                             <a:schemeClr val="accent2"/>
                           </a:solidFill>
@@ -18528,7 +18751,7 @@
                         <a:t> </a:t>
                       </a:r>
                       <a:r>
-                        <a:rPr lang="en-IE" sz="1000" b="1">
+                        <a:rPr lang="en-IE" sz="1000" b="1" dirty="0">
                           <a:solidFill>
                             <a:schemeClr val="accent1"/>
                           </a:solidFill>
@@ -18538,7 +18761,7 @@
                         <a:t>= round( </a:t>
                       </a:r>
                       <a:r>
-                        <a:rPr lang="en-IE" sz="1000" b="0">
+                        <a:rPr lang="en-IE" sz="1000" b="0" dirty="0">
                           <a:solidFill>
                             <a:schemeClr val="accent2"/>
                           </a:solidFill>
@@ -18548,7 +18771,7 @@
                         <a:t>x</a:t>
                       </a:r>
                       <a:r>
-                        <a:rPr lang="en-IE" sz="1000" b="1">
+                        <a:rPr lang="en-IE" sz="1000" b="1" dirty="0">
                           <a:solidFill>
                             <a:schemeClr val="accent1"/>
                           </a:solidFill>
@@ -18558,7 +18781,7 @@
                         <a:t> , digits = </a:t>
                       </a:r>
                       <a:r>
-                        <a:rPr lang="en-IE" sz="1000" b="0">
+                        <a:rPr lang="en-IE" sz="1000" b="0" dirty="0">
                           <a:solidFill>
                             <a:schemeClr val="accent1"/>
                           </a:solidFill>
@@ -18568,7 +18791,7 @@
                         <a:t>2</a:t>
                       </a:r>
                       <a:r>
-                        <a:rPr lang="en-IE" sz="1000" b="1">
+                        <a:rPr lang="en-IE" sz="1000" b="1" dirty="0">
                           <a:solidFill>
                             <a:schemeClr val="accent1"/>
                           </a:solidFill>
@@ -18644,7 +18867,7 @@
                         <a:defRPr/>
                       </a:pPr>
                       <a:r>
-                        <a:rPr kumimoji="0" lang="en-IE" sz="1700" b="0" i="0" u="none" strike="noStrike" kern="1200" cap="none" spc="0" normalizeH="0" baseline="0" noProof="0">
+                        <a:rPr kumimoji="0" lang="en-IE" sz="1700" b="0" i="0" u="none" strike="noStrike" kern="1200" cap="none" spc="0" normalizeH="0" baseline="0" noProof="0" dirty="0">
                           <a:ln>
                             <a:noFill/>
                           </a:ln>
@@ -18660,7 +18883,7 @@
                         </a:rPr>
                         <a:t>Creating functions to modify datasets</a:t>
                       </a:r>
-                      <a:endParaRPr lang="en-IE" sz="1000" b="0">
+                      <a:endParaRPr lang="en-IE" sz="1000" b="0" dirty="0">
                         <a:solidFill>
                           <a:schemeClr val="accent4"/>
                         </a:solidFill>
@@ -18727,7 +18950,7 @@
                     <a:lstStyle/>
                     <a:p>
                       <a:r>
-                        <a:rPr lang="en-IE" sz="1000" b="1">
+                        <a:rPr lang="en-IE" sz="1000" b="1" dirty="0">
                           <a:solidFill>
                             <a:schemeClr val="accent1"/>
                           </a:solidFill>
@@ -18737,7 +18960,7 @@
                         <a:t>%macro </a:t>
                       </a:r>
                       <a:r>
-                        <a:rPr lang="en-IE" sz="1000" b="1" err="1">
+                        <a:rPr lang="en-IE" sz="1000" b="1" dirty="0" err="1">
                           <a:solidFill>
                             <a:schemeClr val="accent1"/>
                           </a:solidFill>
@@ -18747,7 +18970,7 @@
                         <a:t>add_variable</a:t>
                       </a:r>
                       <a:r>
-                        <a:rPr lang="en-IE" sz="1000" b="1">
+                        <a:rPr lang="en-IE" sz="1000" b="1" dirty="0">
                           <a:solidFill>
                             <a:schemeClr val="accent1"/>
                           </a:solidFill>
@@ -18757,7 +18980,7 @@
                         <a:t>(</a:t>
                       </a:r>
                       <a:r>
-                        <a:rPr lang="en-IE" sz="1000" b="0" err="1">
+                        <a:rPr lang="en-IE" sz="1000" b="0" dirty="0" err="1">
                           <a:solidFill>
                             <a:schemeClr val="accent2"/>
                           </a:solidFill>
@@ -18767,7 +18990,7 @@
                         <a:t>dataset_name</a:t>
                       </a:r>
                       <a:r>
-                        <a:rPr lang="en-IE" sz="1000" b="1">
+                        <a:rPr lang="en-IE" sz="1000" b="1" dirty="0">
                           <a:solidFill>
                             <a:schemeClr val="accent1"/>
                           </a:solidFill>
@@ -18779,7 +19002,7 @@
                     </a:p>
                     <a:p>
                       <a:r>
-                        <a:rPr lang="en-IE" sz="1000" b="0">
+                        <a:rPr lang="en-IE" sz="1000" b="0" dirty="0">
                           <a:solidFill>
                             <a:schemeClr val="accent4"/>
                           </a:solidFill>
@@ -18789,7 +19012,7 @@
                         <a:t>data </a:t>
                       </a:r>
                       <a:r>
-                        <a:rPr lang="en-IE" sz="1000" b="1">
+                        <a:rPr lang="en-IE" sz="1000" b="1" dirty="0">
                           <a:solidFill>
                             <a:schemeClr val="accent1"/>
                           </a:solidFill>
@@ -18799,7 +19022,7 @@
                         <a:t>&amp;</a:t>
                       </a:r>
                       <a:r>
-                        <a:rPr lang="en-IE" sz="1000" b="0" err="1">
+                        <a:rPr lang="en-IE" sz="1000" b="0" dirty="0" err="1">
                           <a:solidFill>
                             <a:schemeClr val="accent2"/>
                           </a:solidFill>
@@ -18809,7 +19032,7 @@
                         <a:t>dataset_name</a:t>
                       </a:r>
                       <a:r>
-                        <a:rPr lang="en-IE" sz="1000" b="0">
+                        <a:rPr lang="en-IE" sz="1000" b="0" dirty="0">
                           <a:solidFill>
                             <a:schemeClr val="accent4"/>
                           </a:solidFill>
@@ -18821,7 +19044,7 @@
                     </a:p>
                     <a:p>
                       <a:r>
-                        <a:rPr lang="en-IE" sz="1000" b="0">
+                        <a:rPr lang="en-IE" sz="1000" b="0" dirty="0">
                           <a:solidFill>
                             <a:schemeClr val="accent4"/>
                           </a:solidFill>
@@ -18831,7 +19054,7 @@
                         <a:t>  set </a:t>
                       </a:r>
                       <a:r>
-                        <a:rPr lang="en-IE" sz="1000" b="1">
+                        <a:rPr lang="en-IE" sz="1000" b="1" dirty="0">
                           <a:solidFill>
                             <a:schemeClr val="accent1"/>
                           </a:solidFill>
@@ -18841,7 +19064,7 @@
                         <a:t>&amp;</a:t>
                       </a:r>
                       <a:r>
-                        <a:rPr lang="en-IE" sz="1000" b="0" err="1">
+                        <a:rPr lang="en-IE" sz="1000" b="0" dirty="0" err="1">
                           <a:solidFill>
                             <a:schemeClr val="accent2"/>
                           </a:solidFill>
@@ -18851,7 +19074,7 @@
                         <a:t>dataset_name</a:t>
                       </a:r>
                       <a:r>
-                        <a:rPr lang="en-IE" sz="1000" b="0">
+                        <a:rPr lang="en-IE" sz="1000" b="0" dirty="0">
                           <a:solidFill>
                             <a:schemeClr val="accent4"/>
                           </a:solidFill>
@@ -18863,7 +19086,7 @@
                     </a:p>
                     <a:p>
                       <a:r>
-                        <a:rPr lang="en-IE" sz="1000" b="0">
+                        <a:rPr lang="en-IE" sz="1000" b="0" dirty="0">
                           <a:solidFill>
                             <a:schemeClr val="accent4"/>
                           </a:solidFill>
@@ -18873,7 +19096,7 @@
                         <a:t>  </a:t>
                       </a:r>
                       <a:r>
-                        <a:rPr lang="en-IE" sz="1000" b="0" err="1">
+                        <a:rPr lang="en-IE" sz="1000" b="0" dirty="0" err="1">
                           <a:solidFill>
                             <a:schemeClr val="accent4"/>
                           </a:solidFill>
@@ -18883,7 +19106,7 @@
                         <a:t>new_variable</a:t>
                       </a:r>
                       <a:r>
-                        <a:rPr lang="en-IE" sz="1000" b="0">
+                        <a:rPr lang="en-IE" sz="1000" b="0" dirty="0">
                           <a:solidFill>
                             <a:schemeClr val="accent4"/>
                           </a:solidFill>
@@ -18895,7 +19118,7 @@
                     </a:p>
                     <a:p>
                       <a:r>
-                        <a:rPr lang="en-IE" sz="1000" b="0">
+                        <a:rPr lang="en-IE" sz="1000" b="0" dirty="0">
                           <a:solidFill>
                             <a:schemeClr val="accent4"/>
                           </a:solidFill>
@@ -18907,7 +19130,7 @@
                     </a:p>
                     <a:p>
                       <a:r>
-                        <a:rPr lang="en-IE" sz="1000" b="1">
+                        <a:rPr lang="en-IE" sz="1000" b="1" dirty="0">
                           <a:solidFill>
                             <a:schemeClr val="accent1"/>
                           </a:solidFill>
@@ -18919,7 +19142,7 @@
                     </a:p>
                     <a:p>
                       <a:r>
-                        <a:rPr lang="en-IE" sz="1000" b="1">
+                        <a:rPr lang="en-IE" sz="1000" b="1" dirty="0">
                           <a:solidFill>
                             <a:schemeClr val="accent1"/>
                           </a:solidFill>
@@ -18929,7 +19152,7 @@
                         <a:t>%</a:t>
                       </a:r>
                       <a:r>
-                        <a:rPr lang="en-IE" sz="1000" b="1" err="1">
+                        <a:rPr lang="en-IE" sz="1000" b="1" dirty="0" err="1">
                           <a:solidFill>
                             <a:schemeClr val="accent1"/>
                           </a:solidFill>
@@ -18939,7 +19162,7 @@
                         <a:t>add_variable</a:t>
                       </a:r>
                       <a:r>
-                        <a:rPr lang="en-IE" sz="1000" b="1">
+                        <a:rPr lang="en-IE" sz="1000" b="1" dirty="0">
                           <a:solidFill>
                             <a:schemeClr val="accent1"/>
                           </a:solidFill>
@@ -18949,7 +19172,7 @@
                         <a:t>( </a:t>
                       </a:r>
                       <a:r>
-                        <a:rPr lang="en-IE" sz="1000" b="0" err="1">
+                        <a:rPr lang="en-IE" sz="1000" b="0" dirty="0" err="1">
                           <a:solidFill>
                             <a:schemeClr val="accent2"/>
                           </a:solidFill>
@@ -18959,7 +19182,7 @@
                         <a:t>my_data</a:t>
                       </a:r>
                       <a:r>
-                        <a:rPr lang="en-IE" sz="1000" b="0">
+                        <a:rPr lang="en-IE" sz="1000" b="0" dirty="0">
                           <a:solidFill>
                             <a:schemeClr val="accent2"/>
                           </a:solidFill>
@@ -18969,7 +19192,7 @@
                         <a:t> </a:t>
                       </a:r>
                       <a:r>
-                        <a:rPr lang="en-IE" sz="1000" b="1">
+                        <a:rPr lang="en-IE" sz="1000" b="1" dirty="0">
                           <a:solidFill>
                             <a:schemeClr val="accent1"/>
                           </a:solidFill>
@@ -19009,7 +19232,7 @@
                     <a:lstStyle/>
                     <a:p>
                       <a:r>
-                        <a:rPr lang="en-IE" sz="1000" b="1" err="1">
+                        <a:rPr lang="en-IE" sz="1000" b="1" dirty="0" err="1">
                           <a:solidFill>
                             <a:schemeClr val="accent1"/>
                           </a:solidFill>
@@ -19019,7 +19242,7 @@
                         <a:t>add_variable</a:t>
                       </a:r>
                       <a:r>
-                        <a:rPr lang="en-IE" sz="1000" b="1">
+                        <a:rPr lang="en-IE" sz="1000" b="1" dirty="0">
                           <a:solidFill>
                             <a:schemeClr val="accent1"/>
                           </a:solidFill>
@@ -19029,7 +19252,7 @@
                         <a:t> &lt;- function( </a:t>
                       </a:r>
                       <a:r>
-                        <a:rPr lang="en-IE" sz="1000" b="0" err="1">
+                        <a:rPr lang="en-IE" sz="1000" b="0" dirty="0" err="1">
                           <a:solidFill>
                             <a:schemeClr val="accent2"/>
                           </a:solidFill>
@@ -19039,7 +19262,7 @@
                         <a:t>dataset_name</a:t>
                       </a:r>
                       <a:r>
-                        <a:rPr lang="en-IE" sz="1000" b="0">
+                        <a:rPr lang="en-IE" sz="1000" b="0" dirty="0">
                           <a:solidFill>
                             <a:schemeClr val="accent2"/>
                           </a:solidFill>
@@ -19049,7 +19272,7 @@
                         <a:t> </a:t>
                       </a:r>
                       <a:r>
-                        <a:rPr lang="en-IE" sz="1000" b="1">
+                        <a:rPr lang="en-IE" sz="1000" b="1" dirty="0">
                           <a:solidFill>
                             <a:schemeClr val="accent1"/>
                           </a:solidFill>
@@ -19061,7 +19284,7 @@
                     </a:p>
                     <a:p>
                       <a:r>
-                        <a:rPr lang="en-IE" sz="1000" b="0">
+                        <a:rPr lang="en-IE" sz="1000" b="0" dirty="0">
                           <a:solidFill>
                             <a:schemeClr val="accent4"/>
                           </a:solidFill>
@@ -19071,7 +19294,7 @@
                         <a:t>  </a:t>
                       </a:r>
                       <a:r>
-                        <a:rPr lang="en-IE" sz="1000" b="0" err="1">
+                        <a:rPr lang="en-IE" sz="1000" b="0" dirty="0" err="1">
                           <a:solidFill>
                             <a:schemeClr val="accent2"/>
                           </a:solidFill>
@@ -19081,7 +19304,7 @@
                         <a:t>dataset_name</a:t>
                       </a:r>
                       <a:r>
-                        <a:rPr lang="en-IE" sz="1000" b="0">
+                        <a:rPr lang="en-IE" sz="1000" b="0" dirty="0">
                           <a:solidFill>
                             <a:schemeClr val="accent2"/>
                           </a:solidFill>
@@ -19091,7 +19314,7 @@
                         <a:t> </a:t>
                       </a:r>
                       <a:r>
-                        <a:rPr lang="en-IE" sz="1000" b="0">
+                        <a:rPr lang="en-IE" sz="1000" b="0" dirty="0">
                           <a:solidFill>
                             <a:schemeClr val="accent4"/>
                           </a:solidFill>
@@ -19101,7 +19324,7 @@
                         <a:t>&lt;- </a:t>
                       </a:r>
                       <a:r>
-                        <a:rPr lang="en-IE" sz="1000" b="0" err="1">
+                        <a:rPr lang="en-IE" sz="1000" b="0" dirty="0" err="1">
                           <a:solidFill>
                             <a:schemeClr val="accent2"/>
                           </a:solidFill>
@@ -19111,7 +19334,7 @@
                         <a:t>dataset_name</a:t>
                       </a:r>
                       <a:r>
-                        <a:rPr lang="en-IE" sz="1000" b="0">
+                        <a:rPr lang="en-IE" sz="1000" b="0" dirty="0">
                           <a:solidFill>
                             <a:schemeClr val="accent2"/>
                           </a:solidFill>
@@ -19121,7 +19344,7 @@
                         <a:t> </a:t>
                       </a:r>
                       <a:r>
-                        <a:rPr lang="en-IE" sz="1000" b="0">
+                        <a:rPr lang="en-IE" sz="1000" b="0" dirty="0">
                           <a:solidFill>
                             <a:schemeClr val="accent4"/>
                           </a:solidFill>
@@ -19133,7 +19356,7 @@
                     </a:p>
                     <a:p>
                       <a:r>
-                        <a:rPr lang="en-IE" sz="1000" b="0">
+                        <a:rPr lang="en-IE" sz="1000" b="0" dirty="0">
                           <a:solidFill>
                             <a:schemeClr val="accent4"/>
                           </a:solidFill>
@@ -19143,7 +19366,7 @@
                         <a:t>    mutate(</a:t>
                       </a:r>
                       <a:r>
-                        <a:rPr lang="en-IE" sz="1000" b="0" err="1">
+                        <a:rPr lang="en-IE" sz="1000" b="0" dirty="0" err="1">
                           <a:solidFill>
                             <a:schemeClr val="accent4"/>
                           </a:solidFill>
@@ -19153,7 +19376,7 @@
                         <a:t>new_variable</a:t>
                       </a:r>
                       <a:r>
-                        <a:rPr lang="en-IE" sz="1000" b="0">
+                        <a:rPr lang="en-IE" sz="1000" b="0" dirty="0">
                           <a:solidFill>
                             <a:schemeClr val="accent4"/>
                           </a:solidFill>
@@ -19165,7 +19388,7 @@
                     </a:p>
                     <a:p>
                       <a:r>
-                        <a:rPr lang="en-IE" sz="1000" b="0">
+                        <a:rPr lang="en-IE" sz="1000" b="0" dirty="0">
                           <a:solidFill>
                             <a:schemeClr val="accent4"/>
                           </a:solidFill>
@@ -19175,7 +19398,7 @@
                         <a:t>  </a:t>
                       </a:r>
                       <a:r>
-                        <a:rPr lang="en-IE" sz="1000" b="1">
+                        <a:rPr lang="en-IE" sz="1000" b="1" dirty="0">
                           <a:solidFill>
                             <a:schemeClr val="accent1"/>
                           </a:solidFill>
@@ -19185,7 +19408,7 @@
                         <a:t>return( </a:t>
                       </a:r>
                       <a:r>
-                        <a:rPr lang="en-IE" sz="1000" b="0" err="1">
+                        <a:rPr lang="en-IE" sz="1000" b="0" dirty="0" err="1">
                           <a:solidFill>
                             <a:schemeClr val="accent2"/>
                           </a:solidFill>
@@ -19195,7 +19418,7 @@
                         <a:t>dataset_name</a:t>
                       </a:r>
                       <a:r>
-                        <a:rPr lang="en-IE" sz="1000" b="0">
+                        <a:rPr lang="en-IE" sz="1000" b="0" dirty="0">
                           <a:solidFill>
                             <a:schemeClr val="accent2"/>
                           </a:solidFill>
@@ -19205,7 +19428,7 @@
                         <a:t> </a:t>
                       </a:r>
                       <a:r>
-                        <a:rPr lang="en-IE" sz="1000" b="1">
+                        <a:rPr lang="en-IE" sz="1000" b="1" dirty="0">
                           <a:solidFill>
                             <a:schemeClr val="accent1"/>
                           </a:solidFill>
@@ -19217,7 +19440,7 @@
                     </a:p>
                     <a:p>
                       <a:r>
-                        <a:rPr lang="en-IE" sz="1000" b="1">
+                        <a:rPr lang="en-IE" sz="1000" b="1" dirty="0">
                           <a:solidFill>
                             <a:schemeClr val="accent1"/>
                           </a:solidFill>
@@ -19229,7 +19452,7 @@
                     </a:p>
                     <a:p>
                       <a:r>
-                        <a:rPr lang="en-IE" sz="1000" b="0" err="1">
+                        <a:rPr lang="en-IE" sz="1000" b="0" dirty="0" err="1">
                           <a:solidFill>
                             <a:schemeClr val="accent2"/>
                           </a:solidFill>
@@ -19239,7 +19462,7 @@
                         <a:t>my_data</a:t>
                       </a:r>
                       <a:r>
-                        <a:rPr lang="en-IE" sz="1000" b="0">
+                        <a:rPr lang="en-IE" sz="1000" b="0" dirty="0">
                           <a:solidFill>
                             <a:schemeClr val="accent2"/>
                           </a:solidFill>
@@ -19249,7 +19472,7 @@
                         <a:t> </a:t>
                       </a:r>
                       <a:r>
-                        <a:rPr lang="en-IE" sz="1000" b="1">
+                        <a:rPr lang="en-IE" sz="1000" b="1" dirty="0">
                           <a:solidFill>
                             <a:schemeClr val="accent1"/>
                           </a:solidFill>
@@ -19259,7 +19482,7 @@
                         <a:t>&lt;- </a:t>
                       </a:r>
                       <a:r>
-                        <a:rPr lang="en-IE" sz="1000" b="1" err="1">
+                        <a:rPr lang="en-IE" sz="1000" b="1" dirty="0" err="1">
                           <a:solidFill>
                             <a:schemeClr val="accent1"/>
                           </a:solidFill>
@@ -19269,7 +19492,7 @@
                         <a:t>add_variable</a:t>
                       </a:r>
                       <a:r>
-                        <a:rPr lang="en-IE" sz="1000" b="1">
+                        <a:rPr lang="en-IE" sz="1000" b="1" dirty="0">
                           <a:solidFill>
                             <a:schemeClr val="accent1"/>
                           </a:solidFill>
@@ -19279,7 +19502,7 @@
                         <a:t>( </a:t>
                       </a:r>
                       <a:r>
-                        <a:rPr lang="en-IE" sz="1000" b="0" err="1">
+                        <a:rPr lang="en-IE" sz="1000" b="0" dirty="0" err="1">
                           <a:solidFill>
                             <a:schemeClr val="accent2"/>
                           </a:solidFill>
@@ -19289,7 +19512,7 @@
                         <a:t>my_data</a:t>
                       </a:r>
                       <a:r>
-                        <a:rPr lang="en-IE" sz="1000" b="0">
+                        <a:rPr lang="en-IE" sz="1000" b="0" dirty="0">
                           <a:solidFill>
                             <a:schemeClr val="accent2"/>
                           </a:solidFill>
@@ -19299,7 +19522,7 @@
                         <a:t> </a:t>
                       </a:r>
                       <a:r>
-                        <a:rPr lang="en-IE" sz="1000" b="1">
+                        <a:rPr lang="en-IE" sz="1000" b="1" dirty="0">
                           <a:solidFill>
                             <a:schemeClr val="accent1"/>
                           </a:solidFill>
@@ -19358,14 +19581,14 @@
           <p:nvPr>
             <p:extLst>
               <p:ext uri="{D42A27DB-BD31-4B8C-83A1-F6EECF244321}">
-                <p14:modId xmlns:p14="http://schemas.microsoft.com/office/powerpoint/2010/main" val="4236710952"/>
+                <p14:modId xmlns:p14="http://schemas.microsoft.com/office/powerpoint/2010/main" val="4145134771"/>
               </p:ext>
             </p:extLst>
           </p:nvPr>
         </p:nvGraphicFramePr>
         <p:xfrm>
           <a:off x="6458621" y="586949"/>
-          <a:ext cx="6960498" cy="9630931"/>
+          <a:ext cx="7002000" cy="9635731"/>
         </p:xfrm>
         <a:graphic>
           <a:graphicData uri="http://schemas.openxmlformats.org/drawingml/2006/table">
@@ -19374,14 +19597,14 @@
                 <a:tableStyleId>{5940675A-B579-460E-94D1-54222C63F5DA}</a:tableStyleId>
               </a:tblPr>
               <a:tblGrid>
-                <a:gridCol w="2971128">
+                <a:gridCol w="3222000">
                   <a:extLst>
                     <a:ext uri="{9D8B030D-6E8A-4147-A177-3AD203B41FA5}">
                       <a16:colId xmlns:a16="http://schemas.microsoft.com/office/drawing/2014/main" val="834047869"/>
                     </a:ext>
                   </a:extLst>
                 </a:gridCol>
-                <a:gridCol w="3989370">
+                <a:gridCol w="3780000">
                   <a:extLst>
                     <a:ext uri="{9D8B030D-6E8A-4147-A177-3AD203B41FA5}">
                       <a16:colId xmlns:a16="http://schemas.microsoft.com/office/drawing/2014/main" val="3056055978"/>
@@ -19396,14 +19619,14 @@
                     <a:lstStyle/>
                     <a:p>
                       <a:r>
-                        <a:rPr lang="en-IE" sz="1700" b="0">
-                          <a:solidFill>
-                            <a:schemeClr val="accent4"/>
-                          </a:solidFill>
-                          <a:latin typeface="Segoe UI" panose="020B0502040204020203" pitchFamily="34" charset="0"/>
-                          <a:cs typeface="Segoe UI" panose="020B0502040204020203" pitchFamily="34" charset="0"/>
-                        </a:rPr>
-                        <a:t>Dealing with strings</a:t>
+                        <a:rPr lang="en-IE" sz="1700" b="0" dirty="0">
+                          <a:solidFill>
+                            <a:schemeClr val="accent4"/>
+                          </a:solidFill>
+                          <a:latin typeface="Segoe UI" panose="020B0502040204020203" pitchFamily="34" charset="0"/>
+                          <a:cs typeface="Segoe UI" panose="020B0502040204020203" pitchFamily="34" charset="0"/>
+                        </a:rPr>
+                        <a:t>String Manipulation</a:t>
                       </a:r>
                     </a:p>
                   </a:txBody>
@@ -19462,14 +19685,14 @@
                   </a:ext>
                 </a:extLst>
               </a:tr>
-              <a:tr h="773457">
+              <a:tr h="756000">
                 <a:tc>
                   <a:txBody>
                     <a:bodyPr/>
                     <a:lstStyle/>
                     <a:p>
                       <a:r>
-                        <a:rPr lang="en-IE" sz="1000" b="0">
+                        <a:rPr lang="en-IE" sz="1000" b="0" dirty="0">
                           <a:solidFill>
                             <a:schemeClr val="accent4"/>
                           </a:solidFill>
@@ -19479,7 +19702,7 @@
                         <a:t>data </a:t>
                       </a:r>
                       <a:r>
-                        <a:rPr lang="en-IE" sz="1000" b="0" err="1">
+                        <a:rPr lang="en-IE" sz="1000" b="0" dirty="0" err="1">
                           <a:solidFill>
                             <a:schemeClr val="accent4"/>
                           </a:solidFill>
@@ -19489,7 +19712,7 @@
                         <a:t>new_data</a:t>
                       </a:r>
                       <a:r>
-                        <a:rPr lang="en-IE" sz="1000" b="0">
+                        <a:rPr lang="en-IE" sz="1000" b="0" dirty="0">
                           <a:solidFill>
                             <a:schemeClr val="accent4"/>
                           </a:solidFill>
@@ -19501,7 +19724,7 @@
                     </a:p>
                     <a:p>
                       <a:r>
-                        <a:rPr lang="en-IE" sz="1000" b="0">
+                        <a:rPr lang="en-IE" sz="1000" b="0" dirty="0">
                           <a:solidFill>
                             <a:schemeClr val="accent4"/>
                           </a:solidFill>
@@ -19511,7 +19734,7 @@
                         <a:t>  set </a:t>
                       </a:r>
                       <a:r>
-                        <a:rPr lang="en-IE" sz="1000" b="0" err="1">
+                        <a:rPr lang="en-IE" sz="1000" b="0" dirty="0" err="1">
                           <a:solidFill>
                             <a:schemeClr val="accent4"/>
                           </a:solidFill>
@@ -19521,7 +19744,7 @@
                         <a:t>old_data</a:t>
                       </a:r>
                       <a:r>
-                        <a:rPr lang="en-IE" sz="1000" b="0">
+                        <a:rPr lang="en-IE" sz="1000" b="0" dirty="0">
                           <a:solidFill>
                             <a:schemeClr val="accent4"/>
                           </a:solidFill>
@@ -19533,7 +19756,7 @@
                     </a:p>
                     <a:p>
                       <a:r>
-                        <a:rPr lang="en-IE" sz="1000" b="0">
+                        <a:rPr lang="en-IE" sz="1000" b="0" dirty="0">
                           <a:solidFill>
                             <a:schemeClr val="accent4"/>
                           </a:solidFill>
@@ -19543,7 +19766,7 @@
                         <a:t>  if</a:t>
                       </a:r>
                       <a:r>
-                        <a:rPr lang="en-IE" sz="1000" b="1">
+                        <a:rPr lang="en-IE" sz="1000" b="1" dirty="0">
                           <a:solidFill>
                             <a:schemeClr val="accent1"/>
                           </a:solidFill>
@@ -19553,7 +19776,7 @@
                         <a:t> find( </a:t>
                       </a:r>
                       <a:r>
-                        <a:rPr lang="en-IE" sz="1000" b="0" err="1">
+                        <a:rPr lang="en-IE" sz="1000" b="0" dirty="0" err="1">
                           <a:solidFill>
                             <a:schemeClr val="accent2"/>
                           </a:solidFill>
@@ -19563,7 +19786,7 @@
                         <a:t>job_title</a:t>
                       </a:r>
                       <a:r>
-                        <a:rPr lang="en-IE" sz="1000" b="0">
+                        <a:rPr lang="en-IE" sz="1000" b="0" dirty="0">
                           <a:solidFill>
                             <a:schemeClr val="accent2"/>
                           </a:solidFill>
@@ -19573,7 +19796,7 @@
                         <a:t> </a:t>
                       </a:r>
                       <a:r>
-                        <a:rPr lang="en-IE" sz="1000" b="1">
+                        <a:rPr lang="en-IE" sz="1000" b="1" dirty="0">
                           <a:solidFill>
                             <a:schemeClr val="accent1"/>
                           </a:solidFill>
@@ -19583,7 +19806,7 @@
                         <a:t>, </a:t>
                       </a:r>
                       <a:r>
-                        <a:rPr lang="en-US" sz="1000" b="1">
+                        <a:rPr lang="en-US" sz="1000" b="1" dirty="0">
                           <a:solidFill>
                             <a:schemeClr val="accent1"/>
                           </a:solidFill>
@@ -19593,7 +19816,7 @@
                         <a:t>"</a:t>
                       </a:r>
                       <a:r>
-                        <a:rPr lang="en-IE" sz="1000" b="0">
+                        <a:rPr lang="en-IE" sz="1000" b="0" dirty="0">
                           <a:solidFill>
                             <a:schemeClr val="accent1"/>
                           </a:solidFill>
@@ -19603,7 +19826,7 @@
                         <a:t>Health</a:t>
                       </a:r>
                       <a:r>
-                        <a:rPr lang="en-US" sz="1000" b="1">
+                        <a:rPr lang="en-US" sz="1000" b="1" dirty="0">
                           <a:solidFill>
                             <a:schemeClr val="accent1"/>
                           </a:solidFill>
@@ -19613,7 +19836,7 @@
                         <a:t>"</a:t>
                       </a:r>
                       <a:r>
-                        <a:rPr lang="en-IE" sz="1000" b="1">
+                        <a:rPr lang="en-IE" sz="1000" b="1" dirty="0">
                           <a:solidFill>
                             <a:schemeClr val="accent1"/>
                           </a:solidFill>
@@ -19623,7 +19846,7 @@
                         <a:t> )</a:t>
                       </a:r>
                       <a:r>
-                        <a:rPr lang="en-IE" sz="1000" b="0">
+                        <a:rPr lang="en-IE" sz="1000" b="0" dirty="0">
                           <a:solidFill>
                             <a:schemeClr val="accent4"/>
                           </a:solidFill>
@@ -19635,7 +19858,7 @@
                     </a:p>
                     <a:p>
                       <a:r>
-                        <a:rPr lang="en-IE" sz="1000" b="0">
+                        <a:rPr lang="en-IE" sz="1000" b="0" dirty="0">
                           <a:solidFill>
                             <a:schemeClr val="accent4"/>
                           </a:solidFill>
@@ -19693,7 +19916,7 @@
                     <a:lstStyle/>
                     <a:p>
                       <a:r>
-                        <a:rPr lang="en-IE" sz="1000" b="0" err="1">
+                        <a:rPr lang="en-IE" sz="1000" b="0" dirty="0" err="1">
                           <a:solidFill>
                             <a:schemeClr val="accent4"/>
                           </a:solidFill>
@@ -19703,7 +19926,7 @@
                         <a:t>new_data</a:t>
                       </a:r>
                       <a:r>
-                        <a:rPr lang="en-IE" sz="1000" b="0">
+                        <a:rPr lang="en-IE" sz="1000" b="0" dirty="0">
                           <a:solidFill>
                             <a:schemeClr val="accent4"/>
                           </a:solidFill>
@@ -19713,7 +19936,7 @@
                         <a:t> </a:t>
                       </a:r>
                       <a:r>
-                        <a:rPr lang="en-IE" sz="1000" b="1">
+                        <a:rPr lang="en-IE" sz="1000" b="1" dirty="0">
                           <a:solidFill>
                             <a:schemeClr val="accent4"/>
                           </a:solidFill>
@@ -19723,7 +19946,7 @@
                         <a:t>&lt;-</a:t>
                       </a:r>
                       <a:r>
-                        <a:rPr lang="en-IE" sz="1000" b="0">
+                        <a:rPr lang="en-IE" sz="1000" b="0" dirty="0">
                           <a:solidFill>
                             <a:schemeClr val="accent4"/>
                           </a:solidFill>
@@ -19733,7 +19956,7 @@
                         <a:t> </a:t>
                       </a:r>
                       <a:r>
-                        <a:rPr lang="en-IE" sz="1000" b="0" err="1">
+                        <a:rPr lang="en-IE" sz="1000" b="0" dirty="0" err="1">
                           <a:solidFill>
                             <a:schemeClr val="accent4"/>
                           </a:solidFill>
@@ -19743,7 +19966,7 @@
                         <a:t>old_data</a:t>
                       </a:r>
                       <a:r>
-                        <a:rPr lang="en-IE" sz="1000" b="0">
+                        <a:rPr lang="en-IE" sz="1000" b="0" dirty="0">
                           <a:solidFill>
                             <a:schemeClr val="accent4"/>
                           </a:solidFill>
@@ -19755,7 +19978,7 @@
                     </a:p>
                     <a:p>
                       <a:r>
-                        <a:rPr lang="en-IE" sz="1000" b="0">
+                        <a:rPr lang="en-IE" sz="1000" b="0" dirty="0">
                           <a:solidFill>
                             <a:schemeClr val="accent4"/>
                           </a:solidFill>
@@ -19765,7 +19988,7 @@
                         <a:t>  filter(</a:t>
                       </a:r>
                       <a:r>
-                        <a:rPr lang="en-IE" sz="1000" b="1">
+                        <a:rPr lang="en-IE" sz="1000" b="1" dirty="0">
                           <a:solidFill>
                             <a:schemeClr val="accent1"/>
                           </a:solidFill>
@@ -19775,7 +19998,7 @@
                         <a:t> </a:t>
                       </a:r>
                       <a:r>
-                        <a:rPr lang="en-IE" sz="1000" b="1" err="1">
+                        <a:rPr lang="en-IE" sz="1000" b="1" dirty="0" err="1">
                           <a:solidFill>
                             <a:schemeClr val="accent1"/>
                           </a:solidFill>
@@ -19785,7 +20008,7 @@
                         <a:t>str_detect</a:t>
                       </a:r>
                       <a:r>
-                        <a:rPr lang="en-IE" sz="1000" b="1">
+                        <a:rPr lang="en-IE" sz="1000" b="1" dirty="0">
                           <a:solidFill>
                             <a:schemeClr val="accent1"/>
                           </a:solidFill>
@@ -19795,7 +20018,7 @@
                         <a:t>( </a:t>
                       </a:r>
                       <a:r>
-                        <a:rPr lang="en-IE" sz="1000" b="0" err="1">
+                        <a:rPr lang="en-IE" sz="1000" b="0" dirty="0" err="1">
                           <a:solidFill>
                             <a:schemeClr val="accent2"/>
                           </a:solidFill>
@@ -19805,7 +20028,7 @@
                         <a:t>job_title</a:t>
                       </a:r>
                       <a:r>
-                        <a:rPr lang="en-IE" sz="1000" b="0">
+                        <a:rPr lang="en-IE" sz="1000" b="0" dirty="0">
                           <a:solidFill>
                             <a:schemeClr val="accent2"/>
                           </a:solidFill>
@@ -19815,7 +20038,7 @@
                         <a:t> </a:t>
                       </a:r>
                       <a:r>
-                        <a:rPr lang="en-IE" sz="1000" b="1">
+                        <a:rPr lang="en-IE" sz="1000" b="1" dirty="0">
                           <a:solidFill>
                             <a:schemeClr val="accent1"/>
                           </a:solidFill>
@@ -19825,7 +20048,7 @@
                         <a:t>, </a:t>
                       </a:r>
                       <a:r>
-                        <a:rPr lang="en-US" sz="1000" b="1">
+                        <a:rPr lang="en-US" sz="1000" b="1" dirty="0">
                           <a:solidFill>
                             <a:schemeClr val="accent1"/>
                           </a:solidFill>
@@ -19835,7 +20058,7 @@
                         <a:t>"</a:t>
                       </a:r>
                       <a:r>
-                        <a:rPr lang="en-IE" sz="1000" b="0">
+                        <a:rPr lang="en-IE" sz="1000" b="0" dirty="0">
                           <a:solidFill>
                             <a:schemeClr val="accent1"/>
                           </a:solidFill>
@@ -19845,7 +20068,7 @@
                         <a:t>Health</a:t>
                       </a:r>
                       <a:r>
-                        <a:rPr lang="en-US" sz="1000" b="1">
+                        <a:rPr lang="en-US" sz="1000" b="1" dirty="0">
                           <a:solidFill>
                             <a:schemeClr val="accent1"/>
                           </a:solidFill>
@@ -19855,7 +20078,7 @@
                         <a:t>"</a:t>
                       </a:r>
                       <a:r>
-                        <a:rPr lang="en-IE" sz="1000" b="1">
+                        <a:rPr lang="en-IE" sz="1000" b="1" dirty="0">
                           <a:solidFill>
                             <a:schemeClr val="accent1"/>
                           </a:solidFill>
@@ -19865,7 +20088,7 @@
                         <a:t> )</a:t>
                       </a:r>
                       <a:r>
-                        <a:rPr lang="en-IE" sz="1000" b="0">
+                        <a:rPr lang="en-IE" sz="1000" b="0" dirty="0">
                           <a:solidFill>
                             <a:schemeClr val="accent4"/>
                           </a:solidFill>
@@ -19930,7 +20153,7 @@
                     <a:lstStyle/>
                     <a:p>
                       <a:r>
-                        <a:rPr lang="en-IE" sz="1000" b="0">
+                        <a:rPr lang="en-IE" sz="1000" b="0" dirty="0">
                           <a:solidFill>
                             <a:schemeClr val="accent4"/>
                           </a:solidFill>
@@ -19940,7 +20163,7 @@
                         <a:t>data </a:t>
                       </a:r>
                       <a:r>
-                        <a:rPr lang="en-IE" sz="1000" b="0" err="1">
+                        <a:rPr lang="en-IE" sz="1000" b="0" dirty="0" err="1">
                           <a:solidFill>
                             <a:schemeClr val="accent4"/>
                           </a:solidFill>
@@ -19950,7 +20173,7 @@
                         <a:t>new_data</a:t>
                       </a:r>
                       <a:r>
-                        <a:rPr lang="en-IE" sz="1000" b="0">
+                        <a:rPr lang="en-IE" sz="1000" b="0" dirty="0">
                           <a:solidFill>
                             <a:schemeClr val="accent4"/>
                           </a:solidFill>
@@ -19962,7 +20185,7 @@
                     </a:p>
                     <a:p>
                       <a:r>
-                        <a:rPr lang="en-IE" sz="1000" b="0">
+                        <a:rPr lang="en-IE" sz="1000" b="0" dirty="0">
                           <a:solidFill>
                             <a:schemeClr val="accent4"/>
                           </a:solidFill>
@@ -19972,7 +20195,7 @@
                         <a:t>  set </a:t>
                       </a:r>
                       <a:r>
-                        <a:rPr lang="en-IE" sz="1000" b="0" err="1">
+                        <a:rPr lang="en-IE" sz="1000" b="0" dirty="0" err="1">
                           <a:solidFill>
                             <a:schemeClr val="accent4"/>
                           </a:solidFill>
@@ -19982,471 +20205,7 @@
                         <a:t>old_data</a:t>
                       </a:r>
                       <a:r>
-                        <a:rPr lang="en-IE" sz="1000" b="0">
-                          <a:solidFill>
-                            <a:schemeClr val="accent4"/>
-                          </a:solidFill>
-                          <a:latin typeface="Segoe UI" panose="020B0502040204020203" pitchFamily="34" charset="0"/>
-                          <a:cs typeface="Segoe UI" panose="020B0502040204020203" pitchFamily="34" charset="0"/>
-                        </a:rPr>
-                        <a:t>;</a:t>
-                      </a:r>
-                    </a:p>
-                    <a:p>
-                      <a:r>
-                        <a:rPr lang="en-IE" sz="1000" b="0">
-                          <a:solidFill>
-                            <a:schemeClr val="accent4"/>
-                          </a:solidFill>
-                          <a:latin typeface="Segoe UI" panose="020B0502040204020203" pitchFamily="34" charset="0"/>
-                          <a:cs typeface="Segoe UI" panose="020B0502040204020203" pitchFamily="34" charset="0"/>
-                        </a:rPr>
-                        <a:t>  if</a:t>
-                      </a:r>
-                      <a:r>
-                        <a:rPr lang="en-IE" sz="1000" b="1">
-                          <a:solidFill>
-                            <a:schemeClr val="accent1"/>
-                          </a:solidFill>
-                          <a:latin typeface="Segoe UI" panose="020B0502040204020203" pitchFamily="34" charset="0"/>
-                          <a:cs typeface="Segoe UI" panose="020B0502040204020203" pitchFamily="34" charset="0"/>
-                        </a:rPr>
-                        <a:t> </a:t>
-                      </a:r>
-                      <a:r>
-                        <a:rPr lang="en-IE" sz="1000" b="0" err="1">
-                          <a:solidFill>
-                            <a:schemeClr val="accent2"/>
-                          </a:solidFill>
-                          <a:latin typeface="Segoe UI" panose="020B0502040204020203" pitchFamily="34" charset="0"/>
-                          <a:cs typeface="Segoe UI" panose="020B0502040204020203" pitchFamily="34" charset="0"/>
-                        </a:rPr>
-                        <a:t>job_title</a:t>
-                      </a:r>
-                      <a:r>
-                        <a:rPr lang="en-IE" sz="1000" b="0">
-                          <a:solidFill>
-                            <a:schemeClr val="accent2"/>
-                          </a:solidFill>
-                          <a:latin typeface="Segoe UI" panose="020B0502040204020203" pitchFamily="34" charset="0"/>
-                          <a:cs typeface="Segoe UI" panose="020B0502040204020203" pitchFamily="34" charset="0"/>
-                        </a:rPr>
-                        <a:t> </a:t>
-                      </a:r>
-                      <a:r>
-                        <a:rPr lang="en-IE" sz="1000" b="1">
-                          <a:solidFill>
-                            <a:schemeClr val="accent1"/>
-                          </a:solidFill>
-                          <a:latin typeface="Segoe UI" panose="020B0502040204020203" pitchFamily="34" charset="0"/>
-                          <a:cs typeface="Segoe UI" panose="020B0502040204020203" pitchFamily="34" charset="0"/>
-                        </a:rPr>
-                        <a:t>=: </a:t>
-                      </a:r>
-                      <a:r>
-                        <a:rPr lang="en-US" sz="1000" b="1">
-                          <a:solidFill>
-                            <a:schemeClr val="accent1"/>
-                          </a:solidFill>
-                          <a:latin typeface="Segoe UI" panose="020B0502040204020203" pitchFamily="34" charset="0"/>
-                          <a:cs typeface="Segoe UI" panose="020B0502040204020203" pitchFamily="34" charset="0"/>
-                        </a:rPr>
-                        <a:t>"</a:t>
-                      </a:r>
-                      <a:r>
-                        <a:rPr lang="en-IE" sz="1000" b="0">
-                          <a:solidFill>
-                            <a:schemeClr val="accent1"/>
-                          </a:solidFill>
-                          <a:latin typeface="Segoe UI" panose="020B0502040204020203" pitchFamily="34" charset="0"/>
-                          <a:cs typeface="Segoe UI" panose="020B0502040204020203" pitchFamily="34" charset="0"/>
-                        </a:rPr>
-                        <a:t>Health</a:t>
-                      </a:r>
-                      <a:r>
-                        <a:rPr lang="en-US" sz="1000" b="1">
-                          <a:solidFill>
-                            <a:schemeClr val="accent1"/>
-                          </a:solidFill>
-                          <a:latin typeface="Segoe UI" panose="020B0502040204020203" pitchFamily="34" charset="0"/>
-                          <a:cs typeface="Segoe UI" panose="020B0502040204020203" pitchFamily="34" charset="0"/>
-                        </a:rPr>
-                        <a:t>" </a:t>
-                      </a:r>
-                      <a:r>
-                        <a:rPr lang="en-IE" sz="1000" b="0">
-                          <a:solidFill>
-                            <a:schemeClr val="accent4"/>
-                          </a:solidFill>
-                          <a:latin typeface="Segoe UI" panose="020B0502040204020203" pitchFamily="34" charset="0"/>
-                          <a:cs typeface="Segoe UI" panose="020B0502040204020203" pitchFamily="34" charset="0"/>
-                        </a:rPr>
-                        <a:t>;</a:t>
-                      </a:r>
-                    </a:p>
-                    <a:p>
-                      <a:r>
-                        <a:rPr lang="en-IE" sz="1000" b="0">
-                          <a:solidFill>
-                            <a:schemeClr val="accent4"/>
-                          </a:solidFill>
-                          <a:latin typeface="Segoe UI" panose="020B0502040204020203" pitchFamily="34" charset="0"/>
-                          <a:cs typeface="Segoe UI" panose="020B0502040204020203" pitchFamily="34" charset="0"/>
-                        </a:rPr>
-                        <a:t>run;</a:t>
-                      </a:r>
-                    </a:p>
-                  </a:txBody>
-                  <a:tcPr marL="0" marR="0" marT="82800" marB="82800">
-                    <a:lnL w="9525" cap="flat" cmpd="sng" algn="ctr">
-                      <a:noFill/>
-                      <a:prstDash val="solid"/>
-                      <a:round/>
-                      <a:headEnd type="none" w="med" len="med"/>
-                      <a:tailEnd type="none" w="med" len="med"/>
-                    </a:lnL>
-                    <a:lnR w="9525" cap="flat" cmpd="sng" algn="ctr">
-                      <a:noFill/>
-                      <a:prstDash val="solid"/>
-                      <a:round/>
-                      <a:headEnd type="none" w="med" len="med"/>
-                      <a:tailEnd type="none" w="med" len="med"/>
-                    </a:lnR>
-                    <a:lnT w="9525" cap="flat" cmpd="sng" algn="ctr">
-                      <a:solidFill>
-                        <a:schemeClr val="accent5"/>
-                      </a:solidFill>
-                      <a:prstDash val="solid"/>
-                      <a:round/>
-                      <a:headEnd type="none" w="med" len="med"/>
-                      <a:tailEnd type="none" w="med" len="med"/>
-                    </a:lnT>
-                    <a:lnB w="9525" cap="flat" cmpd="sng" algn="ctr">
-                      <a:solidFill>
-                        <a:schemeClr val="accent5"/>
-                      </a:solidFill>
-                      <a:prstDash val="solid"/>
-                      <a:round/>
-                      <a:headEnd type="none" w="med" len="med"/>
-                      <a:tailEnd type="none" w="med" len="med"/>
-                    </a:lnB>
-                    <a:lnTlToBr w="12700" cmpd="sng">
-                      <a:noFill/>
-                      <a:prstDash val="solid"/>
-                    </a:lnTlToBr>
-                    <a:lnBlToTr w="12700" cmpd="sng">
-                      <a:noFill/>
-                      <a:prstDash val="solid"/>
-                    </a:lnBlToTr>
-                  </a:tcPr>
-                </a:tc>
-                <a:tc>
-                  <a:txBody>
-                    <a:bodyPr/>
-                    <a:lstStyle/>
-                    <a:p>
-                      <a:r>
-                        <a:rPr lang="en-IE" sz="1000" b="0" err="1">
-                          <a:solidFill>
-                            <a:schemeClr val="accent4"/>
-                          </a:solidFill>
-                          <a:latin typeface="Segoe UI" panose="020B0502040204020203" pitchFamily="34" charset="0"/>
-                          <a:cs typeface="Segoe UI" panose="020B0502040204020203" pitchFamily="34" charset="0"/>
-                        </a:rPr>
-                        <a:t>new_data</a:t>
-                      </a:r>
-                      <a:r>
-                        <a:rPr lang="en-IE" sz="1000" b="0">
-                          <a:solidFill>
-                            <a:schemeClr val="accent4"/>
-                          </a:solidFill>
-                          <a:latin typeface="Segoe UI" panose="020B0502040204020203" pitchFamily="34" charset="0"/>
-                          <a:cs typeface="Segoe UI" panose="020B0502040204020203" pitchFamily="34" charset="0"/>
-                        </a:rPr>
-                        <a:t> </a:t>
-                      </a:r>
-                      <a:r>
-                        <a:rPr lang="en-IE" sz="1000" b="1">
-                          <a:solidFill>
-                            <a:schemeClr val="accent4"/>
-                          </a:solidFill>
-                          <a:latin typeface="Segoe UI" panose="020B0502040204020203" pitchFamily="34" charset="0"/>
-                          <a:cs typeface="Segoe UI" panose="020B0502040204020203" pitchFamily="34" charset="0"/>
-                        </a:rPr>
-                        <a:t>&lt;-</a:t>
-                      </a:r>
-                      <a:r>
-                        <a:rPr lang="en-IE" sz="1000" b="0">
-                          <a:solidFill>
-                            <a:schemeClr val="accent4"/>
-                          </a:solidFill>
-                          <a:latin typeface="Segoe UI" panose="020B0502040204020203" pitchFamily="34" charset="0"/>
-                          <a:cs typeface="Segoe UI" panose="020B0502040204020203" pitchFamily="34" charset="0"/>
-                        </a:rPr>
-                        <a:t> </a:t>
-                      </a:r>
-                      <a:r>
-                        <a:rPr lang="en-IE" sz="1000" b="0" err="1">
-                          <a:solidFill>
-                            <a:schemeClr val="accent4"/>
-                          </a:solidFill>
-                          <a:latin typeface="Segoe UI" panose="020B0502040204020203" pitchFamily="34" charset="0"/>
-                          <a:cs typeface="Segoe UI" panose="020B0502040204020203" pitchFamily="34" charset="0"/>
-                        </a:rPr>
-                        <a:t>old_data</a:t>
-                      </a:r>
-                      <a:r>
-                        <a:rPr lang="en-IE" sz="1000" b="0">
-                          <a:solidFill>
-                            <a:schemeClr val="accent4"/>
-                          </a:solidFill>
-                          <a:latin typeface="Segoe UI" panose="020B0502040204020203" pitchFamily="34" charset="0"/>
-                          <a:cs typeface="Segoe UI" panose="020B0502040204020203" pitchFamily="34" charset="0"/>
-                        </a:rPr>
-                        <a:t> %&gt;%</a:t>
-                      </a:r>
-                    </a:p>
-                    <a:p>
-                      <a:r>
-                        <a:rPr lang="en-IE" sz="1000" b="0">
-                          <a:solidFill>
-                            <a:schemeClr val="accent4"/>
-                          </a:solidFill>
-                          <a:latin typeface="Segoe UI" panose="020B0502040204020203" pitchFamily="34" charset="0"/>
-                          <a:cs typeface="Segoe UI" panose="020B0502040204020203" pitchFamily="34" charset="0"/>
-                        </a:rPr>
-                        <a:t>  filter( </a:t>
-                      </a:r>
-                      <a:r>
-                        <a:rPr lang="en-IE" sz="1000" b="1" err="1">
-                          <a:solidFill>
-                            <a:schemeClr val="accent1"/>
-                          </a:solidFill>
-                          <a:latin typeface="Segoe UI" panose="020B0502040204020203" pitchFamily="34" charset="0"/>
-                          <a:cs typeface="Segoe UI" panose="020B0502040204020203" pitchFamily="34" charset="0"/>
-                        </a:rPr>
-                        <a:t>str_detect</a:t>
-                      </a:r>
-                      <a:r>
-                        <a:rPr lang="en-IE" sz="1000" b="1">
-                          <a:solidFill>
-                            <a:schemeClr val="accent1"/>
-                          </a:solidFill>
-                          <a:latin typeface="Segoe UI" panose="020B0502040204020203" pitchFamily="34" charset="0"/>
-                          <a:cs typeface="Segoe UI" panose="020B0502040204020203" pitchFamily="34" charset="0"/>
-                        </a:rPr>
-                        <a:t>( </a:t>
-                      </a:r>
-                      <a:r>
-                        <a:rPr lang="en-IE" sz="1000" b="0" err="1">
-                          <a:solidFill>
-                            <a:schemeClr val="accent2"/>
-                          </a:solidFill>
-                          <a:latin typeface="Segoe UI" panose="020B0502040204020203" pitchFamily="34" charset="0"/>
-                          <a:cs typeface="Segoe UI" panose="020B0502040204020203" pitchFamily="34" charset="0"/>
-                        </a:rPr>
-                        <a:t>job_title</a:t>
-                      </a:r>
-                      <a:r>
-                        <a:rPr lang="en-IE" sz="1000" b="0">
-                          <a:solidFill>
-                            <a:schemeClr val="accent2"/>
-                          </a:solidFill>
-                          <a:latin typeface="Segoe UI" panose="020B0502040204020203" pitchFamily="34" charset="0"/>
-                          <a:cs typeface="Segoe UI" panose="020B0502040204020203" pitchFamily="34" charset="0"/>
-                        </a:rPr>
-                        <a:t> </a:t>
-                      </a:r>
-                      <a:r>
-                        <a:rPr lang="en-IE" sz="1000" b="1">
-                          <a:solidFill>
-                            <a:schemeClr val="accent1"/>
-                          </a:solidFill>
-                          <a:latin typeface="Segoe UI" panose="020B0502040204020203" pitchFamily="34" charset="0"/>
-                          <a:cs typeface="Segoe UI" panose="020B0502040204020203" pitchFamily="34" charset="0"/>
-                        </a:rPr>
-                        <a:t>, </a:t>
-                      </a:r>
-                      <a:r>
-                        <a:rPr lang="en-US" sz="1000" b="1">
-                          <a:solidFill>
-                            <a:schemeClr val="accent1"/>
-                          </a:solidFill>
-                          <a:latin typeface="Segoe UI" panose="020B0502040204020203" pitchFamily="34" charset="0"/>
-                          <a:cs typeface="Segoe UI" panose="020B0502040204020203" pitchFamily="34" charset="0"/>
-                        </a:rPr>
-                        <a:t>"</a:t>
-                      </a:r>
-                      <a:r>
-                        <a:rPr lang="en-IE" sz="1000" b="1">
-                          <a:solidFill>
-                            <a:schemeClr val="accent1"/>
-                          </a:solidFill>
-                          <a:latin typeface="Segoe UI" panose="020B0502040204020203" pitchFamily="34" charset="0"/>
-                          <a:cs typeface="Segoe UI" panose="020B0502040204020203" pitchFamily="34" charset="0"/>
-                        </a:rPr>
-                        <a:t>^</a:t>
-                      </a:r>
-                      <a:r>
-                        <a:rPr lang="en-IE" sz="1000" b="0">
-                          <a:solidFill>
-                            <a:schemeClr val="accent1"/>
-                          </a:solidFill>
-                          <a:latin typeface="Segoe UI" panose="020B0502040204020203" pitchFamily="34" charset="0"/>
-                          <a:cs typeface="Segoe UI" panose="020B0502040204020203" pitchFamily="34" charset="0"/>
-                        </a:rPr>
-                        <a:t>Health</a:t>
-                      </a:r>
-                      <a:r>
-                        <a:rPr lang="en-US" sz="1000" b="1">
-                          <a:solidFill>
-                            <a:schemeClr val="accent1"/>
-                          </a:solidFill>
-                          <a:latin typeface="Segoe UI" panose="020B0502040204020203" pitchFamily="34" charset="0"/>
-                          <a:cs typeface="Segoe UI" panose="020B0502040204020203" pitchFamily="34" charset="0"/>
-                        </a:rPr>
-                        <a:t>"</a:t>
-                      </a:r>
-                      <a:r>
-                        <a:rPr lang="en-IE" sz="1000" b="1">
-                          <a:solidFill>
-                            <a:schemeClr val="accent1"/>
-                          </a:solidFill>
-                          <a:latin typeface="Segoe UI" panose="020B0502040204020203" pitchFamily="34" charset="0"/>
-                          <a:cs typeface="Segoe UI" panose="020B0502040204020203" pitchFamily="34" charset="0"/>
-                        </a:rPr>
-                        <a:t> )</a:t>
-                      </a:r>
-                      <a:r>
-                        <a:rPr lang="en-IE" sz="1000" b="0">
-                          <a:solidFill>
-                            <a:schemeClr val="accent4"/>
-                          </a:solidFill>
-                          <a:latin typeface="Segoe UI" panose="020B0502040204020203" pitchFamily="34" charset="0"/>
-                          <a:cs typeface="Segoe UI" panose="020B0502040204020203" pitchFamily="34" charset="0"/>
-                        </a:rPr>
-                        <a:t>)</a:t>
-                      </a:r>
-                    </a:p>
-                    <a:p>
-                      <a:endParaRPr lang="en-IE" sz="1000" b="0">
-                        <a:solidFill>
-                          <a:schemeClr val="accent4"/>
-                        </a:solidFill>
-                        <a:latin typeface="Segoe UI" panose="020B0502040204020203" pitchFamily="34" charset="0"/>
-                        <a:cs typeface="Segoe UI" panose="020B0502040204020203" pitchFamily="34" charset="0"/>
-                      </a:endParaRPr>
-                    </a:p>
-                  </a:txBody>
-                  <a:tcPr marL="0" marR="0" marT="82800" marB="82800">
-                    <a:lnL w="9525" cap="flat" cmpd="sng" algn="ctr">
-                      <a:noFill/>
-                      <a:prstDash val="solid"/>
-                      <a:round/>
-                      <a:headEnd type="none" w="med" len="med"/>
-                      <a:tailEnd type="none" w="med" len="med"/>
-                    </a:lnL>
-                    <a:lnR w="9525" cap="flat" cmpd="sng" algn="ctr">
-                      <a:noFill/>
-                      <a:prstDash val="solid"/>
-                      <a:round/>
-                      <a:headEnd type="none" w="med" len="med"/>
-                      <a:tailEnd type="none" w="med" len="med"/>
-                    </a:lnR>
-                    <a:lnT w="9525" cap="flat" cmpd="sng" algn="ctr">
-                      <a:solidFill>
-                        <a:schemeClr val="accent5"/>
-                      </a:solidFill>
-                      <a:prstDash val="solid"/>
-                      <a:round/>
-                      <a:headEnd type="none" w="med" len="med"/>
-                      <a:tailEnd type="none" w="med" len="med"/>
-                    </a:lnT>
-                    <a:lnB w="9525" cap="flat" cmpd="sng" algn="ctr">
-                      <a:solidFill>
-                        <a:schemeClr val="accent5"/>
-                      </a:solidFill>
-                      <a:prstDash val="solid"/>
-                      <a:round/>
-                      <a:headEnd type="none" w="med" len="med"/>
-                      <a:tailEnd type="none" w="med" len="med"/>
-                    </a:lnB>
-                    <a:lnTlToBr w="12700" cmpd="sng">
-                      <a:noFill/>
-                      <a:prstDash val="solid"/>
-                    </a:lnTlToBr>
-                    <a:lnBlToTr w="12700" cmpd="sng">
-                      <a:noFill/>
-                      <a:prstDash val="solid"/>
-                    </a:lnBlToTr>
-                  </a:tcPr>
-                </a:tc>
-                <a:extLst>
-                  <a:ext uri="{0D108BD9-81ED-4DB2-BD59-A6C34878D82A}">
-                    <a16:rowId xmlns:a16="http://schemas.microsoft.com/office/drawing/2014/main" val="629762165"/>
-                  </a:ext>
-                </a:extLst>
-              </a:tr>
-              <a:tr h="773457">
-                <a:tc>
-                  <a:txBody>
-                    <a:bodyPr/>
-                    <a:lstStyle/>
-                    <a:p>
-                      <a:r>
-                        <a:rPr lang="en-IE" sz="1000" b="0">
-                          <a:solidFill>
-                            <a:schemeClr val="accent4"/>
-                          </a:solidFill>
-                          <a:latin typeface="Segoe UI" panose="020B0502040204020203" pitchFamily="34" charset="0"/>
-                          <a:cs typeface="Segoe UI" panose="020B0502040204020203" pitchFamily="34" charset="0"/>
-                        </a:rPr>
-                        <a:t>data </a:t>
-                      </a:r>
-                      <a:r>
-                        <a:rPr lang="en-IE" sz="1000" b="0" err="1">
-                          <a:solidFill>
-                            <a:schemeClr val="accent4"/>
-                          </a:solidFill>
-                          <a:latin typeface="Segoe UI" panose="020B0502040204020203" pitchFamily="34" charset="0"/>
-                          <a:cs typeface="Segoe UI" panose="020B0502040204020203" pitchFamily="34" charset="0"/>
-                        </a:rPr>
-                        <a:t>new_data</a:t>
-                      </a:r>
-                      <a:r>
-                        <a:rPr lang="en-IE" sz="1000" b="0">
-                          <a:solidFill>
-                            <a:schemeClr val="accent4"/>
-                          </a:solidFill>
-                          <a:latin typeface="Segoe UI" panose="020B0502040204020203" pitchFamily="34" charset="0"/>
-                          <a:cs typeface="Segoe UI" panose="020B0502040204020203" pitchFamily="34" charset="0"/>
-                        </a:rPr>
-                        <a:t>;</a:t>
-                      </a:r>
-                    </a:p>
-                    <a:p>
-                      <a:r>
-                        <a:rPr lang="en-IE" sz="1000" b="0">
-                          <a:solidFill>
-                            <a:schemeClr val="accent4"/>
-                          </a:solidFill>
-                          <a:latin typeface="Segoe UI" panose="020B0502040204020203" pitchFamily="34" charset="0"/>
-                          <a:cs typeface="Segoe UI" panose="020B0502040204020203" pitchFamily="34" charset="0"/>
-                        </a:rPr>
-                        <a:t>  set </a:t>
-                      </a:r>
-                      <a:r>
-                        <a:rPr lang="en-IE" sz="1000" b="0" err="1">
-                          <a:solidFill>
-                            <a:schemeClr val="accent4"/>
-                          </a:solidFill>
-                          <a:latin typeface="Segoe UI" panose="020B0502040204020203" pitchFamily="34" charset="0"/>
-                          <a:cs typeface="Segoe UI" panose="020B0502040204020203" pitchFamily="34" charset="0"/>
-                        </a:rPr>
-                        <a:t>old_data</a:t>
-                      </a:r>
-                      <a:r>
-                        <a:rPr lang="en-IE" sz="1000" b="0">
+                        <a:rPr lang="en-IE" sz="1000" b="0" dirty="0">
                           <a:solidFill>
                             <a:schemeClr val="accent4"/>
                           </a:solidFill>
@@ -20475,7 +20234,7 @@
                         <a:defRPr/>
                       </a:pPr>
                       <a:r>
-                        <a:rPr lang="en-IE" sz="1000" b="0">
+                        <a:rPr lang="en-IE" sz="1000" b="0" dirty="0">
                           <a:solidFill>
                             <a:schemeClr val="accent4"/>
                           </a:solidFill>
@@ -20485,7 +20244,7 @@
                         <a:t>  </a:t>
                       </a:r>
                       <a:r>
-                        <a:rPr lang="en-IE" sz="1000" b="0">
+                        <a:rPr lang="en-IE" sz="1000" b="0" dirty="0">
                           <a:solidFill>
                             <a:schemeClr val="accent2"/>
                           </a:solidFill>
@@ -20495,7 +20254,7 @@
                         <a:t>substring</a:t>
                       </a:r>
                       <a:r>
-                        <a:rPr lang="en-IE" sz="1000" b="1">
+                        <a:rPr lang="en-IE" sz="1000" b="1" dirty="0">
                           <a:solidFill>
                             <a:schemeClr val="accent1"/>
                           </a:solidFill>
@@ -20505,7 +20264,7 @@
                         <a:t> </a:t>
                       </a:r>
                       <a:r>
-                        <a:rPr lang="en-IE" sz="1000" b="0">
+                        <a:rPr lang="en-IE" sz="1000" b="0" dirty="0">
                           <a:solidFill>
                             <a:schemeClr val="accent4"/>
                           </a:solidFill>
@@ -20515,7 +20274,7 @@
                         <a:t>=</a:t>
                       </a:r>
                       <a:r>
-                        <a:rPr lang="en-IE" sz="1000" b="1">
+                        <a:rPr lang="en-IE" sz="1000" b="1" dirty="0">
                           <a:solidFill>
                             <a:schemeClr val="accent1"/>
                           </a:solidFill>
@@ -20525,7 +20284,7 @@
                         <a:t> </a:t>
                       </a:r>
                       <a:r>
-                        <a:rPr lang="en-IE" sz="1000" b="1" err="1">
+                        <a:rPr lang="en-IE" sz="1000" b="1" dirty="0" err="1">
                           <a:solidFill>
                             <a:schemeClr val="accent1"/>
                           </a:solidFill>
@@ -20535,7 +20294,7 @@
                         <a:t>substr</a:t>
                       </a:r>
                       <a:r>
-                        <a:rPr lang="en-IE" sz="1000" b="1">
+                        <a:rPr lang="en-IE" sz="1000" b="1" dirty="0">
                           <a:solidFill>
                             <a:schemeClr val="accent1"/>
                           </a:solidFill>
@@ -20545,7 +20304,7 @@
                         <a:t>( </a:t>
                       </a:r>
                       <a:r>
-                        <a:rPr lang="en-IE" sz="1000" b="0" err="1">
+                        <a:rPr lang="en-IE" sz="1000" b="0" dirty="0" err="1">
                           <a:solidFill>
                             <a:schemeClr val="accent2"/>
                           </a:solidFill>
@@ -20555,7 +20314,7 @@
                         <a:t>big_string</a:t>
                       </a:r>
                       <a:r>
-                        <a:rPr lang="en-IE" sz="1000" b="0">
+                        <a:rPr lang="en-IE" sz="1000" b="0" dirty="0">
                           <a:solidFill>
                             <a:schemeClr val="accent2"/>
                           </a:solidFill>
@@ -20565,7 +20324,7 @@
                         <a:t> </a:t>
                       </a:r>
                       <a:r>
-                        <a:rPr lang="en-IE" sz="1000" b="1">
+                        <a:rPr lang="en-IE" sz="1000" b="1" dirty="0">
                           <a:solidFill>
                             <a:schemeClr val="accent1"/>
                           </a:solidFill>
@@ -20575,7 +20334,7 @@
                         <a:t>, </a:t>
                       </a:r>
                       <a:r>
-                        <a:rPr lang="en-IE" sz="1000" b="0">
+                        <a:rPr lang="en-IE" sz="1000" b="0" dirty="0">
                           <a:solidFill>
                             <a:schemeClr val="accent1"/>
                           </a:solidFill>
@@ -20585,7 +20344,7 @@
                         <a:t>3</a:t>
                       </a:r>
                       <a:r>
-                        <a:rPr lang="en-IE" sz="1000" b="1">
+                        <a:rPr lang="en-IE" sz="1000" b="1" dirty="0">
                           <a:solidFill>
                             <a:schemeClr val="accent1"/>
                           </a:solidFill>
@@ -20595,7 +20354,7 @@
                         <a:t> , </a:t>
                       </a:r>
                       <a:r>
-                        <a:rPr lang="en-IE" sz="1000" b="0">
+                        <a:rPr lang="en-IE" sz="1000" b="0" dirty="0">
                           <a:solidFill>
                             <a:schemeClr val="accent1"/>
                           </a:solidFill>
@@ -20605,7 +20364,7 @@
                         <a:t>4</a:t>
                       </a:r>
                       <a:r>
-                        <a:rPr lang="en-IE" sz="1000" b="1">
+                        <a:rPr lang="en-IE" sz="1000" b="1" dirty="0">
                           <a:solidFill>
                             <a:schemeClr val="accent1"/>
                           </a:solidFill>
@@ -20615,7 +20374,7 @@
                         <a:t> )</a:t>
                       </a:r>
                       <a:r>
-                        <a:rPr lang="en-IE" sz="1000" b="0">
+                        <a:rPr lang="en-IE" sz="1000" b="0" dirty="0">
                           <a:solidFill>
                             <a:schemeClr val="accent4"/>
                           </a:solidFill>
@@ -20627,7 +20386,7 @@
                     </a:p>
                     <a:p>
                       <a:r>
-                        <a:rPr lang="en-IE" sz="1000" b="0">
+                        <a:rPr lang="en-IE" sz="1000" b="0" dirty="0">
                           <a:solidFill>
                             <a:schemeClr val="accent4"/>
                           </a:solidFill>
@@ -20687,7 +20446,7 @@
                     <a:lstStyle/>
                     <a:p>
                       <a:r>
-                        <a:rPr lang="en-IE" sz="1000" b="0" err="1">
+                        <a:rPr lang="en-IE" sz="1000" b="0" dirty="0" err="1">
                           <a:solidFill>
                             <a:schemeClr val="accent4"/>
                           </a:solidFill>
@@ -20697,7 +20456,7 @@
                         <a:t>new_data</a:t>
                       </a:r>
                       <a:r>
-                        <a:rPr lang="en-IE" sz="1000" b="0">
+                        <a:rPr lang="en-IE" sz="1000" b="0" dirty="0">
                           <a:solidFill>
                             <a:schemeClr val="accent4"/>
                           </a:solidFill>
@@ -20707,7 +20466,7 @@
                         <a:t> </a:t>
                       </a:r>
                       <a:r>
-                        <a:rPr lang="en-IE" sz="1000" b="1">
+                        <a:rPr lang="en-IE" sz="1000" b="1" dirty="0">
                           <a:solidFill>
                             <a:schemeClr val="accent4"/>
                           </a:solidFill>
@@ -20717,7 +20476,7 @@
                         <a:t>&lt;-</a:t>
                       </a:r>
                       <a:r>
-                        <a:rPr lang="en-IE" sz="1000" b="0">
+                        <a:rPr lang="en-IE" sz="1000" b="0" dirty="0">
                           <a:solidFill>
                             <a:schemeClr val="accent4"/>
                           </a:solidFill>
@@ -20727,7 +20486,7 @@
                         <a:t> </a:t>
                       </a:r>
                       <a:r>
-                        <a:rPr lang="en-IE" sz="1000" b="0" err="1">
+                        <a:rPr lang="en-IE" sz="1000" b="0" dirty="0" err="1">
                           <a:solidFill>
                             <a:schemeClr val="accent4"/>
                           </a:solidFill>
@@ -20737,7 +20496,7 @@
                         <a:t>old_data</a:t>
                       </a:r>
                       <a:r>
-                        <a:rPr lang="en-IE" sz="1000" b="0">
+                        <a:rPr lang="en-IE" sz="1000" b="0" dirty="0">
                           <a:solidFill>
                             <a:schemeClr val="accent4"/>
                           </a:solidFill>
@@ -20749,7 +20508,7 @@
                     </a:p>
                     <a:p>
                       <a:r>
-                        <a:rPr lang="en-IE" sz="1000" b="0">
+                        <a:rPr lang="en-IE" sz="1000" b="0" dirty="0">
                           <a:solidFill>
                             <a:schemeClr val="accent4"/>
                           </a:solidFill>
@@ -20759,7 +20518,7 @@
                         <a:t>  mutate(</a:t>
                       </a:r>
                       <a:r>
-                        <a:rPr lang="en-IE" sz="1000" b="1">
+                        <a:rPr lang="en-IE" sz="1000" b="1" dirty="0">
                           <a:solidFill>
                             <a:schemeClr val="accent1"/>
                           </a:solidFill>
@@ -20769,7 +20528,7 @@
                         <a:t> </a:t>
                       </a:r>
                       <a:r>
-                        <a:rPr lang="en-IE" sz="1000" b="0">
+                        <a:rPr lang="en-IE" sz="1000" b="0" dirty="0">
                           <a:solidFill>
                             <a:schemeClr val="accent2"/>
                           </a:solidFill>
@@ -20779,7 +20538,7 @@
                         <a:t>substring</a:t>
                       </a:r>
                       <a:r>
-                        <a:rPr lang="en-IE" sz="1000" b="1">
+                        <a:rPr lang="en-IE" sz="1000" b="1" dirty="0">
                           <a:solidFill>
                             <a:schemeClr val="accent1"/>
                           </a:solidFill>
@@ -20789,7 +20548,7 @@
                         <a:t> = </a:t>
                       </a:r>
                       <a:r>
-                        <a:rPr lang="en-IE" sz="1000" b="1" err="1">
+                        <a:rPr lang="en-IE" sz="1000" b="1" dirty="0" err="1">
                           <a:solidFill>
                             <a:schemeClr val="accent1"/>
                           </a:solidFill>
@@ -20799,7 +20558,7 @@
                         <a:t>str_sub</a:t>
                       </a:r>
                       <a:r>
-                        <a:rPr lang="en-IE" sz="1000" b="1">
+                        <a:rPr lang="en-IE" sz="1000" b="1" dirty="0">
                           <a:solidFill>
                             <a:schemeClr val="accent1"/>
                           </a:solidFill>
@@ -20809,7 +20568,7 @@
                         <a:t>( </a:t>
                       </a:r>
                       <a:r>
-                        <a:rPr lang="en-IE" sz="1000" b="0" err="1">
+                        <a:rPr lang="en-IE" sz="1000" b="0" dirty="0" err="1">
                           <a:solidFill>
                             <a:schemeClr val="accent2"/>
                           </a:solidFill>
@@ -20819,7 +20578,7 @@
                         <a:t>big_string</a:t>
                       </a:r>
                       <a:r>
-                        <a:rPr lang="en-IE" sz="1000" b="0">
+                        <a:rPr lang="en-IE" sz="1000" b="0" dirty="0">
                           <a:solidFill>
                             <a:schemeClr val="accent2"/>
                           </a:solidFill>
@@ -20829,7 +20588,7 @@
                         <a:t> </a:t>
                       </a:r>
                       <a:r>
-                        <a:rPr lang="en-IE" sz="1000" b="1">
+                        <a:rPr lang="en-IE" sz="1000" b="1" dirty="0">
                           <a:solidFill>
                             <a:schemeClr val="accent1"/>
                           </a:solidFill>
@@ -20839,7 +20598,7 @@
                         <a:t>, </a:t>
                       </a:r>
                       <a:r>
-                        <a:rPr lang="en-IE" sz="1000" b="0">
+                        <a:rPr lang="en-IE" sz="1000" b="0" dirty="0">
                           <a:solidFill>
                             <a:schemeClr val="accent1"/>
                           </a:solidFill>
@@ -20849,7 +20608,7 @@
                         <a:t>3</a:t>
                       </a:r>
                       <a:r>
-                        <a:rPr lang="en-IE" sz="1000" b="1">
+                        <a:rPr lang="en-IE" sz="1000" b="1" dirty="0">
                           <a:solidFill>
                             <a:schemeClr val="accent1"/>
                           </a:solidFill>
@@ -20859,7 +20618,7 @@
                         <a:t> , </a:t>
                       </a:r>
                       <a:r>
-                        <a:rPr lang="en-IE" sz="1000" b="0">
+                        <a:rPr lang="en-IE" sz="1000" b="0" dirty="0">
                           <a:solidFill>
                             <a:schemeClr val="accent1"/>
                           </a:solidFill>
@@ -20869,7 +20628,7 @@
                         <a:t>6</a:t>
                       </a:r>
                       <a:r>
-                        <a:rPr lang="en-IE" sz="1000" b="1">
+                        <a:rPr lang="en-IE" sz="1000" b="1" dirty="0">
                           <a:solidFill>
                             <a:schemeClr val="accent1"/>
                           </a:solidFill>
@@ -20879,7 +20638,7 @@
                         <a:t> )</a:t>
                       </a:r>
                       <a:r>
-                        <a:rPr lang="en-IE" sz="1000" b="0">
+                        <a:rPr lang="en-IE" sz="1000" b="0" dirty="0">
                           <a:solidFill>
                             <a:schemeClr val="accent4"/>
                           </a:solidFill>
@@ -21525,7 +21284,7 @@
                     <a:lstStyle/>
                     <a:p>
                       <a:r>
-                        <a:rPr lang="en-IE" sz="1000" b="0">
+                        <a:rPr lang="en-IE" sz="1000" b="0" dirty="0">
                           <a:solidFill>
                             <a:schemeClr val="accent4"/>
                           </a:solidFill>
@@ -21535,7 +21294,7 @@
                         <a:t>data </a:t>
                       </a:r>
                       <a:r>
-                        <a:rPr lang="en-IE" sz="1000" b="0" err="1">
+                        <a:rPr lang="en-IE" sz="1000" b="0" dirty="0" err="1">
                           <a:solidFill>
                             <a:schemeClr val="accent4"/>
                           </a:solidFill>
@@ -21545,7 +21304,7 @@
                         <a:t>new_data</a:t>
                       </a:r>
                       <a:r>
-                        <a:rPr lang="en-IE" sz="1000" b="0">
+                        <a:rPr lang="en-IE" sz="1000" b="0" dirty="0">
                           <a:solidFill>
                             <a:schemeClr val="accent4"/>
                           </a:solidFill>
@@ -21557,7 +21316,7 @@
                     </a:p>
                     <a:p>
                       <a:r>
-                        <a:rPr lang="en-IE" sz="1000" b="0">
+                        <a:rPr lang="en-IE" sz="1000" b="0" dirty="0">
                           <a:solidFill>
                             <a:schemeClr val="accent4"/>
                           </a:solidFill>
@@ -21567,7 +21326,7 @@
                         <a:t>  set </a:t>
                       </a:r>
                       <a:r>
-                        <a:rPr lang="en-IE" sz="1000" b="0" err="1">
+                        <a:rPr lang="en-IE" sz="1000" b="0" dirty="0" err="1">
                           <a:solidFill>
                             <a:schemeClr val="accent4"/>
                           </a:solidFill>
@@ -21577,7 +21336,7 @@
                         <a:t>old_data</a:t>
                       </a:r>
                       <a:r>
-                        <a:rPr lang="en-IE" sz="1000" b="0">
+                        <a:rPr lang="en-IE" sz="1000" b="0" dirty="0">
                           <a:solidFill>
                             <a:schemeClr val="accent4"/>
                           </a:solidFill>
@@ -21587,6 +21346,461 @@
                         <a:t>;</a:t>
                       </a:r>
                     </a:p>
+                    <a:p>
+                      <a:r>
+                        <a:rPr lang="en-IE" sz="1000" b="0" dirty="0">
+                          <a:solidFill>
+                            <a:schemeClr val="accent4"/>
+                          </a:solidFill>
+                          <a:latin typeface="Segoe UI" panose="020B0502040204020203" pitchFamily="34" charset="0"/>
+                          <a:cs typeface="Segoe UI" panose="020B0502040204020203" pitchFamily="34" charset="0"/>
+                        </a:rPr>
+                        <a:t>  </a:t>
+                      </a:r>
+                      <a:r>
+                        <a:rPr lang="en-IE" sz="1000" b="0" dirty="0" err="1">
+                          <a:solidFill>
+                            <a:schemeClr val="accent2"/>
+                          </a:solidFill>
+                          <a:latin typeface="Segoe UI" panose="020B0502040204020203" pitchFamily="34" charset="0"/>
+                          <a:cs typeface="Segoe UI" panose="020B0502040204020203" pitchFamily="34" charset="0"/>
+                        </a:rPr>
+                        <a:t>house_number</a:t>
+                      </a:r>
+                      <a:r>
+                        <a:rPr lang="en-IE" sz="1000" b="0" dirty="0">
+                          <a:solidFill>
+                            <a:schemeClr val="accent2"/>
+                          </a:solidFill>
+                          <a:latin typeface="Segoe UI" panose="020B0502040204020203" pitchFamily="34" charset="0"/>
+                          <a:cs typeface="Segoe UI" panose="020B0502040204020203" pitchFamily="34" charset="0"/>
+                        </a:rPr>
+                        <a:t> </a:t>
+                      </a:r>
+                      <a:r>
+                        <a:rPr lang="en-IE" sz="1000" b="0" dirty="0">
+                          <a:solidFill>
+                            <a:schemeClr val="accent4"/>
+                          </a:solidFill>
+                          <a:latin typeface="Segoe UI" panose="020B0502040204020203" pitchFamily="34" charset="0"/>
+                          <a:cs typeface="Segoe UI" panose="020B0502040204020203" pitchFamily="34" charset="0"/>
+                        </a:rPr>
+                        <a:t>=</a:t>
+                      </a:r>
+                      <a:r>
+                        <a:rPr lang="en-IE" sz="1000" b="1" dirty="0">
+                          <a:solidFill>
+                            <a:schemeClr val="accent1"/>
+                          </a:solidFill>
+                          <a:latin typeface="Segoe UI" panose="020B0502040204020203" pitchFamily="34" charset="0"/>
+                          <a:cs typeface="Segoe UI" panose="020B0502040204020203" pitchFamily="34" charset="0"/>
+                        </a:rPr>
+                        <a:t> compress( </a:t>
+                      </a:r>
+                      <a:r>
+                        <a:rPr lang="en-IE" sz="1000" b="0" dirty="0">
+                          <a:solidFill>
+                            <a:schemeClr val="accent2"/>
+                          </a:solidFill>
+                          <a:latin typeface="Segoe UI" panose="020B0502040204020203" pitchFamily="34" charset="0"/>
+                          <a:cs typeface="Segoe UI" panose="020B0502040204020203" pitchFamily="34" charset="0"/>
+                        </a:rPr>
+                        <a:t>address</a:t>
+                      </a:r>
+                      <a:r>
+                        <a:rPr lang="en-IE" sz="1000" b="1" dirty="0">
+                          <a:solidFill>
+                            <a:schemeClr val="accent1"/>
+                          </a:solidFill>
+                          <a:latin typeface="Segoe UI" panose="020B0502040204020203" pitchFamily="34" charset="0"/>
+                          <a:cs typeface="Segoe UI" panose="020B0502040204020203" pitchFamily="34" charset="0"/>
+                        </a:rPr>
+                        <a:t> , , </a:t>
+                      </a:r>
+                      <a:r>
+                        <a:rPr lang="en-US" sz="1000" b="1" dirty="0">
+                          <a:solidFill>
+                            <a:schemeClr val="accent1"/>
+                          </a:solidFill>
+                          <a:latin typeface="Segoe UI" panose="020B0502040204020203" pitchFamily="34" charset="0"/>
+                          <a:cs typeface="Segoe UI" panose="020B0502040204020203" pitchFamily="34" charset="0"/>
+                        </a:rPr>
+                        <a:t>"</a:t>
+                      </a:r>
+                      <a:r>
+                        <a:rPr lang="en-IE" sz="1000" b="0" dirty="0">
+                          <a:solidFill>
+                            <a:schemeClr val="accent1"/>
+                          </a:solidFill>
+                          <a:latin typeface="Segoe UI" panose="020B0502040204020203" pitchFamily="34" charset="0"/>
+                          <a:cs typeface="Segoe UI" panose="020B0502040204020203" pitchFamily="34" charset="0"/>
+                        </a:rPr>
+                        <a:t>dk</a:t>
+                      </a:r>
+                      <a:r>
+                        <a:rPr lang="en-US" sz="1000" b="1" dirty="0">
+                          <a:solidFill>
+                            <a:schemeClr val="accent1"/>
+                          </a:solidFill>
+                          <a:latin typeface="Segoe UI" panose="020B0502040204020203" pitchFamily="34" charset="0"/>
+                          <a:cs typeface="Segoe UI" panose="020B0502040204020203" pitchFamily="34" charset="0"/>
+                        </a:rPr>
+                        <a:t>"</a:t>
+                      </a:r>
+                      <a:r>
+                        <a:rPr lang="en-IE" sz="1000" b="1" dirty="0">
+                          <a:solidFill>
+                            <a:schemeClr val="accent1"/>
+                          </a:solidFill>
+                          <a:latin typeface="Segoe UI" panose="020B0502040204020203" pitchFamily="34" charset="0"/>
+                          <a:cs typeface="Segoe UI" panose="020B0502040204020203" pitchFamily="34" charset="0"/>
+                        </a:rPr>
+                        <a:t> )</a:t>
+                      </a:r>
+                      <a:r>
+                        <a:rPr lang="en-IE" sz="1000" b="0" dirty="0">
+                          <a:solidFill>
+                            <a:schemeClr val="accent4"/>
+                          </a:solidFill>
+                          <a:latin typeface="Segoe UI" panose="020B0502040204020203" pitchFamily="34" charset="0"/>
+                          <a:cs typeface="Segoe UI" panose="020B0502040204020203" pitchFamily="34" charset="0"/>
+                        </a:rPr>
+                        <a:t>;</a:t>
+                      </a:r>
+                      <a:endParaRPr lang="en-IE" sz="1000" b="1" dirty="0">
+                        <a:solidFill>
+                          <a:schemeClr val="accent1"/>
+                        </a:solidFill>
+                        <a:latin typeface="Segoe UI" panose="020B0502040204020203" pitchFamily="34" charset="0"/>
+                        <a:cs typeface="Segoe UI" panose="020B0502040204020203" pitchFamily="34" charset="0"/>
+                      </a:endParaRPr>
+                    </a:p>
+                    <a:p>
+                      <a:r>
+                        <a:rPr lang="en-IE" sz="1000" b="0" dirty="0">
+                          <a:solidFill>
+                            <a:schemeClr val="accent4"/>
+                          </a:solidFill>
+                          <a:latin typeface="Segoe UI" panose="020B0502040204020203" pitchFamily="34" charset="0"/>
+                          <a:cs typeface="Segoe UI" panose="020B0502040204020203" pitchFamily="34" charset="0"/>
+                        </a:rPr>
+                        <a:t>run;</a:t>
+                      </a:r>
+                    </a:p>
+                  </a:txBody>
+                  <a:tcPr marL="0" marR="0" marT="82800" marB="82800">
+                    <a:lnL w="9525" cap="flat" cmpd="sng" algn="ctr">
+                      <a:noFill/>
+                      <a:prstDash val="solid"/>
+                      <a:round/>
+                      <a:headEnd type="none" w="med" len="med"/>
+                      <a:tailEnd type="none" w="med" len="med"/>
+                    </a:lnL>
+                    <a:lnR w="9525" cap="flat" cmpd="sng" algn="ctr">
+                      <a:noFill/>
+                      <a:prstDash val="solid"/>
+                      <a:round/>
+                      <a:headEnd type="none" w="med" len="med"/>
+                      <a:tailEnd type="none" w="med" len="med"/>
+                    </a:lnR>
+                    <a:lnT w="9525" cap="flat" cmpd="sng" algn="ctr">
+                      <a:solidFill>
+                        <a:schemeClr val="accent5"/>
+                      </a:solidFill>
+                      <a:prstDash val="solid"/>
+                      <a:round/>
+                      <a:headEnd type="none" w="med" len="med"/>
+                      <a:tailEnd type="none" w="med" len="med"/>
+                    </a:lnT>
+                    <a:lnB w="12700" cap="flat" cmpd="sng" algn="ctr">
+                      <a:solidFill>
+                        <a:schemeClr val="accent3"/>
+                      </a:solidFill>
+                      <a:prstDash val="solid"/>
+                      <a:round/>
+                      <a:headEnd type="none" w="med" len="med"/>
+                      <a:tailEnd type="none" w="med" len="med"/>
+                    </a:lnB>
+                    <a:lnTlToBr w="12700" cmpd="sng">
+                      <a:noFill/>
+                      <a:prstDash val="solid"/>
+                    </a:lnTlToBr>
+                    <a:lnBlToTr w="12700" cmpd="sng">
+                      <a:noFill/>
+                      <a:prstDash val="solid"/>
+                    </a:lnBlToTr>
+                  </a:tcPr>
+                </a:tc>
+                <a:tc>
+                  <a:txBody>
+                    <a:bodyPr/>
+                    <a:lstStyle/>
+                    <a:p>
+                      <a:pPr marL="0" marR="0" lvl="0" indent="0" algn="l" defTabSz="914400" rtl="0" eaLnBrk="1" fontAlgn="auto" latinLnBrk="0" hangingPunct="1">
+                        <a:lnSpc>
+                          <a:spcPct val="100000"/>
+                        </a:lnSpc>
+                        <a:spcBef>
+                          <a:spcPts val="0"/>
+                        </a:spcBef>
+                        <a:spcAft>
+                          <a:spcPts val="0"/>
+                        </a:spcAft>
+                        <a:buClrTx/>
+                        <a:buSzTx/>
+                        <a:buFontTx/>
+                        <a:buNone/>
+                        <a:tabLst/>
+                        <a:defRPr/>
+                      </a:pPr>
+                      <a:r>
+                        <a:rPr lang="en-IE" sz="1000" b="0" dirty="0" err="1">
+                          <a:solidFill>
+                            <a:schemeClr val="accent4"/>
+                          </a:solidFill>
+                          <a:latin typeface="Segoe UI" panose="020B0502040204020203" pitchFamily="34" charset="0"/>
+                          <a:cs typeface="Segoe UI" panose="020B0502040204020203" pitchFamily="34" charset="0"/>
+                        </a:rPr>
+                        <a:t>new_data</a:t>
+                      </a:r>
+                      <a:r>
+                        <a:rPr lang="en-IE" sz="1000" b="0" dirty="0">
+                          <a:solidFill>
+                            <a:schemeClr val="accent4"/>
+                          </a:solidFill>
+                          <a:latin typeface="Segoe UI" panose="020B0502040204020203" pitchFamily="34" charset="0"/>
+                          <a:cs typeface="Segoe UI" panose="020B0502040204020203" pitchFamily="34" charset="0"/>
+                        </a:rPr>
+                        <a:t> </a:t>
+                      </a:r>
+                      <a:r>
+                        <a:rPr lang="en-IE" sz="1000" b="1" dirty="0">
+                          <a:solidFill>
+                            <a:schemeClr val="accent4"/>
+                          </a:solidFill>
+                          <a:latin typeface="Segoe UI" panose="020B0502040204020203" pitchFamily="34" charset="0"/>
+                          <a:cs typeface="Segoe UI" panose="020B0502040204020203" pitchFamily="34" charset="0"/>
+                        </a:rPr>
+                        <a:t>&lt;-</a:t>
+                      </a:r>
+                      <a:r>
+                        <a:rPr lang="en-IE" sz="1000" b="0" dirty="0">
+                          <a:solidFill>
+                            <a:schemeClr val="accent4"/>
+                          </a:solidFill>
+                          <a:latin typeface="Segoe UI" panose="020B0502040204020203" pitchFamily="34" charset="0"/>
+                          <a:cs typeface="Segoe UI" panose="020B0502040204020203" pitchFamily="34" charset="0"/>
+                        </a:rPr>
+                        <a:t> </a:t>
+                      </a:r>
+                      <a:r>
+                        <a:rPr lang="en-IE" sz="1000" b="0" dirty="0" err="1">
+                          <a:solidFill>
+                            <a:schemeClr val="accent4"/>
+                          </a:solidFill>
+                          <a:latin typeface="Segoe UI" panose="020B0502040204020203" pitchFamily="34" charset="0"/>
+                          <a:cs typeface="Segoe UI" panose="020B0502040204020203" pitchFamily="34" charset="0"/>
+                        </a:rPr>
+                        <a:t>old_data</a:t>
+                      </a:r>
+                      <a:r>
+                        <a:rPr lang="en-IE" sz="1000" b="0" dirty="0">
+                          <a:solidFill>
+                            <a:schemeClr val="accent4"/>
+                          </a:solidFill>
+                          <a:latin typeface="Segoe UI" panose="020B0502040204020203" pitchFamily="34" charset="0"/>
+                          <a:cs typeface="Segoe UI" panose="020B0502040204020203" pitchFamily="34" charset="0"/>
+                        </a:rPr>
+                        <a:t> %&gt;%</a:t>
+                      </a:r>
+                    </a:p>
+                    <a:p>
+                      <a:r>
+                        <a:rPr lang="en-IE" sz="1000" b="0" dirty="0">
+                          <a:solidFill>
+                            <a:schemeClr val="accent4"/>
+                          </a:solidFill>
+                          <a:latin typeface="Segoe UI" panose="020B0502040204020203" pitchFamily="34" charset="0"/>
+                          <a:cs typeface="Segoe UI" panose="020B0502040204020203" pitchFamily="34" charset="0"/>
+                        </a:rPr>
+                        <a:t>  mutate( </a:t>
+                      </a:r>
+                      <a:r>
+                        <a:rPr lang="en-IE" sz="1000" b="0" dirty="0" err="1">
+                          <a:solidFill>
+                            <a:schemeClr val="accent2"/>
+                          </a:solidFill>
+                          <a:latin typeface="Segoe UI" panose="020B0502040204020203" pitchFamily="34" charset="0"/>
+                          <a:cs typeface="Segoe UI" panose="020B0502040204020203" pitchFamily="34" charset="0"/>
+                        </a:rPr>
+                        <a:t>house_number</a:t>
+                      </a:r>
+                      <a:r>
+                        <a:rPr lang="en-IE" sz="1000" b="0" dirty="0">
+                          <a:solidFill>
+                            <a:schemeClr val="accent2"/>
+                          </a:solidFill>
+                          <a:latin typeface="Segoe UI" panose="020B0502040204020203" pitchFamily="34" charset="0"/>
+                          <a:cs typeface="Segoe UI" panose="020B0502040204020203" pitchFamily="34" charset="0"/>
+                        </a:rPr>
+                        <a:t> </a:t>
+                      </a:r>
+                      <a:r>
+                        <a:rPr lang="en-IE" sz="1000" b="1" dirty="0">
+                          <a:solidFill>
+                            <a:schemeClr val="accent1"/>
+                          </a:solidFill>
+                          <a:latin typeface="Segoe UI" panose="020B0502040204020203" pitchFamily="34" charset="0"/>
+                          <a:cs typeface="Segoe UI" panose="020B0502040204020203" pitchFamily="34" charset="0"/>
+                        </a:rPr>
+                        <a:t>= </a:t>
+                      </a:r>
+                      <a:r>
+                        <a:rPr lang="en-IE" sz="1000" b="1" dirty="0" err="1">
+                          <a:solidFill>
+                            <a:schemeClr val="accent1"/>
+                          </a:solidFill>
+                          <a:latin typeface="Segoe UI" panose="020B0502040204020203" pitchFamily="34" charset="0"/>
+                          <a:cs typeface="Segoe UI" panose="020B0502040204020203" pitchFamily="34" charset="0"/>
+                        </a:rPr>
+                        <a:t>str_extract</a:t>
+                      </a:r>
+                      <a:r>
+                        <a:rPr lang="en-IE" sz="1000" b="1" dirty="0">
+                          <a:solidFill>
+                            <a:schemeClr val="accent1"/>
+                          </a:solidFill>
+                          <a:latin typeface="Segoe UI" panose="020B0502040204020203" pitchFamily="34" charset="0"/>
+                          <a:cs typeface="Segoe UI" panose="020B0502040204020203" pitchFamily="34" charset="0"/>
+                        </a:rPr>
+                        <a:t>( </a:t>
+                      </a:r>
+                      <a:r>
+                        <a:rPr lang="en-IE" sz="1000" b="0" dirty="0">
+                          <a:solidFill>
+                            <a:schemeClr val="accent2"/>
+                          </a:solidFill>
+                          <a:latin typeface="Segoe UI" panose="020B0502040204020203" pitchFamily="34" charset="0"/>
+                          <a:cs typeface="Segoe UI" panose="020B0502040204020203" pitchFamily="34" charset="0"/>
+                        </a:rPr>
+                        <a:t>address</a:t>
+                      </a:r>
+                      <a:r>
+                        <a:rPr lang="en-IE" sz="1000" b="1" dirty="0">
+                          <a:solidFill>
+                            <a:schemeClr val="accent1"/>
+                          </a:solidFill>
+                          <a:latin typeface="Segoe UI" panose="020B0502040204020203" pitchFamily="34" charset="0"/>
+                          <a:cs typeface="Segoe UI" panose="020B0502040204020203" pitchFamily="34" charset="0"/>
+                        </a:rPr>
+                        <a:t> , </a:t>
+                      </a:r>
+                      <a:r>
+                        <a:rPr lang="en-US" sz="1000" b="1" dirty="0">
+                          <a:solidFill>
+                            <a:schemeClr val="accent1"/>
+                          </a:solidFill>
+                          <a:latin typeface="Segoe UI" panose="020B0502040204020203" pitchFamily="34" charset="0"/>
+                          <a:cs typeface="Segoe UI" panose="020B0502040204020203" pitchFamily="34" charset="0"/>
+                        </a:rPr>
+                        <a:t>"</a:t>
+                      </a:r>
+                      <a:r>
+                        <a:rPr lang="en-IE" sz="1000" b="0" dirty="0">
+                          <a:solidFill>
+                            <a:schemeClr val="accent1"/>
+                          </a:solidFill>
+                          <a:latin typeface="Segoe UI" panose="020B0502040204020203" pitchFamily="34" charset="0"/>
+                          <a:cs typeface="Segoe UI" panose="020B0502040204020203" pitchFamily="34" charset="0"/>
+                        </a:rPr>
+                        <a:t>\\d+</a:t>
+                      </a:r>
+                      <a:r>
+                        <a:rPr lang="en-US" sz="1000" b="1" dirty="0">
+                          <a:solidFill>
+                            <a:schemeClr val="accent1"/>
+                          </a:solidFill>
+                          <a:latin typeface="Segoe UI" panose="020B0502040204020203" pitchFamily="34" charset="0"/>
+                          <a:cs typeface="Segoe UI" panose="020B0502040204020203" pitchFamily="34" charset="0"/>
+                        </a:rPr>
+                        <a:t>"</a:t>
+                      </a:r>
+                      <a:r>
+                        <a:rPr lang="en-IE" sz="1000" b="1" dirty="0">
+                          <a:solidFill>
+                            <a:schemeClr val="accent1"/>
+                          </a:solidFill>
+                          <a:latin typeface="Segoe UI" panose="020B0502040204020203" pitchFamily="34" charset="0"/>
+                          <a:cs typeface="Segoe UI" panose="020B0502040204020203" pitchFamily="34" charset="0"/>
+                        </a:rPr>
+                        <a:t> )</a:t>
+                      </a:r>
+                      <a:r>
+                        <a:rPr lang="en-IE" sz="1000" b="0" dirty="0">
+                          <a:solidFill>
+                            <a:schemeClr val="accent4"/>
+                          </a:solidFill>
+                          <a:latin typeface="Segoe UI" panose="020B0502040204020203" pitchFamily="34" charset="0"/>
+                          <a:cs typeface="Segoe UI" panose="020B0502040204020203" pitchFamily="34" charset="0"/>
+                        </a:rPr>
+                        <a:t>)</a:t>
+                      </a:r>
+                    </a:p>
+                  </a:txBody>
+                  <a:tcPr marL="0" marR="0" marT="82800" marB="82800">
+                    <a:lnL w="9525" cap="flat" cmpd="sng" algn="ctr">
+                      <a:noFill/>
+                      <a:prstDash val="solid"/>
+                      <a:round/>
+                      <a:headEnd type="none" w="med" len="med"/>
+                      <a:tailEnd type="none" w="med" len="med"/>
+                    </a:lnL>
+                    <a:lnR w="9525" cap="flat" cmpd="sng" algn="ctr">
+                      <a:noFill/>
+                      <a:prstDash val="solid"/>
+                      <a:round/>
+                      <a:headEnd type="none" w="med" len="med"/>
+                      <a:tailEnd type="none" w="med" len="med"/>
+                    </a:lnR>
+                    <a:lnT w="9525" cap="flat" cmpd="sng" algn="ctr">
+                      <a:solidFill>
+                        <a:schemeClr val="accent5"/>
+                      </a:solidFill>
+                      <a:prstDash val="solid"/>
+                      <a:round/>
+                      <a:headEnd type="none" w="med" len="med"/>
+                      <a:tailEnd type="none" w="med" len="med"/>
+                    </a:lnT>
+                    <a:lnB w="12700" cap="flat" cmpd="sng" algn="ctr">
+                      <a:solidFill>
+                        <a:schemeClr val="accent3"/>
+                      </a:solidFill>
+                      <a:prstDash val="solid"/>
+                      <a:round/>
+                      <a:headEnd type="none" w="med" len="med"/>
+                      <a:tailEnd type="none" w="med" len="med"/>
+                    </a:lnB>
+                    <a:lnTlToBr w="12700" cmpd="sng">
+                      <a:noFill/>
+                      <a:prstDash val="solid"/>
+                    </a:lnTlToBr>
+                    <a:lnBlToTr w="12700" cmpd="sng">
+                      <a:noFill/>
+                      <a:prstDash val="solid"/>
+                    </a:lnBlToTr>
+                  </a:tcPr>
+                </a:tc>
+                <a:extLst>
+                  <a:ext uri="{0D108BD9-81ED-4DB2-BD59-A6C34878D82A}">
+                    <a16:rowId xmlns:a16="http://schemas.microsoft.com/office/drawing/2014/main" val="3519807631"/>
+                  </a:ext>
+                </a:extLst>
+              </a:tr>
+              <a:tr h="475200">
+                <a:tc gridSpan="2">
+                  <a:txBody>
+                    <a:bodyPr/>
+                    <a:lstStyle/>
                     <a:p>
                       <a:pPr marL="0" marR="0" lvl="0" indent="0" algn="l" defTabSz="1397020" rtl="0" eaLnBrk="1" fontAlgn="auto" latinLnBrk="0" hangingPunct="1">
                         <a:lnSpc>
@@ -21606,186 +21820,756 @@
                         <a:defRPr/>
                       </a:pPr>
                       <a:r>
-                        <a:rPr lang="en-IE" sz="1000" b="0">
-                          <a:solidFill>
-                            <a:schemeClr val="accent4"/>
-                          </a:solidFill>
-                          <a:latin typeface="Segoe UI" panose="020B0502040204020203" pitchFamily="34" charset="0"/>
-                          <a:cs typeface="Segoe UI" panose="020B0502040204020203" pitchFamily="34" charset="0"/>
-                        </a:rPr>
-                        <a:t>  </a:t>
-                      </a:r>
-                      <a:r>
-                        <a:rPr lang="en-IE" sz="1000" b="0" err="1">
-                          <a:solidFill>
-                            <a:schemeClr val="accent2"/>
-                          </a:solidFill>
-                          <a:latin typeface="Segoe UI" panose="020B0502040204020203" pitchFamily="34" charset="0"/>
-                          <a:cs typeface="Segoe UI" panose="020B0502040204020203" pitchFamily="34" charset="0"/>
-                        </a:rPr>
-                        <a:t>full_name</a:t>
-                      </a:r>
-                      <a:r>
-                        <a:rPr lang="en-IE" sz="1000" b="0">
-                          <a:solidFill>
-                            <a:schemeClr val="accent2"/>
-                          </a:solidFill>
-                          <a:latin typeface="Segoe UI" panose="020B0502040204020203" pitchFamily="34" charset="0"/>
-                          <a:cs typeface="Segoe UI" panose="020B0502040204020203" pitchFamily="34" charset="0"/>
-                        </a:rPr>
-                        <a:t> </a:t>
-                      </a:r>
-                      <a:r>
-                        <a:rPr lang="en-IE" sz="1000" b="0">
-                          <a:solidFill>
-                            <a:schemeClr val="accent4"/>
-                          </a:solidFill>
-                          <a:latin typeface="Segoe UI" panose="020B0502040204020203" pitchFamily="34" charset="0"/>
-                          <a:cs typeface="Segoe UI" panose="020B0502040204020203" pitchFamily="34" charset="0"/>
-                        </a:rPr>
-                        <a:t>=</a:t>
-                      </a:r>
-                      <a:r>
-                        <a:rPr lang="en-IE" sz="1000" b="1">
-                          <a:solidFill>
-                            <a:schemeClr val="accent1"/>
-                          </a:solidFill>
-                          <a:latin typeface="Segoe UI" panose="020B0502040204020203" pitchFamily="34" charset="0"/>
-                          <a:cs typeface="Segoe UI" panose="020B0502040204020203" pitchFamily="34" charset="0"/>
-                        </a:rPr>
-                        <a:t> </a:t>
-                      </a:r>
-                      <a:r>
-                        <a:rPr lang="en-IE" sz="1000" b="1" err="1">
-                          <a:solidFill>
-                            <a:schemeClr val="accent1"/>
-                          </a:solidFill>
-                          <a:latin typeface="Segoe UI" panose="020B0502040204020203" pitchFamily="34" charset="0"/>
-                          <a:cs typeface="Segoe UI" panose="020B0502040204020203" pitchFamily="34" charset="0"/>
-                        </a:rPr>
-                        <a:t>catx</a:t>
-                      </a:r>
-                      <a:r>
-                        <a:rPr lang="en-IE" sz="1000" b="1">
-                          <a:solidFill>
-                            <a:schemeClr val="accent1"/>
-                          </a:solidFill>
-                          <a:latin typeface="Segoe UI" panose="020B0502040204020203" pitchFamily="34" charset="0"/>
-                          <a:cs typeface="Segoe UI" panose="020B0502040204020203" pitchFamily="34" charset="0"/>
-                        </a:rPr>
-                        <a:t>(</a:t>
-                      </a:r>
-                      <a:r>
-                        <a:rPr lang="en-US" sz="1000" b="1">
-                          <a:solidFill>
-                            <a:schemeClr val="accent1"/>
-                          </a:solidFill>
-                          <a:latin typeface="Segoe UI" panose="020B0502040204020203" pitchFamily="34" charset="0"/>
-                          <a:cs typeface="Segoe UI" panose="020B0502040204020203" pitchFamily="34" charset="0"/>
-                        </a:rPr>
-                        <a:t>"</a:t>
-                      </a:r>
-                      <a:r>
-                        <a:rPr lang="en-IE" sz="1000" b="1">
-                          <a:solidFill>
-                            <a:schemeClr val="accent1"/>
-                          </a:solidFill>
-                          <a:latin typeface="Segoe UI" panose="020B0502040204020203" pitchFamily="34" charset="0"/>
-                          <a:cs typeface="Segoe UI" panose="020B0502040204020203" pitchFamily="34" charset="0"/>
-                        </a:rPr>
-                        <a:t> </a:t>
-                      </a:r>
-                      <a:r>
-                        <a:rPr lang="en-US" sz="1000" b="1">
-                          <a:solidFill>
-                            <a:schemeClr val="accent1"/>
-                          </a:solidFill>
-                          <a:latin typeface="Segoe UI" panose="020B0502040204020203" pitchFamily="34" charset="0"/>
-                          <a:cs typeface="Segoe UI" panose="020B0502040204020203" pitchFamily="34" charset="0"/>
-                        </a:rPr>
-                        <a:t>"</a:t>
-                      </a:r>
-                      <a:r>
-                        <a:rPr lang="en-IE" sz="1000" b="1">
-                          <a:solidFill>
-                            <a:schemeClr val="accent1"/>
-                          </a:solidFill>
-                          <a:latin typeface="Segoe UI" panose="020B0502040204020203" pitchFamily="34" charset="0"/>
-                          <a:cs typeface="Segoe UI" panose="020B0502040204020203" pitchFamily="34" charset="0"/>
-                        </a:rPr>
-                        <a:t>  , </a:t>
-                      </a:r>
-                      <a:r>
-                        <a:rPr lang="en-IE" sz="1000" b="0" err="1">
-                          <a:solidFill>
-                            <a:schemeClr val="accent2"/>
-                          </a:solidFill>
-                          <a:latin typeface="Segoe UI" panose="020B0502040204020203" pitchFamily="34" charset="0"/>
-                          <a:cs typeface="Segoe UI" panose="020B0502040204020203" pitchFamily="34" charset="0"/>
-                        </a:rPr>
-                        <a:t>first_name</a:t>
-                      </a:r>
-                      <a:r>
-                        <a:rPr lang="en-IE" sz="1000" b="0">
-                          <a:solidFill>
-                            <a:schemeClr val="accent2"/>
-                          </a:solidFill>
-                          <a:latin typeface="Segoe UI" panose="020B0502040204020203" pitchFamily="34" charset="0"/>
-                          <a:cs typeface="Segoe UI" panose="020B0502040204020203" pitchFamily="34" charset="0"/>
-                        </a:rPr>
-                        <a:t> </a:t>
-                      </a:r>
-                      <a:r>
-                        <a:rPr lang="en-IE" sz="1000" b="1">
-                          <a:solidFill>
-                            <a:schemeClr val="accent1"/>
-                          </a:solidFill>
-                          <a:latin typeface="Segoe UI" panose="020B0502040204020203" pitchFamily="34" charset="0"/>
-                          <a:cs typeface="Segoe UI" panose="020B0502040204020203" pitchFamily="34" charset="0"/>
-                        </a:rPr>
-                        <a:t>, </a:t>
-                      </a:r>
-                      <a:r>
-                        <a:rPr lang="en-IE" sz="1000" b="0">
-                          <a:solidFill>
-                            <a:schemeClr val="accent2"/>
-                          </a:solidFill>
-                          <a:latin typeface="Segoe UI" panose="020B0502040204020203" pitchFamily="34" charset="0"/>
-                          <a:cs typeface="Segoe UI" panose="020B0502040204020203" pitchFamily="34" charset="0"/>
-                        </a:rPr>
-                        <a:t>surname</a:t>
-                      </a:r>
-                      <a:r>
-                        <a:rPr lang="en-IE" sz="1000" b="1">
-                          <a:solidFill>
-                            <a:schemeClr val="accent1"/>
-                          </a:solidFill>
-                          <a:latin typeface="Segoe UI" panose="020B0502040204020203" pitchFamily="34" charset="0"/>
-                          <a:cs typeface="Segoe UI" panose="020B0502040204020203" pitchFamily="34" charset="0"/>
-                        </a:rPr>
-                        <a:t> )</a:t>
-                      </a:r>
-                      <a:r>
-                        <a:rPr lang="en-IE" sz="1000" b="0">
-                          <a:solidFill>
-                            <a:schemeClr val="accent4"/>
-                          </a:solidFill>
-                          <a:latin typeface="Segoe UI" panose="020B0502040204020203" pitchFamily="34" charset="0"/>
-                          <a:cs typeface="Segoe UI" panose="020B0502040204020203" pitchFamily="34" charset="0"/>
-                        </a:rPr>
-                        <a:t>;</a:t>
-                      </a:r>
-                      <a:endParaRPr lang="en-IE" sz="1000" b="1">
+                        <a:rPr lang="en-IE" sz="1700" b="0" dirty="0">
+                          <a:solidFill>
+                            <a:schemeClr val="accent4"/>
+                          </a:solidFill>
+                          <a:latin typeface="Segoe UI" panose="020B0502040204020203" pitchFamily="34" charset="0"/>
+                          <a:cs typeface="Segoe UI" panose="020B0502040204020203" pitchFamily="34" charset="0"/>
+                        </a:rPr>
+                        <a:t>Transpose/Pivot</a:t>
+                      </a:r>
+                    </a:p>
+                  </a:txBody>
+                  <a:tcPr marL="0" marR="0" marT="108000" marB="108000">
+                    <a:lnL w="9525" cap="flat" cmpd="sng" algn="ctr">
+                      <a:noFill/>
+                      <a:prstDash val="solid"/>
+                      <a:round/>
+                      <a:headEnd type="none" w="med" len="med"/>
+                      <a:tailEnd type="none" w="med" len="med"/>
+                    </a:lnL>
+                    <a:lnR w="9525" cap="flat" cmpd="sng" algn="ctr">
+                      <a:noFill/>
+                      <a:prstDash val="solid"/>
+                      <a:round/>
+                      <a:headEnd type="none" w="med" len="med"/>
+                      <a:tailEnd type="none" w="med" len="med"/>
+                    </a:lnR>
+                    <a:lnT w="12700" cap="flat" cmpd="sng" algn="ctr">
+                      <a:solidFill>
+                        <a:schemeClr val="accent3"/>
+                      </a:solidFill>
+                      <a:prstDash val="solid"/>
+                      <a:round/>
+                      <a:headEnd type="none" w="med" len="med"/>
+                      <a:tailEnd type="none" w="med" len="med"/>
+                    </a:lnT>
+                    <a:lnB w="9525" cap="flat" cmpd="sng" algn="ctr">
+                      <a:solidFill>
+                        <a:schemeClr val="bg1"/>
+                      </a:solidFill>
+                      <a:prstDash val="solid"/>
+                      <a:round/>
+                      <a:headEnd type="none" w="med" len="med"/>
+                      <a:tailEnd type="none" w="med" len="med"/>
+                    </a:lnB>
+                    <a:lnTlToBr w="12700" cmpd="sng">
+                      <a:noFill/>
+                      <a:prstDash val="solid"/>
+                    </a:lnTlToBr>
+                    <a:lnBlToTr w="12700" cmpd="sng">
+                      <a:noFill/>
+                      <a:prstDash val="solid"/>
+                    </a:lnBlToTr>
+                  </a:tcPr>
+                </a:tc>
+                <a:tc hMerge="1">
+                  <a:txBody>
+                    <a:bodyPr/>
+                    <a:lstStyle/>
+                    <a:p>
+                      <a:endParaRPr lang="en-IE" sz="1000" b="0" dirty="0">
                         <a:solidFill>
-                          <a:schemeClr val="accent1"/>
+                          <a:schemeClr val="accent4"/>
                         </a:solidFill>
                         <a:latin typeface="Segoe UI" panose="020B0502040204020203" pitchFamily="34" charset="0"/>
                         <a:cs typeface="Segoe UI" panose="020B0502040204020203" pitchFamily="34" charset="0"/>
                       </a:endParaRPr>
                     </a:p>
-                    <a:p>
-                      <a:r>
-                        <a:rPr lang="en-IE" sz="1000" b="0">
+                  </a:txBody>
+                  <a:tcPr marL="0" marR="0" marT="82800" marB="82800">
+                    <a:lnL w="9525" cap="flat" cmpd="sng" algn="ctr">
+                      <a:noFill/>
+                      <a:prstDash val="solid"/>
+                      <a:round/>
+                      <a:headEnd type="none" w="med" len="med"/>
+                      <a:tailEnd type="none" w="med" len="med"/>
+                    </a:lnL>
+                    <a:lnR w="9525" cap="flat" cmpd="sng" algn="ctr">
+                      <a:noFill/>
+                      <a:prstDash val="solid"/>
+                      <a:round/>
+                      <a:headEnd type="none" w="med" len="med"/>
+                      <a:tailEnd type="none" w="med" len="med"/>
+                    </a:lnR>
+                    <a:lnT w="12700" cap="flat" cmpd="sng" algn="ctr">
+                      <a:solidFill>
+                        <a:schemeClr val="accent3"/>
+                      </a:solidFill>
+                      <a:prstDash val="solid"/>
+                      <a:round/>
+                      <a:headEnd type="none" w="med" len="med"/>
+                      <a:tailEnd type="none" w="med" len="med"/>
+                    </a:lnT>
+                    <a:lnB w="9525" cap="flat" cmpd="sng" algn="ctr">
+                      <a:solidFill>
+                        <a:schemeClr val="accent5"/>
+                      </a:solidFill>
+                      <a:prstDash val="solid"/>
+                      <a:round/>
+                      <a:headEnd type="none" w="med" len="med"/>
+                      <a:tailEnd type="none" w="med" len="med"/>
+                    </a:lnB>
+                    <a:lnTlToBr w="12700" cmpd="sng">
+                      <a:noFill/>
+                      <a:prstDash val="solid"/>
+                    </a:lnTlToBr>
+                    <a:lnBlToTr w="12700" cmpd="sng">
+                      <a:noFill/>
+                      <a:prstDash val="solid"/>
+                    </a:lnBlToTr>
+                  </a:tcPr>
+                </a:tc>
+                <a:extLst>
+                  <a:ext uri="{0D108BD9-81ED-4DB2-BD59-A6C34878D82A}">
+                    <a16:rowId xmlns:a16="http://schemas.microsoft.com/office/drawing/2014/main" val="3075515598"/>
+                  </a:ext>
+                </a:extLst>
+              </a:tr>
+              <a:tr h="900000">
+                <a:tc>
+                  <a:txBody>
+                    <a:bodyPr/>
+                    <a:lstStyle/>
+                    <a:p>
+                      <a:r>
+                        <a:rPr lang="en-IE" sz="1000" b="1" dirty="0">
+                          <a:solidFill>
+                            <a:schemeClr val="accent1"/>
+                          </a:solidFill>
+                          <a:latin typeface="Segoe UI" panose="020B0502040204020203" pitchFamily="34" charset="0"/>
+                          <a:cs typeface="Segoe UI" panose="020B0502040204020203" pitchFamily="34" charset="0"/>
+                        </a:rPr>
+                        <a:t>proc transpose </a:t>
+                      </a:r>
+                      <a:r>
+                        <a:rPr lang="en-IE" sz="1000" b="0" dirty="0">
+                          <a:solidFill>
+                            <a:schemeClr val="accent4"/>
+                          </a:solidFill>
+                          <a:latin typeface="Segoe UI" panose="020B0502040204020203" pitchFamily="34" charset="0"/>
+                          <a:cs typeface="Segoe UI" panose="020B0502040204020203" pitchFamily="34" charset="0"/>
+                        </a:rPr>
+                        <a:t>data=</a:t>
+                      </a:r>
+                      <a:r>
+                        <a:rPr lang="en-IE" sz="1000" b="0" dirty="0" err="1">
+                          <a:solidFill>
+                            <a:schemeClr val="accent4"/>
+                          </a:solidFill>
+                          <a:latin typeface="Segoe UI" panose="020B0502040204020203" pitchFamily="34" charset="0"/>
+                          <a:cs typeface="Segoe UI" panose="020B0502040204020203" pitchFamily="34" charset="0"/>
+                        </a:rPr>
+                        <a:t>long_data</a:t>
+                      </a:r>
+                      <a:r>
+                        <a:rPr lang="en-IE" sz="1000" b="0" dirty="0">
+                          <a:solidFill>
+                            <a:schemeClr val="accent4"/>
+                          </a:solidFill>
+                          <a:latin typeface="Segoe UI" panose="020B0502040204020203" pitchFamily="34" charset="0"/>
+                          <a:cs typeface="Segoe UI" panose="020B0502040204020203" pitchFamily="34" charset="0"/>
+                        </a:rPr>
+                        <a:t> out=</a:t>
+                      </a:r>
+                      <a:r>
+                        <a:rPr lang="en-IE" sz="1000" b="0" dirty="0" err="1">
+                          <a:solidFill>
+                            <a:schemeClr val="accent4"/>
+                          </a:solidFill>
+                          <a:latin typeface="Segoe UI" panose="020B0502040204020203" pitchFamily="34" charset="0"/>
+                          <a:cs typeface="Segoe UI" panose="020B0502040204020203" pitchFamily="34" charset="0"/>
+                        </a:rPr>
+                        <a:t>wide_data</a:t>
+                      </a:r>
+                      <a:r>
+                        <a:rPr lang="en-IE" sz="1000" b="0" dirty="0">
+                          <a:solidFill>
+                            <a:schemeClr val="accent4"/>
+                          </a:solidFill>
+                          <a:latin typeface="Segoe UI" panose="020B0502040204020203" pitchFamily="34" charset="0"/>
+                          <a:cs typeface="Segoe UI" panose="020B0502040204020203" pitchFamily="34" charset="0"/>
+                        </a:rPr>
+                        <a:t>;</a:t>
+                      </a:r>
+                    </a:p>
+                    <a:p>
+                      <a:r>
+                        <a:rPr lang="en-IE" sz="1000" b="1" dirty="0">
+                          <a:solidFill>
+                            <a:schemeClr val="accent1"/>
+                          </a:solidFill>
+                          <a:latin typeface="Segoe UI" panose="020B0502040204020203" pitchFamily="34" charset="0"/>
+                          <a:cs typeface="Segoe UI" panose="020B0502040204020203" pitchFamily="34" charset="0"/>
+                        </a:rPr>
+                        <a:t>  by </a:t>
+                      </a:r>
+                      <a:r>
+                        <a:rPr lang="en-IE" sz="1000" b="0" dirty="0">
+                          <a:solidFill>
+                            <a:schemeClr val="accent2"/>
+                          </a:solidFill>
+                          <a:latin typeface="Segoe UI" panose="020B0502040204020203" pitchFamily="34" charset="0"/>
+                          <a:cs typeface="Segoe UI" panose="020B0502040204020203" pitchFamily="34" charset="0"/>
+                        </a:rPr>
+                        <a:t>student   </a:t>
+                      </a:r>
+                      <a:r>
+                        <a:rPr lang="en-IE" sz="1000" b="1" dirty="0">
+                          <a:solidFill>
+                            <a:schemeClr val="accent1"/>
+                          </a:solidFill>
+                          <a:latin typeface="Segoe UI" panose="020B0502040204020203" pitchFamily="34" charset="0"/>
+                          <a:cs typeface="Segoe UI" panose="020B0502040204020203" pitchFamily="34" charset="0"/>
+                        </a:rPr>
+                        <a:t>;</a:t>
+                      </a:r>
+                    </a:p>
+                    <a:p>
+                      <a:r>
+                        <a:rPr lang="en-IE" sz="1000" b="1" dirty="0">
+                          <a:solidFill>
+                            <a:schemeClr val="accent1"/>
+                          </a:solidFill>
+                          <a:latin typeface="Segoe UI" panose="020B0502040204020203" pitchFamily="34" charset="0"/>
+                          <a:cs typeface="Segoe UI" panose="020B0502040204020203" pitchFamily="34" charset="0"/>
+                        </a:rPr>
+                        <a:t>  id </a:t>
+                      </a:r>
+                      <a:r>
+                        <a:rPr lang="en-IE" sz="1000" b="0" dirty="0">
+                          <a:solidFill>
+                            <a:schemeClr val="accent2"/>
+                          </a:solidFill>
+                          <a:latin typeface="Segoe UI" panose="020B0502040204020203" pitchFamily="34" charset="0"/>
+                          <a:cs typeface="Segoe UI" panose="020B0502040204020203" pitchFamily="34" charset="0"/>
+                        </a:rPr>
+                        <a:t>subject </a:t>
+                      </a:r>
+                      <a:r>
+                        <a:rPr lang="en-IE" sz="1000" b="1" dirty="0">
+                          <a:solidFill>
+                            <a:schemeClr val="accent1"/>
+                          </a:solidFill>
+                          <a:latin typeface="Segoe UI" panose="020B0502040204020203" pitchFamily="34" charset="0"/>
+                          <a:cs typeface="Segoe UI" panose="020B0502040204020203" pitchFamily="34" charset="0"/>
+                        </a:rPr>
+                        <a:t>;</a:t>
+                      </a:r>
+                    </a:p>
+                    <a:p>
+                      <a:r>
+                        <a:rPr lang="en-IE" sz="1000" b="1" dirty="0">
+                          <a:solidFill>
+                            <a:schemeClr val="accent1"/>
+                          </a:solidFill>
+                          <a:latin typeface="Segoe UI" panose="020B0502040204020203" pitchFamily="34" charset="0"/>
+                          <a:cs typeface="Segoe UI" panose="020B0502040204020203" pitchFamily="34" charset="0"/>
+                        </a:rPr>
+                        <a:t>  var </a:t>
+                      </a:r>
+                      <a:r>
+                        <a:rPr lang="en-IE" sz="1000" b="0" dirty="0">
+                          <a:solidFill>
+                            <a:schemeClr val="accent2"/>
+                          </a:solidFill>
+                          <a:latin typeface="Segoe UI" panose="020B0502040204020203" pitchFamily="34" charset="0"/>
+                          <a:cs typeface="Segoe UI" panose="020B0502040204020203" pitchFamily="34" charset="0"/>
+                        </a:rPr>
+                        <a:t>grade </a:t>
+                      </a:r>
+                      <a:r>
+                        <a:rPr lang="en-IE" sz="1000" b="1" dirty="0">
+                          <a:solidFill>
+                            <a:schemeClr val="accent1"/>
+                          </a:solidFill>
+                          <a:latin typeface="Segoe UI" panose="020B0502040204020203" pitchFamily="34" charset="0"/>
+                          <a:cs typeface="Segoe UI" panose="020B0502040204020203" pitchFamily="34" charset="0"/>
+                        </a:rPr>
+                        <a:t>;</a:t>
+                      </a:r>
+                    </a:p>
+                    <a:p>
+                      <a:r>
+                        <a:rPr lang="en-IE" sz="1000" b="0" dirty="0">
+                          <a:solidFill>
+                            <a:schemeClr val="accent4"/>
+                          </a:solidFill>
+                          <a:latin typeface="Segoe UI" panose="020B0502040204020203" pitchFamily="34" charset="0"/>
+                          <a:cs typeface="Segoe UI" panose="020B0502040204020203" pitchFamily="34" charset="0"/>
+                        </a:rPr>
+                        <a:t>run;</a:t>
+                      </a:r>
+                    </a:p>
+                  </a:txBody>
+                  <a:tcPr marL="0" marR="0" marT="82800" marB="82800">
+                    <a:lnL w="9525" cap="flat" cmpd="sng" algn="ctr">
+                      <a:noFill/>
+                      <a:prstDash val="solid"/>
+                      <a:round/>
+                      <a:headEnd type="none" w="med" len="med"/>
+                      <a:tailEnd type="none" w="med" len="med"/>
+                    </a:lnL>
+                    <a:lnR w="9525" cap="flat" cmpd="sng" algn="ctr">
+                      <a:noFill/>
+                      <a:prstDash val="solid"/>
+                      <a:round/>
+                      <a:headEnd type="none" w="med" len="med"/>
+                      <a:tailEnd type="none" w="med" len="med"/>
+                    </a:lnR>
+                    <a:lnT w="9525" cap="flat" cmpd="sng" algn="ctr">
+                      <a:solidFill>
+                        <a:schemeClr val="bg1"/>
+                      </a:solidFill>
+                      <a:prstDash val="solid"/>
+                      <a:round/>
+                      <a:headEnd type="none" w="med" len="med"/>
+                      <a:tailEnd type="none" w="med" len="med"/>
+                    </a:lnT>
+                    <a:lnB w="9525" cap="flat" cmpd="sng" algn="ctr">
+                      <a:solidFill>
+                        <a:schemeClr val="accent5"/>
+                      </a:solidFill>
+                      <a:prstDash val="solid"/>
+                      <a:round/>
+                      <a:headEnd type="none" w="med" len="med"/>
+                      <a:tailEnd type="none" w="med" len="med"/>
+                    </a:lnB>
+                    <a:lnTlToBr w="12700" cmpd="sng">
+                      <a:noFill/>
+                      <a:prstDash val="solid"/>
+                    </a:lnTlToBr>
+                    <a:lnBlToTr w="12700" cmpd="sng">
+                      <a:noFill/>
+                      <a:prstDash val="solid"/>
+                    </a:lnBlToTr>
+                  </a:tcPr>
+                </a:tc>
+                <a:tc>
+                  <a:txBody>
+                    <a:bodyPr/>
+                    <a:lstStyle/>
+                    <a:p>
+                      <a:r>
+                        <a:rPr lang="en-IE" sz="1000" b="0" dirty="0" err="1">
+                          <a:solidFill>
+                            <a:schemeClr val="accent4"/>
+                          </a:solidFill>
+                          <a:latin typeface="Segoe UI" panose="020B0502040204020203" pitchFamily="34" charset="0"/>
+                          <a:cs typeface="Segoe UI" panose="020B0502040204020203" pitchFamily="34" charset="0"/>
+                        </a:rPr>
+                        <a:t>wide_data</a:t>
+                      </a:r>
+                      <a:r>
+                        <a:rPr lang="en-IE" sz="1000" b="0" dirty="0">
+                          <a:solidFill>
+                            <a:schemeClr val="accent4"/>
+                          </a:solidFill>
+                          <a:latin typeface="Segoe UI" panose="020B0502040204020203" pitchFamily="34" charset="0"/>
+                          <a:cs typeface="Segoe UI" panose="020B0502040204020203" pitchFamily="34" charset="0"/>
+                        </a:rPr>
+                        <a:t> </a:t>
+                      </a:r>
+                      <a:r>
+                        <a:rPr lang="en-IE" sz="1000" b="1" dirty="0">
+                          <a:solidFill>
+                            <a:schemeClr val="accent4"/>
+                          </a:solidFill>
+                          <a:latin typeface="Segoe UI" panose="020B0502040204020203" pitchFamily="34" charset="0"/>
+                          <a:cs typeface="Segoe UI" panose="020B0502040204020203" pitchFamily="34" charset="0"/>
+                        </a:rPr>
+                        <a:t>&lt;-</a:t>
+                      </a:r>
+                      <a:r>
+                        <a:rPr lang="en-IE" sz="1000" b="0" dirty="0">
+                          <a:solidFill>
+                            <a:schemeClr val="accent4"/>
+                          </a:solidFill>
+                          <a:latin typeface="Segoe UI" panose="020B0502040204020203" pitchFamily="34" charset="0"/>
+                          <a:cs typeface="Segoe UI" panose="020B0502040204020203" pitchFamily="34" charset="0"/>
+                        </a:rPr>
+                        <a:t> </a:t>
+                      </a:r>
+                      <a:r>
+                        <a:rPr lang="en-IE" sz="1000" b="0" dirty="0" err="1">
+                          <a:solidFill>
+                            <a:schemeClr val="accent4"/>
+                          </a:solidFill>
+                          <a:latin typeface="Segoe UI" panose="020B0502040204020203" pitchFamily="34" charset="0"/>
+                          <a:cs typeface="Segoe UI" panose="020B0502040204020203" pitchFamily="34" charset="0"/>
+                        </a:rPr>
+                        <a:t>long_data</a:t>
+                      </a:r>
+                      <a:r>
+                        <a:rPr lang="en-IE" sz="1000" b="0" dirty="0">
+                          <a:solidFill>
+                            <a:schemeClr val="accent4"/>
+                          </a:solidFill>
+                          <a:latin typeface="Segoe UI" panose="020B0502040204020203" pitchFamily="34" charset="0"/>
+                          <a:cs typeface="Segoe UI" panose="020B0502040204020203" pitchFamily="34" charset="0"/>
+                        </a:rPr>
+                        <a:t> %&gt;%</a:t>
+                      </a:r>
+                    </a:p>
+                    <a:p>
+                      <a:r>
+                        <a:rPr lang="en-IE" sz="1000" b="0" dirty="0">
+                          <a:solidFill>
+                            <a:schemeClr val="accent4"/>
+                          </a:solidFill>
+                          <a:latin typeface="Segoe UI" panose="020B0502040204020203" pitchFamily="34" charset="0"/>
+                          <a:cs typeface="Segoe UI" panose="020B0502040204020203" pitchFamily="34" charset="0"/>
+                        </a:rPr>
+                        <a:t>  </a:t>
+                      </a:r>
+                      <a:r>
+                        <a:rPr lang="en-IE" sz="1000" b="1" dirty="0" err="1">
+                          <a:solidFill>
+                            <a:schemeClr val="accent1"/>
+                          </a:solidFill>
+                          <a:latin typeface="Segoe UI" panose="020B0502040204020203" pitchFamily="34" charset="0"/>
+                          <a:cs typeface="Segoe UI" panose="020B0502040204020203" pitchFamily="34" charset="0"/>
+                        </a:rPr>
+                        <a:t>pivot_wider</a:t>
+                      </a:r>
+                      <a:r>
+                        <a:rPr lang="en-IE" sz="1000" b="1" dirty="0">
+                          <a:solidFill>
+                            <a:schemeClr val="accent1"/>
+                          </a:solidFill>
+                          <a:latin typeface="Segoe UI" panose="020B0502040204020203" pitchFamily="34" charset="0"/>
+                          <a:cs typeface="Segoe UI" panose="020B0502040204020203" pitchFamily="34" charset="0"/>
+                        </a:rPr>
+                        <a:t>(</a:t>
+                      </a:r>
+                      <a:r>
+                        <a:rPr lang="en-IE" sz="1000" b="1" dirty="0" err="1">
+                          <a:solidFill>
+                            <a:schemeClr val="accent1"/>
+                          </a:solidFill>
+                          <a:latin typeface="Segoe UI" panose="020B0502040204020203" pitchFamily="34" charset="0"/>
+                          <a:cs typeface="Segoe UI" panose="020B0502040204020203" pitchFamily="34" charset="0"/>
+                        </a:rPr>
+                        <a:t>names_from</a:t>
+                      </a:r>
+                      <a:r>
+                        <a:rPr lang="en-IE" sz="1000" b="1" dirty="0">
+                          <a:solidFill>
+                            <a:schemeClr val="accent1"/>
+                          </a:solidFill>
+                          <a:latin typeface="Segoe UI" panose="020B0502040204020203" pitchFamily="34" charset="0"/>
+                          <a:cs typeface="Segoe UI" panose="020B0502040204020203" pitchFamily="34" charset="0"/>
+                        </a:rPr>
+                        <a:t> = </a:t>
+                      </a:r>
+                      <a:r>
+                        <a:rPr lang="en-IE" sz="1000" b="0" dirty="0">
+                          <a:solidFill>
+                            <a:schemeClr val="accent2"/>
+                          </a:solidFill>
+                          <a:latin typeface="Segoe UI" panose="020B0502040204020203" pitchFamily="34" charset="0"/>
+                          <a:cs typeface="Segoe UI" panose="020B0502040204020203" pitchFamily="34" charset="0"/>
+                        </a:rPr>
+                        <a:t>subject</a:t>
+                      </a:r>
+                      <a:r>
+                        <a:rPr lang="en-IE" sz="1000" b="1" dirty="0">
+                          <a:solidFill>
+                            <a:schemeClr val="accent1"/>
+                          </a:solidFill>
+                          <a:latin typeface="Segoe UI" panose="020B0502040204020203" pitchFamily="34" charset="0"/>
+                          <a:cs typeface="Segoe UI" panose="020B0502040204020203" pitchFamily="34" charset="0"/>
+                        </a:rPr>
+                        <a:t> , </a:t>
+                      </a:r>
+                      <a:r>
+                        <a:rPr lang="en-IE" sz="1000" b="1" dirty="0" err="1">
+                          <a:solidFill>
+                            <a:schemeClr val="accent1"/>
+                          </a:solidFill>
+                          <a:latin typeface="Segoe UI" panose="020B0502040204020203" pitchFamily="34" charset="0"/>
+                          <a:cs typeface="Segoe UI" panose="020B0502040204020203" pitchFamily="34" charset="0"/>
+                        </a:rPr>
+                        <a:t>values_from</a:t>
+                      </a:r>
+                      <a:r>
+                        <a:rPr lang="en-IE" sz="1000" b="1" dirty="0">
+                          <a:solidFill>
+                            <a:schemeClr val="accent1"/>
+                          </a:solidFill>
+                          <a:latin typeface="Segoe UI" panose="020B0502040204020203" pitchFamily="34" charset="0"/>
+                          <a:cs typeface="Segoe UI" panose="020B0502040204020203" pitchFamily="34" charset="0"/>
+                        </a:rPr>
+                        <a:t> = </a:t>
+                      </a:r>
+                      <a:r>
+                        <a:rPr lang="en-IE" sz="1000" b="0" dirty="0">
+                          <a:solidFill>
+                            <a:schemeClr val="accent2"/>
+                          </a:solidFill>
+                          <a:latin typeface="Segoe UI" panose="020B0502040204020203" pitchFamily="34" charset="0"/>
+                          <a:cs typeface="Segoe UI" panose="020B0502040204020203" pitchFamily="34" charset="0"/>
+                        </a:rPr>
+                        <a:t>grade</a:t>
+                      </a:r>
+                      <a:r>
+                        <a:rPr lang="en-IE" sz="1000" b="1" dirty="0">
+                          <a:solidFill>
+                            <a:schemeClr val="accent1"/>
+                          </a:solidFill>
+                          <a:latin typeface="Segoe UI" panose="020B0502040204020203" pitchFamily="34" charset="0"/>
+                          <a:cs typeface="Segoe UI" panose="020B0502040204020203" pitchFamily="34" charset="0"/>
+                        </a:rPr>
+                        <a:t>)</a:t>
+                      </a:r>
+                    </a:p>
+                  </a:txBody>
+                  <a:tcPr marL="0" marR="0" marT="82800" marB="82800">
+                    <a:lnL w="9525" cap="flat" cmpd="sng" algn="ctr">
+                      <a:noFill/>
+                      <a:prstDash val="solid"/>
+                      <a:round/>
+                      <a:headEnd type="none" w="med" len="med"/>
+                      <a:tailEnd type="none" w="med" len="med"/>
+                    </a:lnL>
+                    <a:lnR w="9525" cap="flat" cmpd="sng" algn="ctr">
+                      <a:noFill/>
+                      <a:prstDash val="solid"/>
+                      <a:round/>
+                      <a:headEnd type="none" w="med" len="med"/>
+                      <a:tailEnd type="none" w="med" len="med"/>
+                    </a:lnR>
+                    <a:lnT w="9525" cap="flat" cmpd="sng" algn="ctr">
+                      <a:solidFill>
+                        <a:schemeClr val="bg1"/>
+                      </a:solidFill>
+                      <a:prstDash val="solid"/>
+                      <a:round/>
+                      <a:headEnd type="none" w="med" len="med"/>
+                      <a:tailEnd type="none" w="med" len="med"/>
+                    </a:lnT>
+                    <a:lnB w="9525" cap="flat" cmpd="sng" algn="ctr">
+                      <a:solidFill>
+                        <a:schemeClr val="accent5"/>
+                      </a:solidFill>
+                      <a:prstDash val="solid"/>
+                      <a:round/>
+                      <a:headEnd type="none" w="med" len="med"/>
+                      <a:tailEnd type="none" w="med" len="med"/>
+                    </a:lnB>
+                    <a:lnTlToBr w="12700" cmpd="sng">
+                      <a:noFill/>
+                      <a:prstDash val="solid"/>
+                    </a:lnTlToBr>
+                    <a:lnBlToTr w="12700" cmpd="sng">
+                      <a:noFill/>
+                      <a:prstDash val="solid"/>
+                    </a:lnBlToTr>
+                  </a:tcPr>
+                </a:tc>
+                <a:extLst>
+                  <a:ext uri="{0D108BD9-81ED-4DB2-BD59-A6C34878D82A}">
+                    <a16:rowId xmlns:a16="http://schemas.microsoft.com/office/drawing/2014/main" val="4073832218"/>
+                  </a:ext>
+                </a:extLst>
+              </a:tr>
+              <a:tr h="864000">
+                <a:tc>
+                  <a:txBody>
+                    <a:bodyPr/>
+                    <a:lstStyle/>
+                    <a:p>
+                      <a:r>
+                        <a:rPr lang="en-IE" sz="1000" b="1" dirty="0">
+                          <a:solidFill>
+                            <a:schemeClr val="accent1"/>
+                          </a:solidFill>
+                          <a:latin typeface="Segoe UI" panose="020B0502040204020203" pitchFamily="34" charset="0"/>
+                          <a:cs typeface="Segoe UI" panose="020B0502040204020203" pitchFamily="34" charset="0"/>
+                        </a:rPr>
+                        <a:t>proc transpose </a:t>
+                      </a:r>
+                      <a:r>
+                        <a:rPr lang="en-IE" sz="1000" b="0" dirty="0">
+                          <a:solidFill>
+                            <a:schemeClr val="accent4"/>
+                          </a:solidFill>
+                          <a:latin typeface="Segoe UI" panose="020B0502040204020203" pitchFamily="34" charset="0"/>
+                          <a:cs typeface="Segoe UI" panose="020B0502040204020203" pitchFamily="34" charset="0"/>
+                        </a:rPr>
+                        <a:t>data=</a:t>
+                      </a:r>
+                      <a:r>
+                        <a:rPr lang="en-IE" sz="1000" b="0" dirty="0" err="1">
+                          <a:solidFill>
+                            <a:schemeClr val="accent4"/>
+                          </a:solidFill>
+                          <a:latin typeface="Segoe UI" panose="020B0502040204020203" pitchFamily="34" charset="0"/>
+                          <a:cs typeface="Segoe UI" panose="020B0502040204020203" pitchFamily="34" charset="0"/>
+                        </a:rPr>
+                        <a:t>wide_data</a:t>
+                      </a:r>
+                      <a:r>
+                        <a:rPr lang="en-IE" sz="1000" b="0" dirty="0">
+                          <a:solidFill>
+                            <a:schemeClr val="accent4"/>
+                          </a:solidFill>
+                          <a:latin typeface="Segoe UI" panose="020B0502040204020203" pitchFamily="34" charset="0"/>
+                          <a:cs typeface="Segoe UI" panose="020B0502040204020203" pitchFamily="34" charset="0"/>
+                        </a:rPr>
+                        <a:t>   </a:t>
+                      </a:r>
+                    </a:p>
+                    <a:p>
+                      <a:r>
+                        <a:rPr lang="en-IE" sz="1000" b="0" dirty="0">
+                          <a:solidFill>
+                            <a:schemeClr val="accent4"/>
+                          </a:solidFill>
+                          <a:latin typeface="Segoe UI" panose="020B0502040204020203" pitchFamily="34" charset="0"/>
+                          <a:cs typeface="Segoe UI" panose="020B0502040204020203" pitchFamily="34" charset="0"/>
+                        </a:rPr>
+                        <a:t>  out=</a:t>
+                      </a:r>
+                      <a:r>
+                        <a:rPr lang="en-IE" sz="1000" b="0" dirty="0" err="1">
+                          <a:solidFill>
+                            <a:schemeClr val="accent4"/>
+                          </a:solidFill>
+                          <a:latin typeface="Segoe UI" panose="020B0502040204020203" pitchFamily="34" charset="0"/>
+                          <a:cs typeface="Segoe UI" panose="020B0502040204020203" pitchFamily="34" charset="0"/>
+                        </a:rPr>
+                        <a:t>long_data</a:t>
+                      </a:r>
+                      <a:r>
+                        <a:rPr lang="en-IE" sz="1000" b="1" dirty="0">
+                          <a:solidFill>
+                            <a:schemeClr val="accent1"/>
+                          </a:solidFill>
+                          <a:latin typeface="Segoe UI" panose="020B0502040204020203" pitchFamily="34" charset="0"/>
+                          <a:cs typeface="Segoe UI" panose="020B0502040204020203" pitchFamily="34" charset="0"/>
+                        </a:rPr>
+                        <a:t>(rename=(</a:t>
+                      </a:r>
+                      <a:r>
+                        <a:rPr lang="en-IE" sz="1000" b="0" dirty="0">
+                          <a:solidFill>
+                            <a:schemeClr val="accent4"/>
+                          </a:solidFill>
+                          <a:latin typeface="Segoe UI" panose="020B0502040204020203" pitchFamily="34" charset="0"/>
+                          <a:cs typeface="Segoe UI" panose="020B0502040204020203" pitchFamily="34" charset="0"/>
+                        </a:rPr>
+                        <a:t>col1</a:t>
+                      </a:r>
+                      <a:r>
+                        <a:rPr lang="en-IE" sz="1000" b="1" dirty="0">
+                          <a:solidFill>
+                            <a:schemeClr val="accent1"/>
+                          </a:solidFill>
+                          <a:latin typeface="Segoe UI" panose="020B0502040204020203" pitchFamily="34" charset="0"/>
+                          <a:cs typeface="Segoe UI" panose="020B0502040204020203" pitchFamily="34" charset="0"/>
+                        </a:rPr>
+                        <a:t>=</a:t>
+                      </a:r>
+                      <a:r>
+                        <a:rPr lang="en-IE" sz="1000" b="0" dirty="0">
+                          <a:solidFill>
+                            <a:schemeClr val="accent2"/>
+                          </a:solidFill>
+                          <a:latin typeface="Segoe UI" panose="020B0502040204020203" pitchFamily="34" charset="0"/>
+                          <a:cs typeface="Segoe UI" panose="020B0502040204020203" pitchFamily="34" charset="0"/>
+                        </a:rPr>
+                        <a:t>grade</a:t>
+                      </a:r>
+                      <a:r>
+                        <a:rPr lang="en-IE" sz="1000" b="1" dirty="0">
+                          <a:solidFill>
+                            <a:schemeClr val="accent1"/>
+                          </a:solidFill>
+                          <a:latin typeface="Segoe UI" panose="020B0502040204020203" pitchFamily="34" charset="0"/>
+                          <a:cs typeface="Segoe UI" panose="020B0502040204020203" pitchFamily="34" charset="0"/>
+                        </a:rPr>
+                        <a:t>)) name=</a:t>
+                      </a:r>
+                      <a:r>
+                        <a:rPr lang="en-IE" sz="1000" b="0" dirty="0">
+                          <a:solidFill>
+                            <a:schemeClr val="accent2"/>
+                          </a:solidFill>
+                          <a:latin typeface="Segoe UI" panose="020B0502040204020203" pitchFamily="34" charset="0"/>
+                          <a:cs typeface="Segoe UI" panose="020B0502040204020203" pitchFamily="34" charset="0"/>
+                        </a:rPr>
+                        <a:t>subject</a:t>
+                      </a:r>
+                      <a:r>
+                        <a:rPr lang="en-IE" sz="1000" b="1" dirty="0">
+                          <a:solidFill>
+                            <a:schemeClr val="accent1"/>
+                          </a:solidFill>
+                          <a:latin typeface="Segoe UI" panose="020B0502040204020203" pitchFamily="34" charset="0"/>
+                          <a:cs typeface="Segoe UI" panose="020B0502040204020203" pitchFamily="34" charset="0"/>
+                        </a:rPr>
+                        <a:t>;</a:t>
+                      </a:r>
+                    </a:p>
+                    <a:p>
+                      <a:r>
+                        <a:rPr lang="en-IE" sz="1000" b="1" dirty="0">
+                          <a:solidFill>
+                            <a:schemeClr val="accent1"/>
+                          </a:solidFill>
+                          <a:latin typeface="Segoe UI" panose="020B0502040204020203" pitchFamily="34" charset="0"/>
+                          <a:cs typeface="Segoe UI" panose="020B0502040204020203" pitchFamily="34" charset="0"/>
+                        </a:rPr>
+                        <a:t>  by student ;</a:t>
+                      </a:r>
+                    </a:p>
+                    <a:p>
+                      <a:r>
+                        <a:rPr lang="en-IE" sz="1000" b="1" dirty="0">
+                          <a:solidFill>
+                            <a:schemeClr val="accent1"/>
+                          </a:solidFill>
+                          <a:latin typeface="Segoe UI" panose="020B0502040204020203" pitchFamily="34" charset="0"/>
+                          <a:cs typeface="Segoe UI" panose="020B0502040204020203" pitchFamily="34" charset="0"/>
+                        </a:rPr>
+                        <a:t>  var </a:t>
+                      </a:r>
+                      <a:r>
+                        <a:rPr lang="en-IE" sz="1000" b="0" dirty="0">
+                          <a:solidFill>
+                            <a:schemeClr val="accent2"/>
+                          </a:solidFill>
+                          <a:latin typeface="Segoe UI" panose="020B0502040204020203" pitchFamily="34" charset="0"/>
+                          <a:cs typeface="Segoe UI" panose="020B0502040204020203" pitchFamily="34" charset="0"/>
+                        </a:rPr>
+                        <a:t>English Irish Maths</a:t>
+                      </a:r>
+                      <a:r>
+                        <a:rPr lang="en-IE" sz="1000" b="1" dirty="0">
+                          <a:solidFill>
+                            <a:schemeClr val="accent1"/>
+                          </a:solidFill>
+                          <a:latin typeface="Segoe UI" panose="020B0502040204020203" pitchFamily="34" charset="0"/>
+                          <a:cs typeface="Segoe UI" panose="020B0502040204020203" pitchFamily="34" charset="0"/>
+                        </a:rPr>
+                        <a:t>;</a:t>
+                      </a:r>
+                    </a:p>
+                    <a:p>
+                      <a:r>
+                        <a:rPr lang="en-IE" sz="1000" b="0" dirty="0">
                           <a:solidFill>
                             <a:schemeClr val="accent4"/>
                           </a:solidFill>
@@ -21820,9 +22604,9 @@
                       <a:headEnd type="none" w="med" len="med"/>
                       <a:tailEnd type="none" w="med" len="med"/>
                     </a:lnT>
-                    <a:lnB w="9525" cap="flat" cmpd="sng" algn="ctr">
+                    <a:lnB w="12700" cap="flat" cmpd="sng" algn="ctr">
                       <a:solidFill>
-                        <a:schemeClr val="accent5"/>
+                        <a:schemeClr val="accent3"/>
                       </a:solidFill>
                       <a:prstDash val="solid"/>
                       <a:round/>
@@ -21845,37 +22629,57 @@
                     <a:lstStyle/>
                     <a:p>
                       <a:r>
-                        <a:rPr lang="en-IE" sz="1000" b="0" err="1">
-                          <a:solidFill>
-                            <a:schemeClr val="accent4"/>
-                          </a:solidFill>
-                          <a:latin typeface="Segoe UI" panose="020B0502040204020203" pitchFamily="34" charset="0"/>
-                          <a:cs typeface="Segoe UI" panose="020B0502040204020203" pitchFamily="34" charset="0"/>
-                        </a:rPr>
-                        <a:t>new_data</a:t>
-                      </a:r>
-                      <a:r>
-                        <a:rPr lang="en-IE" sz="1000" b="0">
-                          <a:solidFill>
-                            <a:schemeClr val="accent4"/>
-                          </a:solidFill>
-                          <a:latin typeface="Segoe UI" panose="020B0502040204020203" pitchFamily="34" charset="0"/>
-                          <a:cs typeface="Segoe UI" panose="020B0502040204020203" pitchFamily="34" charset="0"/>
-                        </a:rPr>
-                        <a:t> &lt;- </a:t>
-                      </a:r>
-                      <a:r>
-                        <a:rPr lang="en-IE" sz="1000" b="0" err="1">
-                          <a:solidFill>
-                            <a:schemeClr val="accent4"/>
-                          </a:solidFill>
-                          <a:latin typeface="Segoe UI" panose="020B0502040204020203" pitchFamily="34" charset="0"/>
-                          <a:cs typeface="Segoe UI" panose="020B0502040204020203" pitchFamily="34" charset="0"/>
-                        </a:rPr>
-                        <a:t>old_data</a:t>
-                      </a:r>
-                      <a:r>
-                        <a:rPr lang="en-IE" sz="1000" b="0">
+                        <a:rPr lang="en-IE" sz="1000" b="0" dirty="0" err="1">
+                          <a:solidFill>
+                            <a:schemeClr val="accent4"/>
+                          </a:solidFill>
+                          <a:latin typeface="Segoe UI" panose="020B0502040204020203" pitchFamily="34" charset="0"/>
+                          <a:cs typeface="Segoe UI" panose="020B0502040204020203" pitchFamily="34" charset="0"/>
+                        </a:rPr>
+                        <a:t>long_data</a:t>
+                      </a:r>
+                      <a:r>
+                        <a:rPr lang="en-IE" sz="1000" b="0" dirty="0">
+                          <a:solidFill>
+                            <a:schemeClr val="accent4"/>
+                          </a:solidFill>
+                          <a:latin typeface="Segoe UI" panose="020B0502040204020203" pitchFamily="34" charset="0"/>
+                          <a:cs typeface="Segoe UI" panose="020B0502040204020203" pitchFamily="34" charset="0"/>
+                        </a:rPr>
+                        <a:t> </a:t>
+                      </a:r>
+                      <a:r>
+                        <a:rPr lang="en-IE" sz="1000" b="1" dirty="0">
+                          <a:solidFill>
+                            <a:schemeClr val="accent4"/>
+                          </a:solidFill>
+                          <a:latin typeface="Segoe UI" panose="020B0502040204020203" pitchFamily="34" charset="0"/>
+                          <a:cs typeface="Segoe UI" panose="020B0502040204020203" pitchFamily="34" charset="0"/>
+                        </a:rPr>
+                        <a:t>&lt;-</a:t>
+                      </a:r>
+                      <a:r>
+                        <a:rPr lang="en-IE" sz="1000" b="0" dirty="0">
+                          <a:solidFill>
+                            <a:schemeClr val="accent4"/>
+                          </a:solidFill>
+                          <a:latin typeface="Segoe UI" panose="020B0502040204020203" pitchFamily="34" charset="0"/>
+                          <a:cs typeface="Segoe UI" panose="020B0502040204020203" pitchFamily="34" charset="0"/>
+                        </a:rPr>
+                        <a:t> </a:t>
+                      </a:r>
+                      <a:r>
+                        <a:rPr lang="en-IE" sz="1000" b="0" dirty="0" err="1">
+                          <a:solidFill>
+                            <a:schemeClr val="accent4"/>
+                          </a:solidFill>
+                          <a:latin typeface="Segoe UI" panose="020B0502040204020203" pitchFamily="34" charset="0"/>
+                          <a:cs typeface="Segoe UI" panose="020B0502040204020203" pitchFamily="34" charset="0"/>
+                        </a:rPr>
+                        <a:t>wide_data</a:t>
+                      </a:r>
+                      <a:r>
+                        <a:rPr lang="en-IE" sz="1000" b="0" dirty="0">
                           <a:solidFill>
                             <a:schemeClr val="accent4"/>
                           </a:solidFill>
@@ -21887,195 +22691,214 @@
                     </a:p>
                     <a:p>
                       <a:r>
-                        <a:rPr lang="en-IE" sz="1000" b="0">
-                          <a:solidFill>
-                            <a:schemeClr val="accent4"/>
-                          </a:solidFill>
-                          <a:latin typeface="Segoe UI" panose="020B0502040204020203" pitchFamily="34" charset="0"/>
-                          <a:cs typeface="Segoe UI" panose="020B0502040204020203" pitchFamily="34" charset="0"/>
-                        </a:rPr>
-                        <a:t>  mutate(</a:t>
-                      </a:r>
-                      <a:r>
-                        <a:rPr lang="en-IE" sz="1000" b="1">
-                          <a:solidFill>
-                            <a:schemeClr val="accent1"/>
-                          </a:solidFill>
-                          <a:latin typeface="Segoe UI" panose="020B0502040204020203" pitchFamily="34" charset="0"/>
-                          <a:cs typeface="Segoe UI" panose="020B0502040204020203" pitchFamily="34" charset="0"/>
-                        </a:rPr>
-                        <a:t> </a:t>
-                      </a:r>
-                      <a:r>
-                        <a:rPr lang="en-IE" sz="1000" b="0" err="1">
+                        <a:rPr lang="en-IE" sz="1000" b="0" dirty="0">
+                          <a:solidFill>
+                            <a:schemeClr val="accent4"/>
+                          </a:solidFill>
+                          <a:latin typeface="Segoe UI" panose="020B0502040204020203" pitchFamily="34" charset="0"/>
+                          <a:cs typeface="Segoe UI" panose="020B0502040204020203" pitchFamily="34" charset="0"/>
+                        </a:rPr>
+                        <a:t>  </a:t>
+                      </a:r>
+                      <a:r>
+                        <a:rPr lang="en-IE" sz="1000" b="1" dirty="0" err="1">
+                          <a:solidFill>
+                            <a:schemeClr val="accent1"/>
+                          </a:solidFill>
+                          <a:latin typeface="Segoe UI" panose="020B0502040204020203" pitchFamily="34" charset="0"/>
+                          <a:cs typeface="Segoe UI" panose="020B0502040204020203" pitchFamily="34" charset="0"/>
+                        </a:rPr>
+                        <a:t>pivot_longer</a:t>
+                      </a:r>
+                      <a:r>
+                        <a:rPr lang="en-IE" sz="1000" b="1" dirty="0">
+                          <a:solidFill>
+                            <a:schemeClr val="accent1"/>
+                          </a:solidFill>
+                          <a:latin typeface="Segoe UI" panose="020B0502040204020203" pitchFamily="34" charset="0"/>
+                          <a:cs typeface="Segoe UI" panose="020B0502040204020203" pitchFamily="34" charset="0"/>
+                        </a:rPr>
+                        <a:t>(</a:t>
+                      </a:r>
+                      <a:r>
+                        <a:rPr lang="en-IE" sz="1000" b="0" dirty="0">
+                          <a:solidFill>
+                            <a:schemeClr val="accent4"/>
+                          </a:solidFill>
+                          <a:latin typeface="Segoe UI" panose="020B0502040204020203" pitchFamily="34" charset="0"/>
+                          <a:cs typeface="Segoe UI" panose="020B0502040204020203" pitchFamily="34" charset="0"/>
+                        </a:rPr>
+                        <a:t>c(</a:t>
+                      </a:r>
+                      <a:r>
+                        <a:rPr lang="en-IE" sz="1000" b="0" dirty="0">
                           <a:solidFill>
                             <a:schemeClr val="accent2"/>
                           </a:solidFill>
                           <a:latin typeface="Segoe UI" panose="020B0502040204020203" pitchFamily="34" charset="0"/>
                           <a:cs typeface="Segoe UI" panose="020B0502040204020203" pitchFamily="34" charset="0"/>
                         </a:rPr>
-                        <a:t>full_name</a:t>
-                      </a:r>
-                      <a:r>
-                        <a:rPr lang="en-IE" sz="1000" b="0">
+                        <a:t>English</a:t>
+                      </a:r>
+                      <a:r>
+                        <a:rPr lang="en-IE" sz="1000" b="0" dirty="0">
+                          <a:solidFill>
+                            <a:schemeClr val="accent4"/>
+                          </a:solidFill>
+                          <a:latin typeface="Segoe UI" panose="020B0502040204020203" pitchFamily="34" charset="0"/>
+                          <a:cs typeface="Segoe UI" panose="020B0502040204020203" pitchFamily="34" charset="0"/>
+                        </a:rPr>
+                        <a:t>, </a:t>
+                      </a:r>
+                      <a:r>
+                        <a:rPr lang="en-IE" sz="1000" b="0" dirty="0">
                           <a:solidFill>
                             <a:schemeClr val="accent2"/>
                           </a:solidFill>
                           <a:latin typeface="Segoe UI" panose="020B0502040204020203" pitchFamily="34" charset="0"/>
                           <a:cs typeface="Segoe UI" panose="020B0502040204020203" pitchFamily="34" charset="0"/>
                         </a:rPr>
-                        <a:t> </a:t>
-                      </a:r>
-                      <a:r>
-                        <a:rPr lang="en-IE" sz="1000" b="1">
-                          <a:solidFill>
-                            <a:schemeClr val="accent1"/>
-                          </a:solidFill>
-                          <a:latin typeface="Segoe UI" panose="020B0502040204020203" pitchFamily="34" charset="0"/>
-                          <a:cs typeface="Segoe UI" panose="020B0502040204020203" pitchFamily="34" charset="0"/>
-                        </a:rPr>
-                        <a:t>= </a:t>
-                      </a:r>
-                      <a:r>
-                        <a:rPr lang="en-IE" sz="1000" b="1" err="1">
-                          <a:solidFill>
-                            <a:schemeClr val="accent1"/>
-                          </a:solidFill>
-                          <a:latin typeface="Segoe UI" panose="020B0502040204020203" pitchFamily="34" charset="0"/>
-                          <a:cs typeface="Segoe UI" panose="020B0502040204020203" pitchFamily="34" charset="0"/>
-                        </a:rPr>
-                        <a:t>str_c</a:t>
-                      </a:r>
-                      <a:r>
-                        <a:rPr lang="en-IE" sz="1000" b="1">
-                          <a:solidFill>
-                            <a:schemeClr val="accent1"/>
-                          </a:solidFill>
-                          <a:latin typeface="Segoe UI" panose="020B0502040204020203" pitchFamily="34" charset="0"/>
-                          <a:cs typeface="Segoe UI" panose="020B0502040204020203" pitchFamily="34" charset="0"/>
-                        </a:rPr>
-                        <a:t>( </a:t>
-                      </a:r>
-                      <a:r>
-                        <a:rPr lang="en-IE" sz="1000" b="0" err="1">
+                        <a:t>Irish</a:t>
+                      </a:r>
+                      <a:r>
+                        <a:rPr lang="en-IE" sz="1000" b="0" dirty="0">
+                          <a:solidFill>
+                            <a:schemeClr val="accent4"/>
+                          </a:solidFill>
+                          <a:latin typeface="Segoe UI" panose="020B0502040204020203" pitchFamily="34" charset="0"/>
+                          <a:cs typeface="Segoe UI" panose="020B0502040204020203" pitchFamily="34" charset="0"/>
+                        </a:rPr>
+                        <a:t>, </a:t>
+                      </a:r>
+                      <a:r>
+                        <a:rPr lang="en-IE" sz="1000" b="0" dirty="0">
                           <a:solidFill>
                             <a:schemeClr val="accent2"/>
                           </a:solidFill>
                           <a:latin typeface="Segoe UI" panose="020B0502040204020203" pitchFamily="34" charset="0"/>
                           <a:cs typeface="Segoe UI" panose="020B0502040204020203" pitchFamily="34" charset="0"/>
                         </a:rPr>
-                        <a:t>first_name</a:t>
-                      </a:r>
-                      <a:r>
-                        <a:rPr lang="en-IE" sz="1000" b="0">
+                        <a:t>Maths</a:t>
+                      </a:r>
+                      <a:r>
+                        <a:rPr lang="en-IE" sz="1000" b="0" dirty="0">
+                          <a:solidFill>
+                            <a:schemeClr val="accent4"/>
+                          </a:solidFill>
+                          <a:latin typeface="Segoe UI" panose="020B0502040204020203" pitchFamily="34" charset="0"/>
+                          <a:cs typeface="Segoe UI" panose="020B0502040204020203" pitchFamily="34" charset="0"/>
+                        </a:rPr>
+                        <a:t>) </a:t>
+                      </a:r>
+                      <a:r>
+                        <a:rPr lang="en-IE" sz="1000" b="1" dirty="0">
+                          <a:solidFill>
+                            <a:schemeClr val="accent1"/>
+                          </a:solidFill>
+                          <a:latin typeface="Segoe UI" panose="020B0502040204020203" pitchFamily="34" charset="0"/>
+                          <a:cs typeface="Segoe UI" panose="020B0502040204020203" pitchFamily="34" charset="0"/>
+                        </a:rPr>
+                        <a:t>, </a:t>
+                      </a:r>
+                    </a:p>
+                    <a:p>
+                      <a:r>
+                        <a:rPr lang="en-IE" sz="1000" b="1" dirty="0">
+                          <a:solidFill>
+                            <a:schemeClr val="accent1"/>
+                          </a:solidFill>
+                          <a:latin typeface="Segoe UI" panose="020B0502040204020203" pitchFamily="34" charset="0"/>
+                          <a:cs typeface="Segoe UI" panose="020B0502040204020203" pitchFamily="34" charset="0"/>
+                        </a:rPr>
+                        <a:t>    </a:t>
+                      </a:r>
+                      <a:r>
+                        <a:rPr lang="en-IE" sz="1000" b="1" dirty="0" err="1">
+                          <a:solidFill>
+                            <a:schemeClr val="accent1"/>
+                          </a:solidFill>
+                          <a:latin typeface="Segoe UI" panose="020B0502040204020203" pitchFamily="34" charset="0"/>
+                          <a:cs typeface="Segoe UI" panose="020B0502040204020203" pitchFamily="34" charset="0"/>
+                        </a:rPr>
+                        <a:t>names_to</a:t>
+                      </a:r>
+                      <a:r>
+                        <a:rPr lang="en-IE" sz="1000" b="1" dirty="0">
+                          <a:solidFill>
+                            <a:schemeClr val="accent1"/>
+                          </a:solidFill>
+                          <a:latin typeface="Segoe UI" panose="020B0502040204020203" pitchFamily="34" charset="0"/>
+                          <a:cs typeface="Segoe UI" panose="020B0502040204020203" pitchFamily="34" charset="0"/>
+                        </a:rPr>
+                        <a:t> = "</a:t>
+                      </a:r>
+                      <a:r>
+                        <a:rPr lang="en-IE" sz="1000" b="0" dirty="0">
                           <a:solidFill>
                             <a:schemeClr val="accent2"/>
                           </a:solidFill>
                           <a:latin typeface="Segoe UI" panose="020B0502040204020203" pitchFamily="34" charset="0"/>
                           <a:cs typeface="Segoe UI" panose="020B0502040204020203" pitchFamily="34" charset="0"/>
                         </a:rPr>
-                        <a:t> </a:t>
-                      </a:r>
-                      <a:r>
-                        <a:rPr lang="en-IE" sz="1000" b="1">
-                          <a:solidFill>
-                            <a:schemeClr val="accent1"/>
-                          </a:solidFill>
-                          <a:latin typeface="Segoe UI" panose="020B0502040204020203" pitchFamily="34" charset="0"/>
-                          <a:cs typeface="Segoe UI" panose="020B0502040204020203" pitchFamily="34" charset="0"/>
-                        </a:rPr>
-                        <a:t>, </a:t>
-                      </a:r>
-                      <a:r>
-                        <a:rPr lang="en-IE" sz="1000" b="0">
+                        <a:t>subject</a:t>
+                      </a:r>
+                      <a:r>
+                        <a:rPr lang="en-IE" sz="1000" b="1" dirty="0">
+                          <a:solidFill>
+                            <a:schemeClr val="accent1"/>
+                          </a:solidFill>
+                          <a:latin typeface="Segoe UI" panose="020B0502040204020203" pitchFamily="34" charset="0"/>
+                          <a:cs typeface="Segoe UI" panose="020B0502040204020203" pitchFamily="34" charset="0"/>
+                        </a:rPr>
+                        <a:t>", </a:t>
+                      </a:r>
+                      <a:r>
+                        <a:rPr lang="en-IE" sz="1000" b="1" dirty="0" err="1">
+                          <a:solidFill>
+                            <a:schemeClr val="accent1"/>
+                          </a:solidFill>
+                          <a:latin typeface="Segoe UI" panose="020B0502040204020203" pitchFamily="34" charset="0"/>
+                          <a:cs typeface="Segoe UI" panose="020B0502040204020203" pitchFamily="34" charset="0"/>
+                        </a:rPr>
+                        <a:t>values_to</a:t>
+                      </a:r>
+                      <a:r>
+                        <a:rPr lang="en-IE" sz="1000" b="1" dirty="0">
+                          <a:solidFill>
+                            <a:schemeClr val="accent1"/>
+                          </a:solidFill>
+                          <a:latin typeface="Segoe UI" panose="020B0502040204020203" pitchFamily="34" charset="0"/>
+                          <a:cs typeface="Segoe UI" panose="020B0502040204020203" pitchFamily="34" charset="0"/>
+                        </a:rPr>
+                        <a:t> = "</a:t>
+                      </a:r>
+                      <a:r>
+                        <a:rPr lang="en-IE" sz="1000" b="0" dirty="0">
                           <a:solidFill>
                             <a:schemeClr val="accent2"/>
                           </a:solidFill>
                           <a:latin typeface="Segoe UI" panose="020B0502040204020203" pitchFamily="34" charset="0"/>
                           <a:cs typeface="Segoe UI" panose="020B0502040204020203" pitchFamily="34" charset="0"/>
                         </a:rPr>
-                        <a:t>surname</a:t>
-                      </a:r>
-                      <a:r>
-                        <a:rPr lang="en-IE" sz="1000" b="1">
-                          <a:solidFill>
-                            <a:schemeClr val="accent1"/>
-                          </a:solidFill>
-                          <a:latin typeface="Segoe UI" panose="020B0502040204020203" pitchFamily="34" charset="0"/>
-                          <a:cs typeface="Segoe UI" panose="020B0502040204020203" pitchFamily="34" charset="0"/>
-                        </a:rPr>
-                        <a:t> , </a:t>
-                      </a:r>
-                      <a:r>
-                        <a:rPr lang="en-IE" sz="1000" b="1" err="1">
-                          <a:solidFill>
-                            <a:schemeClr val="accent1"/>
-                          </a:solidFill>
-                          <a:latin typeface="Segoe UI" panose="020B0502040204020203" pitchFamily="34" charset="0"/>
-                          <a:cs typeface="Segoe UI" panose="020B0502040204020203" pitchFamily="34" charset="0"/>
-                        </a:rPr>
-                        <a:t>sep</a:t>
-                      </a:r>
-                      <a:r>
-                        <a:rPr lang="en-IE" sz="1000" b="1">
-                          <a:solidFill>
-                            <a:schemeClr val="accent1"/>
-                          </a:solidFill>
-                          <a:latin typeface="Segoe UI" panose="020B0502040204020203" pitchFamily="34" charset="0"/>
-                          <a:cs typeface="Segoe UI" panose="020B0502040204020203" pitchFamily="34" charset="0"/>
-                        </a:rPr>
-                        <a:t> = </a:t>
-                      </a:r>
-                      <a:r>
-                        <a:rPr lang="en-US" sz="1000" b="1">
-                          <a:solidFill>
-                            <a:schemeClr val="accent1"/>
-                          </a:solidFill>
-                          <a:latin typeface="Segoe UI" panose="020B0502040204020203" pitchFamily="34" charset="0"/>
-                          <a:cs typeface="Segoe UI" panose="020B0502040204020203" pitchFamily="34" charset="0"/>
-                        </a:rPr>
-                        <a:t>"</a:t>
-                      </a:r>
-                      <a:r>
-                        <a:rPr lang="en-IE" sz="1000" b="1">
-                          <a:solidFill>
-                            <a:schemeClr val="accent1"/>
-                          </a:solidFill>
-                          <a:latin typeface="Segoe UI" panose="020B0502040204020203" pitchFamily="34" charset="0"/>
-                          <a:cs typeface="Segoe UI" panose="020B0502040204020203" pitchFamily="34" charset="0"/>
-                        </a:rPr>
-                        <a:t> </a:t>
-                      </a:r>
-                      <a:r>
-                        <a:rPr lang="en-US" sz="1000" b="1">
-                          <a:solidFill>
-                            <a:schemeClr val="accent1"/>
-                          </a:solidFill>
-                          <a:latin typeface="Segoe UI" panose="020B0502040204020203" pitchFamily="34" charset="0"/>
-                          <a:cs typeface="Segoe UI" panose="020B0502040204020203" pitchFamily="34" charset="0"/>
-                        </a:rPr>
-                        <a:t>"</a:t>
-                      </a:r>
-                      <a:r>
-                        <a:rPr lang="en-IE" sz="1000" b="1">
-                          <a:solidFill>
-                            <a:schemeClr val="accent1"/>
-                          </a:solidFill>
-                          <a:latin typeface="Segoe UI" panose="020B0502040204020203" pitchFamily="34" charset="0"/>
-                          <a:cs typeface="Segoe UI" panose="020B0502040204020203" pitchFamily="34" charset="0"/>
-                        </a:rPr>
-                        <a:t> )</a:t>
-                      </a:r>
-                      <a:r>
-                        <a:rPr lang="en-IE" sz="1000" b="0">
-                          <a:solidFill>
-                            <a:schemeClr val="accent4"/>
-                          </a:solidFill>
-                          <a:latin typeface="Segoe UI" panose="020B0502040204020203" pitchFamily="34" charset="0"/>
-                          <a:cs typeface="Segoe UI" panose="020B0502040204020203" pitchFamily="34" charset="0"/>
-                        </a:rPr>
-                        <a:t>)</a:t>
-                      </a:r>
+                        <a:t>grade</a:t>
+                      </a:r>
+                      <a:r>
+                        <a:rPr lang="en-IE" sz="1000" b="1" dirty="0">
+                          <a:solidFill>
+                            <a:schemeClr val="accent1"/>
+                          </a:solidFill>
+                          <a:latin typeface="Segoe UI" panose="020B0502040204020203" pitchFamily="34" charset="0"/>
+                          <a:cs typeface="Segoe UI" panose="020B0502040204020203" pitchFamily="34" charset="0"/>
+                        </a:rPr>
+                        <a:t>")</a:t>
+                      </a:r>
+                      <a:endParaRPr lang="en-IE" sz="1000" b="0" dirty="0">
+                        <a:solidFill>
+                          <a:schemeClr val="accent4"/>
+                        </a:solidFill>
+                        <a:latin typeface="Segoe UI" panose="020B0502040204020203" pitchFamily="34" charset="0"/>
+                        <a:cs typeface="Segoe UI" panose="020B0502040204020203" pitchFamily="34" charset="0"/>
+                      </a:endParaRPr>
                     </a:p>
                   </a:txBody>
                   <a:tcPr marL="0" marR="0" marT="82800" marB="82800">
@@ -22102,9 +22925,9 @@
                       <a:headEnd type="none" w="med" len="med"/>
                       <a:tailEnd type="none" w="med" len="med"/>
                     </a:lnT>
-                    <a:lnB w="9525" cap="flat" cmpd="sng" algn="ctr">
+                    <a:lnB w="12700" cap="flat" cmpd="sng" algn="ctr">
                       <a:solidFill>
-                        <a:schemeClr val="accent5"/>
+                        <a:schemeClr val="accent3"/>
                       </a:solidFill>
                       <a:prstDash val="solid"/>
                       <a:round/>
@@ -22123,195 +22946,43 @@
                 </a:tc>
                 <a:extLst>
                   <a:ext uri="{0D108BD9-81ED-4DB2-BD59-A6C34878D82A}">
-                    <a16:rowId xmlns:a16="http://schemas.microsoft.com/office/drawing/2014/main" val="1363067543"/>
+                    <a16:rowId xmlns:a16="http://schemas.microsoft.com/office/drawing/2014/main" val="4018310325"/>
                   </a:ext>
                 </a:extLst>
               </a:tr>
-              <a:tr h="773457">
+              <a:tr h="474012">
                 <a:tc>
                   <a:txBody>
                     <a:bodyPr/>
                     <a:lstStyle/>
                     <a:p>
                       <a:r>
-                        <a:rPr lang="en-IE" sz="1000" b="0">
-                          <a:solidFill>
-                            <a:schemeClr val="accent4"/>
-                          </a:solidFill>
-                          <a:latin typeface="Segoe UI" panose="020B0502040204020203" pitchFamily="34" charset="0"/>
-                          <a:cs typeface="Segoe UI" panose="020B0502040204020203" pitchFamily="34" charset="0"/>
-                        </a:rPr>
-                        <a:t>data </a:t>
-                      </a:r>
-                      <a:r>
-                        <a:rPr lang="en-IE" sz="1000" b="0" err="1">
-                          <a:solidFill>
-                            <a:schemeClr val="accent4"/>
-                          </a:solidFill>
-                          <a:latin typeface="Segoe UI" panose="020B0502040204020203" pitchFamily="34" charset="0"/>
-                          <a:cs typeface="Segoe UI" panose="020B0502040204020203" pitchFamily="34" charset="0"/>
-                        </a:rPr>
-                        <a:t>new_data</a:t>
-                      </a:r>
-                      <a:r>
-                        <a:rPr lang="en-IE" sz="1000" b="0">
-                          <a:solidFill>
-                            <a:schemeClr val="accent4"/>
-                          </a:solidFill>
-                          <a:latin typeface="Segoe UI" panose="020B0502040204020203" pitchFamily="34" charset="0"/>
-                          <a:cs typeface="Segoe UI" panose="020B0502040204020203" pitchFamily="34" charset="0"/>
-                        </a:rPr>
-                        <a:t>;</a:t>
-                      </a:r>
-                    </a:p>
-                    <a:p>
-                      <a:r>
-                        <a:rPr lang="en-IE" sz="1000" b="0">
-                          <a:solidFill>
-                            <a:schemeClr val="accent4"/>
-                          </a:solidFill>
-                          <a:latin typeface="Segoe UI" panose="020B0502040204020203" pitchFamily="34" charset="0"/>
-                          <a:cs typeface="Segoe UI" panose="020B0502040204020203" pitchFamily="34" charset="0"/>
-                        </a:rPr>
-                        <a:t>  set </a:t>
-                      </a:r>
-                      <a:r>
-                        <a:rPr lang="en-IE" sz="1000" b="0" err="1">
-                          <a:solidFill>
-                            <a:schemeClr val="accent4"/>
-                          </a:solidFill>
-                          <a:latin typeface="Segoe UI" panose="020B0502040204020203" pitchFamily="34" charset="0"/>
-                          <a:cs typeface="Segoe UI" panose="020B0502040204020203" pitchFamily="34" charset="0"/>
-                        </a:rPr>
-                        <a:t>old_data</a:t>
-                      </a:r>
-                      <a:r>
-                        <a:rPr lang="en-IE" sz="1000" b="0">
-                          <a:solidFill>
-                            <a:schemeClr val="accent4"/>
-                          </a:solidFill>
-                          <a:latin typeface="Segoe UI" panose="020B0502040204020203" pitchFamily="34" charset="0"/>
-                          <a:cs typeface="Segoe UI" panose="020B0502040204020203" pitchFamily="34" charset="0"/>
-                        </a:rPr>
-                        <a:t>;</a:t>
-                      </a:r>
-                    </a:p>
-                    <a:p>
-                      <a:r>
-                        <a:rPr lang="en-IE" sz="1000" b="0">
-                          <a:solidFill>
-                            <a:schemeClr val="accent4"/>
-                          </a:solidFill>
-                          <a:latin typeface="Segoe UI" panose="020B0502040204020203" pitchFamily="34" charset="0"/>
-                          <a:cs typeface="Segoe UI" panose="020B0502040204020203" pitchFamily="34" charset="0"/>
-                        </a:rPr>
-                        <a:t>  </a:t>
-                      </a:r>
-                      <a:r>
-                        <a:rPr lang="en-IE" sz="1000" b="0" err="1">
-                          <a:solidFill>
-                            <a:schemeClr val="accent2"/>
-                          </a:solidFill>
-                          <a:latin typeface="Segoe UI" panose="020B0502040204020203" pitchFamily="34" charset="0"/>
-                          <a:cs typeface="Segoe UI" panose="020B0502040204020203" pitchFamily="34" charset="0"/>
-                        </a:rPr>
-                        <a:t>first_word</a:t>
-                      </a:r>
-                      <a:r>
-                        <a:rPr lang="en-IE" sz="1000" b="0">
-                          <a:solidFill>
-                            <a:schemeClr val="accent2"/>
-                          </a:solidFill>
-                          <a:latin typeface="Segoe UI" panose="020B0502040204020203" pitchFamily="34" charset="0"/>
-                          <a:cs typeface="Segoe UI" panose="020B0502040204020203" pitchFamily="34" charset="0"/>
-                        </a:rPr>
-                        <a:t> </a:t>
-                      </a:r>
-                      <a:r>
-                        <a:rPr lang="en-IE" sz="1000" b="0">
-                          <a:solidFill>
-                            <a:schemeClr val="accent4"/>
-                          </a:solidFill>
-                          <a:latin typeface="Segoe UI" panose="020B0502040204020203" pitchFamily="34" charset="0"/>
-                          <a:cs typeface="Segoe UI" panose="020B0502040204020203" pitchFamily="34" charset="0"/>
-                        </a:rPr>
-                        <a:t>=</a:t>
-                      </a:r>
-                      <a:r>
-                        <a:rPr lang="en-IE" sz="1000" b="1">
-                          <a:solidFill>
-                            <a:schemeClr val="accent1"/>
-                          </a:solidFill>
-                          <a:latin typeface="Segoe UI" panose="020B0502040204020203" pitchFamily="34" charset="0"/>
-                          <a:cs typeface="Segoe UI" panose="020B0502040204020203" pitchFamily="34" charset="0"/>
-                        </a:rPr>
-                        <a:t> scan( </a:t>
-                      </a:r>
-                      <a:r>
-                        <a:rPr lang="en-IE" sz="1000" b="0">
-                          <a:solidFill>
-                            <a:schemeClr val="accent2"/>
-                          </a:solidFill>
-                          <a:latin typeface="Segoe UI" panose="020B0502040204020203" pitchFamily="34" charset="0"/>
-                          <a:cs typeface="Segoe UI" panose="020B0502040204020203" pitchFamily="34" charset="0"/>
-                        </a:rPr>
-                        <a:t>sentence</a:t>
-                      </a:r>
-                      <a:r>
-                        <a:rPr lang="en-IE" sz="1000" b="1">
-                          <a:solidFill>
-                            <a:schemeClr val="accent1"/>
-                          </a:solidFill>
-                          <a:latin typeface="Segoe UI" panose="020B0502040204020203" pitchFamily="34" charset="0"/>
-                          <a:cs typeface="Segoe UI" panose="020B0502040204020203" pitchFamily="34" charset="0"/>
-                        </a:rPr>
-                        <a:t> , </a:t>
-                      </a:r>
-                      <a:r>
-                        <a:rPr lang="en-IE" sz="1000" b="0">
-                          <a:solidFill>
-                            <a:schemeClr val="accent1"/>
-                          </a:solidFill>
-                          <a:latin typeface="Segoe UI" panose="020B0502040204020203" pitchFamily="34" charset="0"/>
-                          <a:cs typeface="Segoe UI" panose="020B0502040204020203" pitchFamily="34" charset="0"/>
-                        </a:rPr>
-                        <a:t>1</a:t>
-                      </a:r>
-                      <a:r>
-                        <a:rPr lang="en-IE" sz="1000" b="1">
-                          <a:solidFill>
-                            <a:schemeClr val="accent1"/>
-                          </a:solidFill>
-                          <a:latin typeface="Segoe UI" panose="020B0502040204020203" pitchFamily="34" charset="0"/>
-                          <a:cs typeface="Segoe UI" panose="020B0502040204020203" pitchFamily="34" charset="0"/>
-                        </a:rPr>
-                        <a:t> )</a:t>
-                      </a:r>
-                      <a:r>
-                        <a:rPr lang="en-IE" sz="1000" b="0">
-                          <a:solidFill>
-                            <a:schemeClr val="accent4"/>
-                          </a:solidFill>
-                          <a:latin typeface="Segoe UI" panose="020B0502040204020203" pitchFamily="34" charset="0"/>
-                          <a:cs typeface="Segoe UI" panose="020B0502040204020203" pitchFamily="34" charset="0"/>
-                        </a:rPr>
-                        <a:t>;</a:t>
-                      </a:r>
-                    </a:p>
-                    <a:p>
-                      <a:r>
-                        <a:rPr lang="en-IE" sz="1000" b="0">
-                          <a:solidFill>
-                            <a:schemeClr val="accent4"/>
-                          </a:solidFill>
-                          <a:latin typeface="Segoe UI" panose="020B0502040204020203" pitchFamily="34" charset="0"/>
-                          <a:cs typeface="Segoe UI" panose="020B0502040204020203" pitchFamily="34" charset="0"/>
-                        </a:rPr>
-                        <a:t>run;</a:t>
-                      </a:r>
+                        <a:rPr kumimoji="0" lang="en-IE" sz="1700" b="0" i="0" u="none" strike="noStrike" kern="1200" cap="none" spc="0" normalizeH="0" baseline="0" noProof="0" dirty="0">
+                          <a:ln>
+                            <a:noFill/>
+                          </a:ln>
+                          <a:solidFill>
+                            <a:srgbClr val="5B6670"/>
+                          </a:solidFill>
+                          <a:effectLst/>
+                          <a:uLnTx/>
+                          <a:uFillTx/>
+                          <a:latin typeface="Segoe UI" panose="020B0502040204020203" pitchFamily="34" charset="0"/>
+                          <a:ea typeface="+mn-ea"/>
+                          <a:cs typeface="Segoe UI" panose="020B0502040204020203" pitchFamily="34" charset="0"/>
+                        </a:rPr>
+                        <a:t>File operations</a:t>
+                      </a:r>
+                      <a:endParaRPr lang="en-IE" sz="1000" b="0" dirty="0">
+                        <a:solidFill>
+                          <a:schemeClr val="accent4"/>
+                        </a:solidFill>
+                        <a:latin typeface="Segoe UI" panose="020B0502040204020203" pitchFamily="34" charset="0"/>
+                        <a:cs typeface="Segoe UI" panose="020B0502040204020203" pitchFamily="34" charset="0"/>
+                      </a:endParaRPr>
                     </a:p>
                   </a:txBody>
-                  <a:tcPr marL="0" marR="0" marT="82800" marB="82800">
+                  <a:tcPr marL="0" marR="0" marT="108000" marB="108000">
                     <a:lnL w="9525" cap="flat" cmpd="sng" algn="ctr">
                       <a:noFill/>
                       <a:prstDash val="solid"/>
@@ -22326,10 +22997,160 @@
                       <a:headEnd type="none" w="med" len="med"/>
                       <a:tailEnd type="none" w="med" len="med"/>
                     </a:lnR>
+                    <a:lnT w="12700" cap="flat" cmpd="sng" algn="ctr">
+                      <a:solidFill>
+                        <a:schemeClr val="accent3"/>
+                      </a:solidFill>
+                      <a:prstDash val="solid"/>
+                      <a:round/>
+                      <a:headEnd type="none" w="med" len="med"/>
+                      <a:tailEnd type="none" w="med" len="med"/>
+                    </a:lnT>
+                    <a:lnB w="9525" cap="flat" cmpd="sng" algn="ctr">
+                      <a:noFill/>
+                      <a:prstDash val="solid"/>
+                      <a:round/>
+                      <a:headEnd type="none" w="med" len="med"/>
+                      <a:tailEnd type="none" w="med" len="med"/>
+                    </a:lnB>
+                    <a:lnTlToBr w="12700" cmpd="sng">
+                      <a:noFill/>
+                      <a:prstDash val="solid"/>
+                    </a:lnTlToBr>
+                    <a:lnBlToTr w="12700" cmpd="sng">
+                      <a:noFill/>
+                      <a:prstDash val="solid"/>
+                    </a:lnBlToTr>
+                  </a:tcPr>
+                </a:tc>
+                <a:tc>
+                  <a:txBody>
+                    <a:bodyPr/>
+                    <a:lstStyle/>
+                    <a:p>
+                      <a:endParaRPr lang="en-IE" sz="1000" b="0" dirty="0">
+                        <a:solidFill>
+                          <a:schemeClr val="accent4"/>
+                        </a:solidFill>
+                        <a:latin typeface="Segoe UI" panose="020B0502040204020203" pitchFamily="34" charset="0"/>
+                        <a:cs typeface="Segoe UI" panose="020B0502040204020203" pitchFamily="34" charset="0"/>
+                      </a:endParaRPr>
+                    </a:p>
+                  </a:txBody>
+                  <a:tcPr marL="0" marR="0" marT="76154" marB="50769">
+                    <a:lnL w="9525" cap="flat" cmpd="sng" algn="ctr">
+                      <a:noFill/>
+                      <a:prstDash val="solid"/>
+                      <a:round/>
+                      <a:headEnd type="none" w="med" len="med"/>
+                      <a:tailEnd type="none" w="med" len="med"/>
+                    </a:lnL>
+                    <a:lnR w="9525" cap="flat" cmpd="sng" algn="ctr">
+                      <a:noFill/>
+                      <a:prstDash val="solid"/>
+                      <a:round/>
+                      <a:headEnd type="none" w="med" len="med"/>
+                      <a:tailEnd type="none" w="med" len="med"/>
+                    </a:lnR>
+                    <a:lnT w="12700" cap="flat" cmpd="sng" algn="ctr">
+                      <a:solidFill>
+                        <a:schemeClr val="accent3"/>
+                      </a:solidFill>
+                      <a:prstDash val="solid"/>
+                      <a:round/>
+                      <a:headEnd type="none" w="med" len="med"/>
+                      <a:tailEnd type="none" w="med" len="med"/>
+                    </a:lnT>
+                    <a:lnB w="9525" cap="flat" cmpd="sng" algn="ctr">
+                      <a:noFill/>
+                      <a:prstDash val="solid"/>
+                      <a:round/>
+                      <a:headEnd type="none" w="med" len="med"/>
+                      <a:tailEnd type="none" w="med" len="med"/>
+                    </a:lnB>
+                    <a:lnTlToBr w="12700" cmpd="sng">
+                      <a:noFill/>
+                      <a:prstDash val="solid"/>
+                    </a:lnTlToBr>
+                    <a:lnBlToTr w="12700" cmpd="sng">
+                      <a:noFill/>
+                      <a:prstDash val="solid"/>
+                    </a:lnBlToTr>
+                  </a:tcPr>
+                </a:tc>
+                <a:extLst>
+                  <a:ext uri="{0D108BD9-81ED-4DB2-BD59-A6C34878D82A}">
+                    <a16:rowId xmlns:a16="http://schemas.microsoft.com/office/drawing/2014/main" val="1630377080"/>
+                  </a:ext>
+                </a:extLst>
+              </a:tr>
+              <a:tr h="458371">
+                <a:tc>
+                  <a:txBody>
+                    <a:bodyPr/>
+                    <a:lstStyle/>
+                    <a:p>
+                      <a:r>
+                        <a:rPr lang="en-IE" sz="1000" b="0">
+                          <a:solidFill>
+                            <a:schemeClr val="accent4"/>
+                          </a:solidFill>
+                          <a:latin typeface="Segoe UI" panose="020B0502040204020203" pitchFamily="34" charset="0"/>
+                          <a:cs typeface="Segoe UI" panose="020B0502040204020203" pitchFamily="34" charset="0"/>
+                        </a:rPr>
+                        <a:t>Operate in ‘Work’ library.</a:t>
+                      </a:r>
+                    </a:p>
+                    <a:p>
+                      <a:r>
+                        <a:rPr lang="en-IE" sz="1000" b="0">
+                          <a:solidFill>
+                            <a:schemeClr val="accent4"/>
+                          </a:solidFill>
+                          <a:latin typeface="Segoe UI" panose="020B0502040204020203" pitchFamily="34" charset="0"/>
+                          <a:cs typeface="Segoe UI" panose="020B0502040204020203" pitchFamily="34" charset="0"/>
+                        </a:rPr>
+                        <a:t>Use </a:t>
+                      </a:r>
+                      <a:r>
+                        <a:rPr lang="en-IE" sz="1000" b="1" err="1">
+                          <a:solidFill>
+                            <a:schemeClr val="accent1"/>
+                          </a:solidFill>
+                          <a:latin typeface="Segoe UI" panose="020B0502040204020203" pitchFamily="34" charset="0"/>
+                          <a:cs typeface="Segoe UI" panose="020B0502040204020203" pitchFamily="34" charset="0"/>
+                        </a:rPr>
+                        <a:t>libname</a:t>
+                      </a:r>
+                      <a:r>
+                        <a:rPr lang="en-IE" sz="1000" b="0">
+                          <a:solidFill>
+                            <a:schemeClr val="accent4"/>
+                          </a:solidFill>
+                          <a:latin typeface="Segoe UI" panose="020B0502040204020203" pitchFamily="34" charset="0"/>
+                          <a:cs typeface="Segoe UI" panose="020B0502040204020203" pitchFamily="34" charset="0"/>
+                        </a:rPr>
+                        <a:t> to define file locations</a:t>
+                      </a:r>
+                    </a:p>
+                  </a:txBody>
+                  <a:tcPr marL="0" marR="0" marT="86308" marB="0">
+                    <a:lnL w="9525" cap="flat" cmpd="sng" algn="ctr">
+                      <a:noFill/>
+                      <a:prstDash val="solid"/>
+                      <a:round/>
+                      <a:headEnd type="none" w="med" len="med"/>
+                      <a:tailEnd type="none" w="med" len="med"/>
+                    </a:lnL>
+                    <a:lnR w="9525" cap="flat" cmpd="sng" algn="ctr">
+                      <a:noFill/>
+                      <a:prstDash val="solid"/>
+                      <a:round/>
+                      <a:headEnd type="none" w="med" len="med"/>
+                      <a:tailEnd type="none" w="med" len="med"/>
+                    </a:lnR>
                     <a:lnT w="9525" cap="flat" cmpd="sng" algn="ctr">
-                      <a:solidFill>
-                        <a:schemeClr val="accent5"/>
-                      </a:solidFill>
+                      <a:noFill/>
                       <a:prstDash val="solid"/>
                       <a:round/>
                       <a:headEnd type="none" w="med" len="med"/>
@@ -22377,149 +23198,37 @@
                         <a:defRPr/>
                       </a:pPr>
                       <a:r>
-                        <a:rPr lang="en-IE" sz="1000" b="0" err="1">
-                          <a:solidFill>
-                            <a:schemeClr val="accent4"/>
-                          </a:solidFill>
-                          <a:latin typeface="Segoe UI" panose="020B0502040204020203" pitchFamily="34" charset="0"/>
-                          <a:cs typeface="Segoe UI" panose="020B0502040204020203" pitchFamily="34" charset="0"/>
-                        </a:rPr>
-                        <a:t>new_data</a:t>
-                      </a:r>
-                      <a:r>
-                        <a:rPr lang="en-IE" sz="1000" b="0">
-                          <a:solidFill>
-                            <a:schemeClr val="accent4"/>
-                          </a:solidFill>
-                          <a:latin typeface="Segoe UI" panose="020B0502040204020203" pitchFamily="34" charset="0"/>
-                          <a:cs typeface="Segoe UI" panose="020B0502040204020203" pitchFamily="34" charset="0"/>
-                        </a:rPr>
-                        <a:t> </a:t>
-                      </a:r>
-                      <a:r>
-                        <a:rPr lang="en-IE" sz="1000" b="1">
-                          <a:solidFill>
-                            <a:schemeClr val="accent4"/>
-                          </a:solidFill>
-                          <a:latin typeface="Segoe UI" panose="020B0502040204020203" pitchFamily="34" charset="0"/>
-                          <a:cs typeface="Segoe UI" panose="020B0502040204020203" pitchFamily="34" charset="0"/>
-                        </a:rPr>
-                        <a:t>&lt;-</a:t>
-                      </a:r>
-                      <a:r>
-                        <a:rPr lang="en-IE" sz="1000" b="0">
-                          <a:solidFill>
-                            <a:schemeClr val="accent4"/>
-                          </a:solidFill>
-                          <a:latin typeface="Segoe UI" panose="020B0502040204020203" pitchFamily="34" charset="0"/>
-                          <a:cs typeface="Segoe UI" panose="020B0502040204020203" pitchFamily="34" charset="0"/>
-                        </a:rPr>
-                        <a:t> </a:t>
-                      </a:r>
-                      <a:r>
-                        <a:rPr lang="en-IE" sz="1000" b="0" err="1">
-                          <a:solidFill>
-                            <a:schemeClr val="accent4"/>
-                          </a:solidFill>
-                          <a:latin typeface="Segoe UI" panose="020B0502040204020203" pitchFamily="34" charset="0"/>
-                          <a:cs typeface="Segoe UI" panose="020B0502040204020203" pitchFamily="34" charset="0"/>
-                        </a:rPr>
-                        <a:t>old_data</a:t>
-                      </a:r>
-                      <a:r>
-                        <a:rPr lang="en-IE" sz="1000" b="0">
-                          <a:solidFill>
-                            <a:schemeClr val="accent4"/>
-                          </a:solidFill>
-                          <a:latin typeface="Segoe UI" panose="020B0502040204020203" pitchFamily="34" charset="0"/>
-                          <a:cs typeface="Segoe UI" panose="020B0502040204020203" pitchFamily="34" charset="0"/>
-                        </a:rPr>
-                        <a:t> %&gt;%</a:t>
-                      </a:r>
-                    </a:p>
-                    <a:p>
-                      <a:r>
-                        <a:rPr lang="en-IE" sz="1000" b="0">
-                          <a:solidFill>
-                            <a:schemeClr val="accent4"/>
-                          </a:solidFill>
-                          <a:latin typeface="Segoe UI" panose="020B0502040204020203" pitchFamily="34" charset="0"/>
-                          <a:cs typeface="Segoe UI" panose="020B0502040204020203" pitchFamily="34" charset="0"/>
-                        </a:rPr>
-                        <a:t>  mutate( </a:t>
-                      </a:r>
-                      <a:r>
-                        <a:rPr lang="en-IE" sz="1000" b="0" err="1">
-                          <a:solidFill>
-                            <a:schemeClr val="accent2"/>
-                          </a:solidFill>
-                          <a:latin typeface="Segoe UI" panose="020B0502040204020203" pitchFamily="34" charset="0"/>
-                          <a:cs typeface="Segoe UI" panose="020B0502040204020203" pitchFamily="34" charset="0"/>
-                        </a:rPr>
-                        <a:t>first_word</a:t>
-                      </a:r>
-                      <a:r>
-                        <a:rPr lang="en-IE" sz="1000" b="0">
-                          <a:solidFill>
-                            <a:schemeClr val="accent2"/>
-                          </a:solidFill>
-                          <a:latin typeface="Segoe UI" panose="020B0502040204020203" pitchFamily="34" charset="0"/>
-                          <a:cs typeface="Segoe UI" panose="020B0502040204020203" pitchFamily="34" charset="0"/>
-                        </a:rPr>
-                        <a:t> </a:t>
-                      </a:r>
-                      <a:r>
-                        <a:rPr lang="en-IE" sz="1000" b="1">
-                          <a:solidFill>
-                            <a:schemeClr val="accent1"/>
-                          </a:solidFill>
-                          <a:latin typeface="Segoe UI" panose="020B0502040204020203" pitchFamily="34" charset="0"/>
-                          <a:cs typeface="Segoe UI" panose="020B0502040204020203" pitchFamily="34" charset="0"/>
-                        </a:rPr>
-                        <a:t>= word( </a:t>
-                      </a:r>
-                      <a:r>
-                        <a:rPr lang="en-IE" sz="1000" b="0">
-                          <a:solidFill>
-                            <a:schemeClr val="accent2"/>
-                          </a:solidFill>
-                          <a:latin typeface="Segoe UI" panose="020B0502040204020203" pitchFamily="34" charset="0"/>
-                          <a:cs typeface="Segoe UI" panose="020B0502040204020203" pitchFamily="34" charset="0"/>
-                        </a:rPr>
-                        <a:t>sentence</a:t>
-                      </a:r>
-                      <a:r>
-                        <a:rPr lang="en-IE" sz="1000" b="1">
-                          <a:solidFill>
-                            <a:schemeClr val="accent1"/>
-                          </a:solidFill>
-                          <a:latin typeface="Segoe UI" panose="020B0502040204020203" pitchFamily="34" charset="0"/>
-                          <a:cs typeface="Segoe UI" panose="020B0502040204020203" pitchFamily="34" charset="0"/>
-                        </a:rPr>
-                        <a:t> , </a:t>
-                      </a:r>
-                      <a:r>
-                        <a:rPr lang="en-IE" sz="1000" b="0">
-                          <a:solidFill>
-                            <a:schemeClr val="accent1"/>
-                          </a:solidFill>
-                          <a:latin typeface="Segoe UI" panose="020B0502040204020203" pitchFamily="34" charset="0"/>
-                          <a:cs typeface="Segoe UI" panose="020B0502040204020203" pitchFamily="34" charset="0"/>
-                        </a:rPr>
-                        <a:t>1</a:t>
-                      </a:r>
-                      <a:r>
-                        <a:rPr lang="en-IE" sz="1000" b="1">
-                          <a:solidFill>
-                            <a:schemeClr val="accent1"/>
-                          </a:solidFill>
-                          <a:latin typeface="Segoe UI" panose="020B0502040204020203" pitchFamily="34" charset="0"/>
-                          <a:cs typeface="Segoe UI" panose="020B0502040204020203" pitchFamily="34" charset="0"/>
-                        </a:rPr>
-                        <a:t> )</a:t>
-                      </a:r>
-                      <a:r>
-                        <a:rPr lang="en-IE" sz="1000" b="0">
+                        <a:rPr lang="en-IE" sz="1000" b="0" dirty="0">
+                          <a:solidFill>
+                            <a:schemeClr val="accent4"/>
+                          </a:solidFill>
+                          <a:latin typeface="Segoe UI" panose="020B0502040204020203" pitchFamily="34" charset="0"/>
+                          <a:cs typeface="Segoe UI" panose="020B0502040204020203" pitchFamily="34" charset="0"/>
+                        </a:rPr>
+                        <a:t>Operate in a particular ‘working directory’ (identify using </a:t>
+                      </a:r>
+                      <a:r>
+                        <a:rPr lang="en-IE" sz="1000" b="1" dirty="0" err="1">
+                          <a:solidFill>
+                            <a:schemeClr val="accent1"/>
+                          </a:solidFill>
+                          <a:latin typeface="Segoe UI" panose="020B0502040204020203" pitchFamily="34" charset="0"/>
+                          <a:cs typeface="Segoe UI" panose="020B0502040204020203" pitchFamily="34" charset="0"/>
+                        </a:rPr>
+                        <a:t>getwd</a:t>
+                      </a:r>
+                      <a:r>
+                        <a:rPr lang="en-IE" sz="1000" b="1" dirty="0">
+                          <a:solidFill>
+                            <a:schemeClr val="accent1"/>
+                          </a:solidFill>
+                          <a:latin typeface="Segoe UI" panose="020B0502040204020203" pitchFamily="34" charset="0"/>
+                          <a:cs typeface="Segoe UI" panose="020B0502040204020203" pitchFamily="34" charset="0"/>
+                        </a:rPr>
+                        <a:t>( ) </a:t>
+                      </a:r>
+                      <a:r>
+                        <a:rPr lang="en-IE" sz="1000" b="0" dirty="0">
                           <a:solidFill>
                             <a:schemeClr val="accent4"/>
                           </a:solidFill>
@@ -22529,314 +23238,6 @@
                         <a:t>)</a:t>
                       </a:r>
                     </a:p>
-                  </a:txBody>
-                  <a:tcPr marL="0" marR="0" marT="82800" marB="82800">
-                    <a:lnL w="9525" cap="flat" cmpd="sng" algn="ctr">
-                      <a:noFill/>
-                      <a:prstDash val="solid"/>
-                      <a:round/>
-                      <a:headEnd type="none" w="med" len="med"/>
-                      <a:tailEnd type="none" w="med" len="med"/>
-                    </a:lnL>
-                    <a:lnR w="9525" cap="flat" cmpd="sng" algn="ctr">
-                      <a:noFill/>
-                      <a:prstDash val="solid"/>
-                      <a:round/>
-                      <a:headEnd type="none" w="med" len="med"/>
-                      <a:tailEnd type="none" w="med" len="med"/>
-                    </a:lnR>
-                    <a:lnT w="9525" cap="flat" cmpd="sng" algn="ctr">
-                      <a:solidFill>
-                        <a:schemeClr val="accent5"/>
-                      </a:solidFill>
-                      <a:prstDash val="solid"/>
-                      <a:round/>
-                      <a:headEnd type="none" w="med" len="med"/>
-                      <a:tailEnd type="none" w="med" len="med"/>
-                    </a:lnT>
-                    <a:lnB w="9525" cap="flat" cmpd="sng" algn="ctr">
-                      <a:solidFill>
-                        <a:schemeClr val="accent5"/>
-                      </a:solidFill>
-                      <a:prstDash val="solid"/>
-                      <a:round/>
-                      <a:headEnd type="none" w="med" len="med"/>
-                      <a:tailEnd type="none" w="med" len="med"/>
-                    </a:lnB>
-                    <a:lnTlToBr w="12700" cmpd="sng">
-                      <a:noFill/>
-                      <a:prstDash val="solid"/>
-                    </a:lnTlToBr>
-                    <a:lnBlToTr w="12700" cmpd="sng">
-                      <a:noFill/>
-                      <a:prstDash val="solid"/>
-                    </a:lnBlToTr>
-                  </a:tcPr>
-                </a:tc>
-                <a:extLst>
-                  <a:ext uri="{0D108BD9-81ED-4DB2-BD59-A6C34878D82A}">
-                    <a16:rowId xmlns:a16="http://schemas.microsoft.com/office/drawing/2014/main" val="1553431796"/>
-                  </a:ext>
-                </a:extLst>
-              </a:tr>
-              <a:tr h="773457">
-                <a:tc>
-                  <a:txBody>
-                    <a:bodyPr/>
-                    <a:lstStyle/>
-                    <a:p>
-                      <a:r>
-                        <a:rPr lang="en-IE" sz="1000" b="0">
-                          <a:solidFill>
-                            <a:schemeClr val="accent4"/>
-                          </a:solidFill>
-                          <a:latin typeface="Segoe UI" panose="020B0502040204020203" pitchFamily="34" charset="0"/>
-                          <a:cs typeface="Segoe UI" panose="020B0502040204020203" pitchFamily="34" charset="0"/>
-                        </a:rPr>
-                        <a:t>data </a:t>
-                      </a:r>
-                      <a:r>
-                        <a:rPr lang="en-IE" sz="1000" b="0" err="1">
-                          <a:solidFill>
-                            <a:schemeClr val="accent4"/>
-                          </a:solidFill>
-                          <a:latin typeface="Segoe UI" panose="020B0502040204020203" pitchFamily="34" charset="0"/>
-                          <a:cs typeface="Segoe UI" panose="020B0502040204020203" pitchFamily="34" charset="0"/>
-                        </a:rPr>
-                        <a:t>new_data</a:t>
-                      </a:r>
-                      <a:r>
-                        <a:rPr lang="en-IE" sz="1000" b="0">
-                          <a:solidFill>
-                            <a:schemeClr val="accent4"/>
-                          </a:solidFill>
-                          <a:latin typeface="Segoe UI" panose="020B0502040204020203" pitchFamily="34" charset="0"/>
-                          <a:cs typeface="Segoe UI" panose="020B0502040204020203" pitchFamily="34" charset="0"/>
-                        </a:rPr>
-                        <a:t>;</a:t>
-                      </a:r>
-                    </a:p>
-                    <a:p>
-                      <a:r>
-                        <a:rPr lang="en-IE" sz="1000" b="0">
-                          <a:solidFill>
-                            <a:schemeClr val="accent4"/>
-                          </a:solidFill>
-                          <a:latin typeface="Segoe UI" panose="020B0502040204020203" pitchFamily="34" charset="0"/>
-                          <a:cs typeface="Segoe UI" panose="020B0502040204020203" pitchFamily="34" charset="0"/>
-                        </a:rPr>
-                        <a:t>  set </a:t>
-                      </a:r>
-                      <a:r>
-                        <a:rPr lang="en-IE" sz="1000" b="0" err="1">
-                          <a:solidFill>
-                            <a:schemeClr val="accent4"/>
-                          </a:solidFill>
-                          <a:latin typeface="Segoe UI" panose="020B0502040204020203" pitchFamily="34" charset="0"/>
-                          <a:cs typeface="Segoe UI" panose="020B0502040204020203" pitchFamily="34" charset="0"/>
-                        </a:rPr>
-                        <a:t>old_data</a:t>
-                      </a:r>
-                      <a:r>
-                        <a:rPr lang="en-IE" sz="1000" b="0">
-                          <a:solidFill>
-                            <a:schemeClr val="accent4"/>
-                          </a:solidFill>
-                          <a:latin typeface="Segoe UI" panose="020B0502040204020203" pitchFamily="34" charset="0"/>
-                          <a:cs typeface="Segoe UI" panose="020B0502040204020203" pitchFamily="34" charset="0"/>
-                        </a:rPr>
-                        <a:t>;</a:t>
-                      </a:r>
-                    </a:p>
-                    <a:p>
-                      <a:r>
-                        <a:rPr lang="en-IE" sz="1000" b="0">
-                          <a:solidFill>
-                            <a:schemeClr val="accent4"/>
-                          </a:solidFill>
-                          <a:latin typeface="Segoe UI" panose="020B0502040204020203" pitchFamily="34" charset="0"/>
-                          <a:cs typeface="Segoe UI" panose="020B0502040204020203" pitchFamily="34" charset="0"/>
-                        </a:rPr>
-                        <a:t>  </a:t>
-                      </a:r>
-                      <a:r>
-                        <a:rPr lang="en-IE" sz="1000" b="0" err="1">
-                          <a:solidFill>
-                            <a:schemeClr val="accent2"/>
-                          </a:solidFill>
-                          <a:latin typeface="Segoe UI" panose="020B0502040204020203" pitchFamily="34" charset="0"/>
-                          <a:cs typeface="Segoe UI" panose="020B0502040204020203" pitchFamily="34" charset="0"/>
-                        </a:rPr>
-                        <a:t>house_number</a:t>
-                      </a:r>
-                      <a:r>
-                        <a:rPr lang="en-IE" sz="1000" b="0">
-                          <a:solidFill>
-                            <a:schemeClr val="accent2"/>
-                          </a:solidFill>
-                          <a:latin typeface="Segoe UI" panose="020B0502040204020203" pitchFamily="34" charset="0"/>
-                          <a:cs typeface="Segoe UI" panose="020B0502040204020203" pitchFamily="34" charset="0"/>
-                        </a:rPr>
-                        <a:t> </a:t>
-                      </a:r>
-                      <a:r>
-                        <a:rPr lang="en-IE" sz="1000" b="0">
-                          <a:solidFill>
-                            <a:schemeClr val="accent4"/>
-                          </a:solidFill>
-                          <a:latin typeface="Segoe UI" panose="020B0502040204020203" pitchFamily="34" charset="0"/>
-                          <a:cs typeface="Segoe UI" panose="020B0502040204020203" pitchFamily="34" charset="0"/>
-                        </a:rPr>
-                        <a:t>=</a:t>
-                      </a:r>
-                      <a:r>
-                        <a:rPr lang="en-IE" sz="1000" b="1">
-                          <a:solidFill>
-                            <a:schemeClr val="accent1"/>
-                          </a:solidFill>
-                          <a:latin typeface="Segoe UI" panose="020B0502040204020203" pitchFamily="34" charset="0"/>
-                          <a:cs typeface="Segoe UI" panose="020B0502040204020203" pitchFamily="34" charset="0"/>
-                        </a:rPr>
-                        <a:t> compress( </a:t>
-                      </a:r>
-                      <a:r>
-                        <a:rPr lang="en-IE" sz="1000" b="0">
-                          <a:solidFill>
-                            <a:schemeClr val="accent2"/>
-                          </a:solidFill>
-                          <a:latin typeface="Segoe UI" panose="020B0502040204020203" pitchFamily="34" charset="0"/>
-                          <a:cs typeface="Segoe UI" panose="020B0502040204020203" pitchFamily="34" charset="0"/>
-                        </a:rPr>
-                        <a:t>address</a:t>
-                      </a:r>
-                      <a:r>
-                        <a:rPr lang="en-IE" sz="1000" b="1">
-                          <a:solidFill>
-                            <a:schemeClr val="accent1"/>
-                          </a:solidFill>
-                          <a:latin typeface="Segoe UI" panose="020B0502040204020203" pitchFamily="34" charset="0"/>
-                          <a:cs typeface="Segoe UI" panose="020B0502040204020203" pitchFamily="34" charset="0"/>
-                        </a:rPr>
-                        <a:t> , , </a:t>
-                      </a:r>
-                      <a:r>
-                        <a:rPr lang="en-US" sz="1000" b="1">
-                          <a:solidFill>
-                            <a:schemeClr val="accent1"/>
-                          </a:solidFill>
-                          <a:latin typeface="Segoe UI" panose="020B0502040204020203" pitchFamily="34" charset="0"/>
-                          <a:cs typeface="Segoe UI" panose="020B0502040204020203" pitchFamily="34" charset="0"/>
-                        </a:rPr>
-                        <a:t>"</a:t>
-                      </a:r>
-                      <a:r>
-                        <a:rPr lang="en-IE" sz="1000" b="0">
-                          <a:solidFill>
-                            <a:schemeClr val="accent1"/>
-                          </a:solidFill>
-                          <a:latin typeface="Segoe UI" panose="020B0502040204020203" pitchFamily="34" charset="0"/>
-                          <a:cs typeface="Segoe UI" panose="020B0502040204020203" pitchFamily="34" charset="0"/>
-                        </a:rPr>
-                        <a:t>dk</a:t>
-                      </a:r>
-                      <a:r>
-                        <a:rPr lang="en-US" sz="1000" b="1">
-                          <a:solidFill>
-                            <a:schemeClr val="accent1"/>
-                          </a:solidFill>
-                          <a:latin typeface="Segoe UI" panose="020B0502040204020203" pitchFamily="34" charset="0"/>
-                          <a:cs typeface="Segoe UI" panose="020B0502040204020203" pitchFamily="34" charset="0"/>
-                        </a:rPr>
-                        <a:t>"</a:t>
-                      </a:r>
-                      <a:r>
-                        <a:rPr lang="en-IE" sz="1000" b="1">
-                          <a:solidFill>
-                            <a:schemeClr val="accent1"/>
-                          </a:solidFill>
-                          <a:latin typeface="Segoe UI" panose="020B0502040204020203" pitchFamily="34" charset="0"/>
-                          <a:cs typeface="Segoe UI" panose="020B0502040204020203" pitchFamily="34" charset="0"/>
-                        </a:rPr>
-                        <a:t> )</a:t>
-                      </a:r>
-                      <a:r>
-                        <a:rPr lang="en-IE" sz="1000" b="0">
-                          <a:solidFill>
-                            <a:schemeClr val="accent4"/>
-                          </a:solidFill>
-                          <a:latin typeface="Segoe UI" panose="020B0502040204020203" pitchFamily="34" charset="0"/>
-                          <a:cs typeface="Segoe UI" panose="020B0502040204020203" pitchFamily="34" charset="0"/>
-                        </a:rPr>
-                        <a:t>;</a:t>
-                      </a:r>
-                      <a:endParaRPr lang="en-IE" sz="1000" b="1">
-                        <a:solidFill>
-                          <a:schemeClr val="accent1"/>
-                        </a:solidFill>
-                        <a:latin typeface="Segoe UI" panose="020B0502040204020203" pitchFamily="34" charset="0"/>
-                        <a:cs typeface="Segoe UI" panose="020B0502040204020203" pitchFamily="34" charset="0"/>
-                      </a:endParaRPr>
-                    </a:p>
-                    <a:p>
-                      <a:r>
-                        <a:rPr lang="en-IE" sz="1000" b="0">
-                          <a:solidFill>
-                            <a:schemeClr val="accent4"/>
-                          </a:solidFill>
-                          <a:latin typeface="Segoe UI" panose="020B0502040204020203" pitchFamily="34" charset="0"/>
-                          <a:cs typeface="Segoe UI" panose="020B0502040204020203" pitchFamily="34" charset="0"/>
-                        </a:rPr>
-                        <a:t>run;</a:t>
-                      </a:r>
-                    </a:p>
-                  </a:txBody>
-                  <a:tcPr marL="0" marR="0" marT="82800" marB="82800">
-                    <a:lnL w="9525" cap="flat" cmpd="sng" algn="ctr">
-                      <a:noFill/>
-                      <a:prstDash val="solid"/>
-                      <a:round/>
-                      <a:headEnd type="none" w="med" len="med"/>
-                      <a:tailEnd type="none" w="med" len="med"/>
-                    </a:lnL>
-                    <a:lnR w="9525" cap="flat" cmpd="sng" algn="ctr">
-                      <a:noFill/>
-                      <a:prstDash val="solid"/>
-                      <a:round/>
-                      <a:headEnd type="none" w="med" len="med"/>
-                      <a:tailEnd type="none" w="med" len="med"/>
-                    </a:lnR>
-                    <a:lnT w="9525" cap="flat" cmpd="sng" algn="ctr">
-                      <a:solidFill>
-                        <a:schemeClr val="accent5"/>
-                      </a:solidFill>
-                      <a:prstDash val="solid"/>
-                      <a:round/>
-                      <a:headEnd type="none" w="med" len="med"/>
-                      <a:tailEnd type="none" w="med" len="med"/>
-                    </a:lnT>
-                    <a:lnB w="12700" cap="flat" cmpd="sng" algn="ctr">
-                      <a:solidFill>
-                        <a:schemeClr val="accent3"/>
-                      </a:solidFill>
-                      <a:prstDash val="solid"/>
-                      <a:round/>
-                      <a:headEnd type="none" w="med" len="med"/>
-                      <a:tailEnd type="none" w="med" len="med"/>
-                    </a:lnB>
-                    <a:lnTlToBr w="12700" cmpd="sng">
-                      <a:noFill/>
-                      <a:prstDash val="solid"/>
-                    </a:lnTlToBr>
-                    <a:lnBlToTr w="12700" cmpd="sng">
-                      <a:noFill/>
-                      <a:prstDash val="solid"/>
-                    </a:lnBlToTr>
-                  </a:tcPr>
-                </a:tc>
-                <a:tc>
-                  <a:txBody>
-                    <a:bodyPr/>
-                    <a:lstStyle/>
                     <a:p>
                       <a:pPr marL="0" marR="0" lvl="0" indent="0" algn="l" defTabSz="914400" rtl="0" eaLnBrk="1" fontAlgn="auto" latinLnBrk="0" hangingPunct="1">
                         <a:lnSpc>
@@ -22856,106 +23257,14 @@
                         <a:defRPr/>
                       </a:pPr>
                       <a:r>
-                        <a:rPr lang="en-IE" sz="1000" b="0" dirty="0" err="1">
-                          <a:solidFill>
-                            <a:schemeClr val="accent4"/>
-                          </a:solidFill>
-                          <a:latin typeface="Segoe UI" panose="020B0502040204020203" pitchFamily="34" charset="0"/>
-                          <a:cs typeface="Segoe UI" panose="020B0502040204020203" pitchFamily="34" charset="0"/>
-                        </a:rPr>
-                        <a:t>new_data</a:t>
-                      </a:r>
-                      <a:r>
-                        <a:rPr lang="en-IE" sz="1000" b="0" dirty="0">
-                          <a:solidFill>
-                            <a:schemeClr val="accent4"/>
-                          </a:solidFill>
-                          <a:latin typeface="Segoe UI" panose="020B0502040204020203" pitchFamily="34" charset="0"/>
-                          <a:cs typeface="Segoe UI" panose="020B0502040204020203" pitchFamily="34" charset="0"/>
-                        </a:rPr>
-                        <a:t> </a:t>
-                      </a:r>
-                      <a:r>
-                        <a:rPr lang="en-IE" sz="1000" b="1" dirty="0">
-                          <a:solidFill>
-                            <a:schemeClr val="accent4"/>
-                          </a:solidFill>
-                          <a:latin typeface="Segoe UI" panose="020B0502040204020203" pitchFamily="34" charset="0"/>
-                          <a:cs typeface="Segoe UI" panose="020B0502040204020203" pitchFamily="34" charset="0"/>
-                        </a:rPr>
-                        <a:t>&lt;-</a:t>
-                      </a:r>
-                      <a:r>
-                        <a:rPr lang="en-IE" sz="1000" b="0" dirty="0">
-                          <a:solidFill>
-                            <a:schemeClr val="accent4"/>
-                          </a:solidFill>
-                          <a:latin typeface="Segoe UI" panose="020B0502040204020203" pitchFamily="34" charset="0"/>
-                          <a:cs typeface="Segoe UI" panose="020B0502040204020203" pitchFamily="34" charset="0"/>
-                        </a:rPr>
-                        <a:t> </a:t>
-                      </a:r>
-                      <a:r>
-                        <a:rPr lang="en-IE" sz="1000" b="0" dirty="0" err="1">
-                          <a:solidFill>
-                            <a:schemeClr val="accent4"/>
-                          </a:solidFill>
-                          <a:latin typeface="Segoe UI" panose="020B0502040204020203" pitchFamily="34" charset="0"/>
-                          <a:cs typeface="Segoe UI" panose="020B0502040204020203" pitchFamily="34" charset="0"/>
-                        </a:rPr>
-                        <a:t>old_data</a:t>
-                      </a:r>
-                      <a:r>
-                        <a:rPr lang="en-IE" sz="1000" b="0" dirty="0">
-                          <a:solidFill>
-                            <a:schemeClr val="accent4"/>
-                          </a:solidFill>
-                          <a:latin typeface="Segoe UI" panose="020B0502040204020203" pitchFamily="34" charset="0"/>
-                          <a:cs typeface="Segoe UI" panose="020B0502040204020203" pitchFamily="34" charset="0"/>
-                        </a:rPr>
-                        <a:t> %&gt;%</a:t>
-                      </a:r>
-                    </a:p>
-                    <a:p>
-                      <a:r>
-                        <a:rPr lang="en-IE" sz="1000" b="0" dirty="0">
-                          <a:solidFill>
-                            <a:schemeClr val="accent4"/>
-                          </a:solidFill>
-                          <a:latin typeface="Segoe UI" panose="020B0502040204020203" pitchFamily="34" charset="0"/>
-                          <a:cs typeface="Segoe UI" panose="020B0502040204020203" pitchFamily="34" charset="0"/>
-                        </a:rPr>
-                        <a:t>  mutate( </a:t>
-                      </a:r>
-                      <a:r>
-                        <a:rPr lang="en-IE" sz="1000" b="0" dirty="0" err="1">
-                          <a:solidFill>
-                            <a:schemeClr val="accent2"/>
-                          </a:solidFill>
-                          <a:latin typeface="Segoe UI" panose="020B0502040204020203" pitchFamily="34" charset="0"/>
-                          <a:cs typeface="Segoe UI" panose="020B0502040204020203" pitchFamily="34" charset="0"/>
-                        </a:rPr>
-                        <a:t>house_number</a:t>
-                      </a:r>
-                      <a:r>
-                        <a:rPr lang="en-IE" sz="1000" b="0" dirty="0">
-                          <a:solidFill>
-                            <a:schemeClr val="accent2"/>
-                          </a:solidFill>
-                          <a:latin typeface="Segoe UI" panose="020B0502040204020203" pitchFamily="34" charset="0"/>
-                          <a:cs typeface="Segoe UI" panose="020B0502040204020203" pitchFamily="34" charset="0"/>
-                        </a:rPr>
-                        <a:t> </a:t>
-                      </a:r>
-                      <a:r>
-                        <a:rPr lang="en-IE" sz="1000" b="1" dirty="0">
-                          <a:solidFill>
-                            <a:schemeClr val="accent1"/>
-                          </a:solidFill>
-                          <a:latin typeface="Segoe UI" panose="020B0502040204020203" pitchFamily="34" charset="0"/>
-                          <a:cs typeface="Segoe UI" panose="020B0502040204020203" pitchFamily="34" charset="0"/>
-                        </a:rPr>
-                        <a:t>= </a:t>
+                        <a:rPr lang="en-IE" sz="1000" b="0" dirty="0">
+                          <a:solidFill>
+                            <a:schemeClr val="accent4"/>
+                          </a:solidFill>
+                          <a:latin typeface="Segoe UI" panose="020B0502040204020203" pitchFamily="34" charset="0"/>
+                          <a:cs typeface="Segoe UI" panose="020B0502040204020203" pitchFamily="34" charset="0"/>
+                        </a:rPr>
+                        <a:t>Move to other locations using </a:t>
                       </a:r>
                       <a:r>
                         <a:rPr lang="en-IE" sz="1000" b="1" dirty="0" err="1">
@@ -22965,467 +23274,10 @@
                           <a:latin typeface="Segoe UI" panose="020B0502040204020203" pitchFamily="34" charset="0"/>
                           <a:cs typeface="Segoe UI" panose="020B0502040204020203" pitchFamily="34" charset="0"/>
                         </a:rPr>
-                        <a:t>str_extract</a:t>
-                      </a:r>
-                      <a:r>
-                        <a:rPr lang="en-IE" sz="1000" b="1" dirty="0">
-                          <a:solidFill>
-                            <a:schemeClr val="accent1"/>
-                          </a:solidFill>
-                          <a:latin typeface="Segoe UI" panose="020B0502040204020203" pitchFamily="34" charset="0"/>
-                          <a:cs typeface="Segoe UI" panose="020B0502040204020203" pitchFamily="34" charset="0"/>
-                        </a:rPr>
-                        <a:t>( </a:t>
-                      </a:r>
-                      <a:r>
-                        <a:rPr lang="en-IE" sz="1000" b="0" dirty="0">
-                          <a:solidFill>
-                            <a:schemeClr val="accent2"/>
-                          </a:solidFill>
-                          <a:latin typeface="Segoe UI" panose="020B0502040204020203" pitchFamily="34" charset="0"/>
-                          <a:cs typeface="Segoe UI" panose="020B0502040204020203" pitchFamily="34" charset="0"/>
-                        </a:rPr>
-                        <a:t>address</a:t>
-                      </a:r>
-                      <a:r>
-                        <a:rPr lang="en-IE" sz="1000" b="1" dirty="0">
-                          <a:solidFill>
-                            <a:schemeClr val="accent1"/>
-                          </a:solidFill>
-                          <a:latin typeface="Segoe UI" panose="020B0502040204020203" pitchFamily="34" charset="0"/>
-                          <a:cs typeface="Segoe UI" panose="020B0502040204020203" pitchFamily="34" charset="0"/>
-                        </a:rPr>
-                        <a:t> , </a:t>
-                      </a:r>
-                      <a:r>
-                        <a:rPr lang="en-US" sz="1000" b="1" dirty="0">
-                          <a:solidFill>
-                            <a:schemeClr val="accent1"/>
-                          </a:solidFill>
-                          <a:latin typeface="Segoe UI" panose="020B0502040204020203" pitchFamily="34" charset="0"/>
-                          <a:cs typeface="Segoe UI" panose="020B0502040204020203" pitchFamily="34" charset="0"/>
-                        </a:rPr>
-                        <a:t>"</a:t>
-                      </a:r>
-                      <a:r>
-                        <a:rPr lang="en-IE" sz="1000" b="0" dirty="0">
-                          <a:solidFill>
-                            <a:schemeClr val="accent1"/>
-                          </a:solidFill>
-                          <a:latin typeface="Segoe UI" panose="020B0502040204020203" pitchFamily="34" charset="0"/>
-                          <a:cs typeface="Segoe UI" panose="020B0502040204020203" pitchFamily="34" charset="0"/>
-                        </a:rPr>
-                        <a:t>\\d+</a:t>
-                      </a:r>
-                      <a:r>
-                        <a:rPr lang="en-US" sz="1000" b="1" dirty="0">
-                          <a:solidFill>
-                            <a:schemeClr val="accent1"/>
-                          </a:solidFill>
-                          <a:latin typeface="Segoe UI" panose="020B0502040204020203" pitchFamily="34" charset="0"/>
-                          <a:cs typeface="Segoe UI" panose="020B0502040204020203" pitchFamily="34" charset="0"/>
-                        </a:rPr>
-                        <a:t>"</a:t>
-                      </a:r>
-                      <a:r>
-                        <a:rPr lang="en-IE" sz="1000" b="1" dirty="0">
-                          <a:solidFill>
-                            <a:schemeClr val="accent1"/>
-                          </a:solidFill>
-                          <a:latin typeface="Segoe UI" panose="020B0502040204020203" pitchFamily="34" charset="0"/>
-                          <a:cs typeface="Segoe UI" panose="020B0502040204020203" pitchFamily="34" charset="0"/>
-                        </a:rPr>
-                        <a:t> )</a:t>
-                      </a:r>
-                      <a:r>
-                        <a:rPr lang="en-IE" sz="1000" b="0" dirty="0">
-                          <a:solidFill>
-                            <a:schemeClr val="accent4"/>
-                          </a:solidFill>
-                          <a:latin typeface="Segoe UI" panose="020B0502040204020203" pitchFamily="34" charset="0"/>
-                          <a:cs typeface="Segoe UI" panose="020B0502040204020203" pitchFamily="34" charset="0"/>
-                        </a:rPr>
-                        <a:t>)</a:t>
-                      </a:r>
-                    </a:p>
-                  </a:txBody>
-                  <a:tcPr marL="0" marR="0" marT="82800" marB="82800">
-                    <a:lnL w="9525" cap="flat" cmpd="sng" algn="ctr">
-                      <a:noFill/>
-                      <a:prstDash val="solid"/>
-                      <a:round/>
-                      <a:headEnd type="none" w="med" len="med"/>
-                      <a:tailEnd type="none" w="med" len="med"/>
-                    </a:lnL>
-                    <a:lnR w="9525" cap="flat" cmpd="sng" algn="ctr">
-                      <a:noFill/>
-                      <a:prstDash val="solid"/>
-                      <a:round/>
-                      <a:headEnd type="none" w="med" len="med"/>
-                      <a:tailEnd type="none" w="med" len="med"/>
-                    </a:lnR>
-                    <a:lnT w="9525" cap="flat" cmpd="sng" algn="ctr">
-                      <a:solidFill>
-                        <a:schemeClr val="accent5"/>
-                      </a:solidFill>
-                      <a:prstDash val="solid"/>
-                      <a:round/>
-                      <a:headEnd type="none" w="med" len="med"/>
-                      <a:tailEnd type="none" w="med" len="med"/>
-                    </a:lnT>
-                    <a:lnB w="12700" cap="flat" cmpd="sng" algn="ctr">
-                      <a:solidFill>
-                        <a:schemeClr val="accent3"/>
-                      </a:solidFill>
-                      <a:prstDash val="solid"/>
-                      <a:round/>
-                      <a:headEnd type="none" w="med" len="med"/>
-                      <a:tailEnd type="none" w="med" len="med"/>
-                    </a:lnB>
-                    <a:lnTlToBr w="12700" cmpd="sng">
-                      <a:noFill/>
-                      <a:prstDash val="solid"/>
-                    </a:lnTlToBr>
-                    <a:lnBlToTr w="12700" cmpd="sng">
-                      <a:noFill/>
-                      <a:prstDash val="solid"/>
-                    </a:lnBlToTr>
-                  </a:tcPr>
-                </a:tc>
-                <a:extLst>
-                  <a:ext uri="{0D108BD9-81ED-4DB2-BD59-A6C34878D82A}">
-                    <a16:rowId xmlns:a16="http://schemas.microsoft.com/office/drawing/2014/main" val="3519807631"/>
-                  </a:ext>
-                </a:extLst>
-              </a:tr>
-              <a:tr h="474012">
-                <a:tc>
-                  <a:txBody>
-                    <a:bodyPr/>
-                    <a:lstStyle/>
-                    <a:p>
-                      <a:r>
-                        <a:rPr kumimoji="0" lang="en-IE" sz="1700" b="0" i="0" u="none" strike="noStrike" kern="1200" cap="none" spc="0" normalizeH="0" baseline="0" noProof="0">
-                          <a:ln>
-                            <a:noFill/>
-                          </a:ln>
-                          <a:solidFill>
-                            <a:srgbClr val="5B6670"/>
-                          </a:solidFill>
-                          <a:effectLst/>
-                          <a:uLnTx/>
-                          <a:uFillTx/>
-                          <a:latin typeface="Segoe UI" panose="020B0502040204020203" pitchFamily="34" charset="0"/>
-                          <a:ea typeface="+mn-ea"/>
-                          <a:cs typeface="Segoe UI" panose="020B0502040204020203" pitchFamily="34" charset="0"/>
-                        </a:rPr>
-                        <a:t>File operations</a:t>
-                      </a:r>
-                      <a:endParaRPr lang="en-IE" sz="1000" b="0">
-                        <a:solidFill>
-                          <a:schemeClr val="accent4"/>
-                        </a:solidFill>
-                        <a:latin typeface="Segoe UI" panose="020B0502040204020203" pitchFamily="34" charset="0"/>
-                        <a:cs typeface="Segoe UI" panose="020B0502040204020203" pitchFamily="34" charset="0"/>
-                      </a:endParaRPr>
-                    </a:p>
-                  </a:txBody>
-                  <a:tcPr marL="0" marR="0" marT="108000" marB="108000">
-                    <a:lnL w="9525" cap="flat" cmpd="sng" algn="ctr">
-                      <a:noFill/>
-                      <a:prstDash val="solid"/>
-                      <a:round/>
-                      <a:headEnd type="none" w="med" len="med"/>
-                      <a:tailEnd type="none" w="med" len="med"/>
-                    </a:lnL>
-                    <a:lnR w="9525" cap="flat" cmpd="sng" algn="ctr">
-                      <a:noFill/>
-                      <a:prstDash val="solid"/>
-                      <a:round/>
-                      <a:headEnd type="none" w="med" len="med"/>
-                      <a:tailEnd type="none" w="med" len="med"/>
-                    </a:lnR>
-                    <a:lnT w="12700" cap="flat" cmpd="sng" algn="ctr">
-                      <a:solidFill>
-                        <a:schemeClr val="accent3"/>
-                      </a:solidFill>
-                      <a:prstDash val="solid"/>
-                      <a:round/>
-                      <a:headEnd type="none" w="med" len="med"/>
-                      <a:tailEnd type="none" w="med" len="med"/>
-                    </a:lnT>
-                    <a:lnB w="9525" cap="flat" cmpd="sng" algn="ctr">
-                      <a:noFill/>
-                      <a:prstDash val="solid"/>
-                      <a:round/>
-                      <a:headEnd type="none" w="med" len="med"/>
-                      <a:tailEnd type="none" w="med" len="med"/>
-                    </a:lnB>
-                    <a:lnTlToBr w="12700" cmpd="sng">
-                      <a:noFill/>
-                      <a:prstDash val="solid"/>
-                    </a:lnTlToBr>
-                    <a:lnBlToTr w="12700" cmpd="sng">
-                      <a:noFill/>
-                      <a:prstDash val="solid"/>
-                    </a:lnBlToTr>
-                  </a:tcPr>
-                </a:tc>
-                <a:tc>
-                  <a:txBody>
-                    <a:bodyPr/>
-                    <a:lstStyle/>
-                    <a:p>
-                      <a:endParaRPr lang="en-IE" sz="1000" b="0">
-                        <a:solidFill>
-                          <a:schemeClr val="accent4"/>
-                        </a:solidFill>
-                        <a:latin typeface="Segoe UI" panose="020B0502040204020203" pitchFamily="34" charset="0"/>
-                        <a:cs typeface="Segoe UI" panose="020B0502040204020203" pitchFamily="34" charset="0"/>
-                      </a:endParaRPr>
-                    </a:p>
-                  </a:txBody>
-                  <a:tcPr marL="0" marR="0" marT="76154" marB="50769">
-                    <a:lnL w="9525" cap="flat" cmpd="sng" algn="ctr">
-                      <a:noFill/>
-                      <a:prstDash val="solid"/>
-                      <a:round/>
-                      <a:headEnd type="none" w="med" len="med"/>
-                      <a:tailEnd type="none" w="med" len="med"/>
-                    </a:lnL>
-                    <a:lnR w="9525" cap="flat" cmpd="sng" algn="ctr">
-                      <a:noFill/>
-                      <a:prstDash val="solid"/>
-                      <a:round/>
-                      <a:headEnd type="none" w="med" len="med"/>
-                      <a:tailEnd type="none" w="med" len="med"/>
-                    </a:lnR>
-                    <a:lnT w="12700" cap="flat" cmpd="sng" algn="ctr">
-                      <a:solidFill>
-                        <a:schemeClr val="accent3"/>
-                      </a:solidFill>
-                      <a:prstDash val="solid"/>
-                      <a:round/>
-                      <a:headEnd type="none" w="med" len="med"/>
-                      <a:tailEnd type="none" w="med" len="med"/>
-                    </a:lnT>
-                    <a:lnB w="9525" cap="flat" cmpd="sng" algn="ctr">
-                      <a:noFill/>
-                      <a:prstDash val="solid"/>
-                      <a:round/>
-                      <a:headEnd type="none" w="med" len="med"/>
-                      <a:tailEnd type="none" w="med" len="med"/>
-                    </a:lnB>
-                    <a:lnTlToBr w="12700" cmpd="sng">
-                      <a:noFill/>
-                      <a:prstDash val="solid"/>
-                    </a:lnTlToBr>
-                    <a:lnBlToTr w="12700" cmpd="sng">
-                      <a:noFill/>
-                      <a:prstDash val="solid"/>
-                    </a:lnBlToTr>
-                  </a:tcPr>
-                </a:tc>
-                <a:extLst>
-                  <a:ext uri="{0D108BD9-81ED-4DB2-BD59-A6C34878D82A}">
-                    <a16:rowId xmlns:a16="http://schemas.microsoft.com/office/drawing/2014/main" val="1630377080"/>
-                  </a:ext>
-                </a:extLst>
-              </a:tr>
-              <a:tr h="458371">
-                <a:tc>
-                  <a:txBody>
-                    <a:bodyPr/>
-                    <a:lstStyle/>
-                    <a:p>
-                      <a:r>
-                        <a:rPr lang="en-IE" sz="1000" b="0">
-                          <a:solidFill>
-                            <a:schemeClr val="accent4"/>
-                          </a:solidFill>
-                          <a:latin typeface="Segoe UI" panose="020B0502040204020203" pitchFamily="34" charset="0"/>
-                          <a:cs typeface="Segoe UI" panose="020B0502040204020203" pitchFamily="34" charset="0"/>
-                        </a:rPr>
-                        <a:t>Operate in ‘Work’ library.</a:t>
-                      </a:r>
-                    </a:p>
-                    <a:p>
-                      <a:r>
-                        <a:rPr lang="en-IE" sz="1000" b="0">
-                          <a:solidFill>
-                            <a:schemeClr val="accent4"/>
-                          </a:solidFill>
-                          <a:latin typeface="Segoe UI" panose="020B0502040204020203" pitchFamily="34" charset="0"/>
-                          <a:cs typeface="Segoe UI" panose="020B0502040204020203" pitchFamily="34" charset="0"/>
-                        </a:rPr>
-                        <a:t>Use </a:t>
-                      </a:r>
-                      <a:r>
-                        <a:rPr lang="en-IE" sz="1000" b="1" err="1">
-                          <a:solidFill>
-                            <a:schemeClr val="accent1"/>
-                          </a:solidFill>
-                          <a:latin typeface="Segoe UI" panose="020B0502040204020203" pitchFamily="34" charset="0"/>
-                          <a:cs typeface="Segoe UI" panose="020B0502040204020203" pitchFamily="34" charset="0"/>
-                        </a:rPr>
-                        <a:t>libname</a:t>
-                      </a:r>
-                      <a:r>
-                        <a:rPr lang="en-IE" sz="1000" b="0">
-                          <a:solidFill>
-                            <a:schemeClr val="accent4"/>
-                          </a:solidFill>
-                          <a:latin typeface="Segoe UI" panose="020B0502040204020203" pitchFamily="34" charset="0"/>
-                          <a:cs typeface="Segoe UI" panose="020B0502040204020203" pitchFamily="34" charset="0"/>
-                        </a:rPr>
-                        <a:t> to define file locations</a:t>
-                      </a:r>
-                    </a:p>
-                  </a:txBody>
-                  <a:tcPr marL="0" marR="0" marT="86308" marB="0">
-                    <a:lnL w="9525" cap="flat" cmpd="sng" algn="ctr">
-                      <a:noFill/>
-                      <a:prstDash val="solid"/>
-                      <a:round/>
-                      <a:headEnd type="none" w="med" len="med"/>
-                      <a:tailEnd type="none" w="med" len="med"/>
-                    </a:lnL>
-                    <a:lnR w="9525" cap="flat" cmpd="sng" algn="ctr">
-                      <a:noFill/>
-                      <a:prstDash val="solid"/>
-                      <a:round/>
-                      <a:headEnd type="none" w="med" len="med"/>
-                      <a:tailEnd type="none" w="med" len="med"/>
-                    </a:lnR>
-                    <a:lnT w="9525" cap="flat" cmpd="sng" algn="ctr">
-                      <a:noFill/>
-                      <a:prstDash val="solid"/>
-                      <a:round/>
-                      <a:headEnd type="none" w="med" len="med"/>
-                      <a:tailEnd type="none" w="med" len="med"/>
-                    </a:lnT>
-                    <a:lnB w="9525" cap="flat" cmpd="sng" algn="ctr">
-                      <a:solidFill>
-                        <a:schemeClr val="accent5"/>
-                      </a:solidFill>
-                      <a:prstDash val="solid"/>
-                      <a:round/>
-                      <a:headEnd type="none" w="med" len="med"/>
-                      <a:tailEnd type="none" w="med" len="med"/>
-                    </a:lnB>
-                    <a:lnTlToBr w="12700" cmpd="sng">
-                      <a:noFill/>
-                      <a:prstDash val="solid"/>
-                    </a:lnTlToBr>
-                    <a:lnBlToTr w="12700" cmpd="sng">
-                      <a:noFill/>
-                      <a:prstDash val="solid"/>
-                    </a:lnBlToTr>
-                  </a:tcPr>
-                </a:tc>
-                <a:tc>
-                  <a:txBody>
-                    <a:bodyPr/>
-                    <a:lstStyle/>
-                    <a:p>
-                      <a:pPr marL="0" marR="0" lvl="0" indent="0" algn="l" defTabSz="914400" rtl="0" eaLnBrk="1" fontAlgn="auto" latinLnBrk="0" hangingPunct="1">
-                        <a:lnSpc>
-                          <a:spcPct val="100000"/>
-                        </a:lnSpc>
-                        <a:spcBef>
-                          <a:spcPts val="0"/>
-                        </a:spcBef>
-                        <a:spcAft>
-                          <a:spcPts val="0"/>
-                        </a:spcAft>
-                        <a:buClrTx/>
-                        <a:buSzTx/>
-                        <a:buFontTx/>
-                        <a:buNone/>
-                        <a:tabLst/>
-                        <a:defRPr/>
-                      </a:pPr>
-                      <a:r>
-                        <a:rPr lang="en-IE" sz="1000" b="0">
-                          <a:solidFill>
-                            <a:schemeClr val="accent4"/>
-                          </a:solidFill>
-                          <a:latin typeface="Segoe UI" panose="020B0502040204020203" pitchFamily="34" charset="0"/>
-                          <a:cs typeface="Segoe UI" panose="020B0502040204020203" pitchFamily="34" charset="0"/>
-                        </a:rPr>
-                        <a:t>Operate in a particular ‘working directory’ (identify using </a:t>
-                      </a:r>
-                      <a:r>
-                        <a:rPr lang="en-IE" sz="1000" b="1" err="1">
-                          <a:solidFill>
-                            <a:schemeClr val="accent1"/>
-                          </a:solidFill>
-                          <a:latin typeface="Segoe UI" panose="020B0502040204020203" pitchFamily="34" charset="0"/>
-                          <a:cs typeface="Segoe UI" panose="020B0502040204020203" pitchFamily="34" charset="0"/>
-                        </a:rPr>
-                        <a:t>getwd</a:t>
-                      </a:r>
-                      <a:r>
-                        <a:rPr lang="en-IE" sz="1000" b="1">
-                          <a:solidFill>
-                            <a:schemeClr val="accent1"/>
-                          </a:solidFill>
-                          <a:latin typeface="Segoe UI" panose="020B0502040204020203" pitchFamily="34" charset="0"/>
-                          <a:cs typeface="Segoe UI" panose="020B0502040204020203" pitchFamily="34" charset="0"/>
-                        </a:rPr>
-                        <a:t>( ) </a:t>
-                      </a:r>
-                      <a:r>
-                        <a:rPr lang="en-IE" sz="1000" b="0">
-                          <a:solidFill>
-                            <a:schemeClr val="accent4"/>
-                          </a:solidFill>
-                          <a:latin typeface="Segoe UI" panose="020B0502040204020203" pitchFamily="34" charset="0"/>
-                          <a:cs typeface="Segoe UI" panose="020B0502040204020203" pitchFamily="34" charset="0"/>
-                        </a:rPr>
-                        <a:t>)</a:t>
-                      </a:r>
-                    </a:p>
-                    <a:p>
-                      <a:pPr marL="0" marR="0" lvl="0" indent="0" algn="l" defTabSz="914400" rtl="0" eaLnBrk="1" fontAlgn="auto" latinLnBrk="0" hangingPunct="1">
-                        <a:lnSpc>
-                          <a:spcPct val="100000"/>
-                        </a:lnSpc>
-                        <a:spcBef>
-                          <a:spcPts val="0"/>
-                        </a:spcBef>
-                        <a:spcAft>
-                          <a:spcPts val="0"/>
-                        </a:spcAft>
-                        <a:buClrTx/>
-                        <a:buSzTx/>
-                        <a:buFontTx/>
-                        <a:buNone/>
-                        <a:tabLst/>
-                        <a:defRPr/>
-                      </a:pPr>
-                      <a:r>
-                        <a:rPr lang="en-IE" sz="1000" b="0">
-                          <a:solidFill>
-                            <a:schemeClr val="accent4"/>
-                          </a:solidFill>
-                          <a:latin typeface="Segoe UI" panose="020B0502040204020203" pitchFamily="34" charset="0"/>
-                          <a:cs typeface="Segoe UI" panose="020B0502040204020203" pitchFamily="34" charset="0"/>
-                        </a:rPr>
-                        <a:t>Move to other locations using </a:t>
-                      </a:r>
-                      <a:r>
-                        <a:rPr lang="en-IE" sz="1000" b="1" err="1">
-                          <a:solidFill>
-                            <a:schemeClr val="accent1"/>
-                          </a:solidFill>
-                          <a:latin typeface="Segoe UI" panose="020B0502040204020203" pitchFamily="34" charset="0"/>
-                          <a:cs typeface="Segoe UI" panose="020B0502040204020203" pitchFamily="34" charset="0"/>
-                        </a:rPr>
                         <a:t>setwd</a:t>
                       </a:r>
                       <a:r>
-                        <a:rPr lang="en-IE" sz="1000" b="1">
+                        <a:rPr lang="en-IE" sz="1000" b="1" dirty="0">
                           <a:solidFill>
                             <a:schemeClr val="accent1"/>
                           </a:solidFill>
@@ -23490,7 +23342,7 @@
                     <a:lstStyle/>
                     <a:p>
                       <a:r>
-                        <a:rPr lang="en-IE" sz="1000" b="1" err="1">
+                        <a:rPr lang="en-IE" sz="1000" b="1" dirty="0" err="1">
                           <a:solidFill>
                             <a:schemeClr val="accent1"/>
                           </a:solidFill>
@@ -23500,7 +23352,7 @@
                         <a:t>libname</a:t>
                       </a:r>
                       <a:r>
-                        <a:rPr lang="en-IE" sz="1000" b="1">
+                        <a:rPr lang="en-IE" sz="1000" b="1" dirty="0">
                           <a:solidFill>
                             <a:schemeClr val="accent1"/>
                           </a:solidFill>
@@ -23510,7 +23362,7 @@
                         <a:t> </a:t>
                       </a:r>
                       <a:r>
-                        <a:rPr lang="en-IE" sz="1000" b="0" err="1">
+                        <a:rPr lang="en-IE" sz="1000" b="0" dirty="0" err="1">
                           <a:solidFill>
                             <a:schemeClr val="accent2"/>
                           </a:solidFill>
@@ -23520,7 +23372,7 @@
                         <a:t>library_name</a:t>
                       </a:r>
                       <a:r>
-                        <a:rPr lang="en-IE" sz="1000" b="0">
+                        <a:rPr lang="en-IE" sz="1000" b="0" dirty="0">
                           <a:solidFill>
                             <a:schemeClr val="accent2"/>
                           </a:solidFill>
@@ -23530,7 +23382,7 @@
                         <a:t> </a:t>
                       </a:r>
                       <a:r>
-                        <a:rPr lang="en-US" sz="1000" b="1">
+                        <a:rPr lang="en-US" sz="1000" b="1" dirty="0">
                           <a:solidFill>
                             <a:schemeClr val="accent1"/>
                           </a:solidFill>
@@ -23540,7 +23392,7 @@
                         <a:t>"</a:t>
                       </a:r>
                       <a:r>
-                        <a:rPr lang="en-IE" sz="1000" b="0" err="1">
+                        <a:rPr lang="en-IE" sz="1000" b="0" dirty="0" err="1">
                           <a:solidFill>
                             <a:schemeClr val="accent2"/>
                           </a:solidFill>
@@ -23550,7 +23402,7 @@
                         <a:t>file_location</a:t>
                       </a:r>
                       <a:r>
-                        <a:rPr lang="en-US" sz="1000" b="1">
+                        <a:rPr lang="en-US" sz="1000" b="1" dirty="0">
                           <a:solidFill>
                             <a:schemeClr val="accent1"/>
                           </a:solidFill>
@@ -23560,7 +23412,7 @@
                         <a:t>"</a:t>
                       </a:r>
                       <a:r>
-                        <a:rPr lang="en-IE" sz="1000" b="1">
+                        <a:rPr lang="en-IE" sz="1000" b="1" dirty="0">
                           <a:solidFill>
                             <a:schemeClr val="accent1"/>
                           </a:solidFill>
@@ -23572,7 +23424,7 @@
                     </a:p>
                     <a:p>
                       <a:r>
-                        <a:rPr lang="en-IE" sz="1000" b="1">
+                        <a:rPr lang="en-IE" sz="1000" b="1" dirty="0">
                           <a:solidFill>
                             <a:schemeClr val="accent1"/>
                           </a:solidFill>
@@ -23582,7 +23434,7 @@
                         <a:t>data </a:t>
                       </a:r>
                       <a:r>
-                        <a:rPr lang="en-IE" sz="1000" b="0" err="1">
+                        <a:rPr lang="en-IE" sz="1000" b="0" dirty="0" err="1">
                           <a:solidFill>
                             <a:schemeClr val="accent2"/>
                           </a:solidFill>
@@ -23592,7 +23444,7 @@
                         <a:t>library_name</a:t>
                       </a:r>
                       <a:r>
-                        <a:rPr lang="en-IE" sz="1000" b="1" err="1">
+                        <a:rPr lang="en-IE" sz="1000" b="1" dirty="0" err="1">
                           <a:solidFill>
                             <a:schemeClr val="accent1"/>
                           </a:solidFill>
@@ -23602,7 +23454,7 @@
                         <a:t>.</a:t>
                       </a:r>
                       <a:r>
-                        <a:rPr lang="en-IE" sz="1000" b="0" err="1">
+                        <a:rPr lang="en-IE" sz="1000" b="0" dirty="0" err="1">
                           <a:solidFill>
                             <a:schemeClr val="accent2"/>
                           </a:solidFill>
@@ -23612,7 +23464,7 @@
                         <a:t>saved_data</a:t>
                       </a:r>
                       <a:r>
-                        <a:rPr lang="en-IE" sz="1000" b="1">
+                        <a:rPr lang="en-IE" sz="1000" b="1" dirty="0">
                           <a:solidFill>
                             <a:schemeClr val="accent1"/>
                           </a:solidFill>
@@ -23624,7 +23476,7 @@
                     </a:p>
                     <a:p>
                       <a:r>
-                        <a:rPr lang="en-IE" sz="1000" b="1">
+                        <a:rPr lang="en-IE" sz="1000" b="1" dirty="0">
                           <a:solidFill>
                             <a:schemeClr val="accent1"/>
                           </a:solidFill>
@@ -23634,7 +23486,7 @@
                         <a:t>  set </a:t>
                       </a:r>
                       <a:r>
-                        <a:rPr lang="en-IE" sz="1000" b="0" err="1">
+                        <a:rPr lang="en-IE" sz="1000" b="0" dirty="0" err="1">
                           <a:solidFill>
                             <a:schemeClr val="accent2"/>
                           </a:solidFill>
@@ -23644,7 +23496,7 @@
                         <a:t>data_in_use</a:t>
                       </a:r>
                       <a:r>
-                        <a:rPr lang="en-IE" sz="1000" b="1">
+                        <a:rPr lang="en-IE" sz="1000" b="1" dirty="0">
                           <a:solidFill>
                             <a:schemeClr val="accent1"/>
                           </a:solidFill>
@@ -23656,7 +23508,7 @@
                     </a:p>
                     <a:p>
                       <a:r>
-                        <a:rPr lang="en-IE" sz="1000" b="0">
+                        <a:rPr lang="en-IE" sz="1000" b="0" dirty="0">
                           <a:solidFill>
                             <a:schemeClr val="accent4"/>
                           </a:solidFill>
@@ -25667,111 +25519,6 @@
       </p:sp>
       <p:sp>
         <p:nvSpPr>
-          <p:cNvPr id="12" name="TextBox 11">
-            <a:extLst>
-              <a:ext uri="{FF2B5EF4-FFF2-40B4-BE49-F238E27FC236}">
-                <a16:creationId xmlns:a16="http://schemas.microsoft.com/office/drawing/2014/main" id="{4F32C77E-7233-4985-AADC-FB60426D0CD5}"/>
-              </a:ext>
-            </a:extLst>
-          </p:cNvPr>
-          <p:cNvSpPr txBox="1"/>
-          <p:nvPr/>
-        </p:nvSpPr>
-        <p:spPr>
-          <a:xfrm>
-            <a:off x="9537073" y="2451683"/>
-            <a:ext cx="3882048" cy="151901"/>
-          </a:xfrm>
-          <a:prstGeom prst="rect">
-            <a:avLst/>
-          </a:prstGeom>
-          <a:noFill/>
-        </p:spPr>
-        <p:txBody>
-          <a:bodyPr wrap="square" lIns="0" tIns="0" rIns="0" bIns="0" rtlCol="0">
-            <a:spAutoFit/>
-          </a:bodyPr>
-          <a:lstStyle/>
-          <a:p>
-            <a:pPr algn="r"/>
-            <a:r>
-              <a:rPr lang="en-IE" sz="987" i="1">
-                <a:solidFill>
-                  <a:schemeClr val="accent4"/>
-                </a:solidFill>
-              </a:rPr>
-              <a:t>Use </a:t>
-            </a:r>
-            <a:r>
-              <a:rPr lang="en-IE" sz="987">
-                <a:solidFill>
-                  <a:schemeClr val="accent4"/>
-                </a:solidFill>
-              </a:rPr>
-              <a:t>^ </a:t>
-            </a:r>
-            <a:r>
-              <a:rPr lang="en-IE" sz="987" i="1">
-                <a:solidFill>
-                  <a:schemeClr val="accent4"/>
-                </a:solidFill>
-              </a:rPr>
-              <a:t>for start of string, </a:t>
-            </a:r>
-            <a:r>
-              <a:rPr lang="en-IE" sz="987">
-                <a:solidFill>
-                  <a:schemeClr val="accent4"/>
-                </a:solidFill>
-              </a:rPr>
-              <a:t>$ </a:t>
-            </a:r>
-            <a:r>
-              <a:rPr lang="en-IE" sz="987" i="1">
-                <a:solidFill>
-                  <a:schemeClr val="accent4"/>
-                </a:solidFill>
-              </a:rPr>
-              <a:t>for end of string, e.g. </a:t>
-            </a:r>
-            <a:r>
-              <a:rPr lang="en-US" sz="987">
-                <a:solidFill>
-                  <a:schemeClr val="accent4"/>
-                </a:solidFill>
-                <a:latin typeface="Segoe UI" panose="020B0502040204020203" pitchFamily="34" charset="0"/>
-                <a:cs typeface="Segoe UI" panose="020B0502040204020203" pitchFamily="34" charset="0"/>
-              </a:rPr>
-              <a:t>"</a:t>
-            </a:r>
-            <a:r>
-              <a:rPr lang="en-IE" sz="987">
-                <a:solidFill>
-                  <a:schemeClr val="accent4"/>
-                </a:solidFill>
-              </a:rPr>
-              <a:t>Health$</a:t>
-            </a:r>
-            <a:r>
-              <a:rPr lang="en-US" sz="987">
-                <a:solidFill>
-                  <a:schemeClr val="accent4"/>
-                </a:solidFill>
-                <a:latin typeface="Segoe UI" panose="020B0502040204020203" pitchFamily="34" charset="0"/>
-                <a:cs typeface="Segoe UI" panose="020B0502040204020203" pitchFamily="34" charset="0"/>
-              </a:rPr>
-              <a:t>"</a:t>
-            </a:r>
-            <a:endParaRPr lang="en-IE" sz="987">
-              <a:solidFill>
-                <a:schemeClr val="accent4"/>
-              </a:solidFill>
-            </a:endParaRPr>
-          </a:p>
-        </p:txBody>
-      </p:sp>
-      <p:sp>
-        <p:nvSpPr>
           <p:cNvPr id="13" name="TextBox 12">
             <a:extLst>
               <a:ext uri="{FF2B5EF4-FFF2-40B4-BE49-F238E27FC236}">
@@ -25784,7 +25531,7 @@
         </p:nvSpPr>
         <p:spPr>
           <a:xfrm>
-            <a:off x="9187961" y="3231946"/>
+            <a:off x="9229464" y="2458359"/>
             <a:ext cx="4231157" cy="151901"/>
           </a:xfrm>
           <a:prstGeom prst="rect">
@@ -25800,7 +25547,7 @@
           <a:p>
             <a:pPr algn="r"/>
             <a:r>
-              <a:rPr lang="en-IE" sz="987" i="1">
+              <a:rPr lang="en-IE" sz="987" i="1" dirty="0">
                 <a:solidFill>
                   <a:schemeClr val="accent4"/>
                 </a:solidFill>
@@ -25824,7 +25571,7 @@
         </p:nvSpPr>
         <p:spPr>
           <a:xfrm>
-            <a:off x="9187961" y="4000474"/>
+            <a:off x="9229464" y="3222811"/>
             <a:ext cx="4231157" cy="151901"/>
           </a:xfrm>
           <a:prstGeom prst="rect">
@@ -25840,7 +25587,7 @@
           <a:p>
             <a:pPr algn="r"/>
             <a:r>
-              <a:rPr lang="en-IE" sz="987" i="1">
+              <a:rPr lang="en-IE" sz="987" i="1" dirty="0">
                 <a:solidFill>
                   <a:schemeClr val="accent4"/>
                 </a:solidFill>
@@ -25848,7 +25595,7 @@
               <a:t>C.f. </a:t>
             </a:r>
             <a:r>
-              <a:rPr lang="en-IE" sz="987" err="1">
+              <a:rPr lang="en-IE" sz="987" dirty="0" err="1">
                 <a:solidFill>
                   <a:schemeClr val="accent4"/>
                 </a:solidFill>
@@ -25856,7 +25603,7 @@
               <a:t>str_replace</a:t>
             </a:r>
             <a:r>
-              <a:rPr lang="en-IE" sz="987">
+              <a:rPr lang="en-IE" sz="987" dirty="0">
                 <a:solidFill>
                   <a:schemeClr val="accent4"/>
                 </a:solidFill>
@@ -25864,168 +25611,12 @@
               <a:t>( ) </a:t>
             </a:r>
             <a:r>
-              <a:rPr lang="en-IE" sz="987" i="1">
+              <a:rPr lang="en-IE" sz="987" i="1" dirty="0">
                 <a:solidFill>
                   <a:schemeClr val="accent4"/>
                 </a:solidFill>
               </a:rPr>
               <a:t>for first instance of pattern only</a:t>
-            </a:r>
-          </a:p>
-        </p:txBody>
-      </p:sp>
-      <p:sp>
-        <p:nvSpPr>
-          <p:cNvPr id="15" name="TextBox 14">
-            <a:extLst>
-              <a:ext uri="{FF2B5EF4-FFF2-40B4-BE49-F238E27FC236}">
-                <a16:creationId xmlns:a16="http://schemas.microsoft.com/office/drawing/2014/main" id="{895912F4-1509-43D2-876F-BBCE31AA5D60}"/>
-              </a:ext>
-            </a:extLst>
-          </p:cNvPr>
-          <p:cNvSpPr txBox="1"/>
-          <p:nvPr/>
-        </p:nvSpPr>
-        <p:spPr>
-          <a:xfrm>
-            <a:off x="10867048" y="4781239"/>
-            <a:ext cx="2552071" cy="151901"/>
-          </a:xfrm>
-          <a:prstGeom prst="rect">
-            <a:avLst/>
-          </a:prstGeom>
-          <a:noFill/>
-        </p:spPr>
-        <p:txBody>
-          <a:bodyPr wrap="square" lIns="0" tIns="0" rIns="0" bIns="0" rtlCol="0">
-            <a:spAutoFit/>
-          </a:bodyPr>
-          <a:lstStyle/>
-          <a:p>
-            <a:pPr algn="r"/>
-            <a:r>
-              <a:rPr lang="en-IE" sz="987" i="1">
-                <a:solidFill>
-                  <a:schemeClr val="accent4"/>
-                </a:solidFill>
-              </a:rPr>
-              <a:t>Drop </a:t>
-            </a:r>
-            <a:r>
-              <a:rPr lang="en-IE" sz="987" err="1">
-                <a:solidFill>
-                  <a:schemeClr val="accent4"/>
-                </a:solidFill>
-              </a:rPr>
-              <a:t>sep</a:t>
-            </a:r>
-            <a:r>
-              <a:rPr lang="en-IE" sz="987">
-                <a:solidFill>
-                  <a:schemeClr val="accent4"/>
-                </a:solidFill>
-              </a:rPr>
-              <a:t> = </a:t>
-            </a:r>
-            <a:r>
-              <a:rPr lang="en-US" sz="987">
-                <a:solidFill>
-                  <a:schemeClr val="accent4"/>
-                </a:solidFill>
-                <a:latin typeface="Segoe UI" panose="020B0502040204020203" pitchFamily="34" charset="0"/>
-                <a:cs typeface="Segoe UI" panose="020B0502040204020203" pitchFamily="34" charset="0"/>
-              </a:rPr>
-              <a:t>"</a:t>
-            </a:r>
-            <a:r>
-              <a:rPr lang="en-IE" sz="987">
-                <a:solidFill>
-                  <a:schemeClr val="accent4"/>
-                </a:solidFill>
-              </a:rPr>
-              <a:t> </a:t>
-            </a:r>
-            <a:r>
-              <a:rPr lang="en-US" sz="987">
-                <a:solidFill>
-                  <a:schemeClr val="accent4"/>
-                </a:solidFill>
-                <a:latin typeface="Segoe UI" panose="020B0502040204020203" pitchFamily="34" charset="0"/>
-                <a:cs typeface="Segoe UI" panose="020B0502040204020203" pitchFamily="34" charset="0"/>
-              </a:rPr>
-              <a:t>"</a:t>
-            </a:r>
-            <a:r>
-              <a:rPr lang="en-IE" sz="987">
-                <a:solidFill>
-                  <a:schemeClr val="accent4"/>
-                </a:solidFill>
-              </a:rPr>
-              <a:t> </a:t>
-            </a:r>
-            <a:r>
-              <a:rPr lang="en-IE" sz="987" i="1">
-                <a:solidFill>
-                  <a:schemeClr val="accent4"/>
-                </a:solidFill>
-              </a:rPr>
-              <a:t>for equivalent to </a:t>
-            </a:r>
-            <a:r>
-              <a:rPr lang="en-IE" sz="987">
-                <a:solidFill>
-                  <a:schemeClr val="accent4"/>
-                </a:solidFill>
-              </a:rPr>
-              <a:t>cats( ) </a:t>
-            </a:r>
-            <a:r>
-              <a:rPr lang="en-IE" sz="987" i="1">
-                <a:solidFill>
-                  <a:schemeClr val="accent4"/>
-                </a:solidFill>
-              </a:rPr>
-              <a:t>in SAS</a:t>
-            </a:r>
-          </a:p>
-        </p:txBody>
-      </p:sp>
-      <p:sp>
-        <p:nvSpPr>
-          <p:cNvPr id="16" name="TextBox 15">
-            <a:extLst>
-              <a:ext uri="{FF2B5EF4-FFF2-40B4-BE49-F238E27FC236}">
-                <a16:creationId xmlns:a16="http://schemas.microsoft.com/office/drawing/2014/main" id="{C0FB49AC-765B-4CBF-9DD7-40FB5FC228E9}"/>
-              </a:ext>
-            </a:extLst>
-          </p:cNvPr>
-          <p:cNvSpPr txBox="1"/>
-          <p:nvPr/>
-        </p:nvSpPr>
-        <p:spPr>
-          <a:xfrm>
-            <a:off x="9904372" y="5556661"/>
-            <a:ext cx="3514747" cy="151901"/>
-          </a:xfrm>
-          <a:prstGeom prst="rect">
-            <a:avLst/>
-          </a:prstGeom>
-          <a:noFill/>
-        </p:spPr>
-        <p:txBody>
-          <a:bodyPr wrap="square" lIns="0" tIns="0" rIns="0" bIns="0" rtlCol="0">
-            <a:spAutoFit/>
-          </a:bodyPr>
-          <a:lstStyle/>
-          <a:p>
-            <a:pPr algn="r"/>
-            <a:r>
-              <a:rPr lang="en-IE" sz="987" i="1">
-                <a:solidFill>
-                  <a:schemeClr val="accent4"/>
-                </a:solidFill>
-              </a:rPr>
-              <a:t>R example preserves punctuation at the end of words, SAS doesn’t</a:t>
             </a:r>
           </a:p>
         </p:txBody>
@@ -26044,7 +25635,7 @@
         </p:nvSpPr>
         <p:spPr>
           <a:xfrm>
-            <a:off x="9456613" y="6334206"/>
+            <a:off x="9499494" y="4002503"/>
             <a:ext cx="3962505" cy="151901"/>
           </a:xfrm>
           <a:prstGeom prst="rect">
@@ -26060,7 +25651,7 @@
           <a:p>
             <a:pPr algn="r"/>
             <a:r>
-              <a:rPr lang="en-IE" sz="987" i="1">
+              <a:rPr lang="en-IE" sz="987" i="1" dirty="0">
                 <a:solidFill>
                   <a:schemeClr val="accent4"/>
                 </a:solidFill>
@@ -26068,7 +25659,7 @@
               <a:t>Wide range of </a:t>
             </a:r>
             <a:r>
-              <a:rPr lang="en-IE" sz="987" i="1" err="1">
+              <a:rPr lang="en-IE" sz="987" i="1" dirty="0" err="1">
                 <a:solidFill>
                   <a:schemeClr val="accent4"/>
                 </a:solidFill>
@@ -26076,7 +25667,7 @@
               <a:t>regexps</a:t>
             </a:r>
             <a:r>
-              <a:rPr lang="en-IE" sz="987" i="1">
+              <a:rPr lang="en-IE" sz="987" i="1" dirty="0">
                 <a:solidFill>
                   <a:schemeClr val="accent4"/>
                 </a:solidFill>
@@ -26100,7 +25691,7 @@
         </p:nvSpPr>
         <p:spPr>
           <a:xfrm>
-            <a:off x="10807463" y="10082892"/>
+            <a:off x="10850342" y="10085667"/>
             <a:ext cx="2610279" cy="151901"/>
           </a:xfrm>
           <a:prstGeom prst="rect">
@@ -26142,8 +25733,8 @@
         </p:nvCxnSpPr>
         <p:spPr>
           <a:xfrm>
-            <a:off x="11147410" y="2214561"/>
-            <a:ext cx="0" cy="232401"/>
+            <a:off x="7195170" y="4963023"/>
+            <a:ext cx="170830" cy="0"/>
           </a:xfrm>
           <a:prstGeom prst="straightConnector1">
             <a:avLst/>
@@ -26296,6 +25887,180 @@
                 </a:solidFill>
               </a:rPr>
               <a:t> Brendan O’Dowd • brendanjodowd@gmail.com • Updated 2022-10</a:t>
+            </a:r>
+          </a:p>
+        </p:txBody>
+      </p:sp>
+      <p:cxnSp>
+        <p:nvCxnSpPr>
+          <p:cNvPr id="5" name="Straight Arrow Connector 4">
+            <a:extLst>
+              <a:ext uri="{FF2B5EF4-FFF2-40B4-BE49-F238E27FC236}">
+                <a16:creationId xmlns:a16="http://schemas.microsoft.com/office/drawing/2014/main" id="{1077B5CD-29C4-EC89-69AD-AA8FECD625B0}"/>
+              </a:ext>
+            </a:extLst>
+          </p:cNvPr>
+          <p:cNvCxnSpPr>
+            <a:cxnSpLocks/>
+          </p:cNvCxnSpPr>
+          <p:nvPr/>
+        </p:nvCxnSpPr>
+        <p:spPr>
+          <a:xfrm>
+            <a:off x="7366000" y="4963023"/>
+            <a:ext cx="0" cy="390027"/>
+          </a:xfrm>
+          <a:prstGeom prst="straightConnector1">
+            <a:avLst/>
+          </a:prstGeom>
+          <a:ln w="12700" cap="rnd">
+            <a:round/>
+            <a:headEnd type="none" w="sm" len="sm"/>
+            <a:tailEnd type="none"/>
+          </a:ln>
+        </p:spPr>
+        <p:style>
+          <a:lnRef idx="1">
+            <a:schemeClr val="accent3"/>
+          </a:lnRef>
+          <a:fillRef idx="0">
+            <a:schemeClr val="accent3"/>
+          </a:fillRef>
+          <a:effectRef idx="0">
+            <a:schemeClr val="accent3"/>
+          </a:effectRef>
+          <a:fontRef idx="minor">
+            <a:schemeClr val="tx1"/>
+          </a:fontRef>
+        </p:style>
+      </p:cxnSp>
+      <p:cxnSp>
+        <p:nvCxnSpPr>
+          <p:cNvPr id="25" name="Straight Arrow Connector 24">
+            <a:extLst>
+              <a:ext uri="{FF2B5EF4-FFF2-40B4-BE49-F238E27FC236}">
+                <a16:creationId xmlns:a16="http://schemas.microsoft.com/office/drawing/2014/main" id="{75F2CD3E-EBFE-EF17-2BBC-E04E640620F2}"/>
+              </a:ext>
+            </a:extLst>
+          </p:cNvPr>
+          <p:cNvCxnSpPr>
+            <a:cxnSpLocks/>
+          </p:cNvCxnSpPr>
+          <p:nvPr/>
+        </p:nvCxnSpPr>
+        <p:spPr>
+          <a:xfrm flipH="1">
+            <a:off x="7366000" y="5353050"/>
+            <a:ext cx="554038" cy="0"/>
+          </a:xfrm>
+          <a:prstGeom prst="straightConnector1">
+            <a:avLst/>
+          </a:prstGeom>
+          <a:ln w="12700" cap="rnd">
+            <a:round/>
+            <a:headEnd type="none" w="sm" len="sm"/>
+            <a:tailEnd type="none"/>
+          </a:ln>
+        </p:spPr>
+        <p:style>
+          <a:lnRef idx="1">
+            <a:schemeClr val="accent3"/>
+          </a:lnRef>
+          <a:fillRef idx="0">
+            <a:schemeClr val="accent3"/>
+          </a:fillRef>
+          <a:effectRef idx="0">
+            <a:schemeClr val="accent3"/>
+          </a:effectRef>
+          <a:fontRef idx="minor">
+            <a:schemeClr val="tx1"/>
+          </a:fontRef>
+        </p:style>
+      </p:cxnSp>
+      <p:sp>
+        <p:nvSpPr>
+          <p:cNvPr id="28" name="TextBox 27">
+            <a:extLst>
+              <a:ext uri="{FF2B5EF4-FFF2-40B4-BE49-F238E27FC236}">
+                <a16:creationId xmlns:a16="http://schemas.microsoft.com/office/drawing/2014/main" id="{FB6A2CA3-9638-3B89-9332-767A5E315D0D}"/>
+              </a:ext>
+            </a:extLst>
+          </p:cNvPr>
+          <p:cNvSpPr txBox="1"/>
+          <p:nvPr/>
+        </p:nvSpPr>
+        <p:spPr>
+          <a:xfrm>
+            <a:off x="7990059" y="5267078"/>
+            <a:ext cx="1509435" cy="303801"/>
+          </a:xfrm>
+          <a:prstGeom prst="rect">
+            <a:avLst/>
+          </a:prstGeom>
+          <a:noFill/>
+        </p:spPr>
+        <p:txBody>
+          <a:bodyPr wrap="square" lIns="0" tIns="0" rIns="0" bIns="0" rtlCol="0">
+            <a:spAutoFit/>
+          </a:bodyPr>
+          <a:lstStyle/>
+          <a:p>
+            <a:pPr algn="r"/>
+            <a:r>
+              <a:rPr lang="en-IE" sz="987" i="1" dirty="0">
+                <a:solidFill>
+                  <a:schemeClr val="accent4"/>
+                </a:solidFill>
+              </a:rPr>
+              <a:t>Add </a:t>
+            </a:r>
+            <a:r>
+              <a:rPr lang="en-IE" sz="987" dirty="0">
+                <a:solidFill>
+                  <a:schemeClr val="accent4"/>
+                </a:solidFill>
+              </a:rPr>
+              <a:t>NOTSORTED</a:t>
+            </a:r>
+            <a:r>
+              <a:rPr lang="en-IE" sz="987" i="1" dirty="0">
+                <a:solidFill>
+                  <a:schemeClr val="accent4"/>
+                </a:solidFill>
+              </a:rPr>
+              <a:t> if </a:t>
+            </a:r>
+            <a:r>
+              <a:rPr lang="en-IE" sz="987" dirty="0" err="1">
+                <a:solidFill>
+                  <a:schemeClr val="accent4"/>
+                </a:solidFill>
+              </a:rPr>
+              <a:t>long_data</a:t>
+            </a:r>
+            <a:r>
+              <a:rPr lang="en-IE" sz="987" dirty="0">
+                <a:solidFill>
+                  <a:schemeClr val="accent4"/>
+                </a:solidFill>
+              </a:rPr>
+              <a:t> </a:t>
+            </a:r>
+            <a:r>
+              <a:rPr lang="en-IE" sz="987" i="1" dirty="0">
+                <a:solidFill>
+                  <a:schemeClr val="accent4"/>
+                </a:solidFill>
+              </a:rPr>
+              <a:t>is not sorted by </a:t>
+            </a:r>
+            <a:r>
+              <a:rPr lang="en-IE" sz="987" dirty="0">
+                <a:solidFill>
+                  <a:schemeClr val="accent4"/>
+                </a:solidFill>
+              </a:rPr>
+              <a:t>student</a:t>
             </a:r>
           </a:p>
         </p:txBody>

--- a/powerpoints/sas-r.pptx
+++ b/powerpoints/sas-r.pptx
@@ -244,7 +244,7 @@
           <a:p>
             <a:fld id="{ECC89BB6-A31E-4472-9960-4A29D90DFAEA}" type="datetimeFigureOut">
               <a:rPr lang="en-IE" smtClean="0"/>
-              <a:t>12/10/2022</a:t>
+              <a:t>13/10/2022</a:t>
             </a:fld>
             <a:endParaRPr lang="en-IE"/>
           </a:p>
@@ -414,7 +414,7 @@
           <a:p>
             <a:fld id="{ECC89BB6-A31E-4472-9960-4A29D90DFAEA}" type="datetimeFigureOut">
               <a:rPr lang="en-IE" smtClean="0"/>
-              <a:t>12/10/2022</a:t>
+              <a:t>13/10/2022</a:t>
             </a:fld>
             <a:endParaRPr lang="en-IE"/>
           </a:p>
@@ -594,7 +594,7 @@
           <a:p>
             <a:fld id="{ECC89BB6-A31E-4472-9960-4A29D90DFAEA}" type="datetimeFigureOut">
               <a:rPr lang="en-IE" smtClean="0"/>
-              <a:t>12/10/2022</a:t>
+              <a:t>13/10/2022</a:t>
             </a:fld>
             <a:endParaRPr lang="en-IE"/>
           </a:p>
@@ -764,7 +764,7 @@
           <a:p>
             <a:fld id="{ECC89BB6-A31E-4472-9960-4A29D90DFAEA}" type="datetimeFigureOut">
               <a:rPr lang="en-IE" smtClean="0"/>
-              <a:t>12/10/2022</a:t>
+              <a:t>13/10/2022</a:t>
             </a:fld>
             <a:endParaRPr lang="en-IE"/>
           </a:p>
@@ -1008,7 +1008,7 @@
           <a:p>
             <a:fld id="{ECC89BB6-A31E-4472-9960-4A29D90DFAEA}" type="datetimeFigureOut">
               <a:rPr lang="en-IE" smtClean="0"/>
-              <a:t>12/10/2022</a:t>
+              <a:t>13/10/2022</a:t>
             </a:fld>
             <a:endParaRPr lang="en-IE"/>
           </a:p>
@@ -1240,7 +1240,7 @@
           <a:p>
             <a:fld id="{ECC89BB6-A31E-4472-9960-4A29D90DFAEA}" type="datetimeFigureOut">
               <a:rPr lang="en-IE" smtClean="0"/>
-              <a:t>12/10/2022</a:t>
+              <a:t>13/10/2022</a:t>
             </a:fld>
             <a:endParaRPr lang="en-IE"/>
           </a:p>
@@ -1607,7 +1607,7 @@
           <a:p>
             <a:fld id="{ECC89BB6-A31E-4472-9960-4A29D90DFAEA}" type="datetimeFigureOut">
               <a:rPr lang="en-IE" smtClean="0"/>
-              <a:t>12/10/2022</a:t>
+              <a:t>13/10/2022</a:t>
             </a:fld>
             <a:endParaRPr lang="en-IE"/>
           </a:p>
@@ -1725,7 +1725,7 @@
           <a:p>
             <a:fld id="{ECC89BB6-A31E-4472-9960-4A29D90DFAEA}" type="datetimeFigureOut">
               <a:rPr lang="en-IE" smtClean="0"/>
-              <a:t>12/10/2022</a:t>
+              <a:t>13/10/2022</a:t>
             </a:fld>
             <a:endParaRPr lang="en-IE"/>
           </a:p>
@@ -1820,7 +1820,7 @@
           <a:p>
             <a:fld id="{ECC89BB6-A31E-4472-9960-4A29D90DFAEA}" type="datetimeFigureOut">
               <a:rPr lang="en-IE" smtClean="0"/>
-              <a:t>12/10/2022</a:t>
+              <a:t>13/10/2022</a:t>
             </a:fld>
             <a:endParaRPr lang="en-IE"/>
           </a:p>
@@ -2097,7 +2097,7 @@
           <a:p>
             <a:fld id="{ECC89BB6-A31E-4472-9960-4A29D90DFAEA}" type="datetimeFigureOut">
               <a:rPr lang="en-IE" smtClean="0"/>
-              <a:t>12/10/2022</a:t>
+              <a:t>13/10/2022</a:t>
             </a:fld>
             <a:endParaRPr lang="en-IE"/>
           </a:p>
@@ -2354,7 +2354,7 @@
           <a:p>
             <a:fld id="{ECC89BB6-A31E-4472-9960-4A29D90DFAEA}" type="datetimeFigureOut">
               <a:rPr lang="en-IE" smtClean="0"/>
-              <a:t>12/10/2022</a:t>
+              <a:t>13/10/2022</a:t>
             </a:fld>
             <a:endParaRPr lang="en-IE"/>
           </a:p>
@@ -2567,7 +2567,7 @@
           <a:p>
             <a:fld id="{ECC89BB6-A31E-4472-9960-4A29D90DFAEA}" type="datetimeFigureOut">
               <a:rPr lang="en-IE" smtClean="0"/>
-              <a:t>12/10/2022</a:t>
+              <a:t>13/10/2022</a:t>
             </a:fld>
             <a:endParaRPr lang="en-IE"/>
           </a:p>
@@ -19581,7 +19581,7 @@
           <p:nvPr>
             <p:extLst>
               <p:ext uri="{D42A27DB-BD31-4B8C-83A1-F6EECF244321}">
-                <p14:modId xmlns:p14="http://schemas.microsoft.com/office/powerpoint/2010/main" val="4145134771"/>
+                <p14:modId xmlns:p14="http://schemas.microsoft.com/office/powerpoint/2010/main" val="3757859233"/>
               </p:ext>
             </p:extLst>
           </p:nvPr>
@@ -22179,27 +22179,7 @@
                           <a:latin typeface="Segoe UI" panose="020B0502040204020203" pitchFamily="34" charset="0"/>
                           <a:cs typeface="Segoe UI" panose="020B0502040204020203" pitchFamily="34" charset="0"/>
                         </a:rPr>
-                        <a:t> </a:t>
-                      </a:r>
-                      <a:r>
-                        <a:rPr lang="en-IE" sz="1000" b="1" dirty="0">
-                          <a:solidFill>
-                            <a:schemeClr val="accent4"/>
-                          </a:solidFill>
-                          <a:latin typeface="Segoe UI" panose="020B0502040204020203" pitchFamily="34" charset="0"/>
-                          <a:cs typeface="Segoe UI" panose="020B0502040204020203" pitchFamily="34" charset="0"/>
-                        </a:rPr>
-                        <a:t>&lt;-</a:t>
-                      </a:r>
-                      <a:r>
-                        <a:rPr lang="en-IE" sz="1000" b="0" dirty="0">
-                          <a:solidFill>
-                            <a:schemeClr val="accent4"/>
-                          </a:solidFill>
-                          <a:latin typeface="Segoe UI" panose="020B0502040204020203" pitchFamily="34" charset="0"/>
-                          <a:cs typeface="Segoe UI" panose="020B0502040204020203" pitchFamily="34" charset="0"/>
-                        </a:rPr>
-                        <a:t> </a:t>
+                        <a:t> &lt;- </a:t>
                       </a:r>
                       <a:r>
                         <a:rPr lang="en-IE" sz="1000" b="0" dirty="0" err="1">
@@ -22646,27 +22626,7 @@
                           <a:latin typeface="Segoe UI" panose="020B0502040204020203" pitchFamily="34" charset="0"/>
                           <a:cs typeface="Segoe UI" panose="020B0502040204020203" pitchFamily="34" charset="0"/>
                         </a:rPr>
-                        <a:t> </a:t>
-                      </a:r>
-                      <a:r>
-                        <a:rPr lang="en-IE" sz="1000" b="1" dirty="0">
-                          <a:solidFill>
-                            <a:schemeClr val="accent4"/>
-                          </a:solidFill>
-                          <a:latin typeface="Segoe UI" panose="020B0502040204020203" pitchFamily="34" charset="0"/>
-                          <a:cs typeface="Segoe UI" panose="020B0502040204020203" pitchFamily="34" charset="0"/>
-                        </a:rPr>
-                        <a:t>&lt;-</a:t>
-                      </a:r>
-                      <a:r>
-                        <a:rPr lang="en-IE" sz="1000" b="0" dirty="0">
-                          <a:solidFill>
-                            <a:schemeClr val="accent4"/>
-                          </a:solidFill>
-                          <a:latin typeface="Segoe UI" panose="020B0502040204020203" pitchFamily="34" charset="0"/>
-                          <a:cs typeface="Segoe UI" panose="020B0502040204020203" pitchFamily="34" charset="0"/>
-                        </a:rPr>
-                        <a:t> </a:t>
+                        <a:t> &lt;- </a:t>
                       </a:r>
                       <a:r>
                         <a:rPr lang="en-IE" sz="1000" b="0" dirty="0" err="1">
